--- a/javaSlides/Java Slides part 1.pptx
+++ b/javaSlides/Java Slides part 1.pptx
@@ -285,7 +285,7 @@
           <a:p>
             <a:fld id="{AF869721-F543-4A6C-BF9D-65D7CC540427}" type="datetimeFigureOut">
               <a:rPr lang="en-US" smtClean="0"/>
-              <a:t>12/13/2022</a:t>
+              <a:t>11/14/2022</a:t>
             </a:fld>
             <a:endParaRPr lang="en-US" dirty="0"/>
           </a:p>
@@ -462,7 +462,7 @@
           <a:p>
             <a:fld id="{C732326A-4C88-4AFB-AA5B-5919D81DFF5B}" type="datetimeFigureOut">
               <a:rPr lang="en-US" smtClean="0"/>
-              <a:t>12/13/2022</a:t>
+              <a:t>11/14/2022</a:t>
             </a:fld>
             <a:endParaRPr lang="en-US" dirty="0"/>
           </a:p>
@@ -1143,7 +1143,7 @@
             <a:fld id="{B61BEF0D-F0BB-DE4B-95CE-6DB70DBA9567}" type="datetimeFigureOut">
               <a:rPr lang="en-US" smtClean="0"/>
               <a:pPr/>
-              <a:t>12/13/2022</a:t>
+              <a:t>11/14/2022</a:t>
             </a:fld>
             <a:endParaRPr lang="en-US" dirty="0"/>
           </a:p>
@@ -1407,7 +1407,7 @@
             <a:fld id="{B61BEF0D-F0BB-DE4B-95CE-6DB70DBA9567}" type="datetimeFigureOut">
               <a:rPr lang="en-US" smtClean="0"/>
               <a:pPr/>
-              <a:t>12/13/2022</a:t>
+              <a:t>11/14/2022</a:t>
             </a:fld>
             <a:endParaRPr lang="en-US" dirty="0"/>
           </a:p>
@@ -1644,7 +1644,7 @@
             <a:fld id="{B61BEF0D-F0BB-DE4B-95CE-6DB70DBA9567}" type="datetimeFigureOut">
               <a:rPr lang="en-US" smtClean="0"/>
               <a:pPr/>
-              <a:t>12/13/2022</a:t>
+              <a:t>11/14/2022</a:t>
             </a:fld>
             <a:endParaRPr lang="en-US" dirty="0"/>
           </a:p>
@@ -1886,7 +1886,7 @@
             <a:fld id="{B61BEF0D-F0BB-DE4B-95CE-6DB70DBA9567}" type="datetimeFigureOut">
               <a:rPr lang="en-US" smtClean="0"/>
               <a:pPr/>
-              <a:t>12/13/2022</a:t>
+              <a:t>11/14/2022</a:t>
             </a:fld>
             <a:endParaRPr lang="en-US" dirty="0"/>
           </a:p>
@@ -2195,7 +2195,7 @@
             <a:fld id="{B61BEF0D-F0BB-DE4B-95CE-6DB70DBA9567}" type="datetimeFigureOut">
               <a:rPr lang="en-US" smtClean="0"/>
               <a:pPr/>
-              <a:t>12/13/2022</a:t>
+              <a:t>11/14/2022</a:t>
             </a:fld>
             <a:endParaRPr lang="en-US" dirty="0"/>
           </a:p>
@@ -2499,7 +2499,7 @@
             <a:fld id="{B61BEF0D-F0BB-DE4B-95CE-6DB70DBA9567}" type="datetimeFigureOut">
               <a:rPr lang="en-US" smtClean="0"/>
               <a:pPr/>
-              <a:t>12/13/2022</a:t>
+              <a:t>11/14/2022</a:t>
             </a:fld>
             <a:endParaRPr lang="en-US" dirty="0"/>
           </a:p>
@@ -2923,7 +2923,7 @@
             <a:fld id="{B61BEF0D-F0BB-DE4B-95CE-6DB70DBA9567}" type="datetimeFigureOut">
               <a:rPr lang="en-US" smtClean="0"/>
               <a:pPr/>
-              <a:t>12/13/2022</a:t>
+              <a:t>11/14/2022</a:t>
             </a:fld>
             <a:endParaRPr lang="en-US" dirty="0"/>
           </a:p>
@@ -3020,7 +3020,7 @@
             <a:fld id="{B61BEF0D-F0BB-DE4B-95CE-6DB70DBA9567}" type="datetimeFigureOut">
               <a:rPr lang="en-US" smtClean="0"/>
               <a:pPr/>
-              <a:t>12/13/2022</a:t>
+              <a:t>11/14/2022</a:t>
             </a:fld>
             <a:endParaRPr lang="en-US" dirty="0"/>
           </a:p>
@@ -3184,7 +3184,7 @@
             <a:fld id="{B61BEF0D-F0BB-DE4B-95CE-6DB70DBA9567}" type="datetimeFigureOut">
               <a:rPr lang="en-US" smtClean="0"/>
               <a:pPr/>
-              <a:t>12/13/2022</a:t>
+              <a:t>11/14/2022</a:t>
             </a:fld>
             <a:endParaRPr lang="en-US" dirty="0"/>
           </a:p>
@@ -3564,7 +3564,7 @@
             <a:fld id="{B61BEF0D-F0BB-DE4B-95CE-6DB70DBA9567}" type="datetimeFigureOut">
               <a:rPr lang="en-US" smtClean="0"/>
               <a:pPr/>
-              <a:t>12/13/2022</a:t>
+              <a:t>11/14/2022</a:t>
             </a:fld>
             <a:endParaRPr lang="en-US" dirty="0"/>
           </a:p>
@@ -3854,7 +3854,7 @@
             <a:fld id="{B61BEF0D-F0BB-DE4B-95CE-6DB70DBA9567}" type="datetimeFigureOut">
               <a:rPr lang="en-US" smtClean="0"/>
               <a:pPr/>
-              <a:t>12/13/2022</a:t>
+              <a:t>11/14/2022</a:t>
             </a:fld>
             <a:endParaRPr lang="en-US" dirty="0"/>
           </a:p>
@@ -4067,7 +4067,7 @@
             <a:fld id="{B61BEF0D-F0BB-DE4B-95CE-6DB70DBA9567}" type="datetimeFigureOut">
               <a:rPr lang="en-US" smtClean="0"/>
               <a:pPr/>
-              <a:t>12/13/2022</a:t>
+              <a:t>11/14/2022</a:t>
             </a:fld>
             <a:endParaRPr lang="en-US" dirty="0"/>
           </a:p>
@@ -8091,7 +8091,7 @@
         </p:spPr>
         <p:txBody>
           <a:bodyPr>
-            <a:normAutofit fontScale="92500" lnSpcReduction="10000"/>
+            <a:normAutofit lnSpcReduction="10000"/>
           </a:bodyPr>
           <a:lstStyle/>
           <a:p>
@@ -8141,17 +8141,6 @@
               <a:rPr lang="en-US" dirty="0"/>
               <a:t>Java Micro Edition (Java ME)</a:t>
             </a:r>
-          </a:p>
-          <a:p>
-            <a:pPr>
-              <a:buFont typeface="+mj-lt"/>
-              <a:buAutoNum type="arabicPeriod"/>
-            </a:pPr>
-            <a:r>
-              <a:rPr lang="en-US"/>
-              <a:t>Java Cards</a:t>
-            </a:r>
-            <a:endParaRPr lang="en-US" dirty="0"/>
           </a:p>
           <a:p>
             <a:r>

--- a/javaSlides/Java Slides part 1.pptx
+++ b/javaSlides/Java Slides part 1.pptx
@@ -285,7 +285,7 @@
           <a:p>
             <a:fld id="{AF869721-F543-4A6C-BF9D-65D7CC540427}" type="datetimeFigureOut">
               <a:rPr lang="en-US" smtClean="0"/>
-              <a:t>11/14/2022</a:t>
+              <a:t>3/15/2023</a:t>
             </a:fld>
             <a:endParaRPr lang="en-US" dirty="0"/>
           </a:p>
@@ -462,7 +462,7 @@
           <a:p>
             <a:fld id="{C732326A-4C88-4AFB-AA5B-5919D81DFF5B}" type="datetimeFigureOut">
               <a:rPr lang="en-US" smtClean="0"/>
-              <a:t>11/14/2022</a:t>
+              <a:t>3/15/2023</a:t>
             </a:fld>
             <a:endParaRPr lang="en-US" dirty="0"/>
           </a:p>
@@ -1143,7 +1143,7 @@
             <a:fld id="{B61BEF0D-F0BB-DE4B-95CE-6DB70DBA9567}" type="datetimeFigureOut">
               <a:rPr lang="en-US" smtClean="0"/>
               <a:pPr/>
-              <a:t>11/14/2022</a:t>
+              <a:t>3/15/2023</a:t>
             </a:fld>
             <a:endParaRPr lang="en-US" dirty="0"/>
           </a:p>
@@ -1407,7 +1407,7 @@
             <a:fld id="{B61BEF0D-F0BB-DE4B-95CE-6DB70DBA9567}" type="datetimeFigureOut">
               <a:rPr lang="en-US" smtClean="0"/>
               <a:pPr/>
-              <a:t>11/14/2022</a:t>
+              <a:t>3/15/2023</a:t>
             </a:fld>
             <a:endParaRPr lang="en-US" dirty="0"/>
           </a:p>
@@ -1644,7 +1644,7 @@
             <a:fld id="{B61BEF0D-F0BB-DE4B-95CE-6DB70DBA9567}" type="datetimeFigureOut">
               <a:rPr lang="en-US" smtClean="0"/>
               <a:pPr/>
-              <a:t>11/14/2022</a:t>
+              <a:t>3/15/2023</a:t>
             </a:fld>
             <a:endParaRPr lang="en-US" dirty="0"/>
           </a:p>
@@ -1886,7 +1886,7 @@
             <a:fld id="{B61BEF0D-F0BB-DE4B-95CE-6DB70DBA9567}" type="datetimeFigureOut">
               <a:rPr lang="en-US" smtClean="0"/>
               <a:pPr/>
-              <a:t>11/14/2022</a:t>
+              <a:t>3/15/2023</a:t>
             </a:fld>
             <a:endParaRPr lang="en-US" dirty="0"/>
           </a:p>
@@ -2195,7 +2195,7 @@
             <a:fld id="{B61BEF0D-F0BB-DE4B-95CE-6DB70DBA9567}" type="datetimeFigureOut">
               <a:rPr lang="en-US" smtClean="0"/>
               <a:pPr/>
-              <a:t>11/14/2022</a:t>
+              <a:t>3/15/2023</a:t>
             </a:fld>
             <a:endParaRPr lang="en-US" dirty="0"/>
           </a:p>
@@ -2499,7 +2499,7 @@
             <a:fld id="{B61BEF0D-F0BB-DE4B-95CE-6DB70DBA9567}" type="datetimeFigureOut">
               <a:rPr lang="en-US" smtClean="0"/>
               <a:pPr/>
-              <a:t>11/14/2022</a:t>
+              <a:t>3/15/2023</a:t>
             </a:fld>
             <a:endParaRPr lang="en-US" dirty="0"/>
           </a:p>
@@ -2923,7 +2923,7 @@
             <a:fld id="{B61BEF0D-F0BB-DE4B-95CE-6DB70DBA9567}" type="datetimeFigureOut">
               <a:rPr lang="en-US" smtClean="0"/>
               <a:pPr/>
-              <a:t>11/14/2022</a:t>
+              <a:t>3/15/2023</a:t>
             </a:fld>
             <a:endParaRPr lang="en-US" dirty="0"/>
           </a:p>
@@ -3020,7 +3020,7 @@
             <a:fld id="{B61BEF0D-F0BB-DE4B-95CE-6DB70DBA9567}" type="datetimeFigureOut">
               <a:rPr lang="en-US" smtClean="0"/>
               <a:pPr/>
-              <a:t>11/14/2022</a:t>
+              <a:t>3/15/2023</a:t>
             </a:fld>
             <a:endParaRPr lang="en-US" dirty="0"/>
           </a:p>
@@ -3184,7 +3184,7 @@
             <a:fld id="{B61BEF0D-F0BB-DE4B-95CE-6DB70DBA9567}" type="datetimeFigureOut">
               <a:rPr lang="en-US" smtClean="0"/>
               <a:pPr/>
-              <a:t>11/14/2022</a:t>
+              <a:t>3/15/2023</a:t>
             </a:fld>
             <a:endParaRPr lang="en-US" dirty="0"/>
           </a:p>
@@ -3564,7 +3564,7 @@
             <a:fld id="{B61BEF0D-F0BB-DE4B-95CE-6DB70DBA9567}" type="datetimeFigureOut">
               <a:rPr lang="en-US" smtClean="0"/>
               <a:pPr/>
-              <a:t>11/14/2022</a:t>
+              <a:t>3/15/2023</a:t>
             </a:fld>
             <a:endParaRPr lang="en-US" dirty="0"/>
           </a:p>
@@ -3854,7 +3854,7 @@
             <a:fld id="{B61BEF0D-F0BB-DE4B-95CE-6DB70DBA9567}" type="datetimeFigureOut">
               <a:rPr lang="en-US" smtClean="0"/>
               <a:pPr/>
-              <a:t>11/14/2022</a:t>
+              <a:t>3/15/2023</a:t>
             </a:fld>
             <a:endParaRPr lang="en-US" dirty="0"/>
           </a:p>
@@ -4067,7 +4067,7 @@
             <a:fld id="{B61BEF0D-F0BB-DE4B-95CE-6DB70DBA9567}" type="datetimeFigureOut">
               <a:rPr lang="en-US" smtClean="0"/>
               <a:pPr/>
-              <a:t>11/14/2022</a:t>
+              <a:t>3/15/2023</a:t>
             </a:fld>
             <a:endParaRPr lang="en-US" dirty="0"/>
           </a:p>
@@ -7023,8 +7023,8 @@
         </p:nvSpPr>
         <p:spPr>
           <a:xfrm>
-            <a:off x="1103312" y="1529542"/>
-            <a:ext cx="8946541" cy="4718857"/>
+            <a:off x="1103312" y="995680"/>
+            <a:ext cx="10123488" cy="5476240"/>
           </a:xfrm>
           <a:prstGeom prst="rect">
             <a:avLst/>
@@ -7234,16 +7234,10 @@
           </a:lstStyle>
           <a:p>
             <a:r>
-              <a:rPr lang="en-US" b="1"/>
+              <a:rPr lang="en-US" sz="2800" b="1" dirty="0"/>
               <a:t>Java Variable Example: Add Two Numbers</a:t>
             </a:r>
-          </a:p>
-          <a:p>
-            <a:pPr marL="0" indent="0">
-              <a:buFont typeface="Wingdings 2" panose="05020102010507070707" pitchFamily="18" charset="2"/>
-              <a:buNone/>
-            </a:pPr>
-            <a:endParaRPr lang="en-US"/>
+            <a:endParaRPr lang="en-US" sz="2800" dirty="0"/>
           </a:p>
           <a:p>
             <a:pPr marL="400050" lvl="1" indent="0">
@@ -7251,8 +7245,8 @@
               <a:buNone/>
             </a:pPr>
             <a:r>
-              <a:rPr lang="en-US" b="1"/>
-              <a:t>public class Simple{</a:t>
+              <a:rPr lang="en-US" sz="2400" b="1" dirty="0"/>
+              <a:t>public class Simple</a:t>
             </a:r>
           </a:p>
           <a:p>
@@ -7261,8 +7255,83 @@
               <a:buNone/>
             </a:pPr>
             <a:r>
-              <a:rPr lang="en-US" b="1"/>
-              <a:t>public static void main(String[] args){ </a:t>
+              <a:rPr lang="en-US" sz="2400" b="1" dirty="0"/>
+              <a:t>{</a:t>
+            </a:r>
+          </a:p>
+          <a:p>
+            <a:pPr marL="670050" lvl="2" indent="0">
+              <a:buNone/>
+            </a:pPr>
+            <a:r>
+              <a:rPr lang="en-US" sz="2200" b="1" dirty="0"/>
+              <a:t>public static void main(String[] args)</a:t>
+            </a:r>
+          </a:p>
+          <a:p>
+            <a:pPr marL="670050" lvl="2" indent="0">
+              <a:buNone/>
+            </a:pPr>
+            <a:r>
+              <a:rPr lang="en-US" sz="2200" b="1" dirty="0"/>
+              <a:t>{ </a:t>
+            </a:r>
+          </a:p>
+          <a:p>
+            <a:pPr marL="1372050" lvl="4" indent="0">
+              <a:buNone/>
+            </a:pPr>
+            <a:r>
+              <a:rPr lang="en-US" sz="2000" b="1" dirty="0"/>
+              <a:t>int a=10;</a:t>
+            </a:r>
+          </a:p>
+          <a:p>
+            <a:pPr marL="1372050" lvl="4" indent="0">
+              <a:buNone/>
+            </a:pPr>
+            <a:r>
+              <a:rPr lang="en-US" sz="2000" b="1" dirty="0"/>
+              <a:t>int b=10;</a:t>
+            </a:r>
+          </a:p>
+          <a:p>
+            <a:pPr marL="1372050" lvl="4" indent="0">
+              <a:buNone/>
+            </a:pPr>
+            <a:r>
+              <a:rPr lang="en-US" sz="2000" b="1" dirty="0"/>
+              <a:t>int c=</a:t>
+            </a:r>
+            <a:r>
+              <a:rPr lang="en-US" sz="2000" b="1" dirty="0" err="1"/>
+              <a:t>a+b</a:t>
+            </a:r>
+            <a:r>
+              <a:rPr lang="en-US" sz="2000" b="1" dirty="0"/>
+              <a:t>;</a:t>
+            </a:r>
+          </a:p>
+          <a:p>
+            <a:pPr marL="1372050" lvl="4" indent="0">
+              <a:buNone/>
+            </a:pPr>
+            <a:r>
+              <a:rPr lang="en-US" sz="2000" b="1" dirty="0" err="1"/>
+              <a:t>System.out.println</a:t>
+            </a:r>
+            <a:r>
+              <a:rPr lang="en-US" sz="2000" b="1" dirty="0"/>
+              <a:t>(c);</a:t>
+            </a:r>
+          </a:p>
+          <a:p>
+            <a:pPr marL="670050" lvl="2" indent="0">
+              <a:buNone/>
+            </a:pPr>
+            <a:r>
+              <a:rPr lang="en-US" sz="2200" b="1" dirty="0"/>
+              <a:t>}</a:t>
             </a:r>
           </a:p>
           <a:p>
@@ -7271,50 +7340,10 @@
               <a:buNone/>
             </a:pPr>
             <a:r>
-              <a:rPr lang="en-US" b="1"/>
-              <a:t>int a=10;</a:t>
-            </a:r>
-          </a:p>
-          <a:p>
-            <a:pPr marL="400050" lvl="1" indent="0">
-              <a:buFont typeface="Wingdings 2" panose="05020102010507070707" pitchFamily="18" charset="2"/>
-              <a:buNone/>
-            </a:pPr>
-            <a:r>
-              <a:rPr lang="en-US" b="1"/>
-              <a:t>int b=10;</a:t>
-            </a:r>
-          </a:p>
-          <a:p>
-            <a:pPr marL="400050" lvl="1" indent="0">
-              <a:buFont typeface="Wingdings 2" panose="05020102010507070707" pitchFamily="18" charset="2"/>
-              <a:buNone/>
-            </a:pPr>
-            <a:r>
-              <a:rPr lang="en-US" b="1"/>
-              <a:t>int c=a+b;</a:t>
-            </a:r>
-          </a:p>
-          <a:p>
-            <a:pPr marL="400050" lvl="1" indent="0">
-              <a:buFont typeface="Wingdings 2" panose="05020102010507070707" pitchFamily="18" charset="2"/>
-              <a:buNone/>
-            </a:pPr>
-            <a:r>
-              <a:rPr lang="en-US" b="1"/>
-              <a:t>System.out.println(c);</a:t>
-            </a:r>
-          </a:p>
-          <a:p>
-            <a:pPr marL="400050" lvl="1" indent="0">
-              <a:buFont typeface="Wingdings 2" panose="05020102010507070707" pitchFamily="18" charset="2"/>
-              <a:buNone/>
-            </a:pPr>
-            <a:r>
-              <a:rPr lang="en-US" b="1"/>
-              <a:t>}}</a:t>
-            </a:r>
-            <a:endParaRPr lang="en-US" dirty="0"/>
+              <a:rPr lang="en-US" sz="2400" b="1" dirty="0"/>
+              <a:t>}</a:t>
+            </a:r>
+            <a:endParaRPr lang="en-US" sz="2400" dirty="0"/>
           </a:p>
         </p:txBody>
       </p:sp>

--- a/javaSlides/Java Slides part 1.pptx
+++ b/javaSlides/Java Slides part 1.pptx
@@ -285,7 +285,7 @@
           <a:p>
             <a:fld id="{AF869721-F543-4A6C-BF9D-65D7CC540427}" type="datetimeFigureOut">
               <a:rPr lang="en-US" smtClean="0"/>
-              <a:t>3/15/2023</a:t>
+              <a:t>3/19/2023</a:t>
             </a:fld>
             <a:endParaRPr lang="en-US" dirty="0"/>
           </a:p>
@@ -462,7 +462,7 @@
           <a:p>
             <a:fld id="{C732326A-4C88-4AFB-AA5B-5919D81DFF5B}" type="datetimeFigureOut">
               <a:rPr lang="en-US" smtClean="0"/>
-              <a:t>3/15/2023</a:t>
+              <a:t>3/19/2023</a:t>
             </a:fld>
             <a:endParaRPr lang="en-US" dirty="0"/>
           </a:p>
@@ -1143,7 +1143,7 @@
             <a:fld id="{B61BEF0D-F0BB-DE4B-95CE-6DB70DBA9567}" type="datetimeFigureOut">
               <a:rPr lang="en-US" smtClean="0"/>
               <a:pPr/>
-              <a:t>3/15/2023</a:t>
+              <a:t>3/19/2023</a:t>
             </a:fld>
             <a:endParaRPr lang="en-US" dirty="0"/>
           </a:p>
@@ -1407,7 +1407,7 @@
             <a:fld id="{B61BEF0D-F0BB-DE4B-95CE-6DB70DBA9567}" type="datetimeFigureOut">
               <a:rPr lang="en-US" smtClean="0"/>
               <a:pPr/>
-              <a:t>3/15/2023</a:t>
+              <a:t>3/19/2023</a:t>
             </a:fld>
             <a:endParaRPr lang="en-US" dirty="0"/>
           </a:p>
@@ -1644,7 +1644,7 @@
             <a:fld id="{B61BEF0D-F0BB-DE4B-95CE-6DB70DBA9567}" type="datetimeFigureOut">
               <a:rPr lang="en-US" smtClean="0"/>
               <a:pPr/>
-              <a:t>3/15/2023</a:t>
+              <a:t>3/19/2023</a:t>
             </a:fld>
             <a:endParaRPr lang="en-US" dirty="0"/>
           </a:p>
@@ -1886,7 +1886,7 @@
             <a:fld id="{B61BEF0D-F0BB-DE4B-95CE-6DB70DBA9567}" type="datetimeFigureOut">
               <a:rPr lang="en-US" smtClean="0"/>
               <a:pPr/>
-              <a:t>3/15/2023</a:t>
+              <a:t>3/19/2023</a:t>
             </a:fld>
             <a:endParaRPr lang="en-US" dirty="0"/>
           </a:p>
@@ -2195,7 +2195,7 @@
             <a:fld id="{B61BEF0D-F0BB-DE4B-95CE-6DB70DBA9567}" type="datetimeFigureOut">
               <a:rPr lang="en-US" smtClean="0"/>
               <a:pPr/>
-              <a:t>3/15/2023</a:t>
+              <a:t>3/19/2023</a:t>
             </a:fld>
             <a:endParaRPr lang="en-US" dirty="0"/>
           </a:p>
@@ -2499,7 +2499,7 @@
             <a:fld id="{B61BEF0D-F0BB-DE4B-95CE-6DB70DBA9567}" type="datetimeFigureOut">
               <a:rPr lang="en-US" smtClean="0"/>
               <a:pPr/>
-              <a:t>3/15/2023</a:t>
+              <a:t>3/19/2023</a:t>
             </a:fld>
             <a:endParaRPr lang="en-US" dirty="0"/>
           </a:p>
@@ -2923,7 +2923,7 @@
             <a:fld id="{B61BEF0D-F0BB-DE4B-95CE-6DB70DBA9567}" type="datetimeFigureOut">
               <a:rPr lang="en-US" smtClean="0"/>
               <a:pPr/>
-              <a:t>3/15/2023</a:t>
+              <a:t>3/19/2023</a:t>
             </a:fld>
             <a:endParaRPr lang="en-US" dirty="0"/>
           </a:p>
@@ -3020,7 +3020,7 @@
             <a:fld id="{B61BEF0D-F0BB-DE4B-95CE-6DB70DBA9567}" type="datetimeFigureOut">
               <a:rPr lang="en-US" smtClean="0"/>
               <a:pPr/>
-              <a:t>3/15/2023</a:t>
+              <a:t>3/19/2023</a:t>
             </a:fld>
             <a:endParaRPr lang="en-US" dirty="0"/>
           </a:p>
@@ -3184,7 +3184,7 @@
             <a:fld id="{B61BEF0D-F0BB-DE4B-95CE-6DB70DBA9567}" type="datetimeFigureOut">
               <a:rPr lang="en-US" smtClean="0"/>
               <a:pPr/>
-              <a:t>3/15/2023</a:t>
+              <a:t>3/19/2023</a:t>
             </a:fld>
             <a:endParaRPr lang="en-US" dirty="0"/>
           </a:p>
@@ -3564,7 +3564,7 @@
             <a:fld id="{B61BEF0D-F0BB-DE4B-95CE-6DB70DBA9567}" type="datetimeFigureOut">
               <a:rPr lang="en-US" smtClean="0"/>
               <a:pPr/>
-              <a:t>3/15/2023</a:t>
+              <a:t>3/19/2023</a:t>
             </a:fld>
             <a:endParaRPr lang="en-US" dirty="0"/>
           </a:p>
@@ -3854,7 +3854,7 @@
             <a:fld id="{B61BEF0D-F0BB-DE4B-95CE-6DB70DBA9567}" type="datetimeFigureOut">
               <a:rPr lang="en-US" smtClean="0"/>
               <a:pPr/>
-              <a:t>3/15/2023</a:t>
+              <a:t>3/19/2023</a:t>
             </a:fld>
             <a:endParaRPr lang="en-US" dirty="0"/>
           </a:p>
@@ -4067,7 +4067,7 @@
             <a:fld id="{B61BEF0D-F0BB-DE4B-95CE-6DB70DBA9567}" type="datetimeFigureOut">
               <a:rPr lang="en-US" smtClean="0"/>
               <a:pPr/>
-              <a:t>3/15/2023</a:t>
+              <a:t>3/19/2023</a:t>
             </a:fld>
             <a:endParaRPr lang="en-US" dirty="0"/>
           </a:p>
@@ -8138,7 +8138,7 @@
           <a:p>
             <a:r>
               <a:rPr lang="en-US" dirty="0"/>
-              <a:t>To begin programming in Java, you need to install a Java Edition on your system. There are four main Java editions: </a:t>
+              <a:t>To begin programming in Java, you need to install a Java Edition on your system. There are three main Java editions: </a:t>
             </a:r>
           </a:p>
           <a:p>

--- a/javaSlides/Java Slides part 1.pptx
+++ b/javaSlides/Java Slides part 1.pptx
@@ -285,7 +285,7 @@
           <a:p>
             <a:fld id="{AF869721-F543-4A6C-BF9D-65D7CC540427}" type="datetimeFigureOut">
               <a:rPr lang="en-US" smtClean="0"/>
-              <a:t>3/19/2023</a:t>
+              <a:t>5/27/2023</a:t>
             </a:fld>
             <a:endParaRPr lang="en-US" dirty="0"/>
           </a:p>
@@ -462,7 +462,7 @@
           <a:p>
             <a:fld id="{C732326A-4C88-4AFB-AA5B-5919D81DFF5B}" type="datetimeFigureOut">
               <a:rPr lang="en-US" smtClean="0"/>
-              <a:t>3/19/2023</a:t>
+              <a:t>5/27/2023</a:t>
             </a:fld>
             <a:endParaRPr lang="en-US" dirty="0"/>
           </a:p>
@@ -1143,7 +1143,7 @@
             <a:fld id="{B61BEF0D-F0BB-DE4B-95CE-6DB70DBA9567}" type="datetimeFigureOut">
               <a:rPr lang="en-US" smtClean="0"/>
               <a:pPr/>
-              <a:t>3/19/2023</a:t>
+              <a:t>5/27/2023</a:t>
             </a:fld>
             <a:endParaRPr lang="en-US" dirty="0"/>
           </a:p>
@@ -1407,7 +1407,7 @@
             <a:fld id="{B61BEF0D-F0BB-DE4B-95CE-6DB70DBA9567}" type="datetimeFigureOut">
               <a:rPr lang="en-US" smtClean="0"/>
               <a:pPr/>
-              <a:t>3/19/2023</a:t>
+              <a:t>5/27/2023</a:t>
             </a:fld>
             <a:endParaRPr lang="en-US" dirty="0"/>
           </a:p>
@@ -1644,7 +1644,7 @@
             <a:fld id="{B61BEF0D-F0BB-DE4B-95CE-6DB70DBA9567}" type="datetimeFigureOut">
               <a:rPr lang="en-US" smtClean="0"/>
               <a:pPr/>
-              <a:t>3/19/2023</a:t>
+              <a:t>5/27/2023</a:t>
             </a:fld>
             <a:endParaRPr lang="en-US" dirty="0"/>
           </a:p>
@@ -1886,7 +1886,7 @@
             <a:fld id="{B61BEF0D-F0BB-DE4B-95CE-6DB70DBA9567}" type="datetimeFigureOut">
               <a:rPr lang="en-US" smtClean="0"/>
               <a:pPr/>
-              <a:t>3/19/2023</a:t>
+              <a:t>5/27/2023</a:t>
             </a:fld>
             <a:endParaRPr lang="en-US" dirty="0"/>
           </a:p>
@@ -2195,7 +2195,7 @@
             <a:fld id="{B61BEF0D-F0BB-DE4B-95CE-6DB70DBA9567}" type="datetimeFigureOut">
               <a:rPr lang="en-US" smtClean="0"/>
               <a:pPr/>
-              <a:t>3/19/2023</a:t>
+              <a:t>5/27/2023</a:t>
             </a:fld>
             <a:endParaRPr lang="en-US" dirty="0"/>
           </a:p>
@@ -2499,7 +2499,7 @@
             <a:fld id="{B61BEF0D-F0BB-DE4B-95CE-6DB70DBA9567}" type="datetimeFigureOut">
               <a:rPr lang="en-US" smtClean="0"/>
               <a:pPr/>
-              <a:t>3/19/2023</a:t>
+              <a:t>5/27/2023</a:t>
             </a:fld>
             <a:endParaRPr lang="en-US" dirty="0"/>
           </a:p>
@@ -2923,7 +2923,7 @@
             <a:fld id="{B61BEF0D-F0BB-DE4B-95CE-6DB70DBA9567}" type="datetimeFigureOut">
               <a:rPr lang="en-US" smtClean="0"/>
               <a:pPr/>
-              <a:t>3/19/2023</a:t>
+              <a:t>5/27/2023</a:t>
             </a:fld>
             <a:endParaRPr lang="en-US" dirty="0"/>
           </a:p>
@@ -3020,7 +3020,7 @@
             <a:fld id="{B61BEF0D-F0BB-DE4B-95CE-6DB70DBA9567}" type="datetimeFigureOut">
               <a:rPr lang="en-US" smtClean="0"/>
               <a:pPr/>
-              <a:t>3/19/2023</a:t>
+              <a:t>5/27/2023</a:t>
             </a:fld>
             <a:endParaRPr lang="en-US" dirty="0"/>
           </a:p>
@@ -3184,7 +3184,7 @@
             <a:fld id="{B61BEF0D-F0BB-DE4B-95CE-6DB70DBA9567}" type="datetimeFigureOut">
               <a:rPr lang="en-US" smtClean="0"/>
               <a:pPr/>
-              <a:t>3/19/2023</a:t>
+              <a:t>5/27/2023</a:t>
             </a:fld>
             <a:endParaRPr lang="en-US" dirty="0"/>
           </a:p>
@@ -3564,7 +3564,7 @@
             <a:fld id="{B61BEF0D-F0BB-DE4B-95CE-6DB70DBA9567}" type="datetimeFigureOut">
               <a:rPr lang="en-US" smtClean="0"/>
               <a:pPr/>
-              <a:t>3/19/2023</a:t>
+              <a:t>5/27/2023</a:t>
             </a:fld>
             <a:endParaRPr lang="en-US" dirty="0"/>
           </a:p>
@@ -3854,7 +3854,7 @@
             <a:fld id="{B61BEF0D-F0BB-DE4B-95CE-6DB70DBA9567}" type="datetimeFigureOut">
               <a:rPr lang="en-US" smtClean="0"/>
               <a:pPr/>
-              <a:t>3/19/2023</a:t>
+              <a:t>5/27/2023</a:t>
             </a:fld>
             <a:endParaRPr lang="en-US" dirty="0"/>
           </a:p>
@@ -4067,7 +4067,7 @@
             <a:fld id="{B61BEF0D-F0BB-DE4B-95CE-6DB70DBA9567}" type="datetimeFigureOut">
               <a:rPr lang="en-US" smtClean="0"/>
               <a:pPr/>
-              <a:t>3/19/2023</a:t>
+              <a:t>5/27/2023</a:t>
             </a:fld>
             <a:endParaRPr lang="en-US" dirty="0"/>
           </a:p>
@@ -5089,8 +5089,21 @@
                   <a:srgbClr val="7CEBFF"/>
                 </a:solidFill>
               </a:rPr>
-              <a:t>By MEGA Career Institute</a:t>
-            </a:r>
+              <a:t>By </a:t>
+            </a:r>
+            <a:r>
+              <a:rPr lang="en-US">
+                <a:solidFill>
+                  <a:srgbClr val="7CEBFF"/>
+                </a:solidFill>
+              </a:rPr>
+              <a:t>Aman Tiwari</a:t>
+            </a:r>
+            <a:endParaRPr lang="en-US" dirty="0">
+              <a:solidFill>
+                <a:srgbClr val="7CEBFF"/>
+              </a:solidFill>
+            </a:endParaRPr>
           </a:p>
         </p:txBody>
       </p:sp>

--- a/javaSlides/Java Slides part 1.pptx
+++ b/javaSlides/Java Slides part 1.pptx
@@ -285,7 +285,7 @@
           <a:p>
             <a:fld id="{AF869721-F543-4A6C-BF9D-65D7CC540427}" type="datetimeFigureOut">
               <a:rPr lang="en-US" smtClean="0"/>
-              <a:t>5/27/2023</a:t>
+              <a:t>6/8/2023</a:t>
             </a:fld>
             <a:endParaRPr lang="en-US" dirty="0"/>
           </a:p>
@@ -462,7 +462,7 @@
           <a:p>
             <a:fld id="{C732326A-4C88-4AFB-AA5B-5919D81DFF5B}" type="datetimeFigureOut">
               <a:rPr lang="en-US" smtClean="0"/>
-              <a:t>5/27/2023</a:t>
+              <a:t>6/8/2023</a:t>
             </a:fld>
             <a:endParaRPr lang="en-US" dirty="0"/>
           </a:p>
@@ -1143,7 +1143,7 @@
             <a:fld id="{B61BEF0D-F0BB-DE4B-95CE-6DB70DBA9567}" type="datetimeFigureOut">
               <a:rPr lang="en-US" smtClean="0"/>
               <a:pPr/>
-              <a:t>5/27/2023</a:t>
+              <a:t>6/8/2023</a:t>
             </a:fld>
             <a:endParaRPr lang="en-US" dirty="0"/>
           </a:p>
@@ -1407,7 +1407,7 @@
             <a:fld id="{B61BEF0D-F0BB-DE4B-95CE-6DB70DBA9567}" type="datetimeFigureOut">
               <a:rPr lang="en-US" smtClean="0"/>
               <a:pPr/>
-              <a:t>5/27/2023</a:t>
+              <a:t>6/8/2023</a:t>
             </a:fld>
             <a:endParaRPr lang="en-US" dirty="0"/>
           </a:p>
@@ -1644,7 +1644,7 @@
             <a:fld id="{B61BEF0D-F0BB-DE4B-95CE-6DB70DBA9567}" type="datetimeFigureOut">
               <a:rPr lang="en-US" smtClean="0"/>
               <a:pPr/>
-              <a:t>5/27/2023</a:t>
+              <a:t>6/8/2023</a:t>
             </a:fld>
             <a:endParaRPr lang="en-US" dirty="0"/>
           </a:p>
@@ -1886,7 +1886,7 @@
             <a:fld id="{B61BEF0D-F0BB-DE4B-95CE-6DB70DBA9567}" type="datetimeFigureOut">
               <a:rPr lang="en-US" smtClean="0"/>
               <a:pPr/>
-              <a:t>5/27/2023</a:t>
+              <a:t>6/8/2023</a:t>
             </a:fld>
             <a:endParaRPr lang="en-US" dirty="0"/>
           </a:p>
@@ -2195,7 +2195,7 @@
             <a:fld id="{B61BEF0D-F0BB-DE4B-95CE-6DB70DBA9567}" type="datetimeFigureOut">
               <a:rPr lang="en-US" smtClean="0"/>
               <a:pPr/>
-              <a:t>5/27/2023</a:t>
+              <a:t>6/8/2023</a:t>
             </a:fld>
             <a:endParaRPr lang="en-US" dirty="0"/>
           </a:p>
@@ -2499,7 +2499,7 @@
             <a:fld id="{B61BEF0D-F0BB-DE4B-95CE-6DB70DBA9567}" type="datetimeFigureOut">
               <a:rPr lang="en-US" smtClean="0"/>
               <a:pPr/>
-              <a:t>5/27/2023</a:t>
+              <a:t>6/8/2023</a:t>
             </a:fld>
             <a:endParaRPr lang="en-US" dirty="0"/>
           </a:p>
@@ -2923,7 +2923,7 @@
             <a:fld id="{B61BEF0D-F0BB-DE4B-95CE-6DB70DBA9567}" type="datetimeFigureOut">
               <a:rPr lang="en-US" smtClean="0"/>
               <a:pPr/>
-              <a:t>5/27/2023</a:t>
+              <a:t>6/8/2023</a:t>
             </a:fld>
             <a:endParaRPr lang="en-US" dirty="0"/>
           </a:p>
@@ -3020,7 +3020,7 @@
             <a:fld id="{B61BEF0D-F0BB-DE4B-95CE-6DB70DBA9567}" type="datetimeFigureOut">
               <a:rPr lang="en-US" smtClean="0"/>
               <a:pPr/>
-              <a:t>5/27/2023</a:t>
+              <a:t>6/8/2023</a:t>
             </a:fld>
             <a:endParaRPr lang="en-US" dirty="0"/>
           </a:p>
@@ -3184,7 +3184,7 @@
             <a:fld id="{B61BEF0D-F0BB-DE4B-95CE-6DB70DBA9567}" type="datetimeFigureOut">
               <a:rPr lang="en-US" smtClean="0"/>
               <a:pPr/>
-              <a:t>5/27/2023</a:t>
+              <a:t>6/8/2023</a:t>
             </a:fld>
             <a:endParaRPr lang="en-US" dirty="0"/>
           </a:p>
@@ -3564,7 +3564,7 @@
             <a:fld id="{B61BEF0D-F0BB-DE4B-95CE-6DB70DBA9567}" type="datetimeFigureOut">
               <a:rPr lang="en-US" smtClean="0"/>
               <a:pPr/>
-              <a:t>5/27/2023</a:t>
+              <a:t>6/8/2023</a:t>
             </a:fld>
             <a:endParaRPr lang="en-US" dirty="0"/>
           </a:p>
@@ -3854,7 +3854,7 @@
             <a:fld id="{B61BEF0D-F0BB-DE4B-95CE-6DB70DBA9567}" type="datetimeFigureOut">
               <a:rPr lang="en-US" smtClean="0"/>
               <a:pPr/>
-              <a:t>5/27/2023</a:t>
+              <a:t>6/8/2023</a:t>
             </a:fld>
             <a:endParaRPr lang="en-US" dirty="0"/>
           </a:p>
@@ -4067,7 +4067,7 @@
             <a:fld id="{B61BEF0D-F0BB-DE4B-95CE-6DB70DBA9567}" type="datetimeFigureOut">
               <a:rPr lang="en-US" smtClean="0"/>
               <a:pPr/>
-              <a:t>5/27/2023</a:t>
+              <a:t>6/8/2023</a:t>
             </a:fld>
             <a:endParaRPr lang="en-US" dirty="0"/>
           </a:p>
@@ -5248,19 +5248,22 @@
             <a:pPr marL="0" indent="0">
               <a:buNone/>
             </a:pPr>
-            <a:endParaRPr lang="en-US" sz="2000" dirty="0"/>
-          </a:p>
-          <a:p>
-            <a:pPr marL="0" indent="0">
-              <a:buNone/>
-            </a:pPr>
             <a:r>
               <a:rPr lang="en-US" sz="2000" b="1" dirty="0"/>
               <a:t>class</a:t>
             </a:r>
             <a:r>
               <a:rPr lang="en-US" sz="2000" dirty="0"/>
-              <a:t> Simple{  </a:t>
+              <a:t> Simple</a:t>
+            </a:r>
+          </a:p>
+          <a:p>
+            <a:pPr marL="0" indent="0">
+              <a:buNone/>
+            </a:pPr>
+            <a:r>
+              <a:rPr lang="en-US" sz="2000" dirty="0"/>
+              <a:t>{  </a:t>
             </a:r>
           </a:p>
           <a:p>
@@ -5293,15 +5296,16 @@
             </a:r>
             <a:r>
               <a:rPr lang="en-US" sz="2000" dirty="0"/>
-              <a:t> main(String </a:t>
-            </a:r>
-            <a:r>
-              <a:rPr lang="en-US" sz="2000" dirty="0" err="1"/>
-              <a:t>args</a:t>
-            </a:r>
+              <a:t> main(String args[])</a:t>
+            </a:r>
+          </a:p>
+          <a:p>
+            <a:pPr marL="0" indent="0">
+              <a:buNone/>
+            </a:pPr>
             <a:r>
               <a:rPr lang="en-US" sz="2000" dirty="0"/>
-              <a:t>[]){  </a:t>
+              <a:t>    {  </a:t>
             </a:r>
           </a:p>
           <a:p>
@@ -5310,7 +5314,7 @@
             </a:pPr>
             <a:r>
               <a:rPr lang="en-US" sz="2000" dirty="0"/>
-              <a:t>     </a:t>
+              <a:t>           </a:t>
             </a:r>
             <a:r>
               <a:rPr lang="en-US" sz="2000" dirty="0" err="1"/>
@@ -5338,11 +5342,6 @@
               <a:rPr lang="en-US" sz="2000" dirty="0"/>
               <a:t>}  </a:t>
             </a:r>
-          </a:p>
-          <a:p>
-            <a:pPr marL="0" indent="0">
-              <a:buNone/>
-            </a:pPr>
             <a:endParaRPr lang="en-US" sz="2000" b="1" dirty="0"/>
           </a:p>
           <a:p>
@@ -26242,13 +26241,29 @@
             <a:endParaRPr lang="en-US" sz="2400" dirty="0"/>
           </a:p>
           <a:p>
+            <a:r>
+              <a:rPr lang="en-US" sz="2400" dirty="0"/>
+              <a:t>Basic concepts of OOPs are:</a:t>
+            </a:r>
+          </a:p>
+          <a:p>
             <a:pPr marL="457200" indent="-457200">
               <a:buFont typeface="+mj-lt"/>
               <a:buAutoNum type="arabicPeriod"/>
             </a:pPr>
             <a:r>
               <a:rPr lang="en-US" sz="2400" dirty="0"/>
-              <a:t>Basic concepts of OOPs are:</a:t>
+              <a:t>Class</a:t>
+            </a:r>
+          </a:p>
+          <a:p>
+            <a:pPr marL="457200" indent="-457200">
+              <a:buFont typeface="+mj-lt"/>
+              <a:buAutoNum type="arabicPeriod"/>
+            </a:pPr>
+            <a:r>
+              <a:rPr lang="en-US" sz="2400" dirty="0"/>
+              <a:t>Object</a:t>
             </a:r>
           </a:p>
           <a:p>
@@ -26266,19 +26281,9 @@
                   </a:extLst>
                 </a:hlinkClick>
               </a:rPr>
-              <a:t>Object</a:t>
+              <a:t>Inheritance</a:t>
             </a:r>
             <a:endParaRPr lang="en-US" sz="2400" dirty="0"/>
-          </a:p>
-          <a:p>
-            <a:pPr marL="457200" indent="-457200">
-              <a:buFont typeface="+mj-lt"/>
-              <a:buAutoNum type="arabicPeriod"/>
-            </a:pPr>
-            <a:r>
-              <a:rPr lang="en-US" sz="2400" dirty="0"/>
-              <a:t>Class</a:t>
-            </a:r>
           </a:p>
           <a:p>
             <a:pPr marL="457200" indent="-457200">
@@ -26295,7 +26300,7 @@
                   </a:extLst>
                 </a:hlinkClick>
               </a:rPr>
-              <a:t>Inheritance</a:t>
+              <a:t>Polymorphism</a:t>
             </a:r>
             <a:endParaRPr lang="en-US" sz="2400" dirty="0"/>
           </a:p>
@@ -26314,7 +26319,7 @@
                   </a:extLst>
                 </a:hlinkClick>
               </a:rPr>
-              <a:t>Polymorphism</a:t>
+              <a:t>Abstraction</a:t>
             </a:r>
             <a:endParaRPr lang="en-US" sz="2400" dirty="0"/>
           </a:p>
@@ -26326,25 +26331,6 @@
             <a:r>
               <a:rPr lang="en-US" sz="2400" dirty="0">
                 <a:hlinkClick r:id="rId6">
-                  <a:extLst>
-                    <a:ext uri="{A12FA001-AC4F-418D-AE19-62706E023703}">
-                      <ahyp:hlinkClr xmlns:ahyp="http://schemas.microsoft.com/office/drawing/2018/hyperlinkcolor" val="tx"/>
-                    </a:ext>
-                  </a:extLst>
-                </a:hlinkClick>
-              </a:rPr>
-              <a:t>Abstraction</a:t>
-            </a:r>
-            <a:endParaRPr lang="en-US" sz="2400" dirty="0"/>
-          </a:p>
-          <a:p>
-            <a:pPr marL="457200" indent="-457200">
-              <a:buFont typeface="+mj-lt"/>
-              <a:buAutoNum type="arabicPeriod"/>
-            </a:pPr>
-            <a:r>
-              <a:rPr lang="en-US" sz="2400" dirty="0">
-                <a:hlinkClick r:id="rId7">
                   <a:extLst>
                     <a:ext uri="{A12FA001-AC4F-418D-AE19-62706E023703}">
                       <ahyp:hlinkClr xmlns:ahyp="http://schemas.microsoft.com/office/drawing/2018/hyperlinkcolor" val="tx"/>

--- a/javaSlides/Java Slides part 1.pptx
+++ b/javaSlides/Java Slides part 1.pptx
@@ -5,10 +5,10 @@
     <p:sldMasterId id="2147483672" r:id="rId1"/>
   </p:sldMasterIdLst>
   <p:notesMasterIdLst>
-    <p:notesMasterId r:id="rId73"/>
+    <p:notesMasterId r:id="rId75"/>
   </p:notesMasterIdLst>
   <p:handoutMasterIdLst>
-    <p:handoutMasterId r:id="rId74"/>
+    <p:handoutMasterId r:id="rId76"/>
   </p:handoutMasterIdLst>
   <p:sldIdLst>
     <p:sldId id="256" r:id="rId2"/>
@@ -16,72 +16,74 @@
     <p:sldId id="263" r:id="rId4"/>
     <p:sldId id="265" r:id="rId5"/>
     <p:sldId id="261" r:id="rId6"/>
-    <p:sldId id="271" r:id="rId7"/>
-    <p:sldId id="268" r:id="rId8"/>
-    <p:sldId id="264" r:id="rId9"/>
-    <p:sldId id="269" r:id="rId10"/>
-    <p:sldId id="272" r:id="rId11"/>
-    <p:sldId id="273" r:id="rId12"/>
-    <p:sldId id="274" r:id="rId13"/>
-    <p:sldId id="277" r:id="rId14"/>
-    <p:sldId id="266" r:id="rId15"/>
-    <p:sldId id="270" r:id="rId16"/>
-    <p:sldId id="278" r:id="rId17"/>
-    <p:sldId id="279" r:id="rId18"/>
-    <p:sldId id="280" r:id="rId19"/>
-    <p:sldId id="281" r:id="rId20"/>
-    <p:sldId id="282" r:id="rId21"/>
-    <p:sldId id="283" r:id="rId22"/>
-    <p:sldId id="284" r:id="rId23"/>
-    <p:sldId id="285" r:id="rId24"/>
-    <p:sldId id="286" r:id="rId25"/>
-    <p:sldId id="287" r:id="rId26"/>
-    <p:sldId id="288" r:id="rId27"/>
-    <p:sldId id="289" r:id="rId28"/>
-    <p:sldId id="290" r:id="rId29"/>
-    <p:sldId id="291" r:id="rId30"/>
-    <p:sldId id="292" r:id="rId31"/>
-    <p:sldId id="293" r:id="rId32"/>
-    <p:sldId id="300" r:id="rId33"/>
-    <p:sldId id="294" r:id="rId34"/>
-    <p:sldId id="295" r:id="rId35"/>
-    <p:sldId id="296" r:id="rId36"/>
-    <p:sldId id="297" r:id="rId37"/>
-    <p:sldId id="298" r:id="rId38"/>
-    <p:sldId id="299" r:id="rId39"/>
-    <p:sldId id="301" r:id="rId40"/>
-    <p:sldId id="304" r:id="rId41"/>
-    <p:sldId id="302" r:id="rId42"/>
-    <p:sldId id="303" r:id="rId43"/>
-    <p:sldId id="305" r:id="rId44"/>
-    <p:sldId id="306" r:id="rId45"/>
-    <p:sldId id="307" r:id="rId46"/>
-    <p:sldId id="311" r:id="rId47"/>
-    <p:sldId id="315" r:id="rId48"/>
-    <p:sldId id="308" r:id="rId49"/>
-    <p:sldId id="312" r:id="rId50"/>
-    <p:sldId id="313" r:id="rId51"/>
-    <p:sldId id="314" r:id="rId52"/>
-    <p:sldId id="309" r:id="rId53"/>
-    <p:sldId id="310" r:id="rId54"/>
-    <p:sldId id="316" r:id="rId55"/>
-    <p:sldId id="317" r:id="rId56"/>
-    <p:sldId id="319" r:id="rId57"/>
-    <p:sldId id="318" r:id="rId58"/>
-    <p:sldId id="320" r:id="rId59"/>
-    <p:sldId id="321" r:id="rId60"/>
-    <p:sldId id="322" r:id="rId61"/>
-    <p:sldId id="323" r:id="rId62"/>
-    <p:sldId id="324" r:id="rId63"/>
-    <p:sldId id="325" r:id="rId64"/>
-    <p:sldId id="326" r:id="rId65"/>
-    <p:sldId id="327" r:id="rId66"/>
-    <p:sldId id="328" r:id="rId67"/>
-    <p:sldId id="329" r:id="rId68"/>
-    <p:sldId id="330" r:id="rId69"/>
-    <p:sldId id="331" r:id="rId70"/>
-    <p:sldId id="332" r:id="rId71"/>
-    <p:sldId id="260" r:id="rId72"/>
+    <p:sldId id="333" r:id="rId7"/>
+    <p:sldId id="334" r:id="rId8"/>
+    <p:sldId id="271" r:id="rId9"/>
+    <p:sldId id="268" r:id="rId10"/>
+    <p:sldId id="264" r:id="rId11"/>
+    <p:sldId id="269" r:id="rId12"/>
+    <p:sldId id="272" r:id="rId13"/>
+    <p:sldId id="273" r:id="rId14"/>
+    <p:sldId id="274" r:id="rId15"/>
+    <p:sldId id="277" r:id="rId16"/>
+    <p:sldId id="266" r:id="rId17"/>
+    <p:sldId id="270" r:id="rId18"/>
+    <p:sldId id="278" r:id="rId19"/>
+    <p:sldId id="279" r:id="rId20"/>
+    <p:sldId id="280" r:id="rId21"/>
+    <p:sldId id="281" r:id="rId22"/>
+    <p:sldId id="282" r:id="rId23"/>
+    <p:sldId id="283" r:id="rId24"/>
+    <p:sldId id="284" r:id="rId25"/>
+    <p:sldId id="285" r:id="rId26"/>
+    <p:sldId id="286" r:id="rId27"/>
+    <p:sldId id="287" r:id="rId28"/>
+    <p:sldId id="288" r:id="rId29"/>
+    <p:sldId id="289" r:id="rId30"/>
+    <p:sldId id="290" r:id="rId31"/>
+    <p:sldId id="291" r:id="rId32"/>
+    <p:sldId id="292" r:id="rId33"/>
+    <p:sldId id="293" r:id="rId34"/>
+    <p:sldId id="300" r:id="rId35"/>
+    <p:sldId id="294" r:id="rId36"/>
+    <p:sldId id="295" r:id="rId37"/>
+    <p:sldId id="296" r:id="rId38"/>
+    <p:sldId id="297" r:id="rId39"/>
+    <p:sldId id="298" r:id="rId40"/>
+    <p:sldId id="299" r:id="rId41"/>
+    <p:sldId id="301" r:id="rId42"/>
+    <p:sldId id="304" r:id="rId43"/>
+    <p:sldId id="302" r:id="rId44"/>
+    <p:sldId id="303" r:id="rId45"/>
+    <p:sldId id="305" r:id="rId46"/>
+    <p:sldId id="306" r:id="rId47"/>
+    <p:sldId id="307" r:id="rId48"/>
+    <p:sldId id="311" r:id="rId49"/>
+    <p:sldId id="315" r:id="rId50"/>
+    <p:sldId id="308" r:id="rId51"/>
+    <p:sldId id="312" r:id="rId52"/>
+    <p:sldId id="313" r:id="rId53"/>
+    <p:sldId id="314" r:id="rId54"/>
+    <p:sldId id="309" r:id="rId55"/>
+    <p:sldId id="310" r:id="rId56"/>
+    <p:sldId id="316" r:id="rId57"/>
+    <p:sldId id="317" r:id="rId58"/>
+    <p:sldId id="319" r:id="rId59"/>
+    <p:sldId id="318" r:id="rId60"/>
+    <p:sldId id="320" r:id="rId61"/>
+    <p:sldId id="321" r:id="rId62"/>
+    <p:sldId id="322" r:id="rId63"/>
+    <p:sldId id="323" r:id="rId64"/>
+    <p:sldId id="324" r:id="rId65"/>
+    <p:sldId id="325" r:id="rId66"/>
+    <p:sldId id="326" r:id="rId67"/>
+    <p:sldId id="327" r:id="rId68"/>
+    <p:sldId id="328" r:id="rId69"/>
+    <p:sldId id="329" r:id="rId70"/>
+    <p:sldId id="330" r:id="rId71"/>
+    <p:sldId id="331" r:id="rId72"/>
+    <p:sldId id="332" r:id="rId73"/>
+    <p:sldId id="260" r:id="rId74"/>
   </p:sldIdLst>
   <p:sldSz cx="12192000" cy="6858000"/>
   <p:notesSz cx="6858000" cy="9144000"/>
@@ -285,7 +287,7 @@
           <a:p>
             <a:fld id="{AF869721-F543-4A6C-BF9D-65D7CC540427}" type="datetimeFigureOut">
               <a:rPr lang="en-US" smtClean="0"/>
-              <a:t>6/8/2023</a:t>
+              <a:t>7/16/2024</a:t>
             </a:fld>
             <a:endParaRPr lang="en-US" dirty="0"/>
           </a:p>
@@ -462,7 +464,7 @@
           <a:p>
             <a:fld id="{C732326A-4C88-4AFB-AA5B-5919D81DFF5B}" type="datetimeFigureOut">
               <a:rPr lang="en-US" smtClean="0"/>
-              <a:t>6/8/2023</a:t>
+              <a:t>7/16/2024</a:t>
             </a:fld>
             <a:endParaRPr lang="en-US" dirty="0"/>
           </a:p>
@@ -878,7 +880,7 @@
           <a:p>
             <a:fld id="{C6B3AB32-59DF-41F1-9618-EDFBF5049629}" type="slidenum">
               <a:rPr lang="en-US" smtClean="0"/>
-              <a:t>71</a:t>
+              <a:t>73</a:t>
             </a:fld>
             <a:endParaRPr lang="en-US" dirty="0"/>
           </a:p>
@@ -1143,7 +1145,7 @@
             <a:fld id="{B61BEF0D-F0BB-DE4B-95CE-6DB70DBA9567}" type="datetimeFigureOut">
               <a:rPr lang="en-US" smtClean="0"/>
               <a:pPr/>
-              <a:t>6/8/2023</a:t>
+              <a:t>7/16/2024</a:t>
             </a:fld>
             <a:endParaRPr lang="en-US" dirty="0"/>
           </a:p>
@@ -1407,7 +1409,7 @@
             <a:fld id="{B61BEF0D-F0BB-DE4B-95CE-6DB70DBA9567}" type="datetimeFigureOut">
               <a:rPr lang="en-US" smtClean="0"/>
               <a:pPr/>
-              <a:t>6/8/2023</a:t>
+              <a:t>7/16/2024</a:t>
             </a:fld>
             <a:endParaRPr lang="en-US" dirty="0"/>
           </a:p>
@@ -1644,7 +1646,7 @@
             <a:fld id="{B61BEF0D-F0BB-DE4B-95CE-6DB70DBA9567}" type="datetimeFigureOut">
               <a:rPr lang="en-US" smtClean="0"/>
               <a:pPr/>
-              <a:t>6/8/2023</a:t>
+              <a:t>7/16/2024</a:t>
             </a:fld>
             <a:endParaRPr lang="en-US" dirty="0"/>
           </a:p>
@@ -1886,7 +1888,7 @@
             <a:fld id="{B61BEF0D-F0BB-DE4B-95CE-6DB70DBA9567}" type="datetimeFigureOut">
               <a:rPr lang="en-US" smtClean="0"/>
               <a:pPr/>
-              <a:t>6/8/2023</a:t>
+              <a:t>7/16/2024</a:t>
             </a:fld>
             <a:endParaRPr lang="en-US" dirty="0"/>
           </a:p>
@@ -2195,7 +2197,7 @@
             <a:fld id="{B61BEF0D-F0BB-DE4B-95CE-6DB70DBA9567}" type="datetimeFigureOut">
               <a:rPr lang="en-US" smtClean="0"/>
               <a:pPr/>
-              <a:t>6/8/2023</a:t>
+              <a:t>7/16/2024</a:t>
             </a:fld>
             <a:endParaRPr lang="en-US" dirty="0"/>
           </a:p>
@@ -2499,7 +2501,7 @@
             <a:fld id="{B61BEF0D-F0BB-DE4B-95CE-6DB70DBA9567}" type="datetimeFigureOut">
               <a:rPr lang="en-US" smtClean="0"/>
               <a:pPr/>
-              <a:t>6/8/2023</a:t>
+              <a:t>7/16/2024</a:t>
             </a:fld>
             <a:endParaRPr lang="en-US" dirty="0"/>
           </a:p>
@@ -2923,7 +2925,7 @@
             <a:fld id="{B61BEF0D-F0BB-DE4B-95CE-6DB70DBA9567}" type="datetimeFigureOut">
               <a:rPr lang="en-US" smtClean="0"/>
               <a:pPr/>
-              <a:t>6/8/2023</a:t>
+              <a:t>7/16/2024</a:t>
             </a:fld>
             <a:endParaRPr lang="en-US" dirty="0"/>
           </a:p>
@@ -3020,7 +3022,7 @@
             <a:fld id="{B61BEF0D-F0BB-DE4B-95CE-6DB70DBA9567}" type="datetimeFigureOut">
               <a:rPr lang="en-US" smtClean="0"/>
               <a:pPr/>
-              <a:t>6/8/2023</a:t>
+              <a:t>7/16/2024</a:t>
             </a:fld>
             <a:endParaRPr lang="en-US" dirty="0"/>
           </a:p>
@@ -3184,7 +3186,7 @@
             <a:fld id="{B61BEF0D-F0BB-DE4B-95CE-6DB70DBA9567}" type="datetimeFigureOut">
               <a:rPr lang="en-US" smtClean="0"/>
               <a:pPr/>
-              <a:t>6/8/2023</a:t>
+              <a:t>7/16/2024</a:t>
             </a:fld>
             <a:endParaRPr lang="en-US" dirty="0"/>
           </a:p>
@@ -3564,7 +3566,7 @@
             <a:fld id="{B61BEF0D-F0BB-DE4B-95CE-6DB70DBA9567}" type="datetimeFigureOut">
               <a:rPr lang="en-US" smtClean="0"/>
               <a:pPr/>
-              <a:t>6/8/2023</a:t>
+              <a:t>7/16/2024</a:t>
             </a:fld>
             <a:endParaRPr lang="en-US" dirty="0"/>
           </a:p>
@@ -3854,7 +3856,7 @@
             <a:fld id="{B61BEF0D-F0BB-DE4B-95CE-6DB70DBA9567}" type="datetimeFigureOut">
               <a:rPr lang="en-US" smtClean="0"/>
               <a:pPr/>
-              <a:t>6/8/2023</a:t>
+              <a:t>7/16/2024</a:t>
             </a:fld>
             <a:endParaRPr lang="en-US" dirty="0"/>
           </a:p>
@@ -4067,7 +4069,7 @@
             <a:fld id="{B61BEF0D-F0BB-DE4B-95CE-6DB70DBA9567}" type="datetimeFigureOut">
               <a:rPr lang="en-US" smtClean="0"/>
               <a:pPr/>
-              <a:t>6/8/2023</a:t>
+              <a:t>7/16/2024</a:t>
             </a:fld>
             <a:endParaRPr lang="en-US" dirty="0"/>
           </a:p>
@@ -5139,6 +5141,277 @@
       </p:grpSpPr>
       <p:sp>
         <p:nvSpPr>
+          <p:cNvPr id="2" name="Title 1">
+            <a:extLst>
+              <a:ext uri="{FF2B5EF4-FFF2-40B4-BE49-F238E27FC236}">
+                <a16:creationId xmlns:a16="http://schemas.microsoft.com/office/drawing/2014/main" id="{B7CA2F40-D9D0-8D97-1E8D-860121D575A4}"/>
+              </a:ext>
+            </a:extLst>
+          </p:cNvPr>
+          <p:cNvSpPr>
+            <a:spLocks noGrp="1"/>
+          </p:cNvSpPr>
+          <p:nvPr>
+            <p:ph type="title"/>
+          </p:nvPr>
+        </p:nvSpPr>
+        <p:spPr/>
+        <p:txBody>
+          <a:bodyPr/>
+          <a:lstStyle/>
+          <a:p>
+            <a:r>
+              <a:rPr lang="en-US" dirty="0"/>
+              <a:t>JAVA  Architecture</a:t>
+            </a:r>
+            <a:endParaRPr lang="en-IN" dirty="0"/>
+          </a:p>
+        </p:txBody>
+      </p:sp>
+      <p:pic>
+        <p:nvPicPr>
+          <p:cNvPr id="7" name="Content Placeholder 6">
+            <a:extLst>
+              <a:ext uri="{FF2B5EF4-FFF2-40B4-BE49-F238E27FC236}">
+                <a16:creationId xmlns:a16="http://schemas.microsoft.com/office/drawing/2014/main" id="{F1ABC91C-0F9B-DC2A-2B05-8CE9E4209947}"/>
+              </a:ext>
+            </a:extLst>
+          </p:cNvPr>
+          <p:cNvPicPr>
+            <a:picLocks noGrp="1" noChangeAspect="1"/>
+          </p:cNvPicPr>
+          <p:nvPr>
+            <p:ph idx="1"/>
+          </p:nvPr>
+        </p:nvPicPr>
+        <p:blipFill>
+          <a:blip r:embed="rId2"/>
+          <a:stretch>
+            <a:fillRect/>
+          </a:stretch>
+        </p:blipFill>
+        <p:spPr>
+          <a:xfrm>
+            <a:off x="1219200" y="1948874"/>
+            <a:ext cx="9531928" cy="4768042"/>
+          </a:xfrm>
+        </p:spPr>
+      </p:pic>
+    </p:spTree>
+    <p:extLst>
+      <p:ext uri="{BB962C8B-B14F-4D97-AF65-F5344CB8AC3E}">
+        <p14:creationId xmlns:p14="http://schemas.microsoft.com/office/powerpoint/2010/main" val="2403973156"/>
+      </p:ext>
+    </p:extLst>
+  </p:cSld>
+  <p:clrMapOvr>
+    <a:masterClrMapping/>
+  </p:clrMapOvr>
+</p:sld>
+</file>
+
+<file path=ppt/slides/slide11.xml><?xml version="1.0" encoding="utf-8"?>
+<p:sld xmlns:a="http://schemas.openxmlformats.org/drawingml/2006/main" xmlns:r="http://schemas.openxmlformats.org/officeDocument/2006/relationships" xmlns:p="http://schemas.openxmlformats.org/presentationml/2006/main">
+  <p:cSld>
+    <p:spTree>
+      <p:nvGrpSpPr>
+        <p:cNvPr id="1" name=""/>
+        <p:cNvGrpSpPr/>
+        <p:nvPr/>
+      </p:nvGrpSpPr>
+      <p:grpSpPr>
+        <a:xfrm>
+          <a:off x="0" y="0"/>
+          <a:ext cx="0" cy="0"/>
+          <a:chOff x="0" y="0"/>
+          <a:chExt cx="0" cy="0"/>
+        </a:xfrm>
+      </p:grpSpPr>
+      <p:sp>
+        <p:nvSpPr>
+          <p:cNvPr id="2" name="TextBox 1">
+            <a:extLst>
+              <a:ext uri="{FF2B5EF4-FFF2-40B4-BE49-F238E27FC236}">
+                <a16:creationId xmlns:a16="http://schemas.microsoft.com/office/drawing/2014/main" id="{ACC9DF1F-2E39-5872-C1B5-2E3681488B04}"/>
+              </a:ext>
+            </a:extLst>
+          </p:cNvPr>
+          <p:cNvSpPr txBox="1"/>
+          <p:nvPr/>
+        </p:nvSpPr>
+        <p:spPr>
+          <a:xfrm>
+            <a:off x="517236" y="1136073"/>
+            <a:ext cx="11194473" cy="4459234"/>
+          </a:xfrm>
+          <a:prstGeom prst="rect">
+            <a:avLst/>
+          </a:prstGeom>
+          <a:noFill/>
+        </p:spPr>
+        <p:txBody>
+          <a:bodyPr wrap="square" rtlCol="0">
+            <a:spAutoFit/>
+          </a:bodyPr>
+          <a:lstStyle/>
+          <a:p>
+            <a:pPr>
+              <a:lnSpc>
+                <a:spcPct val="150000"/>
+              </a:lnSpc>
+            </a:pPr>
+            <a:r>
+              <a:rPr lang="en-US" sz="2400" b="1" dirty="0"/>
+              <a:t>Source code: </a:t>
+            </a:r>
+            <a:r>
+              <a:rPr lang="en-US" sz="2400" dirty="0"/>
+              <a:t>Program written in Java language</a:t>
+            </a:r>
+          </a:p>
+          <a:p>
+            <a:pPr>
+              <a:lnSpc>
+                <a:spcPct val="150000"/>
+              </a:lnSpc>
+            </a:pPr>
+            <a:r>
+              <a:rPr lang="en-US" sz="2400" b="1" dirty="0"/>
+              <a:t>Byte code:</a:t>
+            </a:r>
+            <a:r>
+              <a:rPr lang="en-US" sz="2400" dirty="0"/>
+              <a:t> A .class file is generated after the Java code is compiled</a:t>
+            </a:r>
+          </a:p>
+          <a:p>
+            <a:pPr>
+              <a:lnSpc>
+                <a:spcPct val="150000"/>
+              </a:lnSpc>
+            </a:pPr>
+            <a:r>
+              <a:rPr lang="en-US" sz="2400" b="1" dirty="0" err="1"/>
+              <a:t>ClassLoader</a:t>
+            </a:r>
+            <a:r>
+              <a:rPr lang="en-US" sz="2400" b="1" dirty="0"/>
+              <a:t>: </a:t>
+            </a:r>
+            <a:r>
+              <a:rPr lang="en-US" sz="2400" dirty="0"/>
+              <a:t>Loads all the class files needed for execution</a:t>
+            </a:r>
+          </a:p>
+          <a:p>
+            <a:pPr>
+              <a:lnSpc>
+                <a:spcPct val="150000"/>
+              </a:lnSpc>
+            </a:pPr>
+            <a:r>
+              <a:rPr lang="en-US" sz="2400" b="1" dirty="0"/>
+              <a:t>Byte code verifier:</a:t>
+            </a:r>
+            <a:r>
+              <a:rPr lang="en-US" sz="2400" dirty="0"/>
+              <a:t> Checks code for fragments for  illegal code</a:t>
+            </a:r>
+          </a:p>
+          <a:p>
+            <a:pPr>
+              <a:lnSpc>
+                <a:spcPct val="150000"/>
+              </a:lnSpc>
+            </a:pPr>
+            <a:r>
+              <a:rPr lang="en-US" sz="2400" b="1" dirty="0"/>
+              <a:t>Interpreter: </a:t>
+            </a:r>
+            <a:r>
+              <a:rPr lang="en-US" sz="2400" dirty="0"/>
+              <a:t>Converts byte code instruction to machine code</a:t>
+            </a:r>
+          </a:p>
+          <a:p>
+            <a:pPr>
+              <a:lnSpc>
+                <a:spcPct val="150000"/>
+              </a:lnSpc>
+            </a:pPr>
+            <a:r>
+              <a:rPr lang="en-US" sz="2400" b="1" dirty="0"/>
+              <a:t>Compiler: </a:t>
+            </a:r>
+            <a:r>
+              <a:rPr lang="en-US" sz="2400" dirty="0"/>
+              <a:t>Compiles reusable byte code instructions to machine code</a:t>
+            </a:r>
+          </a:p>
+          <a:p>
+            <a:pPr>
+              <a:lnSpc>
+                <a:spcPct val="150000"/>
+              </a:lnSpc>
+            </a:pPr>
+            <a:r>
+              <a:rPr lang="en-US" sz="2400" b="1" dirty="0"/>
+              <a:t>Runtime: </a:t>
+            </a:r>
+            <a:r>
+              <a:rPr lang="en-US" sz="2400" dirty="0"/>
+              <a:t>The overall execution of the program is assisted by Runtime.</a:t>
+            </a:r>
+          </a:p>
+          <a:p>
+            <a:pPr>
+              <a:lnSpc>
+                <a:spcPct val="150000"/>
+              </a:lnSpc>
+            </a:pPr>
+            <a:r>
+              <a:rPr lang="en-IN" sz="2400" b="1" dirty="0"/>
+              <a:t>JIT : </a:t>
+            </a:r>
+            <a:r>
+              <a:rPr lang="en-IN" sz="2400" dirty="0"/>
+              <a:t>just in time compilation</a:t>
+            </a:r>
+          </a:p>
+        </p:txBody>
+      </p:sp>
+    </p:spTree>
+    <p:extLst>
+      <p:ext uri="{BB962C8B-B14F-4D97-AF65-F5344CB8AC3E}">
+        <p14:creationId xmlns:p14="http://schemas.microsoft.com/office/powerpoint/2010/main" val="3749124275"/>
+      </p:ext>
+    </p:extLst>
+  </p:cSld>
+  <p:clrMapOvr>
+    <a:masterClrMapping/>
+  </p:clrMapOvr>
+</p:sld>
+</file>
+
+<file path=ppt/slides/slide12.xml><?xml version="1.0" encoding="utf-8"?>
+<p:sld xmlns:a="http://schemas.openxmlformats.org/drawingml/2006/main" xmlns:r="http://schemas.openxmlformats.org/officeDocument/2006/relationships" xmlns:p="http://schemas.openxmlformats.org/presentationml/2006/main">
+  <p:cSld>
+    <p:spTree>
+      <p:nvGrpSpPr>
+        <p:cNvPr id="1" name=""/>
+        <p:cNvGrpSpPr/>
+        <p:nvPr/>
+      </p:nvGrpSpPr>
+      <p:grpSpPr>
+        <a:xfrm>
+          <a:off x="0" y="0"/>
+          <a:ext cx="0" cy="0"/>
+          <a:chOff x="0" y="0"/>
+          <a:chExt cx="0" cy="0"/>
+        </a:xfrm>
+      </p:grpSpPr>
+      <p:sp>
+        <p:nvSpPr>
           <p:cNvPr id="3" name="TextBox 2">
             <a:extLst>
               <a:ext uri="{FF2B5EF4-FFF2-40B4-BE49-F238E27FC236}">
@@ -5241,7 +5514,7 @@
           <a:p>
             <a:r>
               <a:rPr lang="en-US" sz="2000" dirty="0"/>
-              <a:t>Let's create the hello java program:</a:t>
+              <a:t>Let's create the hello world java program ,Make a file named Simple.java</a:t>
             </a:r>
           </a:p>
           <a:p>
@@ -5395,7 +5668,7 @@
 </p:sld>
 </file>
 
-<file path=ppt/slides/slide11.xml><?xml version="1.0" encoding="utf-8"?>
+<file path=ppt/slides/slide13.xml><?xml version="1.0" encoding="utf-8"?>
 <p:sld xmlns:a="http://schemas.openxmlformats.org/drawingml/2006/main" xmlns:r="http://schemas.openxmlformats.org/officeDocument/2006/relationships" xmlns:p="http://schemas.openxmlformats.org/presentationml/2006/main">
   <p:cSld>
     <p:spTree>
@@ -5542,7 +5815,7 @@
 </p:sld>
 </file>
 
-<file path=ppt/slides/slide12.xml><?xml version="1.0" encoding="utf-8"?>
+<file path=ppt/slides/slide14.xml><?xml version="1.0" encoding="utf-8"?>
 <p:sld xmlns:a="http://schemas.openxmlformats.org/drawingml/2006/main" xmlns:r="http://schemas.openxmlformats.org/officeDocument/2006/relationships" xmlns:p="http://schemas.openxmlformats.org/presentationml/2006/main">
   <p:cSld>
     <p:spTree>
@@ -6103,7 +6376,7 @@
 </p:sld>
 </file>
 
-<file path=ppt/slides/slide13.xml><?xml version="1.0" encoding="utf-8"?>
+<file path=ppt/slides/slide15.xml><?xml version="1.0" encoding="utf-8"?>
 <p:sld xmlns:a="http://schemas.openxmlformats.org/drawingml/2006/main" xmlns:r="http://schemas.openxmlformats.org/officeDocument/2006/relationships" xmlns:p="http://schemas.openxmlformats.org/presentationml/2006/main">
   <p:cSld>
     <p:spTree>
@@ -6481,7 +6754,7 @@
 </p:sld>
 </file>
 
-<file path=ppt/slides/slide14.xml><?xml version="1.0" encoding="utf-8"?>
+<file path=ppt/slides/slide16.xml><?xml version="1.0" encoding="utf-8"?>
 <p:sld xmlns:a="http://schemas.openxmlformats.org/drawingml/2006/main" xmlns:r="http://schemas.openxmlformats.org/officeDocument/2006/relationships" xmlns:p="http://schemas.openxmlformats.org/presentationml/2006/main">
   <p:cSld>
     <p:spTree>
@@ -6656,7 +6929,7 @@
 </p:sld>
 </file>
 
-<file path=ppt/slides/slide15.xml><?xml version="1.0" encoding="utf-8"?>
+<file path=ppt/slides/slide17.xml><?xml version="1.0" encoding="utf-8"?>
 <p:sld xmlns:a="http://schemas.openxmlformats.org/drawingml/2006/main" xmlns:r="http://schemas.openxmlformats.org/officeDocument/2006/relationships" xmlns:p="http://schemas.openxmlformats.org/presentationml/2006/main">
   <p:cSld>
     <p:spTree>
@@ -6885,7 +7158,7 @@
 </p:sld>
 </file>
 
-<file path=ppt/slides/slide16.xml><?xml version="1.0" encoding="utf-8"?>
+<file path=ppt/slides/slide18.xml><?xml version="1.0" encoding="utf-8"?>
 <p:sld xmlns:a="http://schemas.openxmlformats.org/drawingml/2006/main" xmlns:r="http://schemas.openxmlformats.org/officeDocument/2006/relationships" xmlns:p="http://schemas.openxmlformats.org/presentationml/2006/main">
   <p:cSld>
     <p:spTree>
@@ -7002,7 +7275,7 @@
 </p:sld>
 </file>
 
-<file path=ppt/slides/slide17.xml><?xml version="1.0" encoding="utf-8"?>
+<file path=ppt/slides/slide19.xml><?xml version="1.0" encoding="utf-8"?>
 <p:sld xmlns:a="http://schemas.openxmlformats.org/drawingml/2006/main" xmlns:r="http://schemas.openxmlformats.org/officeDocument/2006/relationships" xmlns:p="http://schemas.openxmlformats.org/presentationml/2006/main">
   <p:cSld>
     <p:spTree>
@@ -7372,7 +7645,155 @@
 </p:sld>
 </file>
 
-<file path=ppt/slides/slide18.xml><?xml version="1.0" encoding="utf-8"?>
+<file path=ppt/slides/slide2.xml><?xml version="1.0" encoding="utf-8"?>
+<p:sld xmlns:a="http://schemas.openxmlformats.org/drawingml/2006/main" xmlns:r="http://schemas.openxmlformats.org/officeDocument/2006/relationships" xmlns:p="http://schemas.openxmlformats.org/presentationml/2006/main">
+  <p:cSld>
+    <p:spTree>
+      <p:nvGrpSpPr>
+        <p:cNvPr id="1" name=""/>
+        <p:cNvGrpSpPr/>
+        <p:nvPr/>
+      </p:nvGrpSpPr>
+      <p:grpSpPr>
+        <a:xfrm>
+          <a:off x="0" y="0"/>
+          <a:ext cx="0" cy="0"/>
+          <a:chOff x="0" y="0"/>
+          <a:chExt cx="0" cy="0"/>
+        </a:xfrm>
+      </p:grpSpPr>
+      <p:sp>
+        <p:nvSpPr>
+          <p:cNvPr id="2" name="Title 1">
+            <a:extLst>
+              <a:ext uri="{FF2B5EF4-FFF2-40B4-BE49-F238E27FC236}">
+                <a16:creationId xmlns:a16="http://schemas.microsoft.com/office/drawing/2014/main" id="{C75A3BD4-305C-044C-4876-5C9616722C10}"/>
+              </a:ext>
+            </a:extLst>
+          </p:cNvPr>
+          <p:cNvSpPr>
+            <a:spLocks noGrp="1"/>
+          </p:cNvSpPr>
+          <p:nvPr>
+            <p:ph type="title"/>
+          </p:nvPr>
+        </p:nvSpPr>
+        <p:spPr/>
+        <p:txBody>
+          <a:bodyPr/>
+          <a:lstStyle/>
+          <a:p>
+            <a:r>
+              <a:rPr lang="en-IN" b="1" dirty="0"/>
+              <a:t>What is Java?</a:t>
+            </a:r>
+            <a:endParaRPr lang="en-IN" dirty="0"/>
+          </a:p>
+        </p:txBody>
+      </p:sp>
+      <p:sp>
+        <p:nvSpPr>
+          <p:cNvPr id="3" name="Content Placeholder 2">
+            <a:extLst>
+              <a:ext uri="{FF2B5EF4-FFF2-40B4-BE49-F238E27FC236}">
+                <a16:creationId xmlns:a16="http://schemas.microsoft.com/office/drawing/2014/main" id="{440F696C-C3CF-39E2-9275-85BEC0C3CA04}"/>
+              </a:ext>
+            </a:extLst>
+          </p:cNvPr>
+          <p:cNvSpPr>
+            <a:spLocks noGrp="1"/>
+          </p:cNvSpPr>
+          <p:nvPr>
+            <p:ph idx="1"/>
+          </p:nvPr>
+        </p:nvSpPr>
+        <p:spPr>
+          <a:xfrm>
+            <a:off x="581192" y="2041236"/>
+            <a:ext cx="11435317" cy="4498109"/>
+          </a:xfrm>
+        </p:spPr>
+        <p:txBody>
+          <a:bodyPr>
+            <a:normAutofit lnSpcReduction="10000"/>
+          </a:bodyPr>
+          <a:lstStyle/>
+          <a:p>
+            <a:r>
+              <a:rPr lang="en-US" dirty="0"/>
+              <a:t>Java is a widely-used high level programming language for coding. It has been a popular choice among developers for over two decades, with millions of Java applications in use today. Java is a multi-platform, object-oriented, and network-centric language that can be used as a platform in itself. It is a fast, secure, reliable programming language for coding everything from mobile apps and enterprise software to big data applications and server-side technologies.</a:t>
+            </a:r>
+          </a:p>
+          <a:p>
+            <a:r>
+              <a:rPr lang="en-US" b="1" dirty="0"/>
+              <a:t>How to program in Java</a:t>
+            </a:r>
+          </a:p>
+          <a:p>
+            <a:r>
+              <a:rPr lang="en-US" dirty="0"/>
+              <a:t>To begin programming in Java, you need to install a Java Edition on your system. There are three main Java editions: </a:t>
+            </a:r>
+          </a:p>
+          <a:p>
+            <a:pPr>
+              <a:buFont typeface="+mj-lt"/>
+              <a:buAutoNum type="arabicPeriod"/>
+            </a:pPr>
+            <a:r>
+              <a:rPr lang="en-US" dirty="0"/>
+              <a:t>Java Standard Edition (Java SE)</a:t>
+            </a:r>
+          </a:p>
+          <a:p>
+            <a:pPr>
+              <a:buFont typeface="+mj-lt"/>
+              <a:buAutoNum type="arabicPeriod"/>
+            </a:pPr>
+            <a:r>
+              <a:rPr lang="en-US" dirty="0"/>
+              <a:t>Java Enterprise Edition (Java EE)</a:t>
+            </a:r>
+          </a:p>
+          <a:p>
+            <a:pPr>
+              <a:buFont typeface="+mj-lt"/>
+              <a:buAutoNum type="arabicPeriod"/>
+            </a:pPr>
+            <a:r>
+              <a:rPr lang="en-US" dirty="0"/>
+              <a:t>Java Micro Edition (Java ME)</a:t>
+            </a:r>
+          </a:p>
+          <a:p>
+            <a:r>
+              <a:rPr lang="en-US" b="1" dirty="0"/>
+              <a:t>What is Java SE?</a:t>
+            </a:r>
+          </a:p>
+          <a:p>
+            <a:r>
+              <a:rPr lang="en-US" dirty="0"/>
+              <a:t>Java Standard Edition is the core Java programming platform. It contains all of the libraries and APIs that any programmer needs for java development. Open Java Development Kit(OpenJDK) is the free and open source implementation of Java SE.</a:t>
+            </a:r>
+          </a:p>
+        </p:txBody>
+      </p:sp>
+    </p:spTree>
+    <p:extLst>
+      <p:ext uri="{BB962C8B-B14F-4D97-AF65-F5344CB8AC3E}">
+        <p14:creationId xmlns:p14="http://schemas.microsoft.com/office/powerpoint/2010/main" val="3523366755"/>
+      </p:ext>
+    </p:extLst>
+  </p:cSld>
+  <p:clrMapOvr>
+    <a:masterClrMapping/>
+  </p:clrMapOvr>
+</p:sld>
+</file>
+
+<file path=ppt/slides/slide20.xml><?xml version="1.0" encoding="utf-8"?>
 <p:sld xmlns:a="http://schemas.openxmlformats.org/drawingml/2006/main" xmlns:r="http://schemas.openxmlformats.org/officeDocument/2006/relationships" xmlns:p="http://schemas.openxmlformats.org/presentationml/2006/main">
   <p:cSld>
     <p:spTree>
@@ -7748,7 +8169,7 @@
 </p:sld>
 </file>
 
-<file path=ppt/slides/slide19.xml><?xml version="1.0" encoding="utf-8"?>
+<file path=ppt/slides/slide21.xml><?xml version="1.0" encoding="utf-8"?>
 <p:sld xmlns:a="http://schemas.openxmlformats.org/drawingml/2006/main" xmlns:r="http://schemas.openxmlformats.org/officeDocument/2006/relationships" xmlns:p="http://schemas.openxmlformats.org/presentationml/2006/main">
   <p:cSld>
     <p:spTree>
@@ -8062,155 +8483,7 @@
 </p:sld>
 </file>
 
-<file path=ppt/slides/slide2.xml><?xml version="1.0" encoding="utf-8"?>
-<p:sld xmlns:a="http://schemas.openxmlformats.org/drawingml/2006/main" xmlns:r="http://schemas.openxmlformats.org/officeDocument/2006/relationships" xmlns:p="http://schemas.openxmlformats.org/presentationml/2006/main">
-  <p:cSld>
-    <p:spTree>
-      <p:nvGrpSpPr>
-        <p:cNvPr id="1" name=""/>
-        <p:cNvGrpSpPr/>
-        <p:nvPr/>
-      </p:nvGrpSpPr>
-      <p:grpSpPr>
-        <a:xfrm>
-          <a:off x="0" y="0"/>
-          <a:ext cx="0" cy="0"/>
-          <a:chOff x="0" y="0"/>
-          <a:chExt cx="0" cy="0"/>
-        </a:xfrm>
-      </p:grpSpPr>
-      <p:sp>
-        <p:nvSpPr>
-          <p:cNvPr id="2" name="Title 1">
-            <a:extLst>
-              <a:ext uri="{FF2B5EF4-FFF2-40B4-BE49-F238E27FC236}">
-                <a16:creationId xmlns:a16="http://schemas.microsoft.com/office/drawing/2014/main" id="{C75A3BD4-305C-044C-4876-5C9616722C10}"/>
-              </a:ext>
-            </a:extLst>
-          </p:cNvPr>
-          <p:cNvSpPr>
-            <a:spLocks noGrp="1"/>
-          </p:cNvSpPr>
-          <p:nvPr>
-            <p:ph type="title"/>
-          </p:nvPr>
-        </p:nvSpPr>
-        <p:spPr/>
-        <p:txBody>
-          <a:bodyPr/>
-          <a:lstStyle/>
-          <a:p>
-            <a:r>
-              <a:rPr lang="en-IN" b="1" dirty="0"/>
-              <a:t>What is Java?</a:t>
-            </a:r>
-            <a:endParaRPr lang="en-IN" dirty="0"/>
-          </a:p>
-        </p:txBody>
-      </p:sp>
-      <p:sp>
-        <p:nvSpPr>
-          <p:cNvPr id="3" name="Content Placeholder 2">
-            <a:extLst>
-              <a:ext uri="{FF2B5EF4-FFF2-40B4-BE49-F238E27FC236}">
-                <a16:creationId xmlns:a16="http://schemas.microsoft.com/office/drawing/2014/main" id="{440F696C-C3CF-39E2-9275-85BEC0C3CA04}"/>
-              </a:ext>
-            </a:extLst>
-          </p:cNvPr>
-          <p:cNvSpPr>
-            <a:spLocks noGrp="1"/>
-          </p:cNvSpPr>
-          <p:nvPr>
-            <p:ph idx="1"/>
-          </p:nvPr>
-        </p:nvSpPr>
-        <p:spPr>
-          <a:xfrm>
-            <a:off x="581192" y="2041236"/>
-            <a:ext cx="11029615" cy="4498109"/>
-          </a:xfrm>
-        </p:spPr>
-        <p:txBody>
-          <a:bodyPr>
-            <a:normAutofit lnSpcReduction="10000"/>
-          </a:bodyPr>
-          <a:lstStyle/>
-          <a:p>
-            <a:r>
-              <a:rPr lang="en-US" dirty="0"/>
-              <a:t>Java is a widely-used programming language for coding. It has been a popular choice among developers for over two decades, with millions of Java applications in use today. Java is a multi-platform, object-oriented, and network-centric language that can be used as a platform in itself. It is a fast, secure, reliable programming language for coding everything from mobile apps and enterprise software to big data applications and server-side technologies.</a:t>
-            </a:r>
-          </a:p>
-          <a:p>
-            <a:r>
-              <a:rPr lang="en-US" b="1" dirty="0"/>
-              <a:t>How to program in Java</a:t>
-            </a:r>
-          </a:p>
-          <a:p>
-            <a:r>
-              <a:rPr lang="en-US" dirty="0"/>
-              <a:t>To begin programming in Java, you need to install a Java Edition on your system. There are three main Java editions: </a:t>
-            </a:r>
-          </a:p>
-          <a:p>
-            <a:pPr>
-              <a:buFont typeface="+mj-lt"/>
-              <a:buAutoNum type="arabicPeriod"/>
-            </a:pPr>
-            <a:r>
-              <a:rPr lang="en-US" dirty="0"/>
-              <a:t>Java Standard Edition (Java SE)</a:t>
-            </a:r>
-          </a:p>
-          <a:p>
-            <a:pPr>
-              <a:buFont typeface="+mj-lt"/>
-              <a:buAutoNum type="arabicPeriod"/>
-            </a:pPr>
-            <a:r>
-              <a:rPr lang="en-US" dirty="0"/>
-              <a:t>Java Enterprise Edition (Java EE)</a:t>
-            </a:r>
-          </a:p>
-          <a:p>
-            <a:pPr>
-              <a:buFont typeface="+mj-lt"/>
-              <a:buAutoNum type="arabicPeriod"/>
-            </a:pPr>
-            <a:r>
-              <a:rPr lang="en-US" dirty="0"/>
-              <a:t>Java Micro Edition (Java ME)</a:t>
-            </a:r>
-          </a:p>
-          <a:p>
-            <a:r>
-              <a:rPr lang="en-US" b="1" dirty="0"/>
-              <a:t>What is Java SE?</a:t>
-            </a:r>
-          </a:p>
-          <a:p>
-            <a:r>
-              <a:rPr lang="en-US" dirty="0"/>
-              <a:t>Java Standard Edition is the core Java programming platform. It contains all of the libraries and APIs that any programmer needs for java development. Open Java Development Kit(OpenJDK) is the free and open source implementation of Java SE.</a:t>
-            </a:r>
-          </a:p>
-        </p:txBody>
-      </p:sp>
-    </p:spTree>
-    <p:extLst>
-      <p:ext uri="{BB962C8B-B14F-4D97-AF65-F5344CB8AC3E}">
-        <p14:creationId xmlns:p14="http://schemas.microsoft.com/office/powerpoint/2010/main" val="3523366755"/>
-      </p:ext>
-    </p:extLst>
-  </p:cSld>
-  <p:clrMapOvr>
-    <a:masterClrMapping/>
-  </p:clrMapOvr>
-</p:sld>
-</file>
-
-<file path=ppt/slides/slide20.xml><?xml version="1.0" encoding="utf-8"?>
+<file path=ppt/slides/slide22.xml><?xml version="1.0" encoding="utf-8"?>
 <p:sld xmlns:a="http://schemas.openxmlformats.org/drawingml/2006/main" xmlns:r="http://schemas.openxmlformats.org/officeDocument/2006/relationships" xmlns:p="http://schemas.openxmlformats.org/presentationml/2006/main">
   <p:cSld>
     <p:spTree>
@@ -8594,7 +8867,7 @@
 </p:sld>
 </file>
 
-<file path=ppt/slides/slide21.xml><?xml version="1.0" encoding="utf-8"?>
+<file path=ppt/slides/slide23.xml><?xml version="1.0" encoding="utf-8"?>
 <p:sld xmlns:a="http://schemas.openxmlformats.org/drawingml/2006/main" xmlns:r="http://schemas.openxmlformats.org/officeDocument/2006/relationships" xmlns:p="http://schemas.openxmlformats.org/presentationml/2006/main">
   <p:cSld>
     <p:spTree>
@@ -11294,7 +11567,7 @@
 </p:sld>
 </file>
 
-<file path=ppt/slides/slide22.xml><?xml version="1.0" encoding="utf-8"?>
+<file path=ppt/slides/slide24.xml><?xml version="1.0" encoding="utf-8"?>
 <p:sld xmlns:a="http://schemas.openxmlformats.org/drawingml/2006/main" xmlns:r="http://schemas.openxmlformats.org/officeDocument/2006/relationships" xmlns:p="http://schemas.openxmlformats.org/presentationml/2006/main">
   <p:cSld>
     <p:spTree>
@@ -11685,7 +11958,7 @@
 </p:sld>
 </file>
 
-<file path=ppt/slides/slide23.xml><?xml version="1.0" encoding="utf-8"?>
+<file path=ppt/slides/slide25.xml><?xml version="1.0" encoding="utf-8"?>
 <p:sld xmlns:a="http://schemas.openxmlformats.org/drawingml/2006/main" xmlns:r="http://schemas.openxmlformats.org/officeDocument/2006/relationships" xmlns:p="http://schemas.openxmlformats.org/presentationml/2006/main">
   <p:cSld>
     <p:spTree>
@@ -12051,7 +12324,7 @@
 </p:sld>
 </file>
 
-<file path=ppt/slides/slide24.xml><?xml version="1.0" encoding="utf-8"?>
+<file path=ppt/slides/slide26.xml><?xml version="1.0" encoding="utf-8"?>
 <p:sld xmlns:a="http://schemas.openxmlformats.org/drawingml/2006/main" xmlns:r="http://schemas.openxmlformats.org/officeDocument/2006/relationships" xmlns:p="http://schemas.openxmlformats.org/presentationml/2006/main">
   <p:cSld>
     <p:spTree>
@@ -12443,7 +12716,7 @@
 </p:sld>
 </file>
 
-<file path=ppt/slides/slide25.xml><?xml version="1.0" encoding="utf-8"?>
+<file path=ppt/slides/slide27.xml><?xml version="1.0" encoding="utf-8"?>
 <p:sld xmlns:a="http://schemas.openxmlformats.org/drawingml/2006/main" xmlns:r="http://schemas.openxmlformats.org/officeDocument/2006/relationships" xmlns:p="http://schemas.openxmlformats.org/presentationml/2006/main">
   <p:cSld>
     <p:spTree>
@@ -12882,7 +13155,7 @@
 </p:sld>
 </file>
 
-<file path=ppt/slides/slide26.xml><?xml version="1.0" encoding="utf-8"?>
+<file path=ppt/slides/slide28.xml><?xml version="1.0" encoding="utf-8"?>
 <p:sld xmlns:a="http://schemas.openxmlformats.org/drawingml/2006/main" xmlns:r="http://schemas.openxmlformats.org/officeDocument/2006/relationships" xmlns:p="http://schemas.openxmlformats.org/presentationml/2006/main">
   <p:cSld>
     <p:spTree>
@@ -13363,7 +13636,7 @@
 </p:sld>
 </file>
 
-<file path=ppt/slides/slide27.xml><?xml version="1.0" encoding="utf-8"?>
+<file path=ppt/slides/slide29.xml><?xml version="1.0" encoding="utf-8"?>
 <p:sld xmlns:a="http://schemas.openxmlformats.org/drawingml/2006/main" xmlns:r="http://schemas.openxmlformats.org/officeDocument/2006/relationships" xmlns:p="http://schemas.openxmlformats.org/presentationml/2006/main">
   <p:cSld>
     <p:spTree>
@@ -13700,750 +13973,6 @@
     <p:extLst>
       <p:ext uri="{BB962C8B-B14F-4D97-AF65-F5344CB8AC3E}">
         <p14:creationId xmlns:p14="http://schemas.microsoft.com/office/powerpoint/2010/main" val="2809821666"/>
-      </p:ext>
-    </p:extLst>
-  </p:cSld>
-  <p:clrMapOvr>
-    <a:masterClrMapping/>
-  </p:clrMapOvr>
-</p:sld>
-</file>
-
-<file path=ppt/slides/slide28.xml><?xml version="1.0" encoding="utf-8"?>
-<p:sld xmlns:a="http://schemas.openxmlformats.org/drawingml/2006/main" xmlns:r="http://schemas.openxmlformats.org/officeDocument/2006/relationships" xmlns:p="http://schemas.openxmlformats.org/presentationml/2006/main">
-  <p:cSld>
-    <p:spTree>
-      <p:nvGrpSpPr>
-        <p:cNvPr id="1" name=""/>
-        <p:cNvGrpSpPr/>
-        <p:nvPr/>
-      </p:nvGrpSpPr>
-      <p:grpSpPr>
-        <a:xfrm>
-          <a:off x="0" y="0"/>
-          <a:ext cx="0" cy="0"/>
-          <a:chOff x="0" y="0"/>
-          <a:chExt cx="0" cy="0"/>
-        </a:xfrm>
-      </p:grpSpPr>
-      <p:sp>
-        <p:nvSpPr>
-          <p:cNvPr id="2" name="Content Placeholder 2">
-            <a:extLst>
-              <a:ext uri="{FF2B5EF4-FFF2-40B4-BE49-F238E27FC236}">
-                <a16:creationId xmlns:a16="http://schemas.microsoft.com/office/drawing/2014/main" id="{AB3B28E6-FFD9-9635-679E-049E5D9FBF98}"/>
-              </a:ext>
-            </a:extLst>
-          </p:cNvPr>
-          <p:cNvSpPr txBox="1">
-            <a:spLocks/>
-          </p:cNvSpPr>
-          <p:nvPr/>
-        </p:nvSpPr>
-        <p:spPr>
-          <a:xfrm>
-            <a:off x="1103312" y="1097280"/>
-            <a:ext cx="9355138" cy="5632132"/>
-          </a:xfrm>
-          <a:prstGeom prst="rect">
-            <a:avLst/>
-          </a:prstGeom>
-        </p:spPr>
-        <p:txBody>
-          <a:bodyPr/>
-          <a:lstStyle>
-            <a:lvl1pPr marL="306000" indent="-306000" algn="l" defTabSz="457200" rtl="0" eaLnBrk="1" latinLnBrk="0" hangingPunct="1">
-              <a:spcBef>
-                <a:spcPct val="20000"/>
-              </a:spcBef>
-              <a:spcAft>
-                <a:spcPts val="600"/>
-              </a:spcAft>
-              <a:buClr>
-                <a:schemeClr val="accent2"/>
-              </a:buClr>
-              <a:buSzPct val="92000"/>
-              <a:buFont typeface="Wingdings 2" panose="05020102010507070707" pitchFamily="18" charset="2"/>
-              <a:buChar char=""/>
-              <a:defRPr sz="1800" kern="1200">
-                <a:solidFill>
-                  <a:schemeClr val="tx2"/>
-                </a:solidFill>
-                <a:latin typeface="+mn-lt"/>
-                <a:ea typeface="+mn-ea"/>
-                <a:cs typeface="+mn-cs"/>
-              </a:defRPr>
-            </a:lvl1pPr>
-            <a:lvl2pPr marL="630000" indent="-306000" algn="l" defTabSz="457200" rtl="0" eaLnBrk="1" latinLnBrk="0" hangingPunct="1">
-              <a:spcBef>
-                <a:spcPct val="20000"/>
-              </a:spcBef>
-              <a:spcAft>
-                <a:spcPts val="600"/>
-              </a:spcAft>
-              <a:buClr>
-                <a:schemeClr val="accent2"/>
-              </a:buClr>
-              <a:buSzPct val="92000"/>
-              <a:buFont typeface="Wingdings 2" panose="05020102010507070707" pitchFamily="18" charset="2"/>
-              <a:buChar char=""/>
-              <a:defRPr sz="1600" kern="1200">
-                <a:solidFill>
-                  <a:schemeClr val="tx2"/>
-                </a:solidFill>
-                <a:latin typeface="+mn-lt"/>
-                <a:ea typeface="+mn-ea"/>
-                <a:cs typeface="+mn-cs"/>
-              </a:defRPr>
-            </a:lvl2pPr>
-            <a:lvl3pPr marL="900000" indent="-270000" algn="l" defTabSz="457200" rtl="0" eaLnBrk="1" latinLnBrk="0" hangingPunct="1">
-              <a:spcBef>
-                <a:spcPct val="20000"/>
-              </a:spcBef>
-              <a:spcAft>
-                <a:spcPts val="600"/>
-              </a:spcAft>
-              <a:buClr>
-                <a:schemeClr val="accent2"/>
-              </a:buClr>
-              <a:buSzPct val="92000"/>
-              <a:buFont typeface="Wingdings 2" panose="05020102010507070707" pitchFamily="18" charset="2"/>
-              <a:buChar char=""/>
-              <a:defRPr sz="1400" kern="1200">
-                <a:solidFill>
-                  <a:schemeClr val="tx2"/>
-                </a:solidFill>
-                <a:latin typeface="+mn-lt"/>
-                <a:ea typeface="+mn-ea"/>
-                <a:cs typeface="+mn-cs"/>
-              </a:defRPr>
-            </a:lvl3pPr>
-            <a:lvl4pPr marL="1242000" indent="-234000" algn="l" defTabSz="457200" rtl="0" eaLnBrk="1" latinLnBrk="0" hangingPunct="1">
-              <a:spcBef>
-                <a:spcPct val="20000"/>
-              </a:spcBef>
-              <a:spcAft>
-                <a:spcPts val="600"/>
-              </a:spcAft>
-              <a:buClr>
-                <a:schemeClr val="accent2"/>
-              </a:buClr>
-              <a:buSzPct val="92000"/>
-              <a:buFont typeface="Wingdings 2" panose="05020102010507070707" pitchFamily="18" charset="2"/>
-              <a:buChar char=""/>
-              <a:defRPr sz="1200" kern="1200">
-                <a:solidFill>
-                  <a:schemeClr val="tx2"/>
-                </a:solidFill>
-                <a:latin typeface="+mn-lt"/>
-                <a:ea typeface="+mn-ea"/>
-                <a:cs typeface="+mn-cs"/>
-              </a:defRPr>
-            </a:lvl4pPr>
-            <a:lvl5pPr marL="1602000" indent="-234000" algn="l" defTabSz="457200" rtl="0" eaLnBrk="1" latinLnBrk="0" hangingPunct="1">
-              <a:spcBef>
-                <a:spcPct val="20000"/>
-              </a:spcBef>
-              <a:spcAft>
-                <a:spcPts val="600"/>
-              </a:spcAft>
-              <a:buClr>
-                <a:schemeClr val="accent2"/>
-              </a:buClr>
-              <a:buSzPct val="92000"/>
-              <a:buFont typeface="Wingdings 2" panose="05020102010507070707" pitchFamily="18" charset="2"/>
-              <a:buChar char=""/>
-              <a:defRPr sz="1200" kern="1200">
-                <a:solidFill>
-                  <a:schemeClr val="tx2"/>
-                </a:solidFill>
-                <a:latin typeface="+mn-lt"/>
-                <a:ea typeface="+mn-ea"/>
-                <a:cs typeface="+mn-cs"/>
-              </a:defRPr>
-            </a:lvl5pPr>
-            <a:lvl6pPr marL="1900000" indent="-228600" algn="l" defTabSz="457200" rtl="0" eaLnBrk="1" latinLnBrk="0" hangingPunct="1">
-              <a:spcBef>
-                <a:spcPct val="20000"/>
-              </a:spcBef>
-              <a:spcAft>
-                <a:spcPts val="600"/>
-              </a:spcAft>
-              <a:buClr>
-                <a:schemeClr val="accent2"/>
-              </a:buClr>
-              <a:buSzPct val="92000"/>
-              <a:buFont typeface="Wingdings 2" panose="05020102010507070707" pitchFamily="18" charset="2"/>
-              <a:buChar char=""/>
-              <a:defRPr sz="1200" kern="1200">
-                <a:solidFill>
-                  <a:schemeClr val="tx2"/>
-                </a:solidFill>
-                <a:latin typeface="+mn-lt"/>
-                <a:ea typeface="+mn-ea"/>
-                <a:cs typeface="+mn-cs"/>
-              </a:defRPr>
-            </a:lvl6pPr>
-            <a:lvl7pPr marL="2200000" indent="-228600" algn="l" defTabSz="457200" rtl="0" eaLnBrk="1" latinLnBrk="0" hangingPunct="1">
-              <a:spcBef>
-                <a:spcPct val="20000"/>
-              </a:spcBef>
-              <a:spcAft>
-                <a:spcPts val="600"/>
-              </a:spcAft>
-              <a:buClr>
-                <a:schemeClr val="accent2"/>
-              </a:buClr>
-              <a:buSzPct val="92000"/>
-              <a:buFont typeface="Wingdings 2" panose="05020102010507070707" pitchFamily="18" charset="2"/>
-              <a:buChar char=""/>
-              <a:defRPr sz="1200" kern="1200">
-                <a:solidFill>
-                  <a:schemeClr val="tx2"/>
-                </a:solidFill>
-                <a:latin typeface="+mn-lt"/>
-                <a:ea typeface="+mn-ea"/>
-                <a:cs typeface="+mn-cs"/>
-              </a:defRPr>
-            </a:lvl7pPr>
-            <a:lvl8pPr marL="2500000" indent="-228600" algn="l" defTabSz="457200" rtl="0" eaLnBrk="1" latinLnBrk="0" hangingPunct="1">
-              <a:spcBef>
-                <a:spcPct val="20000"/>
-              </a:spcBef>
-              <a:spcAft>
-                <a:spcPts val="600"/>
-              </a:spcAft>
-              <a:buClr>
-                <a:schemeClr val="accent2"/>
-              </a:buClr>
-              <a:buSzPct val="92000"/>
-              <a:buFont typeface="Wingdings 2" panose="05020102010507070707" pitchFamily="18" charset="2"/>
-              <a:buChar char=""/>
-              <a:defRPr sz="1200" kern="1200">
-                <a:solidFill>
-                  <a:schemeClr val="tx2"/>
-                </a:solidFill>
-                <a:latin typeface="+mn-lt"/>
-                <a:ea typeface="+mn-ea"/>
-                <a:cs typeface="+mn-cs"/>
-              </a:defRPr>
-            </a:lvl8pPr>
-            <a:lvl9pPr marL="2800000" indent="-228600" algn="l" defTabSz="457200" rtl="0" eaLnBrk="1" latinLnBrk="0" hangingPunct="1">
-              <a:spcBef>
-                <a:spcPct val="20000"/>
-              </a:spcBef>
-              <a:spcAft>
-                <a:spcPts val="600"/>
-              </a:spcAft>
-              <a:buClr>
-                <a:schemeClr val="accent2"/>
-              </a:buClr>
-              <a:buSzPct val="92000"/>
-              <a:buFont typeface="Wingdings 2" panose="05020102010507070707" pitchFamily="18" charset="2"/>
-              <a:buChar char=""/>
-              <a:defRPr sz="1200" kern="1200">
-                <a:solidFill>
-                  <a:schemeClr val="tx2"/>
-                </a:solidFill>
-                <a:latin typeface="+mn-lt"/>
-                <a:ea typeface="+mn-ea"/>
-                <a:cs typeface="+mn-cs"/>
-              </a:defRPr>
-            </a:lvl9pPr>
-          </a:lstStyle>
-          <a:p>
-            <a:r>
-              <a:rPr lang="en-US" b="1"/>
-              <a:t>Java AND Operator Example: Logical &amp;&amp; and Bitwise &amp;</a:t>
-            </a:r>
-          </a:p>
-          <a:p>
-            <a:r>
-              <a:rPr lang="en-US"/>
-              <a:t>The logical &amp;&amp; operator doesn't check second condition if first condition is false. It checks second condition only if first one is true.</a:t>
-            </a:r>
-          </a:p>
-          <a:p>
-            <a:r>
-              <a:rPr lang="en-US"/>
-              <a:t>The bitwise &amp; operator always checks both conditions whether first condition is true or false.</a:t>
-            </a:r>
-          </a:p>
-          <a:p>
-            <a:pPr marL="0" indent="0">
-              <a:buFont typeface="Wingdings 2" panose="05020102010507070707" pitchFamily="18" charset="2"/>
-              <a:buNone/>
-            </a:pPr>
-            <a:r>
-              <a:rPr lang="en-US"/>
-              <a:t>public class OperatorExample{  </a:t>
-            </a:r>
-          </a:p>
-          <a:p>
-            <a:pPr marL="0" indent="0">
-              <a:buFont typeface="Wingdings 2" panose="05020102010507070707" pitchFamily="18" charset="2"/>
-              <a:buNone/>
-            </a:pPr>
-            <a:r>
-              <a:rPr lang="en-US"/>
-              <a:t>public static void main(String args[]){  </a:t>
-            </a:r>
-          </a:p>
-          <a:p>
-            <a:pPr marL="0" indent="0">
-              <a:buFont typeface="Wingdings 2" panose="05020102010507070707" pitchFamily="18" charset="2"/>
-              <a:buNone/>
-            </a:pPr>
-            <a:r>
-              <a:rPr lang="en-US"/>
-              <a:t>int a=10;  </a:t>
-            </a:r>
-          </a:p>
-          <a:p>
-            <a:pPr marL="0" indent="0">
-              <a:buFont typeface="Wingdings 2" panose="05020102010507070707" pitchFamily="18" charset="2"/>
-              <a:buNone/>
-            </a:pPr>
-            <a:r>
-              <a:rPr lang="en-US"/>
-              <a:t>int b=5;  </a:t>
-            </a:r>
-          </a:p>
-          <a:p>
-            <a:pPr marL="0" indent="0">
-              <a:buFont typeface="Wingdings 2" panose="05020102010507070707" pitchFamily="18" charset="2"/>
-              <a:buNone/>
-            </a:pPr>
-            <a:r>
-              <a:rPr lang="en-US"/>
-              <a:t>int c=20;  </a:t>
-            </a:r>
-          </a:p>
-          <a:p>
-            <a:pPr marL="0" indent="0">
-              <a:buFont typeface="Wingdings 2" panose="05020102010507070707" pitchFamily="18" charset="2"/>
-              <a:buNone/>
-            </a:pPr>
-            <a:r>
-              <a:rPr lang="en-US"/>
-              <a:t>System.out.println(a&lt;b&amp;&amp;a&lt;c);//false &amp;&amp; true = false  </a:t>
-            </a:r>
-          </a:p>
-          <a:p>
-            <a:pPr marL="0" indent="0">
-              <a:buFont typeface="Wingdings 2" panose="05020102010507070707" pitchFamily="18" charset="2"/>
-              <a:buNone/>
-            </a:pPr>
-            <a:r>
-              <a:rPr lang="en-US"/>
-              <a:t>System.out.println(a&lt;b&amp;a&lt;c);//false &amp; true = false  </a:t>
-            </a:r>
-          </a:p>
-          <a:p>
-            <a:pPr marL="0" indent="0">
-              <a:buFont typeface="Wingdings 2" panose="05020102010507070707" pitchFamily="18" charset="2"/>
-              <a:buNone/>
-            </a:pPr>
-            <a:r>
-              <a:rPr lang="en-US"/>
-              <a:t>}}  </a:t>
-            </a:r>
-          </a:p>
-          <a:p>
-            <a:endParaRPr lang="en-US"/>
-          </a:p>
-          <a:p>
-            <a:endParaRPr lang="en-US" dirty="0"/>
-          </a:p>
-        </p:txBody>
-      </p:sp>
-    </p:spTree>
-    <p:extLst>
-      <p:ext uri="{BB962C8B-B14F-4D97-AF65-F5344CB8AC3E}">
-        <p14:creationId xmlns:p14="http://schemas.microsoft.com/office/powerpoint/2010/main" val="371607911"/>
-      </p:ext>
-    </p:extLst>
-  </p:cSld>
-  <p:clrMapOvr>
-    <a:masterClrMapping/>
-  </p:clrMapOvr>
-</p:sld>
-</file>
-
-<file path=ppt/slides/slide29.xml><?xml version="1.0" encoding="utf-8"?>
-<p:sld xmlns:a="http://schemas.openxmlformats.org/drawingml/2006/main" xmlns:r="http://schemas.openxmlformats.org/officeDocument/2006/relationships" xmlns:p="http://schemas.openxmlformats.org/presentationml/2006/main">
-  <p:cSld>
-    <p:spTree>
-      <p:nvGrpSpPr>
-        <p:cNvPr id="1" name=""/>
-        <p:cNvGrpSpPr/>
-        <p:nvPr/>
-      </p:nvGrpSpPr>
-      <p:grpSpPr>
-        <a:xfrm>
-          <a:off x="0" y="0"/>
-          <a:ext cx="0" cy="0"/>
-          <a:chOff x="0" y="0"/>
-          <a:chExt cx="0" cy="0"/>
-        </a:xfrm>
-      </p:grpSpPr>
-      <p:sp>
-        <p:nvSpPr>
-          <p:cNvPr id="2" name="Content Placeholder 2">
-            <a:extLst>
-              <a:ext uri="{FF2B5EF4-FFF2-40B4-BE49-F238E27FC236}">
-                <a16:creationId xmlns:a16="http://schemas.microsoft.com/office/drawing/2014/main" id="{843A009F-FC55-334C-5FE5-7522A26AF8A9}"/>
-              </a:ext>
-            </a:extLst>
-          </p:cNvPr>
-          <p:cNvSpPr txBox="1">
-            <a:spLocks/>
-          </p:cNvSpPr>
-          <p:nvPr/>
-        </p:nvSpPr>
-        <p:spPr>
-          <a:xfrm>
-            <a:off x="1103312" y="881148"/>
-            <a:ext cx="8946541" cy="5367251"/>
-          </a:xfrm>
-          <a:prstGeom prst="rect">
-            <a:avLst/>
-          </a:prstGeom>
-        </p:spPr>
-        <p:txBody>
-          <a:bodyPr>
-            <a:normAutofit/>
-          </a:bodyPr>
-          <a:lstStyle>
-            <a:lvl1pPr marL="306000" indent="-306000" algn="l" defTabSz="457200" rtl="0" eaLnBrk="1" latinLnBrk="0" hangingPunct="1">
-              <a:spcBef>
-                <a:spcPct val="20000"/>
-              </a:spcBef>
-              <a:spcAft>
-                <a:spcPts val="600"/>
-              </a:spcAft>
-              <a:buClr>
-                <a:schemeClr val="accent2"/>
-              </a:buClr>
-              <a:buSzPct val="92000"/>
-              <a:buFont typeface="Wingdings 2" panose="05020102010507070707" pitchFamily="18" charset="2"/>
-              <a:buChar char=""/>
-              <a:defRPr sz="1800" kern="1200">
-                <a:solidFill>
-                  <a:schemeClr val="tx2"/>
-                </a:solidFill>
-                <a:latin typeface="+mn-lt"/>
-                <a:ea typeface="+mn-ea"/>
-                <a:cs typeface="+mn-cs"/>
-              </a:defRPr>
-            </a:lvl1pPr>
-            <a:lvl2pPr marL="630000" indent="-306000" algn="l" defTabSz="457200" rtl="0" eaLnBrk="1" latinLnBrk="0" hangingPunct="1">
-              <a:spcBef>
-                <a:spcPct val="20000"/>
-              </a:spcBef>
-              <a:spcAft>
-                <a:spcPts val="600"/>
-              </a:spcAft>
-              <a:buClr>
-                <a:schemeClr val="accent2"/>
-              </a:buClr>
-              <a:buSzPct val="92000"/>
-              <a:buFont typeface="Wingdings 2" panose="05020102010507070707" pitchFamily="18" charset="2"/>
-              <a:buChar char=""/>
-              <a:defRPr sz="1600" kern="1200">
-                <a:solidFill>
-                  <a:schemeClr val="tx2"/>
-                </a:solidFill>
-                <a:latin typeface="+mn-lt"/>
-                <a:ea typeface="+mn-ea"/>
-                <a:cs typeface="+mn-cs"/>
-              </a:defRPr>
-            </a:lvl2pPr>
-            <a:lvl3pPr marL="900000" indent="-270000" algn="l" defTabSz="457200" rtl="0" eaLnBrk="1" latinLnBrk="0" hangingPunct="1">
-              <a:spcBef>
-                <a:spcPct val="20000"/>
-              </a:spcBef>
-              <a:spcAft>
-                <a:spcPts val="600"/>
-              </a:spcAft>
-              <a:buClr>
-                <a:schemeClr val="accent2"/>
-              </a:buClr>
-              <a:buSzPct val="92000"/>
-              <a:buFont typeface="Wingdings 2" panose="05020102010507070707" pitchFamily="18" charset="2"/>
-              <a:buChar char=""/>
-              <a:defRPr sz="1400" kern="1200">
-                <a:solidFill>
-                  <a:schemeClr val="tx2"/>
-                </a:solidFill>
-                <a:latin typeface="+mn-lt"/>
-                <a:ea typeface="+mn-ea"/>
-                <a:cs typeface="+mn-cs"/>
-              </a:defRPr>
-            </a:lvl3pPr>
-            <a:lvl4pPr marL="1242000" indent="-234000" algn="l" defTabSz="457200" rtl="0" eaLnBrk="1" latinLnBrk="0" hangingPunct="1">
-              <a:spcBef>
-                <a:spcPct val="20000"/>
-              </a:spcBef>
-              <a:spcAft>
-                <a:spcPts val="600"/>
-              </a:spcAft>
-              <a:buClr>
-                <a:schemeClr val="accent2"/>
-              </a:buClr>
-              <a:buSzPct val="92000"/>
-              <a:buFont typeface="Wingdings 2" panose="05020102010507070707" pitchFamily="18" charset="2"/>
-              <a:buChar char=""/>
-              <a:defRPr sz="1200" kern="1200">
-                <a:solidFill>
-                  <a:schemeClr val="tx2"/>
-                </a:solidFill>
-                <a:latin typeface="+mn-lt"/>
-                <a:ea typeface="+mn-ea"/>
-                <a:cs typeface="+mn-cs"/>
-              </a:defRPr>
-            </a:lvl4pPr>
-            <a:lvl5pPr marL="1602000" indent="-234000" algn="l" defTabSz="457200" rtl="0" eaLnBrk="1" latinLnBrk="0" hangingPunct="1">
-              <a:spcBef>
-                <a:spcPct val="20000"/>
-              </a:spcBef>
-              <a:spcAft>
-                <a:spcPts val="600"/>
-              </a:spcAft>
-              <a:buClr>
-                <a:schemeClr val="accent2"/>
-              </a:buClr>
-              <a:buSzPct val="92000"/>
-              <a:buFont typeface="Wingdings 2" panose="05020102010507070707" pitchFamily="18" charset="2"/>
-              <a:buChar char=""/>
-              <a:defRPr sz="1200" kern="1200">
-                <a:solidFill>
-                  <a:schemeClr val="tx2"/>
-                </a:solidFill>
-                <a:latin typeface="+mn-lt"/>
-                <a:ea typeface="+mn-ea"/>
-                <a:cs typeface="+mn-cs"/>
-              </a:defRPr>
-            </a:lvl5pPr>
-            <a:lvl6pPr marL="1900000" indent="-228600" algn="l" defTabSz="457200" rtl="0" eaLnBrk="1" latinLnBrk="0" hangingPunct="1">
-              <a:spcBef>
-                <a:spcPct val="20000"/>
-              </a:spcBef>
-              <a:spcAft>
-                <a:spcPts val="600"/>
-              </a:spcAft>
-              <a:buClr>
-                <a:schemeClr val="accent2"/>
-              </a:buClr>
-              <a:buSzPct val="92000"/>
-              <a:buFont typeface="Wingdings 2" panose="05020102010507070707" pitchFamily="18" charset="2"/>
-              <a:buChar char=""/>
-              <a:defRPr sz="1200" kern="1200">
-                <a:solidFill>
-                  <a:schemeClr val="tx2"/>
-                </a:solidFill>
-                <a:latin typeface="+mn-lt"/>
-                <a:ea typeface="+mn-ea"/>
-                <a:cs typeface="+mn-cs"/>
-              </a:defRPr>
-            </a:lvl6pPr>
-            <a:lvl7pPr marL="2200000" indent="-228600" algn="l" defTabSz="457200" rtl="0" eaLnBrk="1" latinLnBrk="0" hangingPunct="1">
-              <a:spcBef>
-                <a:spcPct val="20000"/>
-              </a:spcBef>
-              <a:spcAft>
-                <a:spcPts val="600"/>
-              </a:spcAft>
-              <a:buClr>
-                <a:schemeClr val="accent2"/>
-              </a:buClr>
-              <a:buSzPct val="92000"/>
-              <a:buFont typeface="Wingdings 2" panose="05020102010507070707" pitchFamily="18" charset="2"/>
-              <a:buChar char=""/>
-              <a:defRPr sz="1200" kern="1200">
-                <a:solidFill>
-                  <a:schemeClr val="tx2"/>
-                </a:solidFill>
-                <a:latin typeface="+mn-lt"/>
-                <a:ea typeface="+mn-ea"/>
-                <a:cs typeface="+mn-cs"/>
-              </a:defRPr>
-            </a:lvl7pPr>
-            <a:lvl8pPr marL="2500000" indent="-228600" algn="l" defTabSz="457200" rtl="0" eaLnBrk="1" latinLnBrk="0" hangingPunct="1">
-              <a:spcBef>
-                <a:spcPct val="20000"/>
-              </a:spcBef>
-              <a:spcAft>
-                <a:spcPts val="600"/>
-              </a:spcAft>
-              <a:buClr>
-                <a:schemeClr val="accent2"/>
-              </a:buClr>
-              <a:buSzPct val="92000"/>
-              <a:buFont typeface="Wingdings 2" panose="05020102010507070707" pitchFamily="18" charset="2"/>
-              <a:buChar char=""/>
-              <a:defRPr sz="1200" kern="1200">
-                <a:solidFill>
-                  <a:schemeClr val="tx2"/>
-                </a:solidFill>
-                <a:latin typeface="+mn-lt"/>
-                <a:ea typeface="+mn-ea"/>
-                <a:cs typeface="+mn-cs"/>
-              </a:defRPr>
-            </a:lvl8pPr>
-            <a:lvl9pPr marL="2800000" indent="-228600" algn="l" defTabSz="457200" rtl="0" eaLnBrk="1" latinLnBrk="0" hangingPunct="1">
-              <a:spcBef>
-                <a:spcPct val="20000"/>
-              </a:spcBef>
-              <a:spcAft>
-                <a:spcPts val="600"/>
-              </a:spcAft>
-              <a:buClr>
-                <a:schemeClr val="accent2"/>
-              </a:buClr>
-              <a:buSzPct val="92000"/>
-              <a:buFont typeface="Wingdings 2" panose="05020102010507070707" pitchFamily="18" charset="2"/>
-              <a:buChar char=""/>
-              <a:defRPr sz="1200" kern="1200">
-                <a:solidFill>
-                  <a:schemeClr val="tx2"/>
-                </a:solidFill>
-                <a:latin typeface="+mn-lt"/>
-                <a:ea typeface="+mn-ea"/>
-                <a:cs typeface="+mn-cs"/>
-              </a:defRPr>
-            </a:lvl9pPr>
-          </a:lstStyle>
-          <a:p>
-            <a:r>
-              <a:rPr lang="en-US" b="1" u="sng"/>
-              <a:t>Java AND Operator Example: Logical &amp;&amp; vs Bitwise &amp;</a:t>
-            </a:r>
-          </a:p>
-          <a:p>
-            <a:pPr marL="0" indent="0">
-              <a:buFont typeface="Wingdings 2" panose="05020102010507070707" pitchFamily="18" charset="2"/>
-              <a:buNone/>
-            </a:pPr>
-            <a:endParaRPr lang="en-US" b="1" u="sng"/>
-          </a:p>
-          <a:p>
-            <a:pPr marL="0" indent="0">
-              <a:buFont typeface="Wingdings 2" panose="05020102010507070707" pitchFamily="18" charset="2"/>
-              <a:buNone/>
-            </a:pPr>
-            <a:r>
-              <a:rPr lang="en-US" b="1"/>
-              <a:t>public class OperatorExample{  </a:t>
-            </a:r>
-          </a:p>
-          <a:p>
-            <a:pPr marL="0" indent="0">
-              <a:buFont typeface="Wingdings 2" panose="05020102010507070707" pitchFamily="18" charset="2"/>
-              <a:buNone/>
-            </a:pPr>
-            <a:r>
-              <a:rPr lang="en-US" b="1"/>
-              <a:t>public static void main(String args[]){  </a:t>
-            </a:r>
-          </a:p>
-          <a:p>
-            <a:pPr marL="0" indent="0">
-              <a:buFont typeface="Wingdings 2" panose="05020102010507070707" pitchFamily="18" charset="2"/>
-              <a:buNone/>
-            </a:pPr>
-            <a:r>
-              <a:rPr lang="en-US" b="1"/>
-              <a:t>int a=10;  </a:t>
-            </a:r>
-          </a:p>
-          <a:p>
-            <a:pPr marL="0" indent="0">
-              <a:buFont typeface="Wingdings 2" panose="05020102010507070707" pitchFamily="18" charset="2"/>
-              <a:buNone/>
-            </a:pPr>
-            <a:r>
-              <a:rPr lang="en-US" b="1"/>
-              <a:t>int b=5;  </a:t>
-            </a:r>
-          </a:p>
-          <a:p>
-            <a:pPr marL="0" indent="0">
-              <a:buFont typeface="Wingdings 2" panose="05020102010507070707" pitchFamily="18" charset="2"/>
-              <a:buNone/>
-            </a:pPr>
-            <a:r>
-              <a:rPr lang="en-US" b="1"/>
-              <a:t>int c=20;  </a:t>
-            </a:r>
-          </a:p>
-          <a:p>
-            <a:pPr marL="0" indent="0">
-              <a:buFont typeface="Wingdings 2" panose="05020102010507070707" pitchFamily="18" charset="2"/>
-              <a:buNone/>
-            </a:pPr>
-            <a:r>
-              <a:rPr lang="en-US" b="1"/>
-              <a:t>System.out.println(a&lt;b&amp;&amp;a++&lt;c);//false &amp;&amp; true = false  </a:t>
-            </a:r>
-          </a:p>
-          <a:p>
-            <a:pPr marL="0" indent="0">
-              <a:buFont typeface="Wingdings 2" panose="05020102010507070707" pitchFamily="18" charset="2"/>
-              <a:buNone/>
-            </a:pPr>
-            <a:r>
-              <a:rPr lang="en-US" b="1"/>
-              <a:t>System.out.println(a);//10 because second condition is not checked  </a:t>
-            </a:r>
-          </a:p>
-          <a:p>
-            <a:pPr marL="0" indent="0">
-              <a:buFont typeface="Wingdings 2" panose="05020102010507070707" pitchFamily="18" charset="2"/>
-              <a:buNone/>
-            </a:pPr>
-            <a:r>
-              <a:rPr lang="en-US" b="1"/>
-              <a:t>System.out.println(a&lt;b&amp;a++&lt;c);//false &amp;&amp; true = false  </a:t>
-            </a:r>
-          </a:p>
-          <a:p>
-            <a:pPr marL="0" indent="0">
-              <a:buFont typeface="Wingdings 2" panose="05020102010507070707" pitchFamily="18" charset="2"/>
-              <a:buNone/>
-            </a:pPr>
-            <a:r>
-              <a:rPr lang="en-US" b="1"/>
-              <a:t>System.out.println(a);//11 because second condition is checked  </a:t>
-            </a:r>
-          </a:p>
-          <a:p>
-            <a:pPr marL="0" indent="0">
-              <a:buFont typeface="Wingdings 2" panose="05020102010507070707" pitchFamily="18" charset="2"/>
-              <a:buNone/>
-            </a:pPr>
-            <a:r>
-              <a:rPr lang="en-US" b="1"/>
-              <a:t>}} </a:t>
-            </a:r>
-            <a:r>
-              <a:rPr lang="en-US"/>
-              <a:t>  </a:t>
-            </a:r>
-          </a:p>
-          <a:p>
-            <a:pPr marL="0" indent="0">
-              <a:buFont typeface="Wingdings 2" panose="05020102010507070707" pitchFamily="18" charset="2"/>
-              <a:buNone/>
-            </a:pPr>
-            <a:endParaRPr lang="en-US" dirty="0"/>
-          </a:p>
-        </p:txBody>
-      </p:sp>
-    </p:spTree>
-    <p:extLst>
-      <p:ext uri="{BB962C8B-B14F-4D97-AF65-F5344CB8AC3E}">
-        <p14:creationId xmlns:p14="http://schemas.microsoft.com/office/powerpoint/2010/main" val="4241004534"/>
       </p:ext>
     </p:extLst>
   </p:cSld>
@@ -14534,7 +14063,7 @@
             </a:pPr>
             <a:r>
               <a:rPr lang="en-US" dirty="0"/>
-              <a:t>Desktop Applications such as acrobat reader, media player, antivirus, etc.</a:t>
+              <a:t>Desktop (Standalone) Applications such as acrobat reader, media player, antivirus, etc.</a:t>
             </a:r>
           </a:p>
           <a:p>
@@ -14623,6 +14152,750 @@
 </file>
 
 <file path=ppt/slides/slide30.xml><?xml version="1.0" encoding="utf-8"?>
+<p:sld xmlns:a="http://schemas.openxmlformats.org/drawingml/2006/main" xmlns:r="http://schemas.openxmlformats.org/officeDocument/2006/relationships" xmlns:p="http://schemas.openxmlformats.org/presentationml/2006/main">
+  <p:cSld>
+    <p:spTree>
+      <p:nvGrpSpPr>
+        <p:cNvPr id="1" name=""/>
+        <p:cNvGrpSpPr/>
+        <p:nvPr/>
+      </p:nvGrpSpPr>
+      <p:grpSpPr>
+        <a:xfrm>
+          <a:off x="0" y="0"/>
+          <a:ext cx="0" cy="0"/>
+          <a:chOff x="0" y="0"/>
+          <a:chExt cx="0" cy="0"/>
+        </a:xfrm>
+      </p:grpSpPr>
+      <p:sp>
+        <p:nvSpPr>
+          <p:cNvPr id="2" name="Content Placeholder 2">
+            <a:extLst>
+              <a:ext uri="{FF2B5EF4-FFF2-40B4-BE49-F238E27FC236}">
+                <a16:creationId xmlns:a16="http://schemas.microsoft.com/office/drawing/2014/main" id="{AB3B28E6-FFD9-9635-679E-049E5D9FBF98}"/>
+              </a:ext>
+            </a:extLst>
+          </p:cNvPr>
+          <p:cNvSpPr txBox="1">
+            <a:spLocks/>
+          </p:cNvSpPr>
+          <p:nvPr/>
+        </p:nvSpPr>
+        <p:spPr>
+          <a:xfrm>
+            <a:off x="1103312" y="1097280"/>
+            <a:ext cx="9355138" cy="5632132"/>
+          </a:xfrm>
+          <a:prstGeom prst="rect">
+            <a:avLst/>
+          </a:prstGeom>
+        </p:spPr>
+        <p:txBody>
+          <a:bodyPr/>
+          <a:lstStyle>
+            <a:lvl1pPr marL="306000" indent="-306000" algn="l" defTabSz="457200" rtl="0" eaLnBrk="1" latinLnBrk="0" hangingPunct="1">
+              <a:spcBef>
+                <a:spcPct val="20000"/>
+              </a:spcBef>
+              <a:spcAft>
+                <a:spcPts val="600"/>
+              </a:spcAft>
+              <a:buClr>
+                <a:schemeClr val="accent2"/>
+              </a:buClr>
+              <a:buSzPct val="92000"/>
+              <a:buFont typeface="Wingdings 2" panose="05020102010507070707" pitchFamily="18" charset="2"/>
+              <a:buChar char=""/>
+              <a:defRPr sz="1800" kern="1200">
+                <a:solidFill>
+                  <a:schemeClr val="tx2"/>
+                </a:solidFill>
+                <a:latin typeface="+mn-lt"/>
+                <a:ea typeface="+mn-ea"/>
+                <a:cs typeface="+mn-cs"/>
+              </a:defRPr>
+            </a:lvl1pPr>
+            <a:lvl2pPr marL="630000" indent="-306000" algn="l" defTabSz="457200" rtl="0" eaLnBrk="1" latinLnBrk="0" hangingPunct="1">
+              <a:spcBef>
+                <a:spcPct val="20000"/>
+              </a:spcBef>
+              <a:spcAft>
+                <a:spcPts val="600"/>
+              </a:spcAft>
+              <a:buClr>
+                <a:schemeClr val="accent2"/>
+              </a:buClr>
+              <a:buSzPct val="92000"/>
+              <a:buFont typeface="Wingdings 2" panose="05020102010507070707" pitchFamily="18" charset="2"/>
+              <a:buChar char=""/>
+              <a:defRPr sz="1600" kern="1200">
+                <a:solidFill>
+                  <a:schemeClr val="tx2"/>
+                </a:solidFill>
+                <a:latin typeface="+mn-lt"/>
+                <a:ea typeface="+mn-ea"/>
+                <a:cs typeface="+mn-cs"/>
+              </a:defRPr>
+            </a:lvl2pPr>
+            <a:lvl3pPr marL="900000" indent="-270000" algn="l" defTabSz="457200" rtl="0" eaLnBrk="1" latinLnBrk="0" hangingPunct="1">
+              <a:spcBef>
+                <a:spcPct val="20000"/>
+              </a:spcBef>
+              <a:spcAft>
+                <a:spcPts val="600"/>
+              </a:spcAft>
+              <a:buClr>
+                <a:schemeClr val="accent2"/>
+              </a:buClr>
+              <a:buSzPct val="92000"/>
+              <a:buFont typeface="Wingdings 2" panose="05020102010507070707" pitchFamily="18" charset="2"/>
+              <a:buChar char=""/>
+              <a:defRPr sz="1400" kern="1200">
+                <a:solidFill>
+                  <a:schemeClr val="tx2"/>
+                </a:solidFill>
+                <a:latin typeface="+mn-lt"/>
+                <a:ea typeface="+mn-ea"/>
+                <a:cs typeface="+mn-cs"/>
+              </a:defRPr>
+            </a:lvl3pPr>
+            <a:lvl4pPr marL="1242000" indent="-234000" algn="l" defTabSz="457200" rtl="0" eaLnBrk="1" latinLnBrk="0" hangingPunct="1">
+              <a:spcBef>
+                <a:spcPct val="20000"/>
+              </a:spcBef>
+              <a:spcAft>
+                <a:spcPts val="600"/>
+              </a:spcAft>
+              <a:buClr>
+                <a:schemeClr val="accent2"/>
+              </a:buClr>
+              <a:buSzPct val="92000"/>
+              <a:buFont typeface="Wingdings 2" panose="05020102010507070707" pitchFamily="18" charset="2"/>
+              <a:buChar char=""/>
+              <a:defRPr sz="1200" kern="1200">
+                <a:solidFill>
+                  <a:schemeClr val="tx2"/>
+                </a:solidFill>
+                <a:latin typeface="+mn-lt"/>
+                <a:ea typeface="+mn-ea"/>
+                <a:cs typeface="+mn-cs"/>
+              </a:defRPr>
+            </a:lvl4pPr>
+            <a:lvl5pPr marL="1602000" indent="-234000" algn="l" defTabSz="457200" rtl="0" eaLnBrk="1" latinLnBrk="0" hangingPunct="1">
+              <a:spcBef>
+                <a:spcPct val="20000"/>
+              </a:spcBef>
+              <a:spcAft>
+                <a:spcPts val="600"/>
+              </a:spcAft>
+              <a:buClr>
+                <a:schemeClr val="accent2"/>
+              </a:buClr>
+              <a:buSzPct val="92000"/>
+              <a:buFont typeface="Wingdings 2" panose="05020102010507070707" pitchFamily="18" charset="2"/>
+              <a:buChar char=""/>
+              <a:defRPr sz="1200" kern="1200">
+                <a:solidFill>
+                  <a:schemeClr val="tx2"/>
+                </a:solidFill>
+                <a:latin typeface="+mn-lt"/>
+                <a:ea typeface="+mn-ea"/>
+                <a:cs typeface="+mn-cs"/>
+              </a:defRPr>
+            </a:lvl5pPr>
+            <a:lvl6pPr marL="1900000" indent="-228600" algn="l" defTabSz="457200" rtl="0" eaLnBrk="1" latinLnBrk="0" hangingPunct="1">
+              <a:spcBef>
+                <a:spcPct val="20000"/>
+              </a:spcBef>
+              <a:spcAft>
+                <a:spcPts val="600"/>
+              </a:spcAft>
+              <a:buClr>
+                <a:schemeClr val="accent2"/>
+              </a:buClr>
+              <a:buSzPct val="92000"/>
+              <a:buFont typeface="Wingdings 2" panose="05020102010507070707" pitchFamily="18" charset="2"/>
+              <a:buChar char=""/>
+              <a:defRPr sz="1200" kern="1200">
+                <a:solidFill>
+                  <a:schemeClr val="tx2"/>
+                </a:solidFill>
+                <a:latin typeface="+mn-lt"/>
+                <a:ea typeface="+mn-ea"/>
+                <a:cs typeface="+mn-cs"/>
+              </a:defRPr>
+            </a:lvl6pPr>
+            <a:lvl7pPr marL="2200000" indent="-228600" algn="l" defTabSz="457200" rtl="0" eaLnBrk="1" latinLnBrk="0" hangingPunct="1">
+              <a:spcBef>
+                <a:spcPct val="20000"/>
+              </a:spcBef>
+              <a:spcAft>
+                <a:spcPts val="600"/>
+              </a:spcAft>
+              <a:buClr>
+                <a:schemeClr val="accent2"/>
+              </a:buClr>
+              <a:buSzPct val="92000"/>
+              <a:buFont typeface="Wingdings 2" panose="05020102010507070707" pitchFamily="18" charset="2"/>
+              <a:buChar char=""/>
+              <a:defRPr sz="1200" kern="1200">
+                <a:solidFill>
+                  <a:schemeClr val="tx2"/>
+                </a:solidFill>
+                <a:latin typeface="+mn-lt"/>
+                <a:ea typeface="+mn-ea"/>
+                <a:cs typeface="+mn-cs"/>
+              </a:defRPr>
+            </a:lvl7pPr>
+            <a:lvl8pPr marL="2500000" indent="-228600" algn="l" defTabSz="457200" rtl="0" eaLnBrk="1" latinLnBrk="0" hangingPunct="1">
+              <a:spcBef>
+                <a:spcPct val="20000"/>
+              </a:spcBef>
+              <a:spcAft>
+                <a:spcPts val="600"/>
+              </a:spcAft>
+              <a:buClr>
+                <a:schemeClr val="accent2"/>
+              </a:buClr>
+              <a:buSzPct val="92000"/>
+              <a:buFont typeface="Wingdings 2" panose="05020102010507070707" pitchFamily="18" charset="2"/>
+              <a:buChar char=""/>
+              <a:defRPr sz="1200" kern="1200">
+                <a:solidFill>
+                  <a:schemeClr val="tx2"/>
+                </a:solidFill>
+                <a:latin typeface="+mn-lt"/>
+                <a:ea typeface="+mn-ea"/>
+                <a:cs typeface="+mn-cs"/>
+              </a:defRPr>
+            </a:lvl8pPr>
+            <a:lvl9pPr marL="2800000" indent="-228600" algn="l" defTabSz="457200" rtl="0" eaLnBrk="1" latinLnBrk="0" hangingPunct="1">
+              <a:spcBef>
+                <a:spcPct val="20000"/>
+              </a:spcBef>
+              <a:spcAft>
+                <a:spcPts val="600"/>
+              </a:spcAft>
+              <a:buClr>
+                <a:schemeClr val="accent2"/>
+              </a:buClr>
+              <a:buSzPct val="92000"/>
+              <a:buFont typeface="Wingdings 2" panose="05020102010507070707" pitchFamily="18" charset="2"/>
+              <a:buChar char=""/>
+              <a:defRPr sz="1200" kern="1200">
+                <a:solidFill>
+                  <a:schemeClr val="tx2"/>
+                </a:solidFill>
+                <a:latin typeface="+mn-lt"/>
+                <a:ea typeface="+mn-ea"/>
+                <a:cs typeface="+mn-cs"/>
+              </a:defRPr>
+            </a:lvl9pPr>
+          </a:lstStyle>
+          <a:p>
+            <a:r>
+              <a:rPr lang="en-US" b="1"/>
+              <a:t>Java AND Operator Example: Logical &amp;&amp; and Bitwise &amp;</a:t>
+            </a:r>
+          </a:p>
+          <a:p>
+            <a:r>
+              <a:rPr lang="en-US"/>
+              <a:t>The logical &amp;&amp; operator doesn't check second condition if first condition is false. It checks second condition only if first one is true.</a:t>
+            </a:r>
+          </a:p>
+          <a:p>
+            <a:r>
+              <a:rPr lang="en-US"/>
+              <a:t>The bitwise &amp; operator always checks both conditions whether first condition is true or false.</a:t>
+            </a:r>
+          </a:p>
+          <a:p>
+            <a:pPr marL="0" indent="0">
+              <a:buFont typeface="Wingdings 2" panose="05020102010507070707" pitchFamily="18" charset="2"/>
+              <a:buNone/>
+            </a:pPr>
+            <a:r>
+              <a:rPr lang="en-US"/>
+              <a:t>public class OperatorExample{  </a:t>
+            </a:r>
+          </a:p>
+          <a:p>
+            <a:pPr marL="0" indent="0">
+              <a:buFont typeface="Wingdings 2" panose="05020102010507070707" pitchFamily="18" charset="2"/>
+              <a:buNone/>
+            </a:pPr>
+            <a:r>
+              <a:rPr lang="en-US"/>
+              <a:t>public static void main(String args[]){  </a:t>
+            </a:r>
+          </a:p>
+          <a:p>
+            <a:pPr marL="0" indent="0">
+              <a:buFont typeface="Wingdings 2" panose="05020102010507070707" pitchFamily="18" charset="2"/>
+              <a:buNone/>
+            </a:pPr>
+            <a:r>
+              <a:rPr lang="en-US"/>
+              <a:t>int a=10;  </a:t>
+            </a:r>
+          </a:p>
+          <a:p>
+            <a:pPr marL="0" indent="0">
+              <a:buFont typeface="Wingdings 2" panose="05020102010507070707" pitchFamily="18" charset="2"/>
+              <a:buNone/>
+            </a:pPr>
+            <a:r>
+              <a:rPr lang="en-US"/>
+              <a:t>int b=5;  </a:t>
+            </a:r>
+          </a:p>
+          <a:p>
+            <a:pPr marL="0" indent="0">
+              <a:buFont typeface="Wingdings 2" panose="05020102010507070707" pitchFamily="18" charset="2"/>
+              <a:buNone/>
+            </a:pPr>
+            <a:r>
+              <a:rPr lang="en-US"/>
+              <a:t>int c=20;  </a:t>
+            </a:r>
+          </a:p>
+          <a:p>
+            <a:pPr marL="0" indent="0">
+              <a:buFont typeface="Wingdings 2" panose="05020102010507070707" pitchFamily="18" charset="2"/>
+              <a:buNone/>
+            </a:pPr>
+            <a:r>
+              <a:rPr lang="en-US"/>
+              <a:t>System.out.println(a&lt;b&amp;&amp;a&lt;c);//false &amp;&amp; true = false  </a:t>
+            </a:r>
+          </a:p>
+          <a:p>
+            <a:pPr marL="0" indent="0">
+              <a:buFont typeface="Wingdings 2" panose="05020102010507070707" pitchFamily="18" charset="2"/>
+              <a:buNone/>
+            </a:pPr>
+            <a:r>
+              <a:rPr lang="en-US"/>
+              <a:t>System.out.println(a&lt;b&amp;a&lt;c);//false &amp; true = false  </a:t>
+            </a:r>
+          </a:p>
+          <a:p>
+            <a:pPr marL="0" indent="0">
+              <a:buFont typeface="Wingdings 2" panose="05020102010507070707" pitchFamily="18" charset="2"/>
+              <a:buNone/>
+            </a:pPr>
+            <a:r>
+              <a:rPr lang="en-US"/>
+              <a:t>}}  </a:t>
+            </a:r>
+          </a:p>
+          <a:p>
+            <a:endParaRPr lang="en-US"/>
+          </a:p>
+          <a:p>
+            <a:endParaRPr lang="en-US" dirty="0"/>
+          </a:p>
+        </p:txBody>
+      </p:sp>
+    </p:spTree>
+    <p:extLst>
+      <p:ext uri="{BB962C8B-B14F-4D97-AF65-F5344CB8AC3E}">
+        <p14:creationId xmlns:p14="http://schemas.microsoft.com/office/powerpoint/2010/main" val="371607911"/>
+      </p:ext>
+    </p:extLst>
+  </p:cSld>
+  <p:clrMapOvr>
+    <a:masterClrMapping/>
+  </p:clrMapOvr>
+</p:sld>
+</file>
+
+<file path=ppt/slides/slide31.xml><?xml version="1.0" encoding="utf-8"?>
+<p:sld xmlns:a="http://schemas.openxmlformats.org/drawingml/2006/main" xmlns:r="http://schemas.openxmlformats.org/officeDocument/2006/relationships" xmlns:p="http://schemas.openxmlformats.org/presentationml/2006/main">
+  <p:cSld>
+    <p:spTree>
+      <p:nvGrpSpPr>
+        <p:cNvPr id="1" name=""/>
+        <p:cNvGrpSpPr/>
+        <p:nvPr/>
+      </p:nvGrpSpPr>
+      <p:grpSpPr>
+        <a:xfrm>
+          <a:off x="0" y="0"/>
+          <a:ext cx="0" cy="0"/>
+          <a:chOff x="0" y="0"/>
+          <a:chExt cx="0" cy="0"/>
+        </a:xfrm>
+      </p:grpSpPr>
+      <p:sp>
+        <p:nvSpPr>
+          <p:cNvPr id="2" name="Content Placeholder 2">
+            <a:extLst>
+              <a:ext uri="{FF2B5EF4-FFF2-40B4-BE49-F238E27FC236}">
+                <a16:creationId xmlns:a16="http://schemas.microsoft.com/office/drawing/2014/main" id="{843A009F-FC55-334C-5FE5-7522A26AF8A9}"/>
+              </a:ext>
+            </a:extLst>
+          </p:cNvPr>
+          <p:cNvSpPr txBox="1">
+            <a:spLocks/>
+          </p:cNvSpPr>
+          <p:nvPr/>
+        </p:nvSpPr>
+        <p:spPr>
+          <a:xfrm>
+            <a:off x="1103312" y="881148"/>
+            <a:ext cx="8946541" cy="5367251"/>
+          </a:xfrm>
+          <a:prstGeom prst="rect">
+            <a:avLst/>
+          </a:prstGeom>
+        </p:spPr>
+        <p:txBody>
+          <a:bodyPr>
+            <a:normAutofit/>
+          </a:bodyPr>
+          <a:lstStyle>
+            <a:lvl1pPr marL="306000" indent="-306000" algn="l" defTabSz="457200" rtl="0" eaLnBrk="1" latinLnBrk="0" hangingPunct="1">
+              <a:spcBef>
+                <a:spcPct val="20000"/>
+              </a:spcBef>
+              <a:spcAft>
+                <a:spcPts val="600"/>
+              </a:spcAft>
+              <a:buClr>
+                <a:schemeClr val="accent2"/>
+              </a:buClr>
+              <a:buSzPct val="92000"/>
+              <a:buFont typeface="Wingdings 2" panose="05020102010507070707" pitchFamily="18" charset="2"/>
+              <a:buChar char=""/>
+              <a:defRPr sz="1800" kern="1200">
+                <a:solidFill>
+                  <a:schemeClr val="tx2"/>
+                </a:solidFill>
+                <a:latin typeface="+mn-lt"/>
+                <a:ea typeface="+mn-ea"/>
+                <a:cs typeface="+mn-cs"/>
+              </a:defRPr>
+            </a:lvl1pPr>
+            <a:lvl2pPr marL="630000" indent="-306000" algn="l" defTabSz="457200" rtl="0" eaLnBrk="1" latinLnBrk="0" hangingPunct="1">
+              <a:spcBef>
+                <a:spcPct val="20000"/>
+              </a:spcBef>
+              <a:spcAft>
+                <a:spcPts val="600"/>
+              </a:spcAft>
+              <a:buClr>
+                <a:schemeClr val="accent2"/>
+              </a:buClr>
+              <a:buSzPct val="92000"/>
+              <a:buFont typeface="Wingdings 2" panose="05020102010507070707" pitchFamily="18" charset="2"/>
+              <a:buChar char=""/>
+              <a:defRPr sz="1600" kern="1200">
+                <a:solidFill>
+                  <a:schemeClr val="tx2"/>
+                </a:solidFill>
+                <a:latin typeface="+mn-lt"/>
+                <a:ea typeface="+mn-ea"/>
+                <a:cs typeface="+mn-cs"/>
+              </a:defRPr>
+            </a:lvl2pPr>
+            <a:lvl3pPr marL="900000" indent="-270000" algn="l" defTabSz="457200" rtl="0" eaLnBrk="1" latinLnBrk="0" hangingPunct="1">
+              <a:spcBef>
+                <a:spcPct val="20000"/>
+              </a:spcBef>
+              <a:spcAft>
+                <a:spcPts val="600"/>
+              </a:spcAft>
+              <a:buClr>
+                <a:schemeClr val="accent2"/>
+              </a:buClr>
+              <a:buSzPct val="92000"/>
+              <a:buFont typeface="Wingdings 2" panose="05020102010507070707" pitchFamily="18" charset="2"/>
+              <a:buChar char=""/>
+              <a:defRPr sz="1400" kern="1200">
+                <a:solidFill>
+                  <a:schemeClr val="tx2"/>
+                </a:solidFill>
+                <a:latin typeface="+mn-lt"/>
+                <a:ea typeface="+mn-ea"/>
+                <a:cs typeface="+mn-cs"/>
+              </a:defRPr>
+            </a:lvl3pPr>
+            <a:lvl4pPr marL="1242000" indent="-234000" algn="l" defTabSz="457200" rtl="0" eaLnBrk="1" latinLnBrk="0" hangingPunct="1">
+              <a:spcBef>
+                <a:spcPct val="20000"/>
+              </a:spcBef>
+              <a:spcAft>
+                <a:spcPts val="600"/>
+              </a:spcAft>
+              <a:buClr>
+                <a:schemeClr val="accent2"/>
+              </a:buClr>
+              <a:buSzPct val="92000"/>
+              <a:buFont typeface="Wingdings 2" panose="05020102010507070707" pitchFamily="18" charset="2"/>
+              <a:buChar char=""/>
+              <a:defRPr sz="1200" kern="1200">
+                <a:solidFill>
+                  <a:schemeClr val="tx2"/>
+                </a:solidFill>
+                <a:latin typeface="+mn-lt"/>
+                <a:ea typeface="+mn-ea"/>
+                <a:cs typeface="+mn-cs"/>
+              </a:defRPr>
+            </a:lvl4pPr>
+            <a:lvl5pPr marL="1602000" indent="-234000" algn="l" defTabSz="457200" rtl="0" eaLnBrk="1" latinLnBrk="0" hangingPunct="1">
+              <a:spcBef>
+                <a:spcPct val="20000"/>
+              </a:spcBef>
+              <a:spcAft>
+                <a:spcPts val="600"/>
+              </a:spcAft>
+              <a:buClr>
+                <a:schemeClr val="accent2"/>
+              </a:buClr>
+              <a:buSzPct val="92000"/>
+              <a:buFont typeface="Wingdings 2" panose="05020102010507070707" pitchFamily="18" charset="2"/>
+              <a:buChar char=""/>
+              <a:defRPr sz="1200" kern="1200">
+                <a:solidFill>
+                  <a:schemeClr val="tx2"/>
+                </a:solidFill>
+                <a:latin typeface="+mn-lt"/>
+                <a:ea typeface="+mn-ea"/>
+                <a:cs typeface="+mn-cs"/>
+              </a:defRPr>
+            </a:lvl5pPr>
+            <a:lvl6pPr marL="1900000" indent="-228600" algn="l" defTabSz="457200" rtl="0" eaLnBrk="1" latinLnBrk="0" hangingPunct="1">
+              <a:spcBef>
+                <a:spcPct val="20000"/>
+              </a:spcBef>
+              <a:spcAft>
+                <a:spcPts val="600"/>
+              </a:spcAft>
+              <a:buClr>
+                <a:schemeClr val="accent2"/>
+              </a:buClr>
+              <a:buSzPct val="92000"/>
+              <a:buFont typeface="Wingdings 2" panose="05020102010507070707" pitchFamily="18" charset="2"/>
+              <a:buChar char=""/>
+              <a:defRPr sz="1200" kern="1200">
+                <a:solidFill>
+                  <a:schemeClr val="tx2"/>
+                </a:solidFill>
+                <a:latin typeface="+mn-lt"/>
+                <a:ea typeface="+mn-ea"/>
+                <a:cs typeface="+mn-cs"/>
+              </a:defRPr>
+            </a:lvl6pPr>
+            <a:lvl7pPr marL="2200000" indent="-228600" algn="l" defTabSz="457200" rtl="0" eaLnBrk="1" latinLnBrk="0" hangingPunct="1">
+              <a:spcBef>
+                <a:spcPct val="20000"/>
+              </a:spcBef>
+              <a:spcAft>
+                <a:spcPts val="600"/>
+              </a:spcAft>
+              <a:buClr>
+                <a:schemeClr val="accent2"/>
+              </a:buClr>
+              <a:buSzPct val="92000"/>
+              <a:buFont typeface="Wingdings 2" panose="05020102010507070707" pitchFamily="18" charset="2"/>
+              <a:buChar char=""/>
+              <a:defRPr sz="1200" kern="1200">
+                <a:solidFill>
+                  <a:schemeClr val="tx2"/>
+                </a:solidFill>
+                <a:latin typeface="+mn-lt"/>
+                <a:ea typeface="+mn-ea"/>
+                <a:cs typeface="+mn-cs"/>
+              </a:defRPr>
+            </a:lvl7pPr>
+            <a:lvl8pPr marL="2500000" indent="-228600" algn="l" defTabSz="457200" rtl="0" eaLnBrk="1" latinLnBrk="0" hangingPunct="1">
+              <a:spcBef>
+                <a:spcPct val="20000"/>
+              </a:spcBef>
+              <a:spcAft>
+                <a:spcPts val="600"/>
+              </a:spcAft>
+              <a:buClr>
+                <a:schemeClr val="accent2"/>
+              </a:buClr>
+              <a:buSzPct val="92000"/>
+              <a:buFont typeface="Wingdings 2" panose="05020102010507070707" pitchFamily="18" charset="2"/>
+              <a:buChar char=""/>
+              <a:defRPr sz="1200" kern="1200">
+                <a:solidFill>
+                  <a:schemeClr val="tx2"/>
+                </a:solidFill>
+                <a:latin typeface="+mn-lt"/>
+                <a:ea typeface="+mn-ea"/>
+                <a:cs typeface="+mn-cs"/>
+              </a:defRPr>
+            </a:lvl8pPr>
+            <a:lvl9pPr marL="2800000" indent="-228600" algn="l" defTabSz="457200" rtl="0" eaLnBrk="1" latinLnBrk="0" hangingPunct="1">
+              <a:spcBef>
+                <a:spcPct val="20000"/>
+              </a:spcBef>
+              <a:spcAft>
+                <a:spcPts val="600"/>
+              </a:spcAft>
+              <a:buClr>
+                <a:schemeClr val="accent2"/>
+              </a:buClr>
+              <a:buSzPct val="92000"/>
+              <a:buFont typeface="Wingdings 2" panose="05020102010507070707" pitchFamily="18" charset="2"/>
+              <a:buChar char=""/>
+              <a:defRPr sz="1200" kern="1200">
+                <a:solidFill>
+                  <a:schemeClr val="tx2"/>
+                </a:solidFill>
+                <a:latin typeface="+mn-lt"/>
+                <a:ea typeface="+mn-ea"/>
+                <a:cs typeface="+mn-cs"/>
+              </a:defRPr>
+            </a:lvl9pPr>
+          </a:lstStyle>
+          <a:p>
+            <a:r>
+              <a:rPr lang="en-US" b="1" u="sng"/>
+              <a:t>Java AND Operator Example: Logical &amp;&amp; vs Bitwise &amp;</a:t>
+            </a:r>
+          </a:p>
+          <a:p>
+            <a:pPr marL="0" indent="0">
+              <a:buFont typeface="Wingdings 2" panose="05020102010507070707" pitchFamily="18" charset="2"/>
+              <a:buNone/>
+            </a:pPr>
+            <a:endParaRPr lang="en-US" b="1" u="sng"/>
+          </a:p>
+          <a:p>
+            <a:pPr marL="0" indent="0">
+              <a:buFont typeface="Wingdings 2" panose="05020102010507070707" pitchFamily="18" charset="2"/>
+              <a:buNone/>
+            </a:pPr>
+            <a:r>
+              <a:rPr lang="en-US" b="1"/>
+              <a:t>public class OperatorExample{  </a:t>
+            </a:r>
+          </a:p>
+          <a:p>
+            <a:pPr marL="0" indent="0">
+              <a:buFont typeface="Wingdings 2" panose="05020102010507070707" pitchFamily="18" charset="2"/>
+              <a:buNone/>
+            </a:pPr>
+            <a:r>
+              <a:rPr lang="en-US" b="1"/>
+              <a:t>public static void main(String args[]){  </a:t>
+            </a:r>
+          </a:p>
+          <a:p>
+            <a:pPr marL="0" indent="0">
+              <a:buFont typeface="Wingdings 2" panose="05020102010507070707" pitchFamily="18" charset="2"/>
+              <a:buNone/>
+            </a:pPr>
+            <a:r>
+              <a:rPr lang="en-US" b="1"/>
+              <a:t>int a=10;  </a:t>
+            </a:r>
+          </a:p>
+          <a:p>
+            <a:pPr marL="0" indent="0">
+              <a:buFont typeface="Wingdings 2" panose="05020102010507070707" pitchFamily="18" charset="2"/>
+              <a:buNone/>
+            </a:pPr>
+            <a:r>
+              <a:rPr lang="en-US" b="1"/>
+              <a:t>int b=5;  </a:t>
+            </a:r>
+          </a:p>
+          <a:p>
+            <a:pPr marL="0" indent="0">
+              <a:buFont typeface="Wingdings 2" panose="05020102010507070707" pitchFamily="18" charset="2"/>
+              <a:buNone/>
+            </a:pPr>
+            <a:r>
+              <a:rPr lang="en-US" b="1"/>
+              <a:t>int c=20;  </a:t>
+            </a:r>
+          </a:p>
+          <a:p>
+            <a:pPr marL="0" indent="0">
+              <a:buFont typeface="Wingdings 2" panose="05020102010507070707" pitchFamily="18" charset="2"/>
+              <a:buNone/>
+            </a:pPr>
+            <a:r>
+              <a:rPr lang="en-US" b="1"/>
+              <a:t>System.out.println(a&lt;b&amp;&amp;a++&lt;c);//false &amp;&amp; true = false  </a:t>
+            </a:r>
+          </a:p>
+          <a:p>
+            <a:pPr marL="0" indent="0">
+              <a:buFont typeface="Wingdings 2" panose="05020102010507070707" pitchFamily="18" charset="2"/>
+              <a:buNone/>
+            </a:pPr>
+            <a:r>
+              <a:rPr lang="en-US" b="1"/>
+              <a:t>System.out.println(a);//10 because second condition is not checked  </a:t>
+            </a:r>
+          </a:p>
+          <a:p>
+            <a:pPr marL="0" indent="0">
+              <a:buFont typeface="Wingdings 2" panose="05020102010507070707" pitchFamily="18" charset="2"/>
+              <a:buNone/>
+            </a:pPr>
+            <a:r>
+              <a:rPr lang="en-US" b="1"/>
+              <a:t>System.out.println(a&lt;b&amp;a++&lt;c);//false &amp;&amp; true = false  </a:t>
+            </a:r>
+          </a:p>
+          <a:p>
+            <a:pPr marL="0" indent="0">
+              <a:buFont typeface="Wingdings 2" panose="05020102010507070707" pitchFamily="18" charset="2"/>
+              <a:buNone/>
+            </a:pPr>
+            <a:r>
+              <a:rPr lang="en-US" b="1"/>
+              <a:t>System.out.println(a);//11 because second condition is checked  </a:t>
+            </a:r>
+          </a:p>
+          <a:p>
+            <a:pPr marL="0" indent="0">
+              <a:buFont typeface="Wingdings 2" panose="05020102010507070707" pitchFamily="18" charset="2"/>
+              <a:buNone/>
+            </a:pPr>
+            <a:r>
+              <a:rPr lang="en-US" b="1"/>
+              <a:t>}} </a:t>
+            </a:r>
+            <a:r>
+              <a:rPr lang="en-US"/>
+              <a:t>  </a:t>
+            </a:r>
+          </a:p>
+          <a:p>
+            <a:pPr marL="0" indent="0">
+              <a:buFont typeface="Wingdings 2" panose="05020102010507070707" pitchFamily="18" charset="2"/>
+              <a:buNone/>
+            </a:pPr>
+            <a:endParaRPr lang="en-US" dirty="0"/>
+          </a:p>
+        </p:txBody>
+      </p:sp>
+    </p:spTree>
+    <p:extLst>
+      <p:ext uri="{BB962C8B-B14F-4D97-AF65-F5344CB8AC3E}">
+        <p14:creationId xmlns:p14="http://schemas.microsoft.com/office/powerpoint/2010/main" val="4241004534"/>
+      </p:ext>
+    </p:extLst>
+  </p:cSld>
+  <p:clrMapOvr>
+    <a:masterClrMapping/>
+  </p:clrMapOvr>
+</p:sld>
+</file>
+
+<file path=ppt/slides/slide32.xml><?xml version="1.0" encoding="utf-8"?>
 <p:sld xmlns:a="http://schemas.openxmlformats.org/drawingml/2006/main" xmlns:r="http://schemas.openxmlformats.org/officeDocument/2006/relationships" xmlns:p="http://schemas.openxmlformats.org/presentationml/2006/main">
   <p:cSld>
     <p:spTree>
@@ -15089,7 +15362,7 @@
 </p:sld>
 </file>
 
-<file path=ppt/slides/slide31.xml><?xml version="1.0" encoding="utf-8"?>
+<file path=ppt/slides/slide33.xml><?xml version="1.0" encoding="utf-8"?>
 <p:sld xmlns:a="http://schemas.openxmlformats.org/drawingml/2006/main" xmlns:r="http://schemas.openxmlformats.org/officeDocument/2006/relationships" xmlns:p="http://schemas.openxmlformats.org/presentationml/2006/main">
   <p:cSld>
     <p:spTree>
@@ -15445,7 +15718,7 @@
 </p:sld>
 </file>
 
-<file path=ppt/slides/slide32.xml><?xml version="1.0" encoding="utf-8"?>
+<file path=ppt/slides/slide34.xml><?xml version="1.0" encoding="utf-8"?>
 <p:sld xmlns:a="http://schemas.openxmlformats.org/drawingml/2006/main" xmlns:r="http://schemas.openxmlformats.org/officeDocument/2006/relationships" xmlns:p="http://schemas.openxmlformats.org/presentationml/2006/main">
   <p:cSld>
     <p:spTree>
@@ -15629,7 +15902,7 @@
 </p:sld>
 </file>
 
-<file path=ppt/slides/slide33.xml><?xml version="1.0" encoding="utf-8"?>
+<file path=ppt/slides/slide35.xml><?xml version="1.0" encoding="utf-8"?>
 <p:sld xmlns:a="http://schemas.openxmlformats.org/drawingml/2006/main" xmlns:r="http://schemas.openxmlformats.org/officeDocument/2006/relationships" xmlns:p="http://schemas.openxmlformats.org/presentationml/2006/main">
   <p:cSld>
     <p:spTree>
@@ -15802,7 +16075,7 @@
 </p:sld>
 </file>
 
-<file path=ppt/slides/slide34.xml><?xml version="1.0" encoding="utf-8"?>
+<file path=ppt/slides/slide36.xml><?xml version="1.0" encoding="utf-8"?>
 <p:sld xmlns:a="http://schemas.openxmlformats.org/drawingml/2006/main" xmlns:r="http://schemas.openxmlformats.org/officeDocument/2006/relationships" xmlns:p="http://schemas.openxmlformats.org/presentationml/2006/main">
   <p:cSld>
     <p:spTree>
@@ -16203,7 +16476,7 @@
 </p:sld>
 </file>
 
-<file path=ppt/slides/slide35.xml><?xml version="1.0" encoding="utf-8"?>
+<file path=ppt/slides/slide37.xml><?xml version="1.0" encoding="utf-8"?>
 <p:sld xmlns:a="http://schemas.openxmlformats.org/drawingml/2006/main" xmlns:r="http://schemas.openxmlformats.org/officeDocument/2006/relationships" xmlns:p="http://schemas.openxmlformats.org/presentationml/2006/main">
   <p:cSld>
     <p:spTree>
@@ -16515,7 +16788,7 @@
 </p:sld>
 </file>
 
-<file path=ppt/slides/slide36.xml><?xml version="1.0" encoding="utf-8"?>
+<file path=ppt/slides/slide38.xml><?xml version="1.0" encoding="utf-8"?>
 <p:sld xmlns:a="http://schemas.openxmlformats.org/drawingml/2006/main" xmlns:r="http://schemas.openxmlformats.org/officeDocument/2006/relationships" xmlns:p="http://schemas.openxmlformats.org/presentationml/2006/main">
   <p:cSld>
     <p:spTree>
@@ -16942,7 +17215,7 @@
 </p:sld>
 </file>
 
-<file path=ppt/slides/slide37.xml><?xml version="1.0" encoding="utf-8"?>
+<file path=ppt/slides/slide39.xml><?xml version="1.0" encoding="utf-8"?>
 <p:sld xmlns:a="http://schemas.openxmlformats.org/drawingml/2006/main" xmlns:r="http://schemas.openxmlformats.org/officeDocument/2006/relationships" xmlns:p="http://schemas.openxmlformats.org/presentationml/2006/main">
   <p:cSld>
     <p:spTree>
@@ -17320,924 +17593,6 @@
     <p:extLst>
       <p:ext uri="{BB962C8B-B14F-4D97-AF65-F5344CB8AC3E}">
         <p14:creationId xmlns:p14="http://schemas.microsoft.com/office/powerpoint/2010/main" val="245870580"/>
-      </p:ext>
-    </p:extLst>
-  </p:cSld>
-  <p:clrMapOvr>
-    <a:masterClrMapping/>
-  </p:clrMapOvr>
-</p:sld>
-</file>
-
-<file path=ppt/slides/slide38.xml><?xml version="1.0" encoding="utf-8"?>
-<p:sld xmlns:a="http://schemas.openxmlformats.org/drawingml/2006/main" xmlns:r="http://schemas.openxmlformats.org/officeDocument/2006/relationships" xmlns:p="http://schemas.openxmlformats.org/presentationml/2006/main">
-  <p:cSld>
-    <p:spTree>
-      <p:nvGrpSpPr>
-        <p:cNvPr id="1" name=""/>
-        <p:cNvGrpSpPr/>
-        <p:nvPr/>
-      </p:nvGrpSpPr>
-      <p:grpSpPr>
-        <a:xfrm>
-          <a:off x="0" y="0"/>
-          <a:ext cx="0" cy="0"/>
-          <a:chOff x="0" y="0"/>
-          <a:chExt cx="0" cy="0"/>
-        </a:xfrm>
-      </p:grpSpPr>
-      <p:sp>
-        <p:nvSpPr>
-          <p:cNvPr id="2" name="Content Placeholder 2">
-            <a:extLst>
-              <a:ext uri="{FF2B5EF4-FFF2-40B4-BE49-F238E27FC236}">
-                <a16:creationId xmlns:a16="http://schemas.microsoft.com/office/drawing/2014/main" id="{1B069BA9-09A1-808D-4F07-7F2C49CE62A1}"/>
-              </a:ext>
-            </a:extLst>
-          </p:cNvPr>
-          <p:cNvSpPr txBox="1">
-            <a:spLocks/>
-          </p:cNvSpPr>
-          <p:nvPr/>
-        </p:nvSpPr>
-        <p:spPr>
-          <a:xfrm>
-            <a:off x="122830" y="681644"/>
-            <a:ext cx="11600597" cy="6019407"/>
-          </a:xfrm>
-          <a:prstGeom prst="rect">
-            <a:avLst/>
-          </a:prstGeom>
-        </p:spPr>
-        <p:txBody>
-          <a:bodyPr>
-            <a:normAutofit lnSpcReduction="10000"/>
-          </a:bodyPr>
-          <a:lstStyle>
-            <a:lvl1pPr marL="306000" indent="-306000" algn="l" defTabSz="457200" rtl="0" eaLnBrk="1" latinLnBrk="0" hangingPunct="1">
-              <a:spcBef>
-                <a:spcPct val="20000"/>
-              </a:spcBef>
-              <a:spcAft>
-                <a:spcPts val="600"/>
-              </a:spcAft>
-              <a:buClr>
-                <a:schemeClr val="accent2"/>
-              </a:buClr>
-              <a:buSzPct val="92000"/>
-              <a:buFont typeface="Wingdings 2" panose="05020102010507070707" pitchFamily="18" charset="2"/>
-              <a:buChar char=""/>
-              <a:defRPr sz="1800" kern="1200">
-                <a:solidFill>
-                  <a:schemeClr val="tx2"/>
-                </a:solidFill>
-                <a:latin typeface="+mn-lt"/>
-                <a:ea typeface="+mn-ea"/>
-                <a:cs typeface="+mn-cs"/>
-              </a:defRPr>
-            </a:lvl1pPr>
-            <a:lvl2pPr marL="630000" indent="-306000" algn="l" defTabSz="457200" rtl="0" eaLnBrk="1" latinLnBrk="0" hangingPunct="1">
-              <a:spcBef>
-                <a:spcPct val="20000"/>
-              </a:spcBef>
-              <a:spcAft>
-                <a:spcPts val="600"/>
-              </a:spcAft>
-              <a:buClr>
-                <a:schemeClr val="accent2"/>
-              </a:buClr>
-              <a:buSzPct val="92000"/>
-              <a:buFont typeface="Wingdings 2" panose="05020102010507070707" pitchFamily="18" charset="2"/>
-              <a:buChar char=""/>
-              <a:defRPr sz="1600" kern="1200">
-                <a:solidFill>
-                  <a:schemeClr val="tx2"/>
-                </a:solidFill>
-                <a:latin typeface="+mn-lt"/>
-                <a:ea typeface="+mn-ea"/>
-                <a:cs typeface="+mn-cs"/>
-              </a:defRPr>
-            </a:lvl2pPr>
-            <a:lvl3pPr marL="900000" indent="-270000" algn="l" defTabSz="457200" rtl="0" eaLnBrk="1" latinLnBrk="0" hangingPunct="1">
-              <a:spcBef>
-                <a:spcPct val="20000"/>
-              </a:spcBef>
-              <a:spcAft>
-                <a:spcPts val="600"/>
-              </a:spcAft>
-              <a:buClr>
-                <a:schemeClr val="accent2"/>
-              </a:buClr>
-              <a:buSzPct val="92000"/>
-              <a:buFont typeface="Wingdings 2" panose="05020102010507070707" pitchFamily="18" charset="2"/>
-              <a:buChar char=""/>
-              <a:defRPr sz="1400" kern="1200">
-                <a:solidFill>
-                  <a:schemeClr val="tx2"/>
-                </a:solidFill>
-                <a:latin typeface="+mn-lt"/>
-                <a:ea typeface="+mn-ea"/>
-                <a:cs typeface="+mn-cs"/>
-              </a:defRPr>
-            </a:lvl3pPr>
-            <a:lvl4pPr marL="1242000" indent="-234000" algn="l" defTabSz="457200" rtl="0" eaLnBrk="1" latinLnBrk="0" hangingPunct="1">
-              <a:spcBef>
-                <a:spcPct val="20000"/>
-              </a:spcBef>
-              <a:spcAft>
-                <a:spcPts val="600"/>
-              </a:spcAft>
-              <a:buClr>
-                <a:schemeClr val="accent2"/>
-              </a:buClr>
-              <a:buSzPct val="92000"/>
-              <a:buFont typeface="Wingdings 2" panose="05020102010507070707" pitchFamily="18" charset="2"/>
-              <a:buChar char=""/>
-              <a:defRPr sz="1200" kern="1200">
-                <a:solidFill>
-                  <a:schemeClr val="tx2"/>
-                </a:solidFill>
-                <a:latin typeface="+mn-lt"/>
-                <a:ea typeface="+mn-ea"/>
-                <a:cs typeface="+mn-cs"/>
-              </a:defRPr>
-            </a:lvl4pPr>
-            <a:lvl5pPr marL="1602000" indent="-234000" algn="l" defTabSz="457200" rtl="0" eaLnBrk="1" latinLnBrk="0" hangingPunct="1">
-              <a:spcBef>
-                <a:spcPct val="20000"/>
-              </a:spcBef>
-              <a:spcAft>
-                <a:spcPts val="600"/>
-              </a:spcAft>
-              <a:buClr>
-                <a:schemeClr val="accent2"/>
-              </a:buClr>
-              <a:buSzPct val="92000"/>
-              <a:buFont typeface="Wingdings 2" panose="05020102010507070707" pitchFamily="18" charset="2"/>
-              <a:buChar char=""/>
-              <a:defRPr sz="1200" kern="1200">
-                <a:solidFill>
-                  <a:schemeClr val="tx2"/>
-                </a:solidFill>
-                <a:latin typeface="+mn-lt"/>
-                <a:ea typeface="+mn-ea"/>
-                <a:cs typeface="+mn-cs"/>
-              </a:defRPr>
-            </a:lvl5pPr>
-            <a:lvl6pPr marL="1900000" indent="-228600" algn="l" defTabSz="457200" rtl="0" eaLnBrk="1" latinLnBrk="0" hangingPunct="1">
-              <a:spcBef>
-                <a:spcPct val="20000"/>
-              </a:spcBef>
-              <a:spcAft>
-                <a:spcPts val="600"/>
-              </a:spcAft>
-              <a:buClr>
-                <a:schemeClr val="accent2"/>
-              </a:buClr>
-              <a:buSzPct val="92000"/>
-              <a:buFont typeface="Wingdings 2" panose="05020102010507070707" pitchFamily="18" charset="2"/>
-              <a:buChar char=""/>
-              <a:defRPr sz="1200" kern="1200">
-                <a:solidFill>
-                  <a:schemeClr val="tx2"/>
-                </a:solidFill>
-                <a:latin typeface="+mn-lt"/>
-                <a:ea typeface="+mn-ea"/>
-                <a:cs typeface="+mn-cs"/>
-              </a:defRPr>
-            </a:lvl6pPr>
-            <a:lvl7pPr marL="2200000" indent="-228600" algn="l" defTabSz="457200" rtl="0" eaLnBrk="1" latinLnBrk="0" hangingPunct="1">
-              <a:spcBef>
-                <a:spcPct val="20000"/>
-              </a:spcBef>
-              <a:spcAft>
-                <a:spcPts val="600"/>
-              </a:spcAft>
-              <a:buClr>
-                <a:schemeClr val="accent2"/>
-              </a:buClr>
-              <a:buSzPct val="92000"/>
-              <a:buFont typeface="Wingdings 2" panose="05020102010507070707" pitchFamily="18" charset="2"/>
-              <a:buChar char=""/>
-              <a:defRPr sz="1200" kern="1200">
-                <a:solidFill>
-                  <a:schemeClr val="tx2"/>
-                </a:solidFill>
-                <a:latin typeface="+mn-lt"/>
-                <a:ea typeface="+mn-ea"/>
-                <a:cs typeface="+mn-cs"/>
-              </a:defRPr>
-            </a:lvl7pPr>
-            <a:lvl8pPr marL="2500000" indent="-228600" algn="l" defTabSz="457200" rtl="0" eaLnBrk="1" latinLnBrk="0" hangingPunct="1">
-              <a:spcBef>
-                <a:spcPct val="20000"/>
-              </a:spcBef>
-              <a:spcAft>
-                <a:spcPts val="600"/>
-              </a:spcAft>
-              <a:buClr>
-                <a:schemeClr val="accent2"/>
-              </a:buClr>
-              <a:buSzPct val="92000"/>
-              <a:buFont typeface="Wingdings 2" panose="05020102010507070707" pitchFamily="18" charset="2"/>
-              <a:buChar char=""/>
-              <a:defRPr sz="1200" kern="1200">
-                <a:solidFill>
-                  <a:schemeClr val="tx2"/>
-                </a:solidFill>
-                <a:latin typeface="+mn-lt"/>
-                <a:ea typeface="+mn-ea"/>
-                <a:cs typeface="+mn-cs"/>
-              </a:defRPr>
-            </a:lvl8pPr>
-            <a:lvl9pPr marL="2800000" indent="-228600" algn="l" defTabSz="457200" rtl="0" eaLnBrk="1" latinLnBrk="0" hangingPunct="1">
-              <a:spcBef>
-                <a:spcPct val="20000"/>
-              </a:spcBef>
-              <a:spcAft>
-                <a:spcPts val="600"/>
-              </a:spcAft>
-              <a:buClr>
-                <a:schemeClr val="accent2"/>
-              </a:buClr>
-              <a:buSzPct val="92000"/>
-              <a:buFont typeface="Wingdings 2" panose="05020102010507070707" pitchFamily="18" charset="2"/>
-              <a:buChar char=""/>
-              <a:defRPr sz="1200" kern="1200">
-                <a:solidFill>
-                  <a:schemeClr val="tx2"/>
-                </a:solidFill>
-                <a:latin typeface="+mn-lt"/>
-                <a:ea typeface="+mn-ea"/>
-                <a:cs typeface="+mn-cs"/>
-              </a:defRPr>
-            </a:lvl9pPr>
-          </a:lstStyle>
-          <a:p>
-            <a:pPr marL="400050" lvl="1" indent="0">
-              <a:buFont typeface="Wingdings 2" panose="05020102010507070707" pitchFamily="18" charset="2"/>
-              <a:buNone/>
-            </a:pPr>
-            <a:r>
-              <a:rPr lang="en-US" dirty="0"/>
-              <a:t>public class </a:t>
-            </a:r>
-            <a:r>
-              <a:rPr lang="en-US" dirty="0" err="1"/>
-              <a:t>SwitchExample</a:t>
-            </a:r>
-            <a:r>
-              <a:rPr lang="en-US" dirty="0"/>
-              <a:t> {  </a:t>
-            </a:r>
-          </a:p>
-          <a:p>
-            <a:pPr marL="400050" lvl="1" indent="0">
-              <a:buFont typeface="Wingdings 2" panose="05020102010507070707" pitchFamily="18" charset="2"/>
-              <a:buNone/>
-            </a:pPr>
-            <a:r>
-              <a:rPr lang="en-US" dirty="0"/>
-              <a:t>public static void main(String[] </a:t>
-            </a:r>
-            <a:r>
-              <a:rPr lang="en-US" dirty="0" err="1"/>
-              <a:t>args</a:t>
-            </a:r>
-            <a:r>
-              <a:rPr lang="en-US" dirty="0"/>
-              <a:t>) {  </a:t>
-            </a:r>
-          </a:p>
-          <a:p>
-            <a:pPr marL="400050" lvl="1" indent="0">
-              <a:buFont typeface="Wingdings 2" panose="05020102010507070707" pitchFamily="18" charset="2"/>
-              <a:buNone/>
-            </a:pPr>
-            <a:r>
-              <a:rPr lang="en-US" dirty="0"/>
-              <a:t>    //Declaring a variable for switch expression  </a:t>
-            </a:r>
-          </a:p>
-          <a:p>
-            <a:pPr marL="400050" lvl="1" indent="0">
-              <a:buFont typeface="Wingdings 2" panose="05020102010507070707" pitchFamily="18" charset="2"/>
-              <a:buNone/>
-            </a:pPr>
-            <a:r>
-              <a:rPr lang="en-US" dirty="0"/>
-              <a:t>    int number=20;  </a:t>
-            </a:r>
-          </a:p>
-          <a:p>
-            <a:pPr marL="400050" lvl="1" indent="0">
-              <a:buFont typeface="Wingdings 2" panose="05020102010507070707" pitchFamily="18" charset="2"/>
-              <a:buNone/>
-            </a:pPr>
-            <a:r>
-              <a:rPr lang="en-US" dirty="0"/>
-              <a:t>    //Switch expression  </a:t>
-            </a:r>
-          </a:p>
-          <a:p>
-            <a:pPr marL="400050" lvl="1" indent="0">
-              <a:buFont typeface="Wingdings 2" panose="05020102010507070707" pitchFamily="18" charset="2"/>
-              <a:buNone/>
-            </a:pPr>
-            <a:r>
-              <a:rPr lang="en-US" dirty="0"/>
-              <a:t>    switch(number){  </a:t>
-            </a:r>
-          </a:p>
-          <a:p>
-            <a:pPr marL="400050" lvl="1" indent="0">
-              <a:buFont typeface="Wingdings 2" panose="05020102010507070707" pitchFamily="18" charset="2"/>
-              <a:buNone/>
-            </a:pPr>
-            <a:r>
-              <a:rPr lang="en-US" dirty="0"/>
-              <a:t>    //Case statements  </a:t>
-            </a:r>
-          </a:p>
-          <a:p>
-            <a:pPr marL="400050" lvl="1" indent="0">
-              <a:buFont typeface="Wingdings 2" panose="05020102010507070707" pitchFamily="18" charset="2"/>
-              <a:buNone/>
-            </a:pPr>
-            <a:r>
-              <a:rPr lang="en-US" dirty="0"/>
-              <a:t>    case 10: </a:t>
-            </a:r>
-            <a:r>
-              <a:rPr lang="en-US" dirty="0" err="1"/>
-              <a:t>System.out.println</a:t>
-            </a:r>
-            <a:r>
-              <a:rPr lang="en-US" dirty="0"/>
-              <a:t>("10");  </a:t>
-            </a:r>
-          </a:p>
-          <a:p>
-            <a:pPr marL="400050" lvl="1" indent="0">
-              <a:buFont typeface="Wingdings 2" panose="05020102010507070707" pitchFamily="18" charset="2"/>
-              <a:buNone/>
-            </a:pPr>
-            <a:r>
-              <a:rPr lang="en-US" dirty="0"/>
-              <a:t>    break;  </a:t>
-            </a:r>
-          </a:p>
-          <a:p>
-            <a:pPr marL="400050" lvl="1" indent="0">
-              <a:buFont typeface="Wingdings 2" panose="05020102010507070707" pitchFamily="18" charset="2"/>
-              <a:buNone/>
-            </a:pPr>
-            <a:r>
-              <a:rPr lang="en-US" dirty="0"/>
-              <a:t>    case 20: </a:t>
-            </a:r>
-            <a:r>
-              <a:rPr lang="en-US" dirty="0" err="1"/>
-              <a:t>System.out.println</a:t>
-            </a:r>
-            <a:r>
-              <a:rPr lang="en-US" dirty="0"/>
-              <a:t>("20");  </a:t>
-            </a:r>
-          </a:p>
-          <a:p>
-            <a:pPr marL="400050" lvl="1" indent="0">
-              <a:buFont typeface="Wingdings 2" panose="05020102010507070707" pitchFamily="18" charset="2"/>
-              <a:buNone/>
-            </a:pPr>
-            <a:r>
-              <a:rPr lang="en-US" dirty="0"/>
-              <a:t>    break;  </a:t>
-            </a:r>
-          </a:p>
-          <a:p>
-            <a:pPr marL="400050" lvl="1" indent="0">
-              <a:buFont typeface="Wingdings 2" panose="05020102010507070707" pitchFamily="18" charset="2"/>
-              <a:buNone/>
-            </a:pPr>
-            <a:r>
-              <a:rPr lang="en-US" dirty="0"/>
-              <a:t>    case 30: </a:t>
-            </a:r>
-            <a:r>
-              <a:rPr lang="en-US" dirty="0" err="1"/>
-              <a:t>System.out.println</a:t>
-            </a:r>
-            <a:r>
-              <a:rPr lang="en-US" dirty="0"/>
-              <a:t>("30");  </a:t>
-            </a:r>
-          </a:p>
-          <a:p>
-            <a:pPr marL="400050" lvl="1" indent="0">
-              <a:buFont typeface="Wingdings 2" panose="05020102010507070707" pitchFamily="18" charset="2"/>
-              <a:buNone/>
-            </a:pPr>
-            <a:r>
-              <a:rPr lang="en-US" dirty="0"/>
-              <a:t>    break;  </a:t>
-            </a:r>
-          </a:p>
-          <a:p>
-            <a:pPr marL="400050" lvl="1" indent="0">
-              <a:buFont typeface="Wingdings 2" panose="05020102010507070707" pitchFamily="18" charset="2"/>
-              <a:buNone/>
-            </a:pPr>
-            <a:r>
-              <a:rPr lang="en-US" dirty="0"/>
-              <a:t>    //Default case statement  </a:t>
-            </a:r>
-          </a:p>
-          <a:p>
-            <a:pPr marL="400050" lvl="1" indent="0">
-              <a:buFont typeface="Wingdings 2" panose="05020102010507070707" pitchFamily="18" charset="2"/>
-              <a:buNone/>
-            </a:pPr>
-            <a:r>
-              <a:rPr lang="en-US" dirty="0"/>
-              <a:t>    </a:t>
-            </a:r>
-            <a:r>
-              <a:rPr lang="en-US" dirty="0" err="1"/>
-              <a:t>default:System.out.println</a:t>
-            </a:r>
-            <a:r>
-              <a:rPr lang="en-US" dirty="0"/>
-              <a:t>("Not in 10, 20 or 30");  </a:t>
-            </a:r>
-          </a:p>
-          <a:p>
-            <a:pPr marL="400050" lvl="1" indent="0">
-              <a:buFont typeface="Wingdings 2" panose="05020102010507070707" pitchFamily="18" charset="2"/>
-              <a:buNone/>
-            </a:pPr>
-            <a:r>
-              <a:rPr lang="en-US" dirty="0"/>
-              <a:t>    }  </a:t>
-            </a:r>
-          </a:p>
-          <a:p>
-            <a:pPr marL="400050" lvl="1" indent="0">
-              <a:buFont typeface="Wingdings 2" panose="05020102010507070707" pitchFamily="18" charset="2"/>
-              <a:buNone/>
-            </a:pPr>
-            <a:r>
-              <a:rPr lang="en-US" dirty="0"/>
-              <a:t>}  }</a:t>
-            </a:r>
-          </a:p>
-        </p:txBody>
-      </p:sp>
-    </p:spTree>
-    <p:extLst>
-      <p:ext uri="{BB962C8B-B14F-4D97-AF65-F5344CB8AC3E}">
-        <p14:creationId xmlns:p14="http://schemas.microsoft.com/office/powerpoint/2010/main" val="3222852887"/>
-      </p:ext>
-    </p:extLst>
-  </p:cSld>
-  <p:clrMapOvr>
-    <a:masterClrMapping/>
-  </p:clrMapOvr>
-</p:sld>
-</file>
-
-<file path=ppt/slides/slide39.xml><?xml version="1.0" encoding="utf-8"?>
-<p:sld xmlns:a="http://schemas.openxmlformats.org/drawingml/2006/main" xmlns:r="http://schemas.openxmlformats.org/officeDocument/2006/relationships" xmlns:p="http://schemas.openxmlformats.org/presentationml/2006/main">
-  <p:cSld>
-    <p:spTree>
-      <p:nvGrpSpPr>
-        <p:cNvPr id="1" name=""/>
-        <p:cNvGrpSpPr/>
-        <p:nvPr/>
-      </p:nvGrpSpPr>
-      <p:grpSpPr>
-        <a:xfrm>
-          <a:off x="0" y="0"/>
-          <a:ext cx="0" cy="0"/>
-          <a:chOff x="0" y="0"/>
-          <a:chExt cx="0" cy="0"/>
-        </a:xfrm>
-      </p:grpSpPr>
-      <p:sp>
-        <p:nvSpPr>
-          <p:cNvPr id="2" name="Content Placeholder 2">
-            <a:extLst>
-              <a:ext uri="{FF2B5EF4-FFF2-40B4-BE49-F238E27FC236}">
-                <a16:creationId xmlns:a16="http://schemas.microsoft.com/office/drawing/2014/main" id="{0D1504ED-99F8-3F99-6B28-0E2C3EB1034B}"/>
-              </a:ext>
-            </a:extLst>
-          </p:cNvPr>
-          <p:cNvSpPr txBox="1">
-            <a:spLocks/>
-          </p:cNvSpPr>
-          <p:nvPr/>
-        </p:nvSpPr>
-        <p:spPr>
-          <a:xfrm>
-            <a:off x="128588" y="631767"/>
-            <a:ext cx="9921265" cy="6026207"/>
-          </a:xfrm>
-          <a:prstGeom prst="rect">
-            <a:avLst/>
-          </a:prstGeom>
-        </p:spPr>
-        <p:txBody>
-          <a:bodyPr>
-            <a:normAutofit/>
-          </a:bodyPr>
-          <a:lstStyle>
-            <a:lvl1pPr marL="306000" indent="-306000" algn="l" defTabSz="457200" rtl="0" eaLnBrk="1" latinLnBrk="0" hangingPunct="1">
-              <a:spcBef>
-                <a:spcPct val="20000"/>
-              </a:spcBef>
-              <a:spcAft>
-                <a:spcPts val="600"/>
-              </a:spcAft>
-              <a:buClr>
-                <a:schemeClr val="accent2"/>
-              </a:buClr>
-              <a:buSzPct val="92000"/>
-              <a:buFont typeface="Wingdings 2" panose="05020102010507070707" pitchFamily="18" charset="2"/>
-              <a:buChar char=""/>
-              <a:defRPr sz="1800" kern="1200">
-                <a:solidFill>
-                  <a:schemeClr val="tx2"/>
-                </a:solidFill>
-                <a:latin typeface="+mn-lt"/>
-                <a:ea typeface="+mn-ea"/>
-                <a:cs typeface="+mn-cs"/>
-              </a:defRPr>
-            </a:lvl1pPr>
-            <a:lvl2pPr marL="630000" indent="-306000" algn="l" defTabSz="457200" rtl="0" eaLnBrk="1" latinLnBrk="0" hangingPunct="1">
-              <a:spcBef>
-                <a:spcPct val="20000"/>
-              </a:spcBef>
-              <a:spcAft>
-                <a:spcPts val="600"/>
-              </a:spcAft>
-              <a:buClr>
-                <a:schemeClr val="accent2"/>
-              </a:buClr>
-              <a:buSzPct val="92000"/>
-              <a:buFont typeface="Wingdings 2" panose="05020102010507070707" pitchFamily="18" charset="2"/>
-              <a:buChar char=""/>
-              <a:defRPr sz="1600" kern="1200">
-                <a:solidFill>
-                  <a:schemeClr val="tx2"/>
-                </a:solidFill>
-                <a:latin typeface="+mn-lt"/>
-                <a:ea typeface="+mn-ea"/>
-                <a:cs typeface="+mn-cs"/>
-              </a:defRPr>
-            </a:lvl2pPr>
-            <a:lvl3pPr marL="900000" indent="-270000" algn="l" defTabSz="457200" rtl="0" eaLnBrk="1" latinLnBrk="0" hangingPunct="1">
-              <a:spcBef>
-                <a:spcPct val="20000"/>
-              </a:spcBef>
-              <a:spcAft>
-                <a:spcPts val="600"/>
-              </a:spcAft>
-              <a:buClr>
-                <a:schemeClr val="accent2"/>
-              </a:buClr>
-              <a:buSzPct val="92000"/>
-              <a:buFont typeface="Wingdings 2" panose="05020102010507070707" pitchFamily="18" charset="2"/>
-              <a:buChar char=""/>
-              <a:defRPr sz="1400" kern="1200">
-                <a:solidFill>
-                  <a:schemeClr val="tx2"/>
-                </a:solidFill>
-                <a:latin typeface="+mn-lt"/>
-                <a:ea typeface="+mn-ea"/>
-                <a:cs typeface="+mn-cs"/>
-              </a:defRPr>
-            </a:lvl3pPr>
-            <a:lvl4pPr marL="1242000" indent="-234000" algn="l" defTabSz="457200" rtl="0" eaLnBrk="1" latinLnBrk="0" hangingPunct="1">
-              <a:spcBef>
-                <a:spcPct val="20000"/>
-              </a:spcBef>
-              <a:spcAft>
-                <a:spcPts val="600"/>
-              </a:spcAft>
-              <a:buClr>
-                <a:schemeClr val="accent2"/>
-              </a:buClr>
-              <a:buSzPct val="92000"/>
-              <a:buFont typeface="Wingdings 2" panose="05020102010507070707" pitchFamily="18" charset="2"/>
-              <a:buChar char=""/>
-              <a:defRPr sz="1200" kern="1200">
-                <a:solidFill>
-                  <a:schemeClr val="tx2"/>
-                </a:solidFill>
-                <a:latin typeface="+mn-lt"/>
-                <a:ea typeface="+mn-ea"/>
-                <a:cs typeface="+mn-cs"/>
-              </a:defRPr>
-            </a:lvl4pPr>
-            <a:lvl5pPr marL="1602000" indent="-234000" algn="l" defTabSz="457200" rtl="0" eaLnBrk="1" latinLnBrk="0" hangingPunct="1">
-              <a:spcBef>
-                <a:spcPct val="20000"/>
-              </a:spcBef>
-              <a:spcAft>
-                <a:spcPts val="600"/>
-              </a:spcAft>
-              <a:buClr>
-                <a:schemeClr val="accent2"/>
-              </a:buClr>
-              <a:buSzPct val="92000"/>
-              <a:buFont typeface="Wingdings 2" panose="05020102010507070707" pitchFamily="18" charset="2"/>
-              <a:buChar char=""/>
-              <a:defRPr sz="1200" kern="1200">
-                <a:solidFill>
-                  <a:schemeClr val="tx2"/>
-                </a:solidFill>
-                <a:latin typeface="+mn-lt"/>
-                <a:ea typeface="+mn-ea"/>
-                <a:cs typeface="+mn-cs"/>
-              </a:defRPr>
-            </a:lvl5pPr>
-            <a:lvl6pPr marL="1900000" indent="-228600" algn="l" defTabSz="457200" rtl="0" eaLnBrk="1" latinLnBrk="0" hangingPunct="1">
-              <a:spcBef>
-                <a:spcPct val="20000"/>
-              </a:spcBef>
-              <a:spcAft>
-                <a:spcPts val="600"/>
-              </a:spcAft>
-              <a:buClr>
-                <a:schemeClr val="accent2"/>
-              </a:buClr>
-              <a:buSzPct val="92000"/>
-              <a:buFont typeface="Wingdings 2" panose="05020102010507070707" pitchFamily="18" charset="2"/>
-              <a:buChar char=""/>
-              <a:defRPr sz="1200" kern="1200">
-                <a:solidFill>
-                  <a:schemeClr val="tx2"/>
-                </a:solidFill>
-                <a:latin typeface="+mn-lt"/>
-                <a:ea typeface="+mn-ea"/>
-                <a:cs typeface="+mn-cs"/>
-              </a:defRPr>
-            </a:lvl6pPr>
-            <a:lvl7pPr marL="2200000" indent="-228600" algn="l" defTabSz="457200" rtl="0" eaLnBrk="1" latinLnBrk="0" hangingPunct="1">
-              <a:spcBef>
-                <a:spcPct val="20000"/>
-              </a:spcBef>
-              <a:spcAft>
-                <a:spcPts val="600"/>
-              </a:spcAft>
-              <a:buClr>
-                <a:schemeClr val="accent2"/>
-              </a:buClr>
-              <a:buSzPct val="92000"/>
-              <a:buFont typeface="Wingdings 2" panose="05020102010507070707" pitchFamily="18" charset="2"/>
-              <a:buChar char=""/>
-              <a:defRPr sz="1200" kern="1200">
-                <a:solidFill>
-                  <a:schemeClr val="tx2"/>
-                </a:solidFill>
-                <a:latin typeface="+mn-lt"/>
-                <a:ea typeface="+mn-ea"/>
-                <a:cs typeface="+mn-cs"/>
-              </a:defRPr>
-            </a:lvl7pPr>
-            <a:lvl8pPr marL="2500000" indent="-228600" algn="l" defTabSz="457200" rtl="0" eaLnBrk="1" latinLnBrk="0" hangingPunct="1">
-              <a:spcBef>
-                <a:spcPct val="20000"/>
-              </a:spcBef>
-              <a:spcAft>
-                <a:spcPts val="600"/>
-              </a:spcAft>
-              <a:buClr>
-                <a:schemeClr val="accent2"/>
-              </a:buClr>
-              <a:buSzPct val="92000"/>
-              <a:buFont typeface="Wingdings 2" panose="05020102010507070707" pitchFamily="18" charset="2"/>
-              <a:buChar char=""/>
-              <a:defRPr sz="1200" kern="1200">
-                <a:solidFill>
-                  <a:schemeClr val="tx2"/>
-                </a:solidFill>
-                <a:latin typeface="+mn-lt"/>
-                <a:ea typeface="+mn-ea"/>
-                <a:cs typeface="+mn-cs"/>
-              </a:defRPr>
-            </a:lvl8pPr>
-            <a:lvl9pPr marL="2800000" indent="-228600" algn="l" defTabSz="457200" rtl="0" eaLnBrk="1" latinLnBrk="0" hangingPunct="1">
-              <a:spcBef>
-                <a:spcPct val="20000"/>
-              </a:spcBef>
-              <a:spcAft>
-                <a:spcPts val="600"/>
-              </a:spcAft>
-              <a:buClr>
-                <a:schemeClr val="accent2"/>
-              </a:buClr>
-              <a:buSzPct val="92000"/>
-              <a:buFont typeface="Wingdings 2" panose="05020102010507070707" pitchFamily="18" charset="2"/>
-              <a:buChar char=""/>
-              <a:defRPr sz="1200" kern="1200">
-                <a:solidFill>
-                  <a:schemeClr val="tx2"/>
-                </a:solidFill>
-                <a:latin typeface="+mn-lt"/>
-                <a:ea typeface="+mn-ea"/>
-                <a:cs typeface="+mn-cs"/>
-              </a:defRPr>
-            </a:lvl9pPr>
-          </a:lstStyle>
-          <a:p>
-            <a:r>
-              <a:rPr lang="en-US" dirty="0"/>
-              <a:t>Java Switch Statement is fall-through</a:t>
-            </a:r>
-          </a:p>
-          <a:p>
-            <a:r>
-              <a:rPr lang="en-US" dirty="0"/>
-              <a:t>The Java switch statement is fall-through. It means it executes all statements after the first match if a break statement is not present.</a:t>
-            </a:r>
-          </a:p>
-          <a:p>
-            <a:endParaRPr lang="en-US" dirty="0"/>
-          </a:p>
-          <a:p>
-            <a:pPr marL="400050" lvl="1" indent="0">
-              <a:buFont typeface="Wingdings 2" panose="05020102010507070707" pitchFamily="18" charset="2"/>
-              <a:buNone/>
-            </a:pPr>
-            <a:r>
-              <a:rPr lang="en-US" b="1" dirty="0"/>
-              <a:t>public class SwitchExample2 {  </a:t>
-            </a:r>
-          </a:p>
-          <a:p>
-            <a:pPr marL="400050" lvl="1" indent="0">
-              <a:buFont typeface="Wingdings 2" panose="05020102010507070707" pitchFamily="18" charset="2"/>
-              <a:buNone/>
-            </a:pPr>
-            <a:r>
-              <a:rPr lang="en-US" b="1" dirty="0"/>
-              <a:t>public static void main(String[] </a:t>
-            </a:r>
-            <a:r>
-              <a:rPr lang="en-US" b="1" dirty="0" err="1"/>
-              <a:t>args</a:t>
-            </a:r>
-            <a:r>
-              <a:rPr lang="en-US" b="1" dirty="0"/>
-              <a:t>) {  </a:t>
-            </a:r>
-          </a:p>
-          <a:p>
-            <a:pPr marL="400050" lvl="1" indent="0">
-              <a:buFont typeface="Wingdings 2" panose="05020102010507070707" pitchFamily="18" charset="2"/>
-              <a:buNone/>
-            </a:pPr>
-            <a:r>
-              <a:rPr lang="en-US" b="1" dirty="0"/>
-              <a:t>    int number=20;  </a:t>
-            </a:r>
-          </a:p>
-          <a:p>
-            <a:pPr marL="400050" lvl="1" indent="0">
-              <a:buFont typeface="Wingdings 2" panose="05020102010507070707" pitchFamily="18" charset="2"/>
-              <a:buNone/>
-            </a:pPr>
-            <a:r>
-              <a:rPr lang="en-US" b="1" dirty="0"/>
-              <a:t>    //switch expression with int value  </a:t>
-            </a:r>
-          </a:p>
-          <a:p>
-            <a:pPr marL="400050" lvl="1" indent="0">
-              <a:buFont typeface="Wingdings 2" panose="05020102010507070707" pitchFamily="18" charset="2"/>
-              <a:buNone/>
-            </a:pPr>
-            <a:r>
-              <a:rPr lang="en-US" b="1" dirty="0"/>
-              <a:t>    switch(number){  </a:t>
-            </a:r>
-          </a:p>
-          <a:p>
-            <a:pPr marL="400050" lvl="1" indent="0">
-              <a:buFont typeface="Wingdings 2" panose="05020102010507070707" pitchFamily="18" charset="2"/>
-              <a:buNone/>
-            </a:pPr>
-            <a:r>
-              <a:rPr lang="en-US" b="1" dirty="0"/>
-              <a:t>    //switch cases without break statements  </a:t>
-            </a:r>
-          </a:p>
-          <a:p>
-            <a:pPr marL="400050" lvl="1" indent="0">
-              <a:buFont typeface="Wingdings 2" panose="05020102010507070707" pitchFamily="18" charset="2"/>
-              <a:buNone/>
-            </a:pPr>
-            <a:r>
-              <a:rPr lang="en-US" b="1" dirty="0"/>
-              <a:t>    case 10: </a:t>
-            </a:r>
-            <a:r>
-              <a:rPr lang="en-US" b="1" dirty="0" err="1"/>
-              <a:t>System.out.println</a:t>
-            </a:r>
-            <a:r>
-              <a:rPr lang="en-US" b="1" dirty="0"/>
-              <a:t>("10");  </a:t>
-            </a:r>
-          </a:p>
-          <a:p>
-            <a:pPr marL="400050" lvl="1" indent="0">
-              <a:buFont typeface="Wingdings 2" panose="05020102010507070707" pitchFamily="18" charset="2"/>
-              <a:buNone/>
-            </a:pPr>
-            <a:r>
-              <a:rPr lang="en-US" b="1" dirty="0"/>
-              <a:t>    case 20: </a:t>
-            </a:r>
-            <a:r>
-              <a:rPr lang="en-US" b="1" dirty="0" err="1"/>
-              <a:t>System.out.println</a:t>
-            </a:r>
-            <a:r>
-              <a:rPr lang="en-US" b="1" dirty="0"/>
-              <a:t>("20");  </a:t>
-            </a:r>
-          </a:p>
-          <a:p>
-            <a:pPr marL="400050" lvl="1" indent="0">
-              <a:buFont typeface="Wingdings 2" panose="05020102010507070707" pitchFamily="18" charset="2"/>
-              <a:buNone/>
-            </a:pPr>
-            <a:r>
-              <a:rPr lang="en-US" b="1" dirty="0"/>
-              <a:t>    case 30: </a:t>
-            </a:r>
-            <a:r>
-              <a:rPr lang="en-US" b="1" dirty="0" err="1"/>
-              <a:t>System.out.println</a:t>
-            </a:r>
-            <a:r>
-              <a:rPr lang="en-US" b="1" dirty="0"/>
-              <a:t>("30");  </a:t>
-            </a:r>
-          </a:p>
-          <a:p>
-            <a:pPr marL="400050" lvl="1" indent="0">
-              <a:buFont typeface="Wingdings 2" panose="05020102010507070707" pitchFamily="18" charset="2"/>
-              <a:buNone/>
-            </a:pPr>
-            <a:r>
-              <a:rPr lang="en-US" b="1" dirty="0"/>
-              <a:t>    </a:t>
-            </a:r>
-            <a:r>
-              <a:rPr lang="en-US" b="1" dirty="0" err="1"/>
-              <a:t>default:System.out.println</a:t>
-            </a:r>
-            <a:r>
-              <a:rPr lang="en-US" b="1" dirty="0"/>
-              <a:t>("Not in 10, 20 or 30");  </a:t>
-            </a:r>
-          </a:p>
-          <a:p>
-            <a:pPr marL="400050" lvl="1" indent="0">
-              <a:buFont typeface="Wingdings 2" panose="05020102010507070707" pitchFamily="18" charset="2"/>
-              <a:buNone/>
-            </a:pPr>
-            <a:r>
-              <a:rPr lang="en-US" b="1" dirty="0"/>
-              <a:t>    }  </a:t>
-            </a:r>
-          </a:p>
-          <a:p>
-            <a:pPr marL="400050" lvl="1" indent="0">
-              <a:buFont typeface="Wingdings 2" panose="05020102010507070707" pitchFamily="18" charset="2"/>
-              <a:buNone/>
-            </a:pPr>
-            <a:r>
-              <a:rPr lang="en-US" b="1" dirty="0"/>
-              <a:t>}  }</a:t>
-            </a:r>
-            <a:r>
-              <a:rPr lang="en-US" dirty="0"/>
-              <a:t>  </a:t>
-            </a:r>
-          </a:p>
-          <a:p>
-            <a:endParaRPr lang="en-US" dirty="0"/>
-          </a:p>
-        </p:txBody>
-      </p:sp>
-    </p:spTree>
-    <p:extLst>
-      <p:ext uri="{BB962C8B-B14F-4D97-AF65-F5344CB8AC3E}">
-        <p14:creationId xmlns:p14="http://schemas.microsoft.com/office/powerpoint/2010/main" val="3714194619"/>
       </p:ext>
     </p:extLst>
   </p:cSld>
@@ -18324,15 +17679,7 @@
             </a:pPr>
             <a:r>
               <a:rPr lang="en-US" dirty="0"/>
-              <a:t>If a program written on a particular platform can run on other platforms without any recompilation, it is known as platform </a:t>
-            </a:r>
-            <a:r>
-              <a:rPr lang="en-US" dirty="0" err="1"/>
-              <a:t>independence.Since</a:t>
-            </a:r>
-            <a:r>
-              <a:rPr lang="en-US" dirty="0"/>
-              <a:t> Java is platform-independent, any program written using Java on Windows will execute without any recompilation on any other </a:t>
+              <a:t>If a program written on a particular platform can run on other platforms without any recompilation, it is known as platform independence .Since Java is platform-independent, any program written using Java on Windows will execute without any recompilation on any other </a:t>
             </a:r>
             <a:r>
               <a:rPr lang="en-US" dirty="0" err="1"/>
@@ -18413,6 +17760,924 @@
       </p:grpSpPr>
       <p:sp>
         <p:nvSpPr>
+          <p:cNvPr id="2" name="Content Placeholder 2">
+            <a:extLst>
+              <a:ext uri="{FF2B5EF4-FFF2-40B4-BE49-F238E27FC236}">
+                <a16:creationId xmlns:a16="http://schemas.microsoft.com/office/drawing/2014/main" id="{1B069BA9-09A1-808D-4F07-7F2C49CE62A1}"/>
+              </a:ext>
+            </a:extLst>
+          </p:cNvPr>
+          <p:cNvSpPr txBox="1">
+            <a:spLocks/>
+          </p:cNvSpPr>
+          <p:nvPr/>
+        </p:nvSpPr>
+        <p:spPr>
+          <a:xfrm>
+            <a:off x="122830" y="681644"/>
+            <a:ext cx="11600597" cy="6019407"/>
+          </a:xfrm>
+          <a:prstGeom prst="rect">
+            <a:avLst/>
+          </a:prstGeom>
+        </p:spPr>
+        <p:txBody>
+          <a:bodyPr>
+            <a:normAutofit lnSpcReduction="10000"/>
+          </a:bodyPr>
+          <a:lstStyle>
+            <a:lvl1pPr marL="306000" indent="-306000" algn="l" defTabSz="457200" rtl="0" eaLnBrk="1" latinLnBrk="0" hangingPunct="1">
+              <a:spcBef>
+                <a:spcPct val="20000"/>
+              </a:spcBef>
+              <a:spcAft>
+                <a:spcPts val="600"/>
+              </a:spcAft>
+              <a:buClr>
+                <a:schemeClr val="accent2"/>
+              </a:buClr>
+              <a:buSzPct val="92000"/>
+              <a:buFont typeface="Wingdings 2" panose="05020102010507070707" pitchFamily="18" charset="2"/>
+              <a:buChar char=""/>
+              <a:defRPr sz="1800" kern="1200">
+                <a:solidFill>
+                  <a:schemeClr val="tx2"/>
+                </a:solidFill>
+                <a:latin typeface="+mn-lt"/>
+                <a:ea typeface="+mn-ea"/>
+                <a:cs typeface="+mn-cs"/>
+              </a:defRPr>
+            </a:lvl1pPr>
+            <a:lvl2pPr marL="630000" indent="-306000" algn="l" defTabSz="457200" rtl="0" eaLnBrk="1" latinLnBrk="0" hangingPunct="1">
+              <a:spcBef>
+                <a:spcPct val="20000"/>
+              </a:spcBef>
+              <a:spcAft>
+                <a:spcPts val="600"/>
+              </a:spcAft>
+              <a:buClr>
+                <a:schemeClr val="accent2"/>
+              </a:buClr>
+              <a:buSzPct val="92000"/>
+              <a:buFont typeface="Wingdings 2" panose="05020102010507070707" pitchFamily="18" charset="2"/>
+              <a:buChar char=""/>
+              <a:defRPr sz="1600" kern="1200">
+                <a:solidFill>
+                  <a:schemeClr val="tx2"/>
+                </a:solidFill>
+                <a:latin typeface="+mn-lt"/>
+                <a:ea typeface="+mn-ea"/>
+                <a:cs typeface="+mn-cs"/>
+              </a:defRPr>
+            </a:lvl2pPr>
+            <a:lvl3pPr marL="900000" indent="-270000" algn="l" defTabSz="457200" rtl="0" eaLnBrk="1" latinLnBrk="0" hangingPunct="1">
+              <a:spcBef>
+                <a:spcPct val="20000"/>
+              </a:spcBef>
+              <a:spcAft>
+                <a:spcPts val="600"/>
+              </a:spcAft>
+              <a:buClr>
+                <a:schemeClr val="accent2"/>
+              </a:buClr>
+              <a:buSzPct val="92000"/>
+              <a:buFont typeface="Wingdings 2" panose="05020102010507070707" pitchFamily="18" charset="2"/>
+              <a:buChar char=""/>
+              <a:defRPr sz="1400" kern="1200">
+                <a:solidFill>
+                  <a:schemeClr val="tx2"/>
+                </a:solidFill>
+                <a:latin typeface="+mn-lt"/>
+                <a:ea typeface="+mn-ea"/>
+                <a:cs typeface="+mn-cs"/>
+              </a:defRPr>
+            </a:lvl3pPr>
+            <a:lvl4pPr marL="1242000" indent="-234000" algn="l" defTabSz="457200" rtl="0" eaLnBrk="1" latinLnBrk="0" hangingPunct="1">
+              <a:spcBef>
+                <a:spcPct val="20000"/>
+              </a:spcBef>
+              <a:spcAft>
+                <a:spcPts val="600"/>
+              </a:spcAft>
+              <a:buClr>
+                <a:schemeClr val="accent2"/>
+              </a:buClr>
+              <a:buSzPct val="92000"/>
+              <a:buFont typeface="Wingdings 2" panose="05020102010507070707" pitchFamily="18" charset="2"/>
+              <a:buChar char=""/>
+              <a:defRPr sz="1200" kern="1200">
+                <a:solidFill>
+                  <a:schemeClr val="tx2"/>
+                </a:solidFill>
+                <a:latin typeface="+mn-lt"/>
+                <a:ea typeface="+mn-ea"/>
+                <a:cs typeface="+mn-cs"/>
+              </a:defRPr>
+            </a:lvl4pPr>
+            <a:lvl5pPr marL="1602000" indent="-234000" algn="l" defTabSz="457200" rtl="0" eaLnBrk="1" latinLnBrk="0" hangingPunct="1">
+              <a:spcBef>
+                <a:spcPct val="20000"/>
+              </a:spcBef>
+              <a:spcAft>
+                <a:spcPts val="600"/>
+              </a:spcAft>
+              <a:buClr>
+                <a:schemeClr val="accent2"/>
+              </a:buClr>
+              <a:buSzPct val="92000"/>
+              <a:buFont typeface="Wingdings 2" panose="05020102010507070707" pitchFamily="18" charset="2"/>
+              <a:buChar char=""/>
+              <a:defRPr sz="1200" kern="1200">
+                <a:solidFill>
+                  <a:schemeClr val="tx2"/>
+                </a:solidFill>
+                <a:latin typeface="+mn-lt"/>
+                <a:ea typeface="+mn-ea"/>
+                <a:cs typeface="+mn-cs"/>
+              </a:defRPr>
+            </a:lvl5pPr>
+            <a:lvl6pPr marL="1900000" indent="-228600" algn="l" defTabSz="457200" rtl="0" eaLnBrk="1" latinLnBrk="0" hangingPunct="1">
+              <a:spcBef>
+                <a:spcPct val="20000"/>
+              </a:spcBef>
+              <a:spcAft>
+                <a:spcPts val="600"/>
+              </a:spcAft>
+              <a:buClr>
+                <a:schemeClr val="accent2"/>
+              </a:buClr>
+              <a:buSzPct val="92000"/>
+              <a:buFont typeface="Wingdings 2" panose="05020102010507070707" pitchFamily="18" charset="2"/>
+              <a:buChar char=""/>
+              <a:defRPr sz="1200" kern="1200">
+                <a:solidFill>
+                  <a:schemeClr val="tx2"/>
+                </a:solidFill>
+                <a:latin typeface="+mn-lt"/>
+                <a:ea typeface="+mn-ea"/>
+                <a:cs typeface="+mn-cs"/>
+              </a:defRPr>
+            </a:lvl6pPr>
+            <a:lvl7pPr marL="2200000" indent="-228600" algn="l" defTabSz="457200" rtl="0" eaLnBrk="1" latinLnBrk="0" hangingPunct="1">
+              <a:spcBef>
+                <a:spcPct val="20000"/>
+              </a:spcBef>
+              <a:spcAft>
+                <a:spcPts val="600"/>
+              </a:spcAft>
+              <a:buClr>
+                <a:schemeClr val="accent2"/>
+              </a:buClr>
+              <a:buSzPct val="92000"/>
+              <a:buFont typeface="Wingdings 2" panose="05020102010507070707" pitchFamily="18" charset="2"/>
+              <a:buChar char=""/>
+              <a:defRPr sz="1200" kern="1200">
+                <a:solidFill>
+                  <a:schemeClr val="tx2"/>
+                </a:solidFill>
+                <a:latin typeface="+mn-lt"/>
+                <a:ea typeface="+mn-ea"/>
+                <a:cs typeface="+mn-cs"/>
+              </a:defRPr>
+            </a:lvl7pPr>
+            <a:lvl8pPr marL="2500000" indent="-228600" algn="l" defTabSz="457200" rtl="0" eaLnBrk="1" latinLnBrk="0" hangingPunct="1">
+              <a:spcBef>
+                <a:spcPct val="20000"/>
+              </a:spcBef>
+              <a:spcAft>
+                <a:spcPts val="600"/>
+              </a:spcAft>
+              <a:buClr>
+                <a:schemeClr val="accent2"/>
+              </a:buClr>
+              <a:buSzPct val="92000"/>
+              <a:buFont typeface="Wingdings 2" panose="05020102010507070707" pitchFamily="18" charset="2"/>
+              <a:buChar char=""/>
+              <a:defRPr sz="1200" kern="1200">
+                <a:solidFill>
+                  <a:schemeClr val="tx2"/>
+                </a:solidFill>
+                <a:latin typeface="+mn-lt"/>
+                <a:ea typeface="+mn-ea"/>
+                <a:cs typeface="+mn-cs"/>
+              </a:defRPr>
+            </a:lvl8pPr>
+            <a:lvl9pPr marL="2800000" indent="-228600" algn="l" defTabSz="457200" rtl="0" eaLnBrk="1" latinLnBrk="0" hangingPunct="1">
+              <a:spcBef>
+                <a:spcPct val="20000"/>
+              </a:spcBef>
+              <a:spcAft>
+                <a:spcPts val="600"/>
+              </a:spcAft>
+              <a:buClr>
+                <a:schemeClr val="accent2"/>
+              </a:buClr>
+              <a:buSzPct val="92000"/>
+              <a:buFont typeface="Wingdings 2" panose="05020102010507070707" pitchFamily="18" charset="2"/>
+              <a:buChar char=""/>
+              <a:defRPr sz="1200" kern="1200">
+                <a:solidFill>
+                  <a:schemeClr val="tx2"/>
+                </a:solidFill>
+                <a:latin typeface="+mn-lt"/>
+                <a:ea typeface="+mn-ea"/>
+                <a:cs typeface="+mn-cs"/>
+              </a:defRPr>
+            </a:lvl9pPr>
+          </a:lstStyle>
+          <a:p>
+            <a:pPr marL="400050" lvl="1" indent="0">
+              <a:buFont typeface="Wingdings 2" panose="05020102010507070707" pitchFamily="18" charset="2"/>
+              <a:buNone/>
+            </a:pPr>
+            <a:r>
+              <a:rPr lang="en-US" dirty="0"/>
+              <a:t>public class </a:t>
+            </a:r>
+            <a:r>
+              <a:rPr lang="en-US" dirty="0" err="1"/>
+              <a:t>SwitchExample</a:t>
+            </a:r>
+            <a:r>
+              <a:rPr lang="en-US" dirty="0"/>
+              <a:t> {  </a:t>
+            </a:r>
+          </a:p>
+          <a:p>
+            <a:pPr marL="400050" lvl="1" indent="0">
+              <a:buFont typeface="Wingdings 2" panose="05020102010507070707" pitchFamily="18" charset="2"/>
+              <a:buNone/>
+            </a:pPr>
+            <a:r>
+              <a:rPr lang="en-US" dirty="0"/>
+              <a:t>public static void main(String[] </a:t>
+            </a:r>
+            <a:r>
+              <a:rPr lang="en-US" dirty="0" err="1"/>
+              <a:t>args</a:t>
+            </a:r>
+            <a:r>
+              <a:rPr lang="en-US" dirty="0"/>
+              <a:t>) {  </a:t>
+            </a:r>
+          </a:p>
+          <a:p>
+            <a:pPr marL="400050" lvl="1" indent="0">
+              <a:buFont typeface="Wingdings 2" panose="05020102010507070707" pitchFamily="18" charset="2"/>
+              <a:buNone/>
+            </a:pPr>
+            <a:r>
+              <a:rPr lang="en-US" dirty="0"/>
+              <a:t>    //Declaring a variable for switch expression  </a:t>
+            </a:r>
+          </a:p>
+          <a:p>
+            <a:pPr marL="400050" lvl="1" indent="0">
+              <a:buFont typeface="Wingdings 2" panose="05020102010507070707" pitchFamily="18" charset="2"/>
+              <a:buNone/>
+            </a:pPr>
+            <a:r>
+              <a:rPr lang="en-US" dirty="0"/>
+              <a:t>    int number=20;  </a:t>
+            </a:r>
+          </a:p>
+          <a:p>
+            <a:pPr marL="400050" lvl="1" indent="0">
+              <a:buFont typeface="Wingdings 2" panose="05020102010507070707" pitchFamily="18" charset="2"/>
+              <a:buNone/>
+            </a:pPr>
+            <a:r>
+              <a:rPr lang="en-US" dirty="0"/>
+              <a:t>    //Switch expression  </a:t>
+            </a:r>
+          </a:p>
+          <a:p>
+            <a:pPr marL="400050" lvl="1" indent="0">
+              <a:buFont typeface="Wingdings 2" panose="05020102010507070707" pitchFamily="18" charset="2"/>
+              <a:buNone/>
+            </a:pPr>
+            <a:r>
+              <a:rPr lang="en-US" dirty="0"/>
+              <a:t>    switch(number){  </a:t>
+            </a:r>
+          </a:p>
+          <a:p>
+            <a:pPr marL="400050" lvl="1" indent="0">
+              <a:buFont typeface="Wingdings 2" panose="05020102010507070707" pitchFamily="18" charset="2"/>
+              <a:buNone/>
+            </a:pPr>
+            <a:r>
+              <a:rPr lang="en-US" dirty="0"/>
+              <a:t>    //Case statements  </a:t>
+            </a:r>
+          </a:p>
+          <a:p>
+            <a:pPr marL="400050" lvl="1" indent="0">
+              <a:buFont typeface="Wingdings 2" panose="05020102010507070707" pitchFamily="18" charset="2"/>
+              <a:buNone/>
+            </a:pPr>
+            <a:r>
+              <a:rPr lang="en-US" dirty="0"/>
+              <a:t>    case 10: </a:t>
+            </a:r>
+            <a:r>
+              <a:rPr lang="en-US" dirty="0" err="1"/>
+              <a:t>System.out.println</a:t>
+            </a:r>
+            <a:r>
+              <a:rPr lang="en-US" dirty="0"/>
+              <a:t>("10");  </a:t>
+            </a:r>
+          </a:p>
+          <a:p>
+            <a:pPr marL="400050" lvl="1" indent="0">
+              <a:buFont typeface="Wingdings 2" panose="05020102010507070707" pitchFamily="18" charset="2"/>
+              <a:buNone/>
+            </a:pPr>
+            <a:r>
+              <a:rPr lang="en-US" dirty="0"/>
+              <a:t>    break;  </a:t>
+            </a:r>
+          </a:p>
+          <a:p>
+            <a:pPr marL="400050" lvl="1" indent="0">
+              <a:buFont typeface="Wingdings 2" panose="05020102010507070707" pitchFamily="18" charset="2"/>
+              <a:buNone/>
+            </a:pPr>
+            <a:r>
+              <a:rPr lang="en-US" dirty="0"/>
+              <a:t>    case 20: </a:t>
+            </a:r>
+            <a:r>
+              <a:rPr lang="en-US" dirty="0" err="1"/>
+              <a:t>System.out.println</a:t>
+            </a:r>
+            <a:r>
+              <a:rPr lang="en-US" dirty="0"/>
+              <a:t>("20");  </a:t>
+            </a:r>
+          </a:p>
+          <a:p>
+            <a:pPr marL="400050" lvl="1" indent="0">
+              <a:buFont typeface="Wingdings 2" panose="05020102010507070707" pitchFamily="18" charset="2"/>
+              <a:buNone/>
+            </a:pPr>
+            <a:r>
+              <a:rPr lang="en-US" dirty="0"/>
+              <a:t>    break;  </a:t>
+            </a:r>
+          </a:p>
+          <a:p>
+            <a:pPr marL="400050" lvl="1" indent="0">
+              <a:buFont typeface="Wingdings 2" panose="05020102010507070707" pitchFamily="18" charset="2"/>
+              <a:buNone/>
+            </a:pPr>
+            <a:r>
+              <a:rPr lang="en-US" dirty="0"/>
+              <a:t>    case 30: </a:t>
+            </a:r>
+            <a:r>
+              <a:rPr lang="en-US" dirty="0" err="1"/>
+              <a:t>System.out.println</a:t>
+            </a:r>
+            <a:r>
+              <a:rPr lang="en-US" dirty="0"/>
+              <a:t>("30");  </a:t>
+            </a:r>
+          </a:p>
+          <a:p>
+            <a:pPr marL="400050" lvl="1" indent="0">
+              <a:buFont typeface="Wingdings 2" panose="05020102010507070707" pitchFamily="18" charset="2"/>
+              <a:buNone/>
+            </a:pPr>
+            <a:r>
+              <a:rPr lang="en-US" dirty="0"/>
+              <a:t>    break;  </a:t>
+            </a:r>
+          </a:p>
+          <a:p>
+            <a:pPr marL="400050" lvl="1" indent="0">
+              <a:buFont typeface="Wingdings 2" panose="05020102010507070707" pitchFamily="18" charset="2"/>
+              <a:buNone/>
+            </a:pPr>
+            <a:r>
+              <a:rPr lang="en-US" dirty="0"/>
+              <a:t>    //Default case statement  </a:t>
+            </a:r>
+          </a:p>
+          <a:p>
+            <a:pPr marL="400050" lvl="1" indent="0">
+              <a:buFont typeface="Wingdings 2" panose="05020102010507070707" pitchFamily="18" charset="2"/>
+              <a:buNone/>
+            </a:pPr>
+            <a:r>
+              <a:rPr lang="en-US" dirty="0"/>
+              <a:t>    </a:t>
+            </a:r>
+            <a:r>
+              <a:rPr lang="en-US" dirty="0" err="1"/>
+              <a:t>default:System.out.println</a:t>
+            </a:r>
+            <a:r>
+              <a:rPr lang="en-US" dirty="0"/>
+              <a:t>("Not in 10, 20 or 30");  </a:t>
+            </a:r>
+          </a:p>
+          <a:p>
+            <a:pPr marL="400050" lvl="1" indent="0">
+              <a:buFont typeface="Wingdings 2" panose="05020102010507070707" pitchFamily="18" charset="2"/>
+              <a:buNone/>
+            </a:pPr>
+            <a:r>
+              <a:rPr lang="en-US" dirty="0"/>
+              <a:t>    }  </a:t>
+            </a:r>
+          </a:p>
+          <a:p>
+            <a:pPr marL="400050" lvl="1" indent="0">
+              <a:buFont typeface="Wingdings 2" panose="05020102010507070707" pitchFamily="18" charset="2"/>
+              <a:buNone/>
+            </a:pPr>
+            <a:r>
+              <a:rPr lang="en-US" dirty="0"/>
+              <a:t>}  }</a:t>
+            </a:r>
+          </a:p>
+        </p:txBody>
+      </p:sp>
+    </p:spTree>
+    <p:extLst>
+      <p:ext uri="{BB962C8B-B14F-4D97-AF65-F5344CB8AC3E}">
+        <p14:creationId xmlns:p14="http://schemas.microsoft.com/office/powerpoint/2010/main" val="3222852887"/>
+      </p:ext>
+    </p:extLst>
+  </p:cSld>
+  <p:clrMapOvr>
+    <a:masterClrMapping/>
+  </p:clrMapOvr>
+</p:sld>
+</file>
+
+<file path=ppt/slides/slide41.xml><?xml version="1.0" encoding="utf-8"?>
+<p:sld xmlns:a="http://schemas.openxmlformats.org/drawingml/2006/main" xmlns:r="http://schemas.openxmlformats.org/officeDocument/2006/relationships" xmlns:p="http://schemas.openxmlformats.org/presentationml/2006/main">
+  <p:cSld>
+    <p:spTree>
+      <p:nvGrpSpPr>
+        <p:cNvPr id="1" name=""/>
+        <p:cNvGrpSpPr/>
+        <p:nvPr/>
+      </p:nvGrpSpPr>
+      <p:grpSpPr>
+        <a:xfrm>
+          <a:off x="0" y="0"/>
+          <a:ext cx="0" cy="0"/>
+          <a:chOff x="0" y="0"/>
+          <a:chExt cx="0" cy="0"/>
+        </a:xfrm>
+      </p:grpSpPr>
+      <p:sp>
+        <p:nvSpPr>
+          <p:cNvPr id="2" name="Content Placeholder 2">
+            <a:extLst>
+              <a:ext uri="{FF2B5EF4-FFF2-40B4-BE49-F238E27FC236}">
+                <a16:creationId xmlns:a16="http://schemas.microsoft.com/office/drawing/2014/main" id="{0D1504ED-99F8-3F99-6B28-0E2C3EB1034B}"/>
+              </a:ext>
+            </a:extLst>
+          </p:cNvPr>
+          <p:cNvSpPr txBox="1">
+            <a:spLocks/>
+          </p:cNvSpPr>
+          <p:nvPr/>
+        </p:nvSpPr>
+        <p:spPr>
+          <a:xfrm>
+            <a:off x="128588" y="631767"/>
+            <a:ext cx="9921265" cy="6026207"/>
+          </a:xfrm>
+          <a:prstGeom prst="rect">
+            <a:avLst/>
+          </a:prstGeom>
+        </p:spPr>
+        <p:txBody>
+          <a:bodyPr>
+            <a:normAutofit/>
+          </a:bodyPr>
+          <a:lstStyle>
+            <a:lvl1pPr marL="306000" indent="-306000" algn="l" defTabSz="457200" rtl="0" eaLnBrk="1" latinLnBrk="0" hangingPunct="1">
+              <a:spcBef>
+                <a:spcPct val="20000"/>
+              </a:spcBef>
+              <a:spcAft>
+                <a:spcPts val="600"/>
+              </a:spcAft>
+              <a:buClr>
+                <a:schemeClr val="accent2"/>
+              </a:buClr>
+              <a:buSzPct val="92000"/>
+              <a:buFont typeface="Wingdings 2" panose="05020102010507070707" pitchFamily="18" charset="2"/>
+              <a:buChar char=""/>
+              <a:defRPr sz="1800" kern="1200">
+                <a:solidFill>
+                  <a:schemeClr val="tx2"/>
+                </a:solidFill>
+                <a:latin typeface="+mn-lt"/>
+                <a:ea typeface="+mn-ea"/>
+                <a:cs typeface="+mn-cs"/>
+              </a:defRPr>
+            </a:lvl1pPr>
+            <a:lvl2pPr marL="630000" indent="-306000" algn="l" defTabSz="457200" rtl="0" eaLnBrk="1" latinLnBrk="0" hangingPunct="1">
+              <a:spcBef>
+                <a:spcPct val="20000"/>
+              </a:spcBef>
+              <a:spcAft>
+                <a:spcPts val="600"/>
+              </a:spcAft>
+              <a:buClr>
+                <a:schemeClr val="accent2"/>
+              </a:buClr>
+              <a:buSzPct val="92000"/>
+              <a:buFont typeface="Wingdings 2" panose="05020102010507070707" pitchFamily="18" charset="2"/>
+              <a:buChar char=""/>
+              <a:defRPr sz="1600" kern="1200">
+                <a:solidFill>
+                  <a:schemeClr val="tx2"/>
+                </a:solidFill>
+                <a:latin typeface="+mn-lt"/>
+                <a:ea typeface="+mn-ea"/>
+                <a:cs typeface="+mn-cs"/>
+              </a:defRPr>
+            </a:lvl2pPr>
+            <a:lvl3pPr marL="900000" indent="-270000" algn="l" defTabSz="457200" rtl="0" eaLnBrk="1" latinLnBrk="0" hangingPunct="1">
+              <a:spcBef>
+                <a:spcPct val="20000"/>
+              </a:spcBef>
+              <a:spcAft>
+                <a:spcPts val="600"/>
+              </a:spcAft>
+              <a:buClr>
+                <a:schemeClr val="accent2"/>
+              </a:buClr>
+              <a:buSzPct val="92000"/>
+              <a:buFont typeface="Wingdings 2" panose="05020102010507070707" pitchFamily="18" charset="2"/>
+              <a:buChar char=""/>
+              <a:defRPr sz="1400" kern="1200">
+                <a:solidFill>
+                  <a:schemeClr val="tx2"/>
+                </a:solidFill>
+                <a:latin typeface="+mn-lt"/>
+                <a:ea typeface="+mn-ea"/>
+                <a:cs typeface="+mn-cs"/>
+              </a:defRPr>
+            </a:lvl3pPr>
+            <a:lvl4pPr marL="1242000" indent="-234000" algn="l" defTabSz="457200" rtl="0" eaLnBrk="1" latinLnBrk="0" hangingPunct="1">
+              <a:spcBef>
+                <a:spcPct val="20000"/>
+              </a:spcBef>
+              <a:spcAft>
+                <a:spcPts val="600"/>
+              </a:spcAft>
+              <a:buClr>
+                <a:schemeClr val="accent2"/>
+              </a:buClr>
+              <a:buSzPct val="92000"/>
+              <a:buFont typeface="Wingdings 2" panose="05020102010507070707" pitchFamily="18" charset="2"/>
+              <a:buChar char=""/>
+              <a:defRPr sz="1200" kern="1200">
+                <a:solidFill>
+                  <a:schemeClr val="tx2"/>
+                </a:solidFill>
+                <a:latin typeface="+mn-lt"/>
+                <a:ea typeface="+mn-ea"/>
+                <a:cs typeface="+mn-cs"/>
+              </a:defRPr>
+            </a:lvl4pPr>
+            <a:lvl5pPr marL="1602000" indent="-234000" algn="l" defTabSz="457200" rtl="0" eaLnBrk="1" latinLnBrk="0" hangingPunct="1">
+              <a:spcBef>
+                <a:spcPct val="20000"/>
+              </a:spcBef>
+              <a:spcAft>
+                <a:spcPts val="600"/>
+              </a:spcAft>
+              <a:buClr>
+                <a:schemeClr val="accent2"/>
+              </a:buClr>
+              <a:buSzPct val="92000"/>
+              <a:buFont typeface="Wingdings 2" panose="05020102010507070707" pitchFamily="18" charset="2"/>
+              <a:buChar char=""/>
+              <a:defRPr sz="1200" kern="1200">
+                <a:solidFill>
+                  <a:schemeClr val="tx2"/>
+                </a:solidFill>
+                <a:latin typeface="+mn-lt"/>
+                <a:ea typeface="+mn-ea"/>
+                <a:cs typeface="+mn-cs"/>
+              </a:defRPr>
+            </a:lvl5pPr>
+            <a:lvl6pPr marL="1900000" indent="-228600" algn="l" defTabSz="457200" rtl="0" eaLnBrk="1" latinLnBrk="0" hangingPunct="1">
+              <a:spcBef>
+                <a:spcPct val="20000"/>
+              </a:spcBef>
+              <a:spcAft>
+                <a:spcPts val="600"/>
+              </a:spcAft>
+              <a:buClr>
+                <a:schemeClr val="accent2"/>
+              </a:buClr>
+              <a:buSzPct val="92000"/>
+              <a:buFont typeface="Wingdings 2" panose="05020102010507070707" pitchFamily="18" charset="2"/>
+              <a:buChar char=""/>
+              <a:defRPr sz="1200" kern="1200">
+                <a:solidFill>
+                  <a:schemeClr val="tx2"/>
+                </a:solidFill>
+                <a:latin typeface="+mn-lt"/>
+                <a:ea typeface="+mn-ea"/>
+                <a:cs typeface="+mn-cs"/>
+              </a:defRPr>
+            </a:lvl6pPr>
+            <a:lvl7pPr marL="2200000" indent="-228600" algn="l" defTabSz="457200" rtl="0" eaLnBrk="1" latinLnBrk="0" hangingPunct="1">
+              <a:spcBef>
+                <a:spcPct val="20000"/>
+              </a:spcBef>
+              <a:spcAft>
+                <a:spcPts val="600"/>
+              </a:spcAft>
+              <a:buClr>
+                <a:schemeClr val="accent2"/>
+              </a:buClr>
+              <a:buSzPct val="92000"/>
+              <a:buFont typeface="Wingdings 2" panose="05020102010507070707" pitchFamily="18" charset="2"/>
+              <a:buChar char=""/>
+              <a:defRPr sz="1200" kern="1200">
+                <a:solidFill>
+                  <a:schemeClr val="tx2"/>
+                </a:solidFill>
+                <a:latin typeface="+mn-lt"/>
+                <a:ea typeface="+mn-ea"/>
+                <a:cs typeface="+mn-cs"/>
+              </a:defRPr>
+            </a:lvl7pPr>
+            <a:lvl8pPr marL="2500000" indent="-228600" algn="l" defTabSz="457200" rtl="0" eaLnBrk="1" latinLnBrk="0" hangingPunct="1">
+              <a:spcBef>
+                <a:spcPct val="20000"/>
+              </a:spcBef>
+              <a:spcAft>
+                <a:spcPts val="600"/>
+              </a:spcAft>
+              <a:buClr>
+                <a:schemeClr val="accent2"/>
+              </a:buClr>
+              <a:buSzPct val="92000"/>
+              <a:buFont typeface="Wingdings 2" panose="05020102010507070707" pitchFamily="18" charset="2"/>
+              <a:buChar char=""/>
+              <a:defRPr sz="1200" kern="1200">
+                <a:solidFill>
+                  <a:schemeClr val="tx2"/>
+                </a:solidFill>
+                <a:latin typeface="+mn-lt"/>
+                <a:ea typeface="+mn-ea"/>
+                <a:cs typeface="+mn-cs"/>
+              </a:defRPr>
+            </a:lvl8pPr>
+            <a:lvl9pPr marL="2800000" indent="-228600" algn="l" defTabSz="457200" rtl="0" eaLnBrk="1" latinLnBrk="0" hangingPunct="1">
+              <a:spcBef>
+                <a:spcPct val="20000"/>
+              </a:spcBef>
+              <a:spcAft>
+                <a:spcPts val="600"/>
+              </a:spcAft>
+              <a:buClr>
+                <a:schemeClr val="accent2"/>
+              </a:buClr>
+              <a:buSzPct val="92000"/>
+              <a:buFont typeface="Wingdings 2" panose="05020102010507070707" pitchFamily="18" charset="2"/>
+              <a:buChar char=""/>
+              <a:defRPr sz="1200" kern="1200">
+                <a:solidFill>
+                  <a:schemeClr val="tx2"/>
+                </a:solidFill>
+                <a:latin typeface="+mn-lt"/>
+                <a:ea typeface="+mn-ea"/>
+                <a:cs typeface="+mn-cs"/>
+              </a:defRPr>
+            </a:lvl9pPr>
+          </a:lstStyle>
+          <a:p>
+            <a:r>
+              <a:rPr lang="en-US" dirty="0"/>
+              <a:t>Java Switch Statement is fall-through</a:t>
+            </a:r>
+          </a:p>
+          <a:p>
+            <a:r>
+              <a:rPr lang="en-US" dirty="0"/>
+              <a:t>The Java switch statement is fall-through. It means it executes all statements after the first match if a break statement is not present.</a:t>
+            </a:r>
+          </a:p>
+          <a:p>
+            <a:endParaRPr lang="en-US" dirty="0"/>
+          </a:p>
+          <a:p>
+            <a:pPr marL="400050" lvl="1" indent="0">
+              <a:buFont typeface="Wingdings 2" panose="05020102010507070707" pitchFamily="18" charset="2"/>
+              <a:buNone/>
+            </a:pPr>
+            <a:r>
+              <a:rPr lang="en-US" b="1" dirty="0"/>
+              <a:t>public class SwitchExample2 {  </a:t>
+            </a:r>
+          </a:p>
+          <a:p>
+            <a:pPr marL="400050" lvl="1" indent="0">
+              <a:buFont typeface="Wingdings 2" panose="05020102010507070707" pitchFamily="18" charset="2"/>
+              <a:buNone/>
+            </a:pPr>
+            <a:r>
+              <a:rPr lang="en-US" b="1" dirty="0"/>
+              <a:t>public static void main(String[] </a:t>
+            </a:r>
+            <a:r>
+              <a:rPr lang="en-US" b="1" dirty="0" err="1"/>
+              <a:t>args</a:t>
+            </a:r>
+            <a:r>
+              <a:rPr lang="en-US" b="1" dirty="0"/>
+              <a:t>) {  </a:t>
+            </a:r>
+          </a:p>
+          <a:p>
+            <a:pPr marL="400050" lvl="1" indent="0">
+              <a:buFont typeface="Wingdings 2" panose="05020102010507070707" pitchFamily="18" charset="2"/>
+              <a:buNone/>
+            </a:pPr>
+            <a:r>
+              <a:rPr lang="en-US" b="1" dirty="0"/>
+              <a:t>    int number=20;  </a:t>
+            </a:r>
+          </a:p>
+          <a:p>
+            <a:pPr marL="400050" lvl="1" indent="0">
+              <a:buFont typeface="Wingdings 2" panose="05020102010507070707" pitchFamily="18" charset="2"/>
+              <a:buNone/>
+            </a:pPr>
+            <a:r>
+              <a:rPr lang="en-US" b="1" dirty="0"/>
+              <a:t>    //switch expression with int value  </a:t>
+            </a:r>
+          </a:p>
+          <a:p>
+            <a:pPr marL="400050" lvl="1" indent="0">
+              <a:buFont typeface="Wingdings 2" panose="05020102010507070707" pitchFamily="18" charset="2"/>
+              <a:buNone/>
+            </a:pPr>
+            <a:r>
+              <a:rPr lang="en-US" b="1" dirty="0"/>
+              <a:t>    switch(number){  </a:t>
+            </a:r>
+          </a:p>
+          <a:p>
+            <a:pPr marL="400050" lvl="1" indent="0">
+              <a:buFont typeface="Wingdings 2" panose="05020102010507070707" pitchFamily="18" charset="2"/>
+              <a:buNone/>
+            </a:pPr>
+            <a:r>
+              <a:rPr lang="en-US" b="1" dirty="0"/>
+              <a:t>    //switch cases without break statements  </a:t>
+            </a:r>
+          </a:p>
+          <a:p>
+            <a:pPr marL="400050" lvl="1" indent="0">
+              <a:buFont typeface="Wingdings 2" panose="05020102010507070707" pitchFamily="18" charset="2"/>
+              <a:buNone/>
+            </a:pPr>
+            <a:r>
+              <a:rPr lang="en-US" b="1" dirty="0"/>
+              <a:t>    case 10: </a:t>
+            </a:r>
+            <a:r>
+              <a:rPr lang="en-US" b="1" dirty="0" err="1"/>
+              <a:t>System.out.println</a:t>
+            </a:r>
+            <a:r>
+              <a:rPr lang="en-US" b="1" dirty="0"/>
+              <a:t>("10");  </a:t>
+            </a:r>
+          </a:p>
+          <a:p>
+            <a:pPr marL="400050" lvl="1" indent="0">
+              <a:buFont typeface="Wingdings 2" panose="05020102010507070707" pitchFamily="18" charset="2"/>
+              <a:buNone/>
+            </a:pPr>
+            <a:r>
+              <a:rPr lang="en-US" b="1" dirty="0"/>
+              <a:t>    case 20: </a:t>
+            </a:r>
+            <a:r>
+              <a:rPr lang="en-US" b="1" dirty="0" err="1"/>
+              <a:t>System.out.println</a:t>
+            </a:r>
+            <a:r>
+              <a:rPr lang="en-US" b="1" dirty="0"/>
+              <a:t>("20");  </a:t>
+            </a:r>
+          </a:p>
+          <a:p>
+            <a:pPr marL="400050" lvl="1" indent="0">
+              <a:buFont typeface="Wingdings 2" panose="05020102010507070707" pitchFamily="18" charset="2"/>
+              <a:buNone/>
+            </a:pPr>
+            <a:r>
+              <a:rPr lang="en-US" b="1" dirty="0"/>
+              <a:t>    case 30: </a:t>
+            </a:r>
+            <a:r>
+              <a:rPr lang="en-US" b="1" dirty="0" err="1"/>
+              <a:t>System.out.println</a:t>
+            </a:r>
+            <a:r>
+              <a:rPr lang="en-US" b="1" dirty="0"/>
+              <a:t>("30");  </a:t>
+            </a:r>
+          </a:p>
+          <a:p>
+            <a:pPr marL="400050" lvl="1" indent="0">
+              <a:buFont typeface="Wingdings 2" panose="05020102010507070707" pitchFamily="18" charset="2"/>
+              <a:buNone/>
+            </a:pPr>
+            <a:r>
+              <a:rPr lang="en-US" b="1" dirty="0"/>
+              <a:t>    </a:t>
+            </a:r>
+            <a:r>
+              <a:rPr lang="en-US" b="1" dirty="0" err="1"/>
+              <a:t>default:System.out.println</a:t>
+            </a:r>
+            <a:r>
+              <a:rPr lang="en-US" b="1" dirty="0"/>
+              <a:t>("Not in 10, 20 or 30");  </a:t>
+            </a:r>
+          </a:p>
+          <a:p>
+            <a:pPr marL="400050" lvl="1" indent="0">
+              <a:buFont typeface="Wingdings 2" panose="05020102010507070707" pitchFamily="18" charset="2"/>
+              <a:buNone/>
+            </a:pPr>
+            <a:r>
+              <a:rPr lang="en-US" b="1" dirty="0"/>
+              <a:t>    }  </a:t>
+            </a:r>
+          </a:p>
+          <a:p>
+            <a:pPr marL="400050" lvl="1" indent="0">
+              <a:buFont typeface="Wingdings 2" panose="05020102010507070707" pitchFamily="18" charset="2"/>
+              <a:buNone/>
+            </a:pPr>
+            <a:r>
+              <a:rPr lang="en-US" b="1" dirty="0"/>
+              <a:t>}  }</a:t>
+            </a:r>
+            <a:r>
+              <a:rPr lang="en-US" dirty="0"/>
+              <a:t>  </a:t>
+            </a:r>
+          </a:p>
+          <a:p>
+            <a:endParaRPr lang="en-US" dirty="0"/>
+          </a:p>
+        </p:txBody>
+      </p:sp>
+    </p:spTree>
+    <p:extLst>
+      <p:ext uri="{BB962C8B-B14F-4D97-AF65-F5344CB8AC3E}">
+        <p14:creationId xmlns:p14="http://schemas.microsoft.com/office/powerpoint/2010/main" val="3714194619"/>
+      </p:ext>
+    </p:extLst>
+  </p:cSld>
+  <p:clrMapOvr>
+    <a:masterClrMapping/>
+  </p:clrMapOvr>
+</p:sld>
+</file>
+
+<file path=ppt/slides/slide42.xml><?xml version="1.0" encoding="utf-8"?>
+<p:sld xmlns:a="http://schemas.openxmlformats.org/drawingml/2006/main" xmlns:r="http://schemas.openxmlformats.org/officeDocument/2006/relationships" xmlns:p="http://schemas.openxmlformats.org/presentationml/2006/main">
+  <p:cSld>
+    <p:spTree>
+      <p:nvGrpSpPr>
+        <p:cNvPr id="1" name=""/>
+        <p:cNvGrpSpPr/>
+        <p:nvPr/>
+      </p:nvGrpSpPr>
+      <p:grpSpPr>
+        <a:xfrm>
+          <a:off x="0" y="0"/>
+          <a:ext cx="0" cy="0"/>
+          <a:chOff x="0" y="0"/>
+          <a:chExt cx="0" cy="0"/>
+        </a:xfrm>
+      </p:grpSpPr>
+      <p:sp>
+        <p:nvSpPr>
           <p:cNvPr id="2" name="Title 1">
             <a:extLst>
               <a:ext uri="{FF2B5EF4-FFF2-40B4-BE49-F238E27FC236}">
@@ -18605,7 +18870,7 @@
 </p:sld>
 </file>
 
-<file path=ppt/slides/slide41.xml><?xml version="1.0" encoding="utf-8"?>
+<file path=ppt/slides/slide43.xml><?xml version="1.0" encoding="utf-8"?>
 <p:sld xmlns:a="http://schemas.openxmlformats.org/drawingml/2006/main" xmlns:r="http://schemas.openxmlformats.org/officeDocument/2006/relationships" xmlns:p="http://schemas.openxmlformats.org/presentationml/2006/main">
   <p:cSld>
     <p:spTree>
@@ -19025,7 +19290,7 @@
 </p:sld>
 </file>
 
-<file path=ppt/slides/slide42.xml><?xml version="1.0" encoding="utf-8"?>
+<file path=ppt/slides/slide44.xml><?xml version="1.0" encoding="utf-8"?>
 <p:sld xmlns:a="http://schemas.openxmlformats.org/drawingml/2006/main" xmlns:r="http://schemas.openxmlformats.org/officeDocument/2006/relationships" xmlns:p="http://schemas.openxmlformats.org/presentationml/2006/main">
   <p:cSld>
     <p:spTree>
@@ -19406,7 +19671,7 @@
 </p:sld>
 </file>
 
-<file path=ppt/slides/slide43.xml><?xml version="1.0" encoding="utf-8"?>
+<file path=ppt/slides/slide45.xml><?xml version="1.0" encoding="utf-8"?>
 <p:sld xmlns:a="http://schemas.openxmlformats.org/drawingml/2006/main" xmlns:r="http://schemas.openxmlformats.org/officeDocument/2006/relationships" xmlns:p="http://schemas.openxmlformats.org/presentationml/2006/main">
   <p:cSld>
     <p:spTree>
@@ -19819,7 +20084,7 @@
 </p:sld>
 </file>
 
-<file path=ppt/slides/slide44.xml><?xml version="1.0" encoding="utf-8"?>
+<file path=ppt/slides/slide46.xml><?xml version="1.0" encoding="utf-8"?>
 <p:sld xmlns:a="http://schemas.openxmlformats.org/drawingml/2006/main" xmlns:r="http://schemas.openxmlformats.org/officeDocument/2006/relationships" xmlns:p="http://schemas.openxmlformats.org/presentationml/2006/main">
   <p:cSld>
     <p:spTree>
@@ -20188,7 +20453,7 @@
 </p:sld>
 </file>
 
-<file path=ppt/slides/slide45.xml><?xml version="1.0" encoding="utf-8"?>
+<file path=ppt/slides/slide47.xml><?xml version="1.0" encoding="utf-8"?>
 <p:sld xmlns:a="http://schemas.openxmlformats.org/drawingml/2006/main" xmlns:r="http://schemas.openxmlformats.org/officeDocument/2006/relationships" xmlns:p="http://schemas.openxmlformats.org/presentationml/2006/main">
   <p:cSld>
     <p:spTree>
@@ -20600,7 +20865,7 @@
 </p:sld>
 </file>
 
-<file path=ppt/slides/slide46.xml><?xml version="1.0" encoding="utf-8"?>
+<file path=ppt/slides/slide48.xml><?xml version="1.0" encoding="utf-8"?>
 <p:sld xmlns:a="http://schemas.openxmlformats.org/drawingml/2006/main" xmlns:r="http://schemas.openxmlformats.org/officeDocument/2006/relationships" xmlns:p="http://schemas.openxmlformats.org/presentationml/2006/main">
   <p:cSld>
     <p:spTree>
@@ -20930,7 +21195,7 @@
 </p:sld>
 </file>
 
-<file path=ppt/slides/slide47.xml><?xml version="1.0" encoding="utf-8"?>
+<file path=ppt/slides/slide49.xml><?xml version="1.0" encoding="utf-8"?>
 <p:sld xmlns:a="http://schemas.openxmlformats.org/drawingml/2006/main" xmlns:r="http://schemas.openxmlformats.org/officeDocument/2006/relationships" xmlns:p="http://schemas.openxmlformats.org/presentationml/2006/main">
   <p:cSld>
     <p:spTree>
@@ -21301,980 +21566,6 @@
     <p:extLst>
       <p:ext uri="{BB962C8B-B14F-4D97-AF65-F5344CB8AC3E}">
         <p14:creationId xmlns:p14="http://schemas.microsoft.com/office/powerpoint/2010/main" val="2016118812"/>
-      </p:ext>
-    </p:extLst>
-  </p:cSld>
-  <p:clrMapOvr>
-    <a:masterClrMapping/>
-  </p:clrMapOvr>
-</p:sld>
-</file>
-
-<file path=ppt/slides/slide48.xml><?xml version="1.0" encoding="utf-8"?>
-<p:sld xmlns:a="http://schemas.openxmlformats.org/drawingml/2006/main" xmlns:r="http://schemas.openxmlformats.org/officeDocument/2006/relationships" xmlns:p="http://schemas.openxmlformats.org/presentationml/2006/main">
-  <p:cSld>
-    <p:spTree>
-      <p:nvGrpSpPr>
-        <p:cNvPr id="1" name=""/>
-        <p:cNvGrpSpPr/>
-        <p:nvPr/>
-      </p:nvGrpSpPr>
-      <p:grpSpPr>
-        <a:xfrm>
-          <a:off x="0" y="0"/>
-          <a:ext cx="0" cy="0"/>
-          <a:chOff x="0" y="0"/>
-          <a:chExt cx="0" cy="0"/>
-        </a:xfrm>
-      </p:grpSpPr>
-      <p:sp>
-        <p:nvSpPr>
-          <p:cNvPr id="2" name="Content Placeholder 2">
-            <a:extLst>
-              <a:ext uri="{FF2B5EF4-FFF2-40B4-BE49-F238E27FC236}">
-                <a16:creationId xmlns:a16="http://schemas.microsoft.com/office/drawing/2014/main" id="{353B57FE-4C63-68F7-4D4D-CCE4521FC7D1}"/>
-              </a:ext>
-            </a:extLst>
-          </p:cNvPr>
-          <p:cNvSpPr txBox="1">
-            <a:spLocks/>
-          </p:cNvSpPr>
-          <p:nvPr/>
-        </p:nvSpPr>
-        <p:spPr>
-          <a:xfrm>
-            <a:off x="438150" y="764771"/>
-            <a:ext cx="11315700" cy="6093229"/>
-          </a:xfrm>
-          <a:prstGeom prst="rect">
-            <a:avLst/>
-          </a:prstGeom>
-        </p:spPr>
-        <p:txBody>
-          <a:bodyPr>
-            <a:normAutofit fontScale="92500" lnSpcReduction="20000"/>
-          </a:bodyPr>
-          <a:lstStyle>
-            <a:lvl1pPr marL="306000" indent="-306000" algn="l" defTabSz="457200" rtl="0" eaLnBrk="1" latinLnBrk="0" hangingPunct="1">
-              <a:spcBef>
-                <a:spcPct val="20000"/>
-              </a:spcBef>
-              <a:spcAft>
-                <a:spcPts val="600"/>
-              </a:spcAft>
-              <a:buClr>
-                <a:schemeClr val="accent2"/>
-              </a:buClr>
-              <a:buSzPct val="92000"/>
-              <a:buFont typeface="Wingdings 2" panose="05020102010507070707" pitchFamily="18" charset="2"/>
-              <a:buChar char=""/>
-              <a:defRPr sz="1800" kern="1200">
-                <a:solidFill>
-                  <a:schemeClr val="tx2"/>
-                </a:solidFill>
-                <a:latin typeface="+mn-lt"/>
-                <a:ea typeface="+mn-ea"/>
-                <a:cs typeface="+mn-cs"/>
-              </a:defRPr>
-            </a:lvl1pPr>
-            <a:lvl2pPr marL="630000" indent="-306000" algn="l" defTabSz="457200" rtl="0" eaLnBrk="1" latinLnBrk="0" hangingPunct="1">
-              <a:spcBef>
-                <a:spcPct val="20000"/>
-              </a:spcBef>
-              <a:spcAft>
-                <a:spcPts val="600"/>
-              </a:spcAft>
-              <a:buClr>
-                <a:schemeClr val="accent2"/>
-              </a:buClr>
-              <a:buSzPct val="92000"/>
-              <a:buFont typeface="Wingdings 2" panose="05020102010507070707" pitchFamily="18" charset="2"/>
-              <a:buChar char=""/>
-              <a:defRPr sz="1600" kern="1200">
-                <a:solidFill>
-                  <a:schemeClr val="tx2"/>
-                </a:solidFill>
-                <a:latin typeface="+mn-lt"/>
-                <a:ea typeface="+mn-ea"/>
-                <a:cs typeface="+mn-cs"/>
-              </a:defRPr>
-            </a:lvl2pPr>
-            <a:lvl3pPr marL="900000" indent="-270000" algn="l" defTabSz="457200" rtl="0" eaLnBrk="1" latinLnBrk="0" hangingPunct="1">
-              <a:spcBef>
-                <a:spcPct val="20000"/>
-              </a:spcBef>
-              <a:spcAft>
-                <a:spcPts val="600"/>
-              </a:spcAft>
-              <a:buClr>
-                <a:schemeClr val="accent2"/>
-              </a:buClr>
-              <a:buSzPct val="92000"/>
-              <a:buFont typeface="Wingdings 2" panose="05020102010507070707" pitchFamily="18" charset="2"/>
-              <a:buChar char=""/>
-              <a:defRPr sz="1400" kern="1200">
-                <a:solidFill>
-                  <a:schemeClr val="tx2"/>
-                </a:solidFill>
-                <a:latin typeface="+mn-lt"/>
-                <a:ea typeface="+mn-ea"/>
-                <a:cs typeface="+mn-cs"/>
-              </a:defRPr>
-            </a:lvl3pPr>
-            <a:lvl4pPr marL="1242000" indent="-234000" algn="l" defTabSz="457200" rtl="0" eaLnBrk="1" latinLnBrk="0" hangingPunct="1">
-              <a:spcBef>
-                <a:spcPct val="20000"/>
-              </a:spcBef>
-              <a:spcAft>
-                <a:spcPts val="600"/>
-              </a:spcAft>
-              <a:buClr>
-                <a:schemeClr val="accent2"/>
-              </a:buClr>
-              <a:buSzPct val="92000"/>
-              <a:buFont typeface="Wingdings 2" panose="05020102010507070707" pitchFamily="18" charset="2"/>
-              <a:buChar char=""/>
-              <a:defRPr sz="1200" kern="1200">
-                <a:solidFill>
-                  <a:schemeClr val="tx2"/>
-                </a:solidFill>
-                <a:latin typeface="+mn-lt"/>
-                <a:ea typeface="+mn-ea"/>
-                <a:cs typeface="+mn-cs"/>
-              </a:defRPr>
-            </a:lvl4pPr>
-            <a:lvl5pPr marL="1602000" indent="-234000" algn="l" defTabSz="457200" rtl="0" eaLnBrk="1" latinLnBrk="0" hangingPunct="1">
-              <a:spcBef>
-                <a:spcPct val="20000"/>
-              </a:spcBef>
-              <a:spcAft>
-                <a:spcPts val="600"/>
-              </a:spcAft>
-              <a:buClr>
-                <a:schemeClr val="accent2"/>
-              </a:buClr>
-              <a:buSzPct val="92000"/>
-              <a:buFont typeface="Wingdings 2" panose="05020102010507070707" pitchFamily="18" charset="2"/>
-              <a:buChar char=""/>
-              <a:defRPr sz="1200" kern="1200">
-                <a:solidFill>
-                  <a:schemeClr val="tx2"/>
-                </a:solidFill>
-                <a:latin typeface="+mn-lt"/>
-                <a:ea typeface="+mn-ea"/>
-                <a:cs typeface="+mn-cs"/>
-              </a:defRPr>
-            </a:lvl5pPr>
-            <a:lvl6pPr marL="1900000" indent="-228600" algn="l" defTabSz="457200" rtl="0" eaLnBrk="1" latinLnBrk="0" hangingPunct="1">
-              <a:spcBef>
-                <a:spcPct val="20000"/>
-              </a:spcBef>
-              <a:spcAft>
-                <a:spcPts val="600"/>
-              </a:spcAft>
-              <a:buClr>
-                <a:schemeClr val="accent2"/>
-              </a:buClr>
-              <a:buSzPct val="92000"/>
-              <a:buFont typeface="Wingdings 2" panose="05020102010507070707" pitchFamily="18" charset="2"/>
-              <a:buChar char=""/>
-              <a:defRPr sz="1200" kern="1200">
-                <a:solidFill>
-                  <a:schemeClr val="tx2"/>
-                </a:solidFill>
-                <a:latin typeface="+mn-lt"/>
-                <a:ea typeface="+mn-ea"/>
-                <a:cs typeface="+mn-cs"/>
-              </a:defRPr>
-            </a:lvl6pPr>
-            <a:lvl7pPr marL="2200000" indent="-228600" algn="l" defTabSz="457200" rtl="0" eaLnBrk="1" latinLnBrk="0" hangingPunct="1">
-              <a:spcBef>
-                <a:spcPct val="20000"/>
-              </a:spcBef>
-              <a:spcAft>
-                <a:spcPts val="600"/>
-              </a:spcAft>
-              <a:buClr>
-                <a:schemeClr val="accent2"/>
-              </a:buClr>
-              <a:buSzPct val="92000"/>
-              <a:buFont typeface="Wingdings 2" panose="05020102010507070707" pitchFamily="18" charset="2"/>
-              <a:buChar char=""/>
-              <a:defRPr sz="1200" kern="1200">
-                <a:solidFill>
-                  <a:schemeClr val="tx2"/>
-                </a:solidFill>
-                <a:latin typeface="+mn-lt"/>
-                <a:ea typeface="+mn-ea"/>
-                <a:cs typeface="+mn-cs"/>
-              </a:defRPr>
-            </a:lvl7pPr>
-            <a:lvl8pPr marL="2500000" indent="-228600" algn="l" defTabSz="457200" rtl="0" eaLnBrk="1" latinLnBrk="0" hangingPunct="1">
-              <a:spcBef>
-                <a:spcPct val="20000"/>
-              </a:spcBef>
-              <a:spcAft>
-                <a:spcPts val="600"/>
-              </a:spcAft>
-              <a:buClr>
-                <a:schemeClr val="accent2"/>
-              </a:buClr>
-              <a:buSzPct val="92000"/>
-              <a:buFont typeface="Wingdings 2" panose="05020102010507070707" pitchFamily="18" charset="2"/>
-              <a:buChar char=""/>
-              <a:defRPr sz="1200" kern="1200">
-                <a:solidFill>
-                  <a:schemeClr val="tx2"/>
-                </a:solidFill>
-                <a:latin typeface="+mn-lt"/>
-                <a:ea typeface="+mn-ea"/>
-                <a:cs typeface="+mn-cs"/>
-              </a:defRPr>
-            </a:lvl8pPr>
-            <a:lvl9pPr marL="2800000" indent="-228600" algn="l" defTabSz="457200" rtl="0" eaLnBrk="1" latinLnBrk="0" hangingPunct="1">
-              <a:spcBef>
-                <a:spcPct val="20000"/>
-              </a:spcBef>
-              <a:spcAft>
-                <a:spcPts val="600"/>
-              </a:spcAft>
-              <a:buClr>
-                <a:schemeClr val="accent2"/>
-              </a:buClr>
-              <a:buSzPct val="92000"/>
-              <a:buFont typeface="Wingdings 2" panose="05020102010507070707" pitchFamily="18" charset="2"/>
-              <a:buChar char=""/>
-              <a:defRPr sz="1200" kern="1200">
-                <a:solidFill>
-                  <a:schemeClr val="tx2"/>
-                </a:solidFill>
-                <a:latin typeface="+mn-lt"/>
-                <a:ea typeface="+mn-ea"/>
-                <a:cs typeface="+mn-cs"/>
-              </a:defRPr>
-            </a:lvl9pPr>
-          </a:lstStyle>
-          <a:p>
-            <a:r>
-              <a:rPr lang="en-US" b="1" dirty="0"/>
-              <a:t>Break Statement with Inner Loop</a:t>
-            </a:r>
-          </a:p>
-          <a:p>
-            <a:pPr marL="0" indent="0">
-              <a:buFont typeface="Wingdings 2" panose="05020102010507070707" pitchFamily="18" charset="2"/>
-              <a:buNone/>
-            </a:pPr>
-            <a:r>
-              <a:rPr lang="en-US" dirty="0"/>
-              <a:t>It breaks inner loop only if you use break statement inside the inner loop.</a:t>
-            </a:r>
-          </a:p>
-          <a:p>
-            <a:pPr marL="0" indent="0">
-              <a:buFont typeface="Wingdings 2" panose="05020102010507070707" pitchFamily="18" charset="2"/>
-              <a:buNone/>
-            </a:pPr>
-            <a:r>
-              <a:rPr lang="en-US" b="1" dirty="0"/>
-              <a:t>Example:</a:t>
-            </a:r>
-            <a:endParaRPr lang="en-US" dirty="0"/>
-          </a:p>
-          <a:p>
-            <a:pPr marL="0" indent="0">
-              <a:buFont typeface="Wingdings 2" panose="05020102010507070707" pitchFamily="18" charset="2"/>
-              <a:buNone/>
-            </a:pPr>
-            <a:r>
-              <a:rPr lang="en-US" dirty="0"/>
-              <a:t>//Java Program to illustrate the use of break statement    </a:t>
-            </a:r>
-          </a:p>
-          <a:p>
-            <a:pPr marL="0" indent="0">
-              <a:buFont typeface="Wingdings 2" panose="05020102010507070707" pitchFamily="18" charset="2"/>
-              <a:buNone/>
-            </a:pPr>
-            <a:r>
-              <a:rPr lang="en-US" dirty="0"/>
-              <a:t>//inside an inner loop   </a:t>
-            </a:r>
-          </a:p>
-          <a:p>
-            <a:pPr marL="0" indent="0">
-              <a:buFont typeface="Wingdings 2" panose="05020102010507070707" pitchFamily="18" charset="2"/>
-              <a:buNone/>
-            </a:pPr>
-            <a:r>
-              <a:rPr lang="en-US" dirty="0"/>
-              <a:t>public class BreakExample2 {  </a:t>
-            </a:r>
-          </a:p>
-          <a:p>
-            <a:pPr marL="0" indent="0">
-              <a:buFont typeface="Wingdings 2" panose="05020102010507070707" pitchFamily="18" charset="2"/>
-              <a:buNone/>
-            </a:pPr>
-            <a:r>
-              <a:rPr lang="en-US" dirty="0"/>
-              <a:t>public static void main(String[] </a:t>
-            </a:r>
-            <a:r>
-              <a:rPr lang="en-US" dirty="0" err="1"/>
-              <a:t>args</a:t>
-            </a:r>
-            <a:r>
-              <a:rPr lang="en-US" dirty="0"/>
-              <a:t>) {  </a:t>
-            </a:r>
-          </a:p>
-          <a:p>
-            <a:pPr marL="0" indent="0">
-              <a:buFont typeface="Wingdings 2" panose="05020102010507070707" pitchFamily="18" charset="2"/>
-              <a:buNone/>
-            </a:pPr>
-            <a:r>
-              <a:rPr lang="en-US" dirty="0"/>
-              <a:t>            //outer loop   </a:t>
-            </a:r>
-          </a:p>
-          <a:p>
-            <a:pPr marL="0" indent="0">
-              <a:buFont typeface="Wingdings 2" panose="05020102010507070707" pitchFamily="18" charset="2"/>
-              <a:buNone/>
-            </a:pPr>
-            <a:r>
-              <a:rPr lang="en-US" dirty="0"/>
-              <a:t>            for(int </a:t>
-            </a:r>
-            <a:r>
-              <a:rPr lang="en-US" dirty="0" err="1"/>
-              <a:t>i</a:t>
-            </a:r>
-            <a:r>
-              <a:rPr lang="en-US" dirty="0"/>
-              <a:t>=1;i&lt;=3;i++){    </a:t>
-            </a:r>
-          </a:p>
-          <a:p>
-            <a:pPr marL="0" indent="0">
-              <a:buFont typeface="Wingdings 2" panose="05020102010507070707" pitchFamily="18" charset="2"/>
-              <a:buNone/>
-            </a:pPr>
-            <a:r>
-              <a:rPr lang="en-US" dirty="0"/>
-              <a:t>                    //inner loop  </a:t>
-            </a:r>
-          </a:p>
-          <a:p>
-            <a:pPr marL="0" indent="0">
-              <a:buFont typeface="Wingdings 2" panose="05020102010507070707" pitchFamily="18" charset="2"/>
-              <a:buNone/>
-            </a:pPr>
-            <a:r>
-              <a:rPr lang="en-US" dirty="0"/>
-              <a:t>                    for(int j=1;j&lt;=3;j++){    </a:t>
-            </a:r>
-          </a:p>
-          <a:p>
-            <a:pPr marL="0" indent="0">
-              <a:buFont typeface="Wingdings 2" panose="05020102010507070707" pitchFamily="18" charset="2"/>
-              <a:buNone/>
-            </a:pPr>
-            <a:r>
-              <a:rPr lang="en-US" dirty="0"/>
-              <a:t>                        if(</a:t>
-            </a:r>
-            <a:r>
-              <a:rPr lang="en-US" dirty="0" err="1"/>
-              <a:t>i</a:t>
-            </a:r>
-            <a:r>
-              <a:rPr lang="en-US" dirty="0"/>
-              <a:t>==2&amp;&amp;j==2){    </a:t>
-            </a:r>
-          </a:p>
-          <a:p>
-            <a:pPr marL="0" indent="0">
-              <a:buFont typeface="Wingdings 2" panose="05020102010507070707" pitchFamily="18" charset="2"/>
-              <a:buNone/>
-            </a:pPr>
-            <a:r>
-              <a:rPr lang="en-US" dirty="0"/>
-              <a:t>                            //using break statement inside the inner loop  </a:t>
-            </a:r>
-          </a:p>
-          <a:p>
-            <a:pPr marL="0" indent="0">
-              <a:buFont typeface="Wingdings 2" panose="05020102010507070707" pitchFamily="18" charset="2"/>
-              <a:buNone/>
-            </a:pPr>
-            <a:r>
-              <a:rPr lang="en-US" dirty="0"/>
-              <a:t>                            break;    </a:t>
-            </a:r>
-          </a:p>
-          <a:p>
-            <a:pPr marL="0" indent="0">
-              <a:buFont typeface="Wingdings 2" panose="05020102010507070707" pitchFamily="18" charset="2"/>
-              <a:buNone/>
-            </a:pPr>
-            <a:r>
-              <a:rPr lang="en-US" dirty="0"/>
-              <a:t>                        }    </a:t>
-            </a:r>
-          </a:p>
-          <a:p>
-            <a:pPr marL="0" indent="0">
-              <a:buFont typeface="Wingdings 2" panose="05020102010507070707" pitchFamily="18" charset="2"/>
-              <a:buNone/>
-            </a:pPr>
-            <a:r>
-              <a:rPr lang="en-US" dirty="0"/>
-              <a:t>                        </a:t>
-            </a:r>
-            <a:r>
-              <a:rPr lang="en-US" dirty="0" err="1"/>
-              <a:t>System.out.println</a:t>
-            </a:r>
-            <a:r>
-              <a:rPr lang="en-US" dirty="0"/>
-              <a:t>(</a:t>
-            </a:r>
-            <a:r>
-              <a:rPr lang="en-US" dirty="0" err="1"/>
-              <a:t>i</a:t>
-            </a:r>
-            <a:r>
-              <a:rPr lang="en-US" dirty="0"/>
-              <a:t>+" "+j);    </a:t>
-            </a:r>
-          </a:p>
-          <a:p>
-            <a:pPr marL="0" indent="0">
-              <a:buFont typeface="Wingdings 2" panose="05020102010507070707" pitchFamily="18" charset="2"/>
-              <a:buNone/>
-            </a:pPr>
-            <a:r>
-              <a:rPr lang="en-US" dirty="0"/>
-              <a:t>                    }    </a:t>
-            </a:r>
-          </a:p>
-          <a:p>
-            <a:pPr marL="0" indent="0">
-              <a:buFont typeface="Wingdings 2" panose="05020102010507070707" pitchFamily="18" charset="2"/>
-              <a:buNone/>
-            </a:pPr>
-            <a:r>
-              <a:rPr lang="en-US" dirty="0"/>
-              <a:t>            }    }  }</a:t>
-            </a:r>
-          </a:p>
-        </p:txBody>
-      </p:sp>
-    </p:spTree>
-    <p:extLst>
-      <p:ext uri="{BB962C8B-B14F-4D97-AF65-F5344CB8AC3E}">
-        <p14:creationId xmlns:p14="http://schemas.microsoft.com/office/powerpoint/2010/main" val="4047627963"/>
-      </p:ext>
-    </p:extLst>
-  </p:cSld>
-  <p:clrMapOvr>
-    <a:masterClrMapping/>
-  </p:clrMapOvr>
-</p:sld>
-</file>
-
-<file path=ppt/slides/slide49.xml><?xml version="1.0" encoding="utf-8"?>
-<p:sld xmlns:a="http://schemas.openxmlformats.org/drawingml/2006/main" xmlns:r="http://schemas.openxmlformats.org/officeDocument/2006/relationships" xmlns:p="http://schemas.openxmlformats.org/presentationml/2006/main">
-  <p:cSld>
-    <p:spTree>
-      <p:nvGrpSpPr>
-        <p:cNvPr id="1" name=""/>
-        <p:cNvGrpSpPr/>
-        <p:nvPr/>
-      </p:nvGrpSpPr>
-      <p:grpSpPr>
-        <a:xfrm>
-          <a:off x="0" y="0"/>
-          <a:ext cx="0" cy="0"/>
-          <a:chOff x="0" y="0"/>
-          <a:chExt cx="0" cy="0"/>
-        </a:xfrm>
-      </p:grpSpPr>
-      <p:sp>
-        <p:nvSpPr>
-          <p:cNvPr id="2" name="Content Placeholder 2">
-            <a:extLst>
-              <a:ext uri="{FF2B5EF4-FFF2-40B4-BE49-F238E27FC236}">
-                <a16:creationId xmlns:a16="http://schemas.microsoft.com/office/drawing/2014/main" id="{0748BD8E-3FF7-C3E0-A38C-4CB2C2B1E46C}"/>
-              </a:ext>
-            </a:extLst>
-          </p:cNvPr>
-          <p:cNvSpPr txBox="1">
-            <a:spLocks/>
-          </p:cNvSpPr>
-          <p:nvPr/>
-        </p:nvSpPr>
-        <p:spPr>
-          <a:xfrm>
-            <a:off x="514350" y="798022"/>
-            <a:ext cx="11144250" cy="6059978"/>
-          </a:xfrm>
-          <a:prstGeom prst="rect">
-            <a:avLst/>
-          </a:prstGeom>
-        </p:spPr>
-        <p:txBody>
-          <a:bodyPr>
-            <a:normAutofit fontScale="92500" lnSpcReduction="20000"/>
-          </a:bodyPr>
-          <a:lstStyle>
-            <a:lvl1pPr marL="306000" indent="-306000" algn="l" defTabSz="457200" rtl="0" eaLnBrk="1" latinLnBrk="0" hangingPunct="1">
-              <a:spcBef>
-                <a:spcPct val="20000"/>
-              </a:spcBef>
-              <a:spcAft>
-                <a:spcPts val="600"/>
-              </a:spcAft>
-              <a:buClr>
-                <a:schemeClr val="accent2"/>
-              </a:buClr>
-              <a:buSzPct val="92000"/>
-              <a:buFont typeface="Wingdings 2" panose="05020102010507070707" pitchFamily="18" charset="2"/>
-              <a:buChar char=""/>
-              <a:defRPr sz="1800" kern="1200">
-                <a:solidFill>
-                  <a:schemeClr val="tx2"/>
-                </a:solidFill>
-                <a:latin typeface="+mn-lt"/>
-                <a:ea typeface="+mn-ea"/>
-                <a:cs typeface="+mn-cs"/>
-              </a:defRPr>
-            </a:lvl1pPr>
-            <a:lvl2pPr marL="630000" indent="-306000" algn="l" defTabSz="457200" rtl="0" eaLnBrk="1" latinLnBrk="0" hangingPunct="1">
-              <a:spcBef>
-                <a:spcPct val="20000"/>
-              </a:spcBef>
-              <a:spcAft>
-                <a:spcPts val="600"/>
-              </a:spcAft>
-              <a:buClr>
-                <a:schemeClr val="accent2"/>
-              </a:buClr>
-              <a:buSzPct val="92000"/>
-              <a:buFont typeface="Wingdings 2" panose="05020102010507070707" pitchFamily="18" charset="2"/>
-              <a:buChar char=""/>
-              <a:defRPr sz="1600" kern="1200">
-                <a:solidFill>
-                  <a:schemeClr val="tx2"/>
-                </a:solidFill>
-                <a:latin typeface="+mn-lt"/>
-                <a:ea typeface="+mn-ea"/>
-                <a:cs typeface="+mn-cs"/>
-              </a:defRPr>
-            </a:lvl2pPr>
-            <a:lvl3pPr marL="900000" indent="-270000" algn="l" defTabSz="457200" rtl="0" eaLnBrk="1" latinLnBrk="0" hangingPunct="1">
-              <a:spcBef>
-                <a:spcPct val="20000"/>
-              </a:spcBef>
-              <a:spcAft>
-                <a:spcPts val="600"/>
-              </a:spcAft>
-              <a:buClr>
-                <a:schemeClr val="accent2"/>
-              </a:buClr>
-              <a:buSzPct val="92000"/>
-              <a:buFont typeface="Wingdings 2" panose="05020102010507070707" pitchFamily="18" charset="2"/>
-              <a:buChar char=""/>
-              <a:defRPr sz="1400" kern="1200">
-                <a:solidFill>
-                  <a:schemeClr val="tx2"/>
-                </a:solidFill>
-                <a:latin typeface="+mn-lt"/>
-                <a:ea typeface="+mn-ea"/>
-                <a:cs typeface="+mn-cs"/>
-              </a:defRPr>
-            </a:lvl3pPr>
-            <a:lvl4pPr marL="1242000" indent="-234000" algn="l" defTabSz="457200" rtl="0" eaLnBrk="1" latinLnBrk="0" hangingPunct="1">
-              <a:spcBef>
-                <a:spcPct val="20000"/>
-              </a:spcBef>
-              <a:spcAft>
-                <a:spcPts val="600"/>
-              </a:spcAft>
-              <a:buClr>
-                <a:schemeClr val="accent2"/>
-              </a:buClr>
-              <a:buSzPct val="92000"/>
-              <a:buFont typeface="Wingdings 2" panose="05020102010507070707" pitchFamily="18" charset="2"/>
-              <a:buChar char=""/>
-              <a:defRPr sz="1200" kern="1200">
-                <a:solidFill>
-                  <a:schemeClr val="tx2"/>
-                </a:solidFill>
-                <a:latin typeface="+mn-lt"/>
-                <a:ea typeface="+mn-ea"/>
-                <a:cs typeface="+mn-cs"/>
-              </a:defRPr>
-            </a:lvl4pPr>
-            <a:lvl5pPr marL="1602000" indent="-234000" algn="l" defTabSz="457200" rtl="0" eaLnBrk="1" latinLnBrk="0" hangingPunct="1">
-              <a:spcBef>
-                <a:spcPct val="20000"/>
-              </a:spcBef>
-              <a:spcAft>
-                <a:spcPts val="600"/>
-              </a:spcAft>
-              <a:buClr>
-                <a:schemeClr val="accent2"/>
-              </a:buClr>
-              <a:buSzPct val="92000"/>
-              <a:buFont typeface="Wingdings 2" panose="05020102010507070707" pitchFamily="18" charset="2"/>
-              <a:buChar char=""/>
-              <a:defRPr sz="1200" kern="1200">
-                <a:solidFill>
-                  <a:schemeClr val="tx2"/>
-                </a:solidFill>
-                <a:latin typeface="+mn-lt"/>
-                <a:ea typeface="+mn-ea"/>
-                <a:cs typeface="+mn-cs"/>
-              </a:defRPr>
-            </a:lvl5pPr>
-            <a:lvl6pPr marL="1900000" indent="-228600" algn="l" defTabSz="457200" rtl="0" eaLnBrk="1" latinLnBrk="0" hangingPunct="1">
-              <a:spcBef>
-                <a:spcPct val="20000"/>
-              </a:spcBef>
-              <a:spcAft>
-                <a:spcPts val="600"/>
-              </a:spcAft>
-              <a:buClr>
-                <a:schemeClr val="accent2"/>
-              </a:buClr>
-              <a:buSzPct val="92000"/>
-              <a:buFont typeface="Wingdings 2" panose="05020102010507070707" pitchFamily="18" charset="2"/>
-              <a:buChar char=""/>
-              <a:defRPr sz="1200" kern="1200">
-                <a:solidFill>
-                  <a:schemeClr val="tx2"/>
-                </a:solidFill>
-                <a:latin typeface="+mn-lt"/>
-                <a:ea typeface="+mn-ea"/>
-                <a:cs typeface="+mn-cs"/>
-              </a:defRPr>
-            </a:lvl6pPr>
-            <a:lvl7pPr marL="2200000" indent="-228600" algn="l" defTabSz="457200" rtl="0" eaLnBrk="1" latinLnBrk="0" hangingPunct="1">
-              <a:spcBef>
-                <a:spcPct val="20000"/>
-              </a:spcBef>
-              <a:spcAft>
-                <a:spcPts val="600"/>
-              </a:spcAft>
-              <a:buClr>
-                <a:schemeClr val="accent2"/>
-              </a:buClr>
-              <a:buSzPct val="92000"/>
-              <a:buFont typeface="Wingdings 2" panose="05020102010507070707" pitchFamily="18" charset="2"/>
-              <a:buChar char=""/>
-              <a:defRPr sz="1200" kern="1200">
-                <a:solidFill>
-                  <a:schemeClr val="tx2"/>
-                </a:solidFill>
-                <a:latin typeface="+mn-lt"/>
-                <a:ea typeface="+mn-ea"/>
-                <a:cs typeface="+mn-cs"/>
-              </a:defRPr>
-            </a:lvl7pPr>
-            <a:lvl8pPr marL="2500000" indent="-228600" algn="l" defTabSz="457200" rtl="0" eaLnBrk="1" latinLnBrk="0" hangingPunct="1">
-              <a:spcBef>
-                <a:spcPct val="20000"/>
-              </a:spcBef>
-              <a:spcAft>
-                <a:spcPts val="600"/>
-              </a:spcAft>
-              <a:buClr>
-                <a:schemeClr val="accent2"/>
-              </a:buClr>
-              <a:buSzPct val="92000"/>
-              <a:buFont typeface="Wingdings 2" panose="05020102010507070707" pitchFamily="18" charset="2"/>
-              <a:buChar char=""/>
-              <a:defRPr sz="1200" kern="1200">
-                <a:solidFill>
-                  <a:schemeClr val="tx2"/>
-                </a:solidFill>
-                <a:latin typeface="+mn-lt"/>
-                <a:ea typeface="+mn-ea"/>
-                <a:cs typeface="+mn-cs"/>
-              </a:defRPr>
-            </a:lvl8pPr>
-            <a:lvl9pPr marL="2800000" indent="-228600" algn="l" defTabSz="457200" rtl="0" eaLnBrk="1" latinLnBrk="0" hangingPunct="1">
-              <a:spcBef>
-                <a:spcPct val="20000"/>
-              </a:spcBef>
-              <a:spcAft>
-                <a:spcPts val="600"/>
-              </a:spcAft>
-              <a:buClr>
-                <a:schemeClr val="accent2"/>
-              </a:buClr>
-              <a:buSzPct val="92000"/>
-              <a:buFont typeface="Wingdings 2" panose="05020102010507070707" pitchFamily="18" charset="2"/>
-              <a:buChar char=""/>
-              <a:defRPr sz="1200" kern="1200">
-                <a:solidFill>
-                  <a:schemeClr val="tx2"/>
-                </a:solidFill>
-                <a:latin typeface="+mn-lt"/>
-                <a:ea typeface="+mn-ea"/>
-                <a:cs typeface="+mn-cs"/>
-              </a:defRPr>
-            </a:lvl9pPr>
-          </a:lstStyle>
-          <a:p>
-            <a:r>
-              <a:rPr lang="en-US" b="1" dirty="0"/>
-              <a:t>Break Statement in while loop</a:t>
-            </a:r>
-          </a:p>
-          <a:p>
-            <a:pPr marL="0" indent="0">
-              <a:buFont typeface="Wingdings 2" panose="05020102010507070707" pitchFamily="18" charset="2"/>
-              <a:buNone/>
-            </a:pPr>
-            <a:r>
-              <a:rPr lang="en-US" b="1" dirty="0"/>
-              <a:t>Example:</a:t>
-            </a:r>
-            <a:endParaRPr lang="en-US" dirty="0"/>
-          </a:p>
-          <a:p>
-            <a:pPr marL="0" indent="0">
-              <a:buFont typeface="Wingdings 2" panose="05020102010507070707" pitchFamily="18" charset="2"/>
-              <a:buNone/>
-            </a:pPr>
-            <a:r>
-              <a:rPr lang="en-US" dirty="0"/>
-              <a:t>//Java Program to demonstrate the use of break statement  </a:t>
-            </a:r>
-          </a:p>
-          <a:p>
-            <a:pPr marL="0" indent="0">
-              <a:buFont typeface="Wingdings 2" panose="05020102010507070707" pitchFamily="18" charset="2"/>
-              <a:buNone/>
-            </a:pPr>
-            <a:r>
-              <a:rPr lang="en-US" dirty="0"/>
-              <a:t>//inside the while loop.  </a:t>
-            </a:r>
-          </a:p>
-          <a:p>
-            <a:pPr marL="0" indent="0">
-              <a:buFont typeface="Wingdings 2" panose="05020102010507070707" pitchFamily="18" charset="2"/>
-              <a:buNone/>
-            </a:pPr>
-            <a:r>
-              <a:rPr lang="en-US" dirty="0"/>
-              <a:t>public class </a:t>
-            </a:r>
-            <a:r>
-              <a:rPr lang="en-US" dirty="0" err="1"/>
-              <a:t>BreakWhileExample</a:t>
-            </a:r>
-            <a:r>
-              <a:rPr lang="en-US" dirty="0"/>
-              <a:t> {  </a:t>
-            </a:r>
-          </a:p>
-          <a:p>
-            <a:pPr marL="0" indent="0">
-              <a:buFont typeface="Wingdings 2" panose="05020102010507070707" pitchFamily="18" charset="2"/>
-              <a:buNone/>
-            </a:pPr>
-            <a:r>
-              <a:rPr lang="en-US" dirty="0"/>
-              <a:t>public static void main(String[] </a:t>
-            </a:r>
-            <a:r>
-              <a:rPr lang="en-US" dirty="0" err="1"/>
-              <a:t>args</a:t>
-            </a:r>
-            <a:r>
-              <a:rPr lang="en-US" dirty="0"/>
-              <a:t>) {  </a:t>
-            </a:r>
-          </a:p>
-          <a:p>
-            <a:pPr marL="0" indent="0">
-              <a:buFont typeface="Wingdings 2" panose="05020102010507070707" pitchFamily="18" charset="2"/>
-              <a:buNone/>
-            </a:pPr>
-            <a:r>
-              <a:rPr lang="en-US" dirty="0"/>
-              <a:t>    //while loop  </a:t>
-            </a:r>
-          </a:p>
-          <a:p>
-            <a:pPr marL="0" indent="0">
-              <a:buFont typeface="Wingdings 2" panose="05020102010507070707" pitchFamily="18" charset="2"/>
-              <a:buNone/>
-            </a:pPr>
-            <a:r>
-              <a:rPr lang="en-US" dirty="0"/>
-              <a:t>    int </a:t>
-            </a:r>
-            <a:r>
-              <a:rPr lang="en-US" dirty="0" err="1"/>
-              <a:t>i</a:t>
-            </a:r>
-            <a:r>
-              <a:rPr lang="en-US" dirty="0"/>
-              <a:t>=1;  </a:t>
-            </a:r>
-          </a:p>
-          <a:p>
-            <a:pPr marL="0" indent="0">
-              <a:buFont typeface="Wingdings 2" panose="05020102010507070707" pitchFamily="18" charset="2"/>
-              <a:buNone/>
-            </a:pPr>
-            <a:r>
-              <a:rPr lang="en-US" dirty="0"/>
-              <a:t>    while(</a:t>
-            </a:r>
-            <a:r>
-              <a:rPr lang="en-US" dirty="0" err="1"/>
-              <a:t>i</a:t>
-            </a:r>
-            <a:r>
-              <a:rPr lang="en-US" dirty="0"/>
-              <a:t>&lt;=10){  </a:t>
-            </a:r>
-          </a:p>
-          <a:p>
-            <a:pPr marL="0" indent="0">
-              <a:buFont typeface="Wingdings 2" panose="05020102010507070707" pitchFamily="18" charset="2"/>
-              <a:buNone/>
-            </a:pPr>
-            <a:r>
-              <a:rPr lang="en-US" dirty="0"/>
-              <a:t>        if(</a:t>
-            </a:r>
-            <a:r>
-              <a:rPr lang="en-US" dirty="0" err="1"/>
-              <a:t>i</a:t>
-            </a:r>
-            <a:r>
-              <a:rPr lang="en-US" dirty="0"/>
-              <a:t>==5){  </a:t>
-            </a:r>
-          </a:p>
-          <a:p>
-            <a:pPr marL="0" indent="0">
-              <a:buFont typeface="Wingdings 2" panose="05020102010507070707" pitchFamily="18" charset="2"/>
-              <a:buNone/>
-            </a:pPr>
-            <a:r>
-              <a:rPr lang="en-US" dirty="0"/>
-              <a:t>            //using break statement  </a:t>
-            </a:r>
-          </a:p>
-          <a:p>
-            <a:pPr marL="0" indent="0">
-              <a:buFont typeface="Wingdings 2" panose="05020102010507070707" pitchFamily="18" charset="2"/>
-              <a:buNone/>
-            </a:pPr>
-            <a:r>
-              <a:rPr lang="en-US" dirty="0"/>
-              <a:t>            </a:t>
-            </a:r>
-            <a:r>
-              <a:rPr lang="en-US" dirty="0" err="1"/>
-              <a:t>i</a:t>
-            </a:r>
-            <a:r>
-              <a:rPr lang="en-US" dirty="0"/>
-              <a:t>++;  </a:t>
-            </a:r>
-          </a:p>
-          <a:p>
-            <a:pPr marL="0" indent="0">
-              <a:buFont typeface="Wingdings 2" panose="05020102010507070707" pitchFamily="18" charset="2"/>
-              <a:buNone/>
-            </a:pPr>
-            <a:r>
-              <a:rPr lang="en-US" dirty="0"/>
-              <a:t>            break;//it will break the loop  </a:t>
-            </a:r>
-          </a:p>
-          <a:p>
-            <a:pPr marL="0" indent="0">
-              <a:buFont typeface="Wingdings 2" panose="05020102010507070707" pitchFamily="18" charset="2"/>
-              <a:buNone/>
-            </a:pPr>
-            <a:r>
-              <a:rPr lang="en-US" dirty="0"/>
-              <a:t>        }  </a:t>
-            </a:r>
-          </a:p>
-          <a:p>
-            <a:pPr marL="0" indent="0">
-              <a:buFont typeface="Wingdings 2" panose="05020102010507070707" pitchFamily="18" charset="2"/>
-              <a:buNone/>
-            </a:pPr>
-            <a:r>
-              <a:rPr lang="en-US" dirty="0"/>
-              <a:t>        </a:t>
-            </a:r>
-            <a:r>
-              <a:rPr lang="en-US" dirty="0" err="1"/>
-              <a:t>System.out.println</a:t>
-            </a:r>
-            <a:r>
-              <a:rPr lang="en-US" dirty="0"/>
-              <a:t>(</a:t>
-            </a:r>
-            <a:r>
-              <a:rPr lang="en-US" dirty="0" err="1"/>
-              <a:t>i</a:t>
-            </a:r>
-            <a:r>
-              <a:rPr lang="en-US" dirty="0"/>
-              <a:t>);  </a:t>
-            </a:r>
-          </a:p>
-          <a:p>
-            <a:pPr marL="0" indent="0">
-              <a:buFont typeface="Wingdings 2" panose="05020102010507070707" pitchFamily="18" charset="2"/>
-              <a:buNone/>
-            </a:pPr>
-            <a:r>
-              <a:rPr lang="en-US" dirty="0"/>
-              <a:t>        </a:t>
-            </a:r>
-            <a:r>
-              <a:rPr lang="en-US" dirty="0" err="1"/>
-              <a:t>i</a:t>
-            </a:r>
-            <a:r>
-              <a:rPr lang="en-US" dirty="0"/>
-              <a:t>++;  </a:t>
-            </a:r>
-          </a:p>
-          <a:p>
-            <a:pPr marL="0" indent="0">
-              <a:buFont typeface="Wingdings 2" panose="05020102010507070707" pitchFamily="18" charset="2"/>
-              <a:buNone/>
-            </a:pPr>
-            <a:r>
-              <a:rPr lang="en-US" dirty="0"/>
-              <a:t>    }  }}  </a:t>
-            </a:r>
-          </a:p>
-        </p:txBody>
-      </p:sp>
-    </p:spTree>
-    <p:extLst>
-      <p:ext uri="{BB962C8B-B14F-4D97-AF65-F5344CB8AC3E}">
-        <p14:creationId xmlns:p14="http://schemas.microsoft.com/office/powerpoint/2010/main" val="153287823"/>
       </p:ext>
     </p:extLst>
   </p:cSld>
@@ -22402,6 +21693,980 @@
           <p:cNvPr id="2" name="Content Placeholder 2">
             <a:extLst>
               <a:ext uri="{FF2B5EF4-FFF2-40B4-BE49-F238E27FC236}">
+                <a16:creationId xmlns:a16="http://schemas.microsoft.com/office/drawing/2014/main" id="{353B57FE-4C63-68F7-4D4D-CCE4521FC7D1}"/>
+              </a:ext>
+            </a:extLst>
+          </p:cNvPr>
+          <p:cNvSpPr txBox="1">
+            <a:spLocks/>
+          </p:cNvSpPr>
+          <p:nvPr/>
+        </p:nvSpPr>
+        <p:spPr>
+          <a:xfrm>
+            <a:off x="438150" y="764771"/>
+            <a:ext cx="11315700" cy="6093229"/>
+          </a:xfrm>
+          <a:prstGeom prst="rect">
+            <a:avLst/>
+          </a:prstGeom>
+        </p:spPr>
+        <p:txBody>
+          <a:bodyPr>
+            <a:normAutofit fontScale="92500" lnSpcReduction="20000"/>
+          </a:bodyPr>
+          <a:lstStyle>
+            <a:lvl1pPr marL="306000" indent="-306000" algn="l" defTabSz="457200" rtl="0" eaLnBrk="1" latinLnBrk="0" hangingPunct="1">
+              <a:spcBef>
+                <a:spcPct val="20000"/>
+              </a:spcBef>
+              <a:spcAft>
+                <a:spcPts val="600"/>
+              </a:spcAft>
+              <a:buClr>
+                <a:schemeClr val="accent2"/>
+              </a:buClr>
+              <a:buSzPct val="92000"/>
+              <a:buFont typeface="Wingdings 2" panose="05020102010507070707" pitchFamily="18" charset="2"/>
+              <a:buChar char=""/>
+              <a:defRPr sz="1800" kern="1200">
+                <a:solidFill>
+                  <a:schemeClr val="tx2"/>
+                </a:solidFill>
+                <a:latin typeface="+mn-lt"/>
+                <a:ea typeface="+mn-ea"/>
+                <a:cs typeface="+mn-cs"/>
+              </a:defRPr>
+            </a:lvl1pPr>
+            <a:lvl2pPr marL="630000" indent="-306000" algn="l" defTabSz="457200" rtl="0" eaLnBrk="1" latinLnBrk="0" hangingPunct="1">
+              <a:spcBef>
+                <a:spcPct val="20000"/>
+              </a:spcBef>
+              <a:spcAft>
+                <a:spcPts val="600"/>
+              </a:spcAft>
+              <a:buClr>
+                <a:schemeClr val="accent2"/>
+              </a:buClr>
+              <a:buSzPct val="92000"/>
+              <a:buFont typeface="Wingdings 2" panose="05020102010507070707" pitchFamily="18" charset="2"/>
+              <a:buChar char=""/>
+              <a:defRPr sz="1600" kern="1200">
+                <a:solidFill>
+                  <a:schemeClr val="tx2"/>
+                </a:solidFill>
+                <a:latin typeface="+mn-lt"/>
+                <a:ea typeface="+mn-ea"/>
+                <a:cs typeface="+mn-cs"/>
+              </a:defRPr>
+            </a:lvl2pPr>
+            <a:lvl3pPr marL="900000" indent="-270000" algn="l" defTabSz="457200" rtl="0" eaLnBrk="1" latinLnBrk="0" hangingPunct="1">
+              <a:spcBef>
+                <a:spcPct val="20000"/>
+              </a:spcBef>
+              <a:spcAft>
+                <a:spcPts val="600"/>
+              </a:spcAft>
+              <a:buClr>
+                <a:schemeClr val="accent2"/>
+              </a:buClr>
+              <a:buSzPct val="92000"/>
+              <a:buFont typeface="Wingdings 2" panose="05020102010507070707" pitchFamily="18" charset="2"/>
+              <a:buChar char=""/>
+              <a:defRPr sz="1400" kern="1200">
+                <a:solidFill>
+                  <a:schemeClr val="tx2"/>
+                </a:solidFill>
+                <a:latin typeface="+mn-lt"/>
+                <a:ea typeface="+mn-ea"/>
+                <a:cs typeface="+mn-cs"/>
+              </a:defRPr>
+            </a:lvl3pPr>
+            <a:lvl4pPr marL="1242000" indent="-234000" algn="l" defTabSz="457200" rtl="0" eaLnBrk="1" latinLnBrk="0" hangingPunct="1">
+              <a:spcBef>
+                <a:spcPct val="20000"/>
+              </a:spcBef>
+              <a:spcAft>
+                <a:spcPts val="600"/>
+              </a:spcAft>
+              <a:buClr>
+                <a:schemeClr val="accent2"/>
+              </a:buClr>
+              <a:buSzPct val="92000"/>
+              <a:buFont typeface="Wingdings 2" panose="05020102010507070707" pitchFamily="18" charset="2"/>
+              <a:buChar char=""/>
+              <a:defRPr sz="1200" kern="1200">
+                <a:solidFill>
+                  <a:schemeClr val="tx2"/>
+                </a:solidFill>
+                <a:latin typeface="+mn-lt"/>
+                <a:ea typeface="+mn-ea"/>
+                <a:cs typeface="+mn-cs"/>
+              </a:defRPr>
+            </a:lvl4pPr>
+            <a:lvl5pPr marL="1602000" indent="-234000" algn="l" defTabSz="457200" rtl="0" eaLnBrk="1" latinLnBrk="0" hangingPunct="1">
+              <a:spcBef>
+                <a:spcPct val="20000"/>
+              </a:spcBef>
+              <a:spcAft>
+                <a:spcPts val="600"/>
+              </a:spcAft>
+              <a:buClr>
+                <a:schemeClr val="accent2"/>
+              </a:buClr>
+              <a:buSzPct val="92000"/>
+              <a:buFont typeface="Wingdings 2" panose="05020102010507070707" pitchFamily="18" charset="2"/>
+              <a:buChar char=""/>
+              <a:defRPr sz="1200" kern="1200">
+                <a:solidFill>
+                  <a:schemeClr val="tx2"/>
+                </a:solidFill>
+                <a:latin typeface="+mn-lt"/>
+                <a:ea typeface="+mn-ea"/>
+                <a:cs typeface="+mn-cs"/>
+              </a:defRPr>
+            </a:lvl5pPr>
+            <a:lvl6pPr marL="1900000" indent="-228600" algn="l" defTabSz="457200" rtl="0" eaLnBrk="1" latinLnBrk="0" hangingPunct="1">
+              <a:spcBef>
+                <a:spcPct val="20000"/>
+              </a:spcBef>
+              <a:spcAft>
+                <a:spcPts val="600"/>
+              </a:spcAft>
+              <a:buClr>
+                <a:schemeClr val="accent2"/>
+              </a:buClr>
+              <a:buSzPct val="92000"/>
+              <a:buFont typeface="Wingdings 2" panose="05020102010507070707" pitchFamily="18" charset="2"/>
+              <a:buChar char=""/>
+              <a:defRPr sz="1200" kern="1200">
+                <a:solidFill>
+                  <a:schemeClr val="tx2"/>
+                </a:solidFill>
+                <a:latin typeface="+mn-lt"/>
+                <a:ea typeface="+mn-ea"/>
+                <a:cs typeface="+mn-cs"/>
+              </a:defRPr>
+            </a:lvl6pPr>
+            <a:lvl7pPr marL="2200000" indent="-228600" algn="l" defTabSz="457200" rtl="0" eaLnBrk="1" latinLnBrk="0" hangingPunct="1">
+              <a:spcBef>
+                <a:spcPct val="20000"/>
+              </a:spcBef>
+              <a:spcAft>
+                <a:spcPts val="600"/>
+              </a:spcAft>
+              <a:buClr>
+                <a:schemeClr val="accent2"/>
+              </a:buClr>
+              <a:buSzPct val="92000"/>
+              <a:buFont typeface="Wingdings 2" panose="05020102010507070707" pitchFamily="18" charset="2"/>
+              <a:buChar char=""/>
+              <a:defRPr sz="1200" kern="1200">
+                <a:solidFill>
+                  <a:schemeClr val="tx2"/>
+                </a:solidFill>
+                <a:latin typeface="+mn-lt"/>
+                <a:ea typeface="+mn-ea"/>
+                <a:cs typeface="+mn-cs"/>
+              </a:defRPr>
+            </a:lvl7pPr>
+            <a:lvl8pPr marL="2500000" indent="-228600" algn="l" defTabSz="457200" rtl="0" eaLnBrk="1" latinLnBrk="0" hangingPunct="1">
+              <a:spcBef>
+                <a:spcPct val="20000"/>
+              </a:spcBef>
+              <a:spcAft>
+                <a:spcPts val="600"/>
+              </a:spcAft>
+              <a:buClr>
+                <a:schemeClr val="accent2"/>
+              </a:buClr>
+              <a:buSzPct val="92000"/>
+              <a:buFont typeface="Wingdings 2" panose="05020102010507070707" pitchFamily="18" charset="2"/>
+              <a:buChar char=""/>
+              <a:defRPr sz="1200" kern="1200">
+                <a:solidFill>
+                  <a:schemeClr val="tx2"/>
+                </a:solidFill>
+                <a:latin typeface="+mn-lt"/>
+                <a:ea typeface="+mn-ea"/>
+                <a:cs typeface="+mn-cs"/>
+              </a:defRPr>
+            </a:lvl8pPr>
+            <a:lvl9pPr marL="2800000" indent="-228600" algn="l" defTabSz="457200" rtl="0" eaLnBrk="1" latinLnBrk="0" hangingPunct="1">
+              <a:spcBef>
+                <a:spcPct val="20000"/>
+              </a:spcBef>
+              <a:spcAft>
+                <a:spcPts val="600"/>
+              </a:spcAft>
+              <a:buClr>
+                <a:schemeClr val="accent2"/>
+              </a:buClr>
+              <a:buSzPct val="92000"/>
+              <a:buFont typeface="Wingdings 2" panose="05020102010507070707" pitchFamily="18" charset="2"/>
+              <a:buChar char=""/>
+              <a:defRPr sz="1200" kern="1200">
+                <a:solidFill>
+                  <a:schemeClr val="tx2"/>
+                </a:solidFill>
+                <a:latin typeface="+mn-lt"/>
+                <a:ea typeface="+mn-ea"/>
+                <a:cs typeface="+mn-cs"/>
+              </a:defRPr>
+            </a:lvl9pPr>
+          </a:lstStyle>
+          <a:p>
+            <a:r>
+              <a:rPr lang="en-US" b="1" dirty="0"/>
+              <a:t>Break Statement with Inner Loop</a:t>
+            </a:r>
+          </a:p>
+          <a:p>
+            <a:pPr marL="0" indent="0">
+              <a:buFont typeface="Wingdings 2" panose="05020102010507070707" pitchFamily="18" charset="2"/>
+              <a:buNone/>
+            </a:pPr>
+            <a:r>
+              <a:rPr lang="en-US" dirty="0"/>
+              <a:t>It breaks inner loop only if you use break statement inside the inner loop.</a:t>
+            </a:r>
+          </a:p>
+          <a:p>
+            <a:pPr marL="0" indent="0">
+              <a:buFont typeface="Wingdings 2" panose="05020102010507070707" pitchFamily="18" charset="2"/>
+              <a:buNone/>
+            </a:pPr>
+            <a:r>
+              <a:rPr lang="en-US" b="1" dirty="0"/>
+              <a:t>Example:</a:t>
+            </a:r>
+            <a:endParaRPr lang="en-US" dirty="0"/>
+          </a:p>
+          <a:p>
+            <a:pPr marL="0" indent="0">
+              <a:buFont typeface="Wingdings 2" panose="05020102010507070707" pitchFamily="18" charset="2"/>
+              <a:buNone/>
+            </a:pPr>
+            <a:r>
+              <a:rPr lang="en-US" dirty="0"/>
+              <a:t>//Java Program to illustrate the use of break statement    </a:t>
+            </a:r>
+          </a:p>
+          <a:p>
+            <a:pPr marL="0" indent="0">
+              <a:buFont typeface="Wingdings 2" panose="05020102010507070707" pitchFamily="18" charset="2"/>
+              <a:buNone/>
+            </a:pPr>
+            <a:r>
+              <a:rPr lang="en-US" dirty="0"/>
+              <a:t>//inside an inner loop   </a:t>
+            </a:r>
+          </a:p>
+          <a:p>
+            <a:pPr marL="0" indent="0">
+              <a:buFont typeface="Wingdings 2" panose="05020102010507070707" pitchFamily="18" charset="2"/>
+              <a:buNone/>
+            </a:pPr>
+            <a:r>
+              <a:rPr lang="en-US" dirty="0"/>
+              <a:t>public class BreakExample2 {  </a:t>
+            </a:r>
+          </a:p>
+          <a:p>
+            <a:pPr marL="0" indent="0">
+              <a:buFont typeface="Wingdings 2" panose="05020102010507070707" pitchFamily="18" charset="2"/>
+              <a:buNone/>
+            </a:pPr>
+            <a:r>
+              <a:rPr lang="en-US" dirty="0"/>
+              <a:t>public static void main(String[] </a:t>
+            </a:r>
+            <a:r>
+              <a:rPr lang="en-US" dirty="0" err="1"/>
+              <a:t>args</a:t>
+            </a:r>
+            <a:r>
+              <a:rPr lang="en-US" dirty="0"/>
+              <a:t>) {  </a:t>
+            </a:r>
+          </a:p>
+          <a:p>
+            <a:pPr marL="0" indent="0">
+              <a:buFont typeface="Wingdings 2" panose="05020102010507070707" pitchFamily="18" charset="2"/>
+              <a:buNone/>
+            </a:pPr>
+            <a:r>
+              <a:rPr lang="en-US" dirty="0"/>
+              <a:t>            //outer loop   </a:t>
+            </a:r>
+          </a:p>
+          <a:p>
+            <a:pPr marL="0" indent="0">
+              <a:buFont typeface="Wingdings 2" panose="05020102010507070707" pitchFamily="18" charset="2"/>
+              <a:buNone/>
+            </a:pPr>
+            <a:r>
+              <a:rPr lang="en-US" dirty="0"/>
+              <a:t>            for(int </a:t>
+            </a:r>
+            <a:r>
+              <a:rPr lang="en-US" dirty="0" err="1"/>
+              <a:t>i</a:t>
+            </a:r>
+            <a:r>
+              <a:rPr lang="en-US" dirty="0"/>
+              <a:t>=1;i&lt;=3;i++){    </a:t>
+            </a:r>
+          </a:p>
+          <a:p>
+            <a:pPr marL="0" indent="0">
+              <a:buFont typeface="Wingdings 2" panose="05020102010507070707" pitchFamily="18" charset="2"/>
+              <a:buNone/>
+            </a:pPr>
+            <a:r>
+              <a:rPr lang="en-US" dirty="0"/>
+              <a:t>                    //inner loop  </a:t>
+            </a:r>
+          </a:p>
+          <a:p>
+            <a:pPr marL="0" indent="0">
+              <a:buFont typeface="Wingdings 2" panose="05020102010507070707" pitchFamily="18" charset="2"/>
+              <a:buNone/>
+            </a:pPr>
+            <a:r>
+              <a:rPr lang="en-US" dirty="0"/>
+              <a:t>                    for(int j=1;j&lt;=3;j++){    </a:t>
+            </a:r>
+          </a:p>
+          <a:p>
+            <a:pPr marL="0" indent="0">
+              <a:buFont typeface="Wingdings 2" panose="05020102010507070707" pitchFamily="18" charset="2"/>
+              <a:buNone/>
+            </a:pPr>
+            <a:r>
+              <a:rPr lang="en-US" dirty="0"/>
+              <a:t>                        if(</a:t>
+            </a:r>
+            <a:r>
+              <a:rPr lang="en-US" dirty="0" err="1"/>
+              <a:t>i</a:t>
+            </a:r>
+            <a:r>
+              <a:rPr lang="en-US" dirty="0"/>
+              <a:t>==2&amp;&amp;j==2){    </a:t>
+            </a:r>
+          </a:p>
+          <a:p>
+            <a:pPr marL="0" indent="0">
+              <a:buFont typeface="Wingdings 2" panose="05020102010507070707" pitchFamily="18" charset="2"/>
+              <a:buNone/>
+            </a:pPr>
+            <a:r>
+              <a:rPr lang="en-US" dirty="0"/>
+              <a:t>                            //using break statement inside the inner loop  </a:t>
+            </a:r>
+          </a:p>
+          <a:p>
+            <a:pPr marL="0" indent="0">
+              <a:buFont typeface="Wingdings 2" panose="05020102010507070707" pitchFamily="18" charset="2"/>
+              <a:buNone/>
+            </a:pPr>
+            <a:r>
+              <a:rPr lang="en-US" dirty="0"/>
+              <a:t>                            break;    </a:t>
+            </a:r>
+          </a:p>
+          <a:p>
+            <a:pPr marL="0" indent="0">
+              <a:buFont typeface="Wingdings 2" panose="05020102010507070707" pitchFamily="18" charset="2"/>
+              <a:buNone/>
+            </a:pPr>
+            <a:r>
+              <a:rPr lang="en-US" dirty="0"/>
+              <a:t>                        }    </a:t>
+            </a:r>
+          </a:p>
+          <a:p>
+            <a:pPr marL="0" indent="0">
+              <a:buFont typeface="Wingdings 2" panose="05020102010507070707" pitchFamily="18" charset="2"/>
+              <a:buNone/>
+            </a:pPr>
+            <a:r>
+              <a:rPr lang="en-US" dirty="0"/>
+              <a:t>                        </a:t>
+            </a:r>
+            <a:r>
+              <a:rPr lang="en-US" dirty="0" err="1"/>
+              <a:t>System.out.println</a:t>
+            </a:r>
+            <a:r>
+              <a:rPr lang="en-US" dirty="0"/>
+              <a:t>(</a:t>
+            </a:r>
+            <a:r>
+              <a:rPr lang="en-US" dirty="0" err="1"/>
+              <a:t>i</a:t>
+            </a:r>
+            <a:r>
+              <a:rPr lang="en-US" dirty="0"/>
+              <a:t>+" "+j);    </a:t>
+            </a:r>
+          </a:p>
+          <a:p>
+            <a:pPr marL="0" indent="0">
+              <a:buFont typeface="Wingdings 2" panose="05020102010507070707" pitchFamily="18" charset="2"/>
+              <a:buNone/>
+            </a:pPr>
+            <a:r>
+              <a:rPr lang="en-US" dirty="0"/>
+              <a:t>                    }    </a:t>
+            </a:r>
+          </a:p>
+          <a:p>
+            <a:pPr marL="0" indent="0">
+              <a:buFont typeface="Wingdings 2" panose="05020102010507070707" pitchFamily="18" charset="2"/>
+              <a:buNone/>
+            </a:pPr>
+            <a:r>
+              <a:rPr lang="en-US" dirty="0"/>
+              <a:t>            }    }  }</a:t>
+            </a:r>
+          </a:p>
+        </p:txBody>
+      </p:sp>
+    </p:spTree>
+    <p:extLst>
+      <p:ext uri="{BB962C8B-B14F-4D97-AF65-F5344CB8AC3E}">
+        <p14:creationId xmlns:p14="http://schemas.microsoft.com/office/powerpoint/2010/main" val="4047627963"/>
+      </p:ext>
+    </p:extLst>
+  </p:cSld>
+  <p:clrMapOvr>
+    <a:masterClrMapping/>
+  </p:clrMapOvr>
+</p:sld>
+</file>
+
+<file path=ppt/slides/slide51.xml><?xml version="1.0" encoding="utf-8"?>
+<p:sld xmlns:a="http://schemas.openxmlformats.org/drawingml/2006/main" xmlns:r="http://schemas.openxmlformats.org/officeDocument/2006/relationships" xmlns:p="http://schemas.openxmlformats.org/presentationml/2006/main">
+  <p:cSld>
+    <p:spTree>
+      <p:nvGrpSpPr>
+        <p:cNvPr id="1" name=""/>
+        <p:cNvGrpSpPr/>
+        <p:nvPr/>
+      </p:nvGrpSpPr>
+      <p:grpSpPr>
+        <a:xfrm>
+          <a:off x="0" y="0"/>
+          <a:ext cx="0" cy="0"/>
+          <a:chOff x="0" y="0"/>
+          <a:chExt cx="0" cy="0"/>
+        </a:xfrm>
+      </p:grpSpPr>
+      <p:sp>
+        <p:nvSpPr>
+          <p:cNvPr id="2" name="Content Placeholder 2">
+            <a:extLst>
+              <a:ext uri="{FF2B5EF4-FFF2-40B4-BE49-F238E27FC236}">
+                <a16:creationId xmlns:a16="http://schemas.microsoft.com/office/drawing/2014/main" id="{0748BD8E-3FF7-C3E0-A38C-4CB2C2B1E46C}"/>
+              </a:ext>
+            </a:extLst>
+          </p:cNvPr>
+          <p:cNvSpPr txBox="1">
+            <a:spLocks/>
+          </p:cNvSpPr>
+          <p:nvPr/>
+        </p:nvSpPr>
+        <p:spPr>
+          <a:xfrm>
+            <a:off x="514350" y="798022"/>
+            <a:ext cx="11144250" cy="6059978"/>
+          </a:xfrm>
+          <a:prstGeom prst="rect">
+            <a:avLst/>
+          </a:prstGeom>
+        </p:spPr>
+        <p:txBody>
+          <a:bodyPr>
+            <a:normAutofit fontScale="92500" lnSpcReduction="20000"/>
+          </a:bodyPr>
+          <a:lstStyle>
+            <a:lvl1pPr marL="306000" indent="-306000" algn="l" defTabSz="457200" rtl="0" eaLnBrk="1" latinLnBrk="0" hangingPunct="1">
+              <a:spcBef>
+                <a:spcPct val="20000"/>
+              </a:spcBef>
+              <a:spcAft>
+                <a:spcPts val="600"/>
+              </a:spcAft>
+              <a:buClr>
+                <a:schemeClr val="accent2"/>
+              </a:buClr>
+              <a:buSzPct val="92000"/>
+              <a:buFont typeface="Wingdings 2" panose="05020102010507070707" pitchFamily="18" charset="2"/>
+              <a:buChar char=""/>
+              <a:defRPr sz="1800" kern="1200">
+                <a:solidFill>
+                  <a:schemeClr val="tx2"/>
+                </a:solidFill>
+                <a:latin typeface="+mn-lt"/>
+                <a:ea typeface="+mn-ea"/>
+                <a:cs typeface="+mn-cs"/>
+              </a:defRPr>
+            </a:lvl1pPr>
+            <a:lvl2pPr marL="630000" indent="-306000" algn="l" defTabSz="457200" rtl="0" eaLnBrk="1" latinLnBrk="0" hangingPunct="1">
+              <a:spcBef>
+                <a:spcPct val="20000"/>
+              </a:spcBef>
+              <a:spcAft>
+                <a:spcPts val="600"/>
+              </a:spcAft>
+              <a:buClr>
+                <a:schemeClr val="accent2"/>
+              </a:buClr>
+              <a:buSzPct val="92000"/>
+              <a:buFont typeface="Wingdings 2" panose="05020102010507070707" pitchFamily="18" charset="2"/>
+              <a:buChar char=""/>
+              <a:defRPr sz="1600" kern="1200">
+                <a:solidFill>
+                  <a:schemeClr val="tx2"/>
+                </a:solidFill>
+                <a:latin typeface="+mn-lt"/>
+                <a:ea typeface="+mn-ea"/>
+                <a:cs typeface="+mn-cs"/>
+              </a:defRPr>
+            </a:lvl2pPr>
+            <a:lvl3pPr marL="900000" indent="-270000" algn="l" defTabSz="457200" rtl="0" eaLnBrk="1" latinLnBrk="0" hangingPunct="1">
+              <a:spcBef>
+                <a:spcPct val="20000"/>
+              </a:spcBef>
+              <a:spcAft>
+                <a:spcPts val="600"/>
+              </a:spcAft>
+              <a:buClr>
+                <a:schemeClr val="accent2"/>
+              </a:buClr>
+              <a:buSzPct val="92000"/>
+              <a:buFont typeface="Wingdings 2" panose="05020102010507070707" pitchFamily="18" charset="2"/>
+              <a:buChar char=""/>
+              <a:defRPr sz="1400" kern="1200">
+                <a:solidFill>
+                  <a:schemeClr val="tx2"/>
+                </a:solidFill>
+                <a:latin typeface="+mn-lt"/>
+                <a:ea typeface="+mn-ea"/>
+                <a:cs typeface="+mn-cs"/>
+              </a:defRPr>
+            </a:lvl3pPr>
+            <a:lvl4pPr marL="1242000" indent="-234000" algn="l" defTabSz="457200" rtl="0" eaLnBrk="1" latinLnBrk="0" hangingPunct="1">
+              <a:spcBef>
+                <a:spcPct val="20000"/>
+              </a:spcBef>
+              <a:spcAft>
+                <a:spcPts val="600"/>
+              </a:spcAft>
+              <a:buClr>
+                <a:schemeClr val="accent2"/>
+              </a:buClr>
+              <a:buSzPct val="92000"/>
+              <a:buFont typeface="Wingdings 2" panose="05020102010507070707" pitchFamily="18" charset="2"/>
+              <a:buChar char=""/>
+              <a:defRPr sz="1200" kern="1200">
+                <a:solidFill>
+                  <a:schemeClr val="tx2"/>
+                </a:solidFill>
+                <a:latin typeface="+mn-lt"/>
+                <a:ea typeface="+mn-ea"/>
+                <a:cs typeface="+mn-cs"/>
+              </a:defRPr>
+            </a:lvl4pPr>
+            <a:lvl5pPr marL="1602000" indent="-234000" algn="l" defTabSz="457200" rtl="0" eaLnBrk="1" latinLnBrk="0" hangingPunct="1">
+              <a:spcBef>
+                <a:spcPct val="20000"/>
+              </a:spcBef>
+              <a:spcAft>
+                <a:spcPts val="600"/>
+              </a:spcAft>
+              <a:buClr>
+                <a:schemeClr val="accent2"/>
+              </a:buClr>
+              <a:buSzPct val="92000"/>
+              <a:buFont typeface="Wingdings 2" panose="05020102010507070707" pitchFamily="18" charset="2"/>
+              <a:buChar char=""/>
+              <a:defRPr sz="1200" kern="1200">
+                <a:solidFill>
+                  <a:schemeClr val="tx2"/>
+                </a:solidFill>
+                <a:latin typeface="+mn-lt"/>
+                <a:ea typeface="+mn-ea"/>
+                <a:cs typeface="+mn-cs"/>
+              </a:defRPr>
+            </a:lvl5pPr>
+            <a:lvl6pPr marL="1900000" indent="-228600" algn="l" defTabSz="457200" rtl="0" eaLnBrk="1" latinLnBrk="0" hangingPunct="1">
+              <a:spcBef>
+                <a:spcPct val="20000"/>
+              </a:spcBef>
+              <a:spcAft>
+                <a:spcPts val="600"/>
+              </a:spcAft>
+              <a:buClr>
+                <a:schemeClr val="accent2"/>
+              </a:buClr>
+              <a:buSzPct val="92000"/>
+              <a:buFont typeface="Wingdings 2" panose="05020102010507070707" pitchFamily="18" charset="2"/>
+              <a:buChar char=""/>
+              <a:defRPr sz="1200" kern="1200">
+                <a:solidFill>
+                  <a:schemeClr val="tx2"/>
+                </a:solidFill>
+                <a:latin typeface="+mn-lt"/>
+                <a:ea typeface="+mn-ea"/>
+                <a:cs typeface="+mn-cs"/>
+              </a:defRPr>
+            </a:lvl6pPr>
+            <a:lvl7pPr marL="2200000" indent="-228600" algn="l" defTabSz="457200" rtl="0" eaLnBrk="1" latinLnBrk="0" hangingPunct="1">
+              <a:spcBef>
+                <a:spcPct val="20000"/>
+              </a:spcBef>
+              <a:spcAft>
+                <a:spcPts val="600"/>
+              </a:spcAft>
+              <a:buClr>
+                <a:schemeClr val="accent2"/>
+              </a:buClr>
+              <a:buSzPct val="92000"/>
+              <a:buFont typeface="Wingdings 2" panose="05020102010507070707" pitchFamily="18" charset="2"/>
+              <a:buChar char=""/>
+              <a:defRPr sz="1200" kern="1200">
+                <a:solidFill>
+                  <a:schemeClr val="tx2"/>
+                </a:solidFill>
+                <a:latin typeface="+mn-lt"/>
+                <a:ea typeface="+mn-ea"/>
+                <a:cs typeface="+mn-cs"/>
+              </a:defRPr>
+            </a:lvl7pPr>
+            <a:lvl8pPr marL="2500000" indent="-228600" algn="l" defTabSz="457200" rtl="0" eaLnBrk="1" latinLnBrk="0" hangingPunct="1">
+              <a:spcBef>
+                <a:spcPct val="20000"/>
+              </a:spcBef>
+              <a:spcAft>
+                <a:spcPts val="600"/>
+              </a:spcAft>
+              <a:buClr>
+                <a:schemeClr val="accent2"/>
+              </a:buClr>
+              <a:buSzPct val="92000"/>
+              <a:buFont typeface="Wingdings 2" panose="05020102010507070707" pitchFamily="18" charset="2"/>
+              <a:buChar char=""/>
+              <a:defRPr sz="1200" kern="1200">
+                <a:solidFill>
+                  <a:schemeClr val="tx2"/>
+                </a:solidFill>
+                <a:latin typeface="+mn-lt"/>
+                <a:ea typeface="+mn-ea"/>
+                <a:cs typeface="+mn-cs"/>
+              </a:defRPr>
+            </a:lvl8pPr>
+            <a:lvl9pPr marL="2800000" indent="-228600" algn="l" defTabSz="457200" rtl="0" eaLnBrk="1" latinLnBrk="0" hangingPunct="1">
+              <a:spcBef>
+                <a:spcPct val="20000"/>
+              </a:spcBef>
+              <a:spcAft>
+                <a:spcPts val="600"/>
+              </a:spcAft>
+              <a:buClr>
+                <a:schemeClr val="accent2"/>
+              </a:buClr>
+              <a:buSzPct val="92000"/>
+              <a:buFont typeface="Wingdings 2" panose="05020102010507070707" pitchFamily="18" charset="2"/>
+              <a:buChar char=""/>
+              <a:defRPr sz="1200" kern="1200">
+                <a:solidFill>
+                  <a:schemeClr val="tx2"/>
+                </a:solidFill>
+                <a:latin typeface="+mn-lt"/>
+                <a:ea typeface="+mn-ea"/>
+                <a:cs typeface="+mn-cs"/>
+              </a:defRPr>
+            </a:lvl9pPr>
+          </a:lstStyle>
+          <a:p>
+            <a:r>
+              <a:rPr lang="en-US" b="1" dirty="0"/>
+              <a:t>Break Statement in while loop</a:t>
+            </a:r>
+          </a:p>
+          <a:p>
+            <a:pPr marL="0" indent="0">
+              <a:buFont typeface="Wingdings 2" panose="05020102010507070707" pitchFamily="18" charset="2"/>
+              <a:buNone/>
+            </a:pPr>
+            <a:r>
+              <a:rPr lang="en-US" b="1" dirty="0"/>
+              <a:t>Example:</a:t>
+            </a:r>
+            <a:endParaRPr lang="en-US" dirty="0"/>
+          </a:p>
+          <a:p>
+            <a:pPr marL="0" indent="0">
+              <a:buFont typeface="Wingdings 2" panose="05020102010507070707" pitchFamily="18" charset="2"/>
+              <a:buNone/>
+            </a:pPr>
+            <a:r>
+              <a:rPr lang="en-US" dirty="0"/>
+              <a:t>//Java Program to demonstrate the use of break statement  </a:t>
+            </a:r>
+          </a:p>
+          <a:p>
+            <a:pPr marL="0" indent="0">
+              <a:buFont typeface="Wingdings 2" panose="05020102010507070707" pitchFamily="18" charset="2"/>
+              <a:buNone/>
+            </a:pPr>
+            <a:r>
+              <a:rPr lang="en-US" dirty="0"/>
+              <a:t>//inside the while loop.  </a:t>
+            </a:r>
+          </a:p>
+          <a:p>
+            <a:pPr marL="0" indent="0">
+              <a:buFont typeface="Wingdings 2" panose="05020102010507070707" pitchFamily="18" charset="2"/>
+              <a:buNone/>
+            </a:pPr>
+            <a:r>
+              <a:rPr lang="en-US" dirty="0"/>
+              <a:t>public class </a:t>
+            </a:r>
+            <a:r>
+              <a:rPr lang="en-US" dirty="0" err="1"/>
+              <a:t>BreakWhileExample</a:t>
+            </a:r>
+            <a:r>
+              <a:rPr lang="en-US" dirty="0"/>
+              <a:t> {  </a:t>
+            </a:r>
+          </a:p>
+          <a:p>
+            <a:pPr marL="0" indent="0">
+              <a:buFont typeface="Wingdings 2" panose="05020102010507070707" pitchFamily="18" charset="2"/>
+              <a:buNone/>
+            </a:pPr>
+            <a:r>
+              <a:rPr lang="en-US" dirty="0"/>
+              <a:t>public static void main(String[] </a:t>
+            </a:r>
+            <a:r>
+              <a:rPr lang="en-US" dirty="0" err="1"/>
+              <a:t>args</a:t>
+            </a:r>
+            <a:r>
+              <a:rPr lang="en-US" dirty="0"/>
+              <a:t>) {  </a:t>
+            </a:r>
+          </a:p>
+          <a:p>
+            <a:pPr marL="0" indent="0">
+              <a:buFont typeface="Wingdings 2" panose="05020102010507070707" pitchFamily="18" charset="2"/>
+              <a:buNone/>
+            </a:pPr>
+            <a:r>
+              <a:rPr lang="en-US" dirty="0"/>
+              <a:t>    //while loop  </a:t>
+            </a:r>
+          </a:p>
+          <a:p>
+            <a:pPr marL="0" indent="0">
+              <a:buFont typeface="Wingdings 2" panose="05020102010507070707" pitchFamily="18" charset="2"/>
+              <a:buNone/>
+            </a:pPr>
+            <a:r>
+              <a:rPr lang="en-US" dirty="0"/>
+              <a:t>    int </a:t>
+            </a:r>
+            <a:r>
+              <a:rPr lang="en-US" dirty="0" err="1"/>
+              <a:t>i</a:t>
+            </a:r>
+            <a:r>
+              <a:rPr lang="en-US" dirty="0"/>
+              <a:t>=1;  </a:t>
+            </a:r>
+          </a:p>
+          <a:p>
+            <a:pPr marL="0" indent="0">
+              <a:buFont typeface="Wingdings 2" panose="05020102010507070707" pitchFamily="18" charset="2"/>
+              <a:buNone/>
+            </a:pPr>
+            <a:r>
+              <a:rPr lang="en-US" dirty="0"/>
+              <a:t>    while(</a:t>
+            </a:r>
+            <a:r>
+              <a:rPr lang="en-US" dirty="0" err="1"/>
+              <a:t>i</a:t>
+            </a:r>
+            <a:r>
+              <a:rPr lang="en-US" dirty="0"/>
+              <a:t>&lt;=10){  </a:t>
+            </a:r>
+          </a:p>
+          <a:p>
+            <a:pPr marL="0" indent="0">
+              <a:buFont typeface="Wingdings 2" panose="05020102010507070707" pitchFamily="18" charset="2"/>
+              <a:buNone/>
+            </a:pPr>
+            <a:r>
+              <a:rPr lang="en-US" dirty="0"/>
+              <a:t>        if(</a:t>
+            </a:r>
+            <a:r>
+              <a:rPr lang="en-US" dirty="0" err="1"/>
+              <a:t>i</a:t>
+            </a:r>
+            <a:r>
+              <a:rPr lang="en-US" dirty="0"/>
+              <a:t>==5){  </a:t>
+            </a:r>
+          </a:p>
+          <a:p>
+            <a:pPr marL="0" indent="0">
+              <a:buFont typeface="Wingdings 2" panose="05020102010507070707" pitchFamily="18" charset="2"/>
+              <a:buNone/>
+            </a:pPr>
+            <a:r>
+              <a:rPr lang="en-US" dirty="0"/>
+              <a:t>            //using break statement  </a:t>
+            </a:r>
+          </a:p>
+          <a:p>
+            <a:pPr marL="0" indent="0">
+              <a:buFont typeface="Wingdings 2" panose="05020102010507070707" pitchFamily="18" charset="2"/>
+              <a:buNone/>
+            </a:pPr>
+            <a:r>
+              <a:rPr lang="en-US" dirty="0"/>
+              <a:t>            </a:t>
+            </a:r>
+            <a:r>
+              <a:rPr lang="en-US" dirty="0" err="1"/>
+              <a:t>i</a:t>
+            </a:r>
+            <a:r>
+              <a:rPr lang="en-US" dirty="0"/>
+              <a:t>++;  </a:t>
+            </a:r>
+          </a:p>
+          <a:p>
+            <a:pPr marL="0" indent="0">
+              <a:buFont typeface="Wingdings 2" panose="05020102010507070707" pitchFamily="18" charset="2"/>
+              <a:buNone/>
+            </a:pPr>
+            <a:r>
+              <a:rPr lang="en-US" dirty="0"/>
+              <a:t>            break;//it will break the loop  </a:t>
+            </a:r>
+          </a:p>
+          <a:p>
+            <a:pPr marL="0" indent="0">
+              <a:buFont typeface="Wingdings 2" panose="05020102010507070707" pitchFamily="18" charset="2"/>
+              <a:buNone/>
+            </a:pPr>
+            <a:r>
+              <a:rPr lang="en-US" dirty="0"/>
+              <a:t>        }  </a:t>
+            </a:r>
+          </a:p>
+          <a:p>
+            <a:pPr marL="0" indent="0">
+              <a:buFont typeface="Wingdings 2" panose="05020102010507070707" pitchFamily="18" charset="2"/>
+              <a:buNone/>
+            </a:pPr>
+            <a:r>
+              <a:rPr lang="en-US" dirty="0"/>
+              <a:t>        </a:t>
+            </a:r>
+            <a:r>
+              <a:rPr lang="en-US" dirty="0" err="1"/>
+              <a:t>System.out.println</a:t>
+            </a:r>
+            <a:r>
+              <a:rPr lang="en-US" dirty="0"/>
+              <a:t>(</a:t>
+            </a:r>
+            <a:r>
+              <a:rPr lang="en-US" dirty="0" err="1"/>
+              <a:t>i</a:t>
+            </a:r>
+            <a:r>
+              <a:rPr lang="en-US" dirty="0"/>
+              <a:t>);  </a:t>
+            </a:r>
+          </a:p>
+          <a:p>
+            <a:pPr marL="0" indent="0">
+              <a:buFont typeface="Wingdings 2" panose="05020102010507070707" pitchFamily="18" charset="2"/>
+              <a:buNone/>
+            </a:pPr>
+            <a:r>
+              <a:rPr lang="en-US" dirty="0"/>
+              <a:t>        </a:t>
+            </a:r>
+            <a:r>
+              <a:rPr lang="en-US" dirty="0" err="1"/>
+              <a:t>i</a:t>
+            </a:r>
+            <a:r>
+              <a:rPr lang="en-US" dirty="0"/>
+              <a:t>++;  </a:t>
+            </a:r>
+          </a:p>
+          <a:p>
+            <a:pPr marL="0" indent="0">
+              <a:buFont typeface="Wingdings 2" panose="05020102010507070707" pitchFamily="18" charset="2"/>
+              <a:buNone/>
+            </a:pPr>
+            <a:r>
+              <a:rPr lang="en-US" dirty="0"/>
+              <a:t>    }  }}  </a:t>
+            </a:r>
+          </a:p>
+        </p:txBody>
+      </p:sp>
+    </p:spTree>
+    <p:extLst>
+      <p:ext uri="{BB962C8B-B14F-4D97-AF65-F5344CB8AC3E}">
+        <p14:creationId xmlns:p14="http://schemas.microsoft.com/office/powerpoint/2010/main" val="153287823"/>
+      </p:ext>
+    </p:extLst>
+  </p:cSld>
+  <p:clrMapOvr>
+    <a:masterClrMapping/>
+  </p:clrMapOvr>
+</p:sld>
+</file>
+
+<file path=ppt/slides/slide52.xml><?xml version="1.0" encoding="utf-8"?>
+<p:sld xmlns:a="http://schemas.openxmlformats.org/drawingml/2006/main" xmlns:r="http://schemas.openxmlformats.org/officeDocument/2006/relationships" xmlns:p="http://schemas.openxmlformats.org/presentationml/2006/main">
+  <p:cSld>
+    <p:spTree>
+      <p:nvGrpSpPr>
+        <p:cNvPr id="1" name=""/>
+        <p:cNvGrpSpPr/>
+        <p:nvPr/>
+      </p:nvGrpSpPr>
+      <p:grpSpPr>
+        <a:xfrm>
+          <a:off x="0" y="0"/>
+          <a:ext cx="0" cy="0"/>
+          <a:chOff x="0" y="0"/>
+          <a:chExt cx="0" cy="0"/>
+        </a:xfrm>
+      </p:grpSpPr>
+      <p:sp>
+        <p:nvSpPr>
+          <p:cNvPr id="2" name="Content Placeholder 2">
+            <a:extLst>
+              <a:ext uri="{FF2B5EF4-FFF2-40B4-BE49-F238E27FC236}">
                 <a16:creationId xmlns:a16="http://schemas.microsoft.com/office/drawing/2014/main" id="{186D97FE-78B7-4AA5-61FB-3DD9E5645376}"/>
               </a:ext>
             </a:extLst>
@@ -22901,7 +23166,7 @@
 </p:sld>
 </file>
 
-<file path=ppt/slides/slide51.xml><?xml version="1.0" encoding="utf-8"?>
+<file path=ppt/slides/slide53.xml><?xml version="1.0" encoding="utf-8"?>
 <p:sld xmlns:a="http://schemas.openxmlformats.org/drawingml/2006/main" xmlns:r="http://schemas.openxmlformats.org/officeDocument/2006/relationships" xmlns:p="http://schemas.openxmlformats.org/presentationml/2006/main">
   <p:cSld>
     <p:spTree>
@@ -23235,7 +23500,7 @@
 </p:sld>
 </file>
 
-<file path=ppt/slides/slide52.xml><?xml version="1.0" encoding="utf-8"?>
+<file path=ppt/slides/slide54.xml><?xml version="1.0" encoding="utf-8"?>
 <p:sld xmlns:a="http://schemas.openxmlformats.org/drawingml/2006/main" xmlns:r="http://schemas.openxmlformats.org/officeDocument/2006/relationships" xmlns:p="http://schemas.openxmlformats.org/presentationml/2006/main">
   <p:cSld>
     <p:spTree>
@@ -23613,7 +23878,7 @@
 </p:sld>
 </file>
 
-<file path=ppt/slides/slide53.xml><?xml version="1.0" encoding="utf-8"?>
+<file path=ppt/slides/slide55.xml><?xml version="1.0" encoding="utf-8"?>
 <p:sld xmlns:a="http://schemas.openxmlformats.org/drawingml/2006/main" xmlns:r="http://schemas.openxmlformats.org/officeDocument/2006/relationships" xmlns:p="http://schemas.openxmlformats.org/presentationml/2006/main">
   <p:cSld>
     <p:spTree>
@@ -24022,7 +24287,7 @@
 </p:sld>
 </file>
 
-<file path=ppt/slides/slide54.xml><?xml version="1.0" encoding="utf-8"?>
+<file path=ppt/slides/slide56.xml><?xml version="1.0" encoding="utf-8"?>
 <p:sld xmlns:a="http://schemas.openxmlformats.org/drawingml/2006/main" xmlns:r="http://schemas.openxmlformats.org/officeDocument/2006/relationships" xmlns:p="http://schemas.openxmlformats.org/presentationml/2006/main">
   <p:cSld>
     <p:spTree>
@@ -24430,7 +24695,7 @@
 </p:sld>
 </file>
 
-<file path=ppt/slides/slide55.xml><?xml version="1.0" encoding="utf-8"?>
+<file path=ppt/slides/slide57.xml><?xml version="1.0" encoding="utf-8"?>
 <p:sld xmlns:a="http://schemas.openxmlformats.org/drawingml/2006/main" xmlns:r="http://schemas.openxmlformats.org/officeDocument/2006/relationships" xmlns:p="http://schemas.openxmlformats.org/presentationml/2006/main">
   <p:cSld>
     <p:spTree>
@@ -24759,7 +25024,7 @@
 </p:sld>
 </file>
 
-<file path=ppt/slides/slide56.xml><?xml version="1.0" encoding="utf-8"?>
+<file path=ppt/slides/slide58.xml><?xml version="1.0" encoding="utf-8"?>
 <p:sld xmlns:a="http://schemas.openxmlformats.org/drawingml/2006/main" xmlns:r="http://schemas.openxmlformats.org/officeDocument/2006/relationships" xmlns:p="http://schemas.openxmlformats.org/presentationml/2006/main">
   <p:cSld>
     <p:spTree>
@@ -25123,7 +25388,7 @@
 </p:sld>
 </file>
 
-<file path=ppt/slides/slide57.xml><?xml version="1.0" encoding="utf-8"?>
+<file path=ppt/slides/slide59.xml><?xml version="1.0" encoding="utf-8"?>
 <p:sld xmlns:a="http://schemas.openxmlformats.org/drawingml/2006/main" xmlns:r="http://schemas.openxmlformats.org/officeDocument/2006/relationships" xmlns:p="http://schemas.openxmlformats.org/presentationml/2006/main">
   <p:cSld>
     <p:spTree>
@@ -25479,7 +25744,99 @@
 </p:sld>
 </file>
 
-<file path=ppt/slides/slide58.xml><?xml version="1.0" encoding="utf-8"?>
+<file path=ppt/slides/slide6.xml><?xml version="1.0" encoding="utf-8"?>
+<p:sld xmlns:a="http://schemas.openxmlformats.org/drawingml/2006/main" xmlns:r="http://schemas.openxmlformats.org/officeDocument/2006/relationships" xmlns:p="http://schemas.openxmlformats.org/presentationml/2006/main">
+  <p:cSld>
+    <p:spTree>
+      <p:nvGrpSpPr>
+        <p:cNvPr id="1" name=""/>
+        <p:cNvGrpSpPr/>
+        <p:nvPr/>
+      </p:nvGrpSpPr>
+      <p:grpSpPr>
+        <a:xfrm>
+          <a:off x="0" y="0"/>
+          <a:ext cx="0" cy="0"/>
+          <a:chOff x="0" y="0"/>
+          <a:chExt cx="0" cy="0"/>
+        </a:xfrm>
+      </p:grpSpPr>
+      <p:sp>
+        <p:nvSpPr>
+          <p:cNvPr id="2" name="Title 1">
+            <a:extLst>
+              <a:ext uri="{FF2B5EF4-FFF2-40B4-BE49-F238E27FC236}">
+                <a16:creationId xmlns:a16="http://schemas.microsoft.com/office/drawing/2014/main" id="{DE6FF8BA-58A4-F484-52F5-5E5F75F9EF72}"/>
+              </a:ext>
+            </a:extLst>
+          </p:cNvPr>
+          <p:cNvSpPr>
+            <a:spLocks noGrp="1"/>
+          </p:cNvSpPr>
+          <p:nvPr>
+            <p:ph type="title"/>
+          </p:nvPr>
+        </p:nvSpPr>
+        <p:spPr/>
+        <p:txBody>
+          <a:bodyPr/>
+          <a:lstStyle/>
+          <a:p>
+            <a:r>
+              <a:rPr lang="en-US" dirty="0"/>
+              <a:t>Features of java</a:t>
+            </a:r>
+            <a:endParaRPr lang="en-IN" dirty="0"/>
+          </a:p>
+        </p:txBody>
+      </p:sp>
+      <p:pic>
+        <p:nvPicPr>
+          <p:cNvPr id="4" name="Picture 3">
+            <a:extLst>
+              <a:ext uri="{FF2B5EF4-FFF2-40B4-BE49-F238E27FC236}">
+                <a16:creationId xmlns:a16="http://schemas.microsoft.com/office/drawing/2014/main" id="{C70801D5-5026-9886-DFD8-4E1BE12DB6C4}"/>
+              </a:ext>
+            </a:extLst>
+          </p:cNvPr>
+          <p:cNvPicPr>
+            <a:picLocks noChangeAspect="1"/>
+          </p:cNvPicPr>
+          <p:nvPr/>
+        </p:nvPicPr>
+        <p:blipFill>
+          <a:blip r:embed="rId2"/>
+          <a:stretch>
+            <a:fillRect/>
+          </a:stretch>
+        </p:blipFill>
+        <p:spPr>
+          <a:xfrm>
+            <a:off x="1089892" y="1932511"/>
+            <a:ext cx="9794030" cy="4680726"/>
+          </a:xfrm>
+          <a:prstGeom prst="rect">
+            <a:avLst/>
+          </a:prstGeom>
+        </p:spPr>
+      </p:pic>
+    </p:spTree>
+    <p:extLst>
+      <p:ext uri="{BB962C8B-B14F-4D97-AF65-F5344CB8AC3E}">
+        <p14:creationId xmlns:p14="http://schemas.microsoft.com/office/powerpoint/2010/main" val="3062372378"/>
+      </p:ext>
+    </p:extLst>
+  </p:cSld>
+  <p:clrMapOvr>
+    <a:masterClrMapping/>
+  </p:clrMapOvr>
+  <p:transition spd="slow">
+    <p:wipe/>
+  </p:transition>
+</p:sld>
+</file>
+
+<file path=ppt/slides/slide60.xml><?xml version="1.0" encoding="utf-8"?>
 <p:sld xmlns:a="http://schemas.openxmlformats.org/drawingml/2006/main" xmlns:r="http://schemas.openxmlformats.org/officeDocument/2006/relationships" xmlns:p="http://schemas.openxmlformats.org/presentationml/2006/main">
   <p:cSld>
     <p:spTree>
@@ -25854,7 +26211,7 @@
 </p:sld>
 </file>
 
-<file path=ppt/slides/slide59.xml><?xml version="1.0" encoding="utf-8"?>
+<file path=ppt/slides/slide61.xml><?xml version="1.0" encoding="utf-8"?>
 <p:sld xmlns:a="http://schemas.openxmlformats.org/drawingml/2006/main" xmlns:r="http://schemas.openxmlformats.org/officeDocument/2006/relationships" xmlns:p="http://schemas.openxmlformats.org/presentationml/2006/main">
   <p:cSld>
     <p:spTree>
@@ -26153,211 +26510,7 @@
 </p:sld>
 </file>
 
-<file path=ppt/slides/slide6.xml><?xml version="1.0" encoding="utf-8"?>
-<p:sld xmlns:a="http://schemas.openxmlformats.org/drawingml/2006/main" xmlns:r="http://schemas.openxmlformats.org/officeDocument/2006/relationships" xmlns:p="http://schemas.openxmlformats.org/presentationml/2006/main">
-  <p:cSld>
-    <p:spTree>
-      <p:nvGrpSpPr>
-        <p:cNvPr id="1" name=""/>
-        <p:cNvGrpSpPr/>
-        <p:nvPr/>
-      </p:nvGrpSpPr>
-      <p:grpSpPr>
-        <a:xfrm>
-          <a:off x="0" y="0"/>
-          <a:ext cx="0" cy="0"/>
-          <a:chOff x="0" y="0"/>
-          <a:chExt cx="0" cy="0"/>
-        </a:xfrm>
-      </p:grpSpPr>
-      <p:sp>
-        <p:nvSpPr>
-          <p:cNvPr id="3" name="TextBox 2">
-            <a:extLst>
-              <a:ext uri="{FF2B5EF4-FFF2-40B4-BE49-F238E27FC236}">
-                <a16:creationId xmlns:a16="http://schemas.microsoft.com/office/drawing/2014/main" id="{4A2704EB-FEF1-AC2D-85A1-6F194E413B6B}"/>
-              </a:ext>
-            </a:extLst>
-          </p:cNvPr>
-          <p:cNvSpPr txBox="1"/>
-          <p:nvPr/>
-        </p:nvSpPr>
-        <p:spPr>
-          <a:xfrm>
-            <a:off x="498764" y="822036"/>
-            <a:ext cx="11194471" cy="5262979"/>
-          </a:xfrm>
-          <a:prstGeom prst="rect">
-            <a:avLst/>
-          </a:prstGeom>
-          <a:noFill/>
-        </p:spPr>
-        <p:txBody>
-          <a:bodyPr wrap="square">
-            <a:spAutoFit/>
-          </a:bodyPr>
-          <a:lstStyle/>
-          <a:p>
-            <a:r>
-              <a:rPr lang="en-US" sz="2400" b="1" dirty="0"/>
-              <a:t>Object-oriented</a:t>
-            </a:r>
-          </a:p>
-          <a:p>
-            <a:pPr marL="0" indent="0">
-              <a:buNone/>
-            </a:pPr>
-            <a:r>
-              <a:rPr lang="en-US" sz="2400" dirty="0"/>
-              <a:t>Java is an </a:t>
-            </a:r>
-            <a:r>
-              <a:rPr lang="en-US" sz="2400" dirty="0">
-                <a:hlinkClick r:id="rId2">
-                  <a:extLst>
-                    <a:ext uri="{A12FA001-AC4F-418D-AE19-62706E023703}">
-                      <ahyp:hlinkClr xmlns:ahyp="http://schemas.microsoft.com/office/drawing/2018/hyperlinkcolor" val="tx"/>
-                    </a:ext>
-                  </a:extLst>
-                </a:hlinkClick>
-              </a:rPr>
-              <a:t>object-oriented</a:t>
-            </a:r>
-            <a:r>
-              <a:rPr lang="en-US" sz="2400" dirty="0"/>
-              <a:t> programming language. Everything in Java is an object. Object-oriented means we organize our software as a combination of different types of objects that incorporates both data and behavior.</a:t>
-            </a:r>
-          </a:p>
-          <a:p>
-            <a:pPr marL="0" indent="0">
-              <a:buNone/>
-            </a:pPr>
-            <a:r>
-              <a:rPr lang="en-US" sz="2400" dirty="0"/>
-              <a:t>Object-oriented programming (OOPs) is a methodology that simplifies software development and maintenance by providing some rules.</a:t>
-            </a:r>
-          </a:p>
-          <a:p>
-            <a:endParaRPr lang="en-US" sz="2400" dirty="0"/>
-          </a:p>
-          <a:p>
-            <a:r>
-              <a:rPr lang="en-US" sz="2400" dirty="0"/>
-              <a:t>Basic concepts of OOPs are:</a:t>
-            </a:r>
-          </a:p>
-          <a:p>
-            <a:pPr marL="457200" indent="-457200">
-              <a:buFont typeface="+mj-lt"/>
-              <a:buAutoNum type="arabicPeriod"/>
-            </a:pPr>
-            <a:r>
-              <a:rPr lang="en-US" sz="2400" dirty="0"/>
-              <a:t>Class</a:t>
-            </a:r>
-          </a:p>
-          <a:p>
-            <a:pPr marL="457200" indent="-457200">
-              <a:buFont typeface="+mj-lt"/>
-              <a:buAutoNum type="arabicPeriod"/>
-            </a:pPr>
-            <a:r>
-              <a:rPr lang="en-US" sz="2400" dirty="0"/>
-              <a:t>Object</a:t>
-            </a:r>
-          </a:p>
-          <a:p>
-            <a:pPr marL="457200" indent="-457200">
-              <a:buFont typeface="+mj-lt"/>
-              <a:buAutoNum type="arabicPeriod"/>
-            </a:pPr>
-            <a:r>
-              <a:rPr lang="en-US" sz="2400" dirty="0">
-                <a:hlinkClick r:id="rId3">
-                  <a:extLst>
-                    <a:ext uri="{A12FA001-AC4F-418D-AE19-62706E023703}">
-                      <ahyp:hlinkClr xmlns:ahyp="http://schemas.microsoft.com/office/drawing/2018/hyperlinkcolor" val="tx"/>
-                    </a:ext>
-                  </a:extLst>
-                </a:hlinkClick>
-              </a:rPr>
-              <a:t>Inheritance</a:t>
-            </a:r>
-            <a:endParaRPr lang="en-US" sz="2400" dirty="0"/>
-          </a:p>
-          <a:p>
-            <a:pPr marL="457200" indent="-457200">
-              <a:buFont typeface="+mj-lt"/>
-              <a:buAutoNum type="arabicPeriod"/>
-            </a:pPr>
-            <a:r>
-              <a:rPr lang="en-US" sz="2400" dirty="0">
-                <a:hlinkClick r:id="rId4">
-                  <a:extLst>
-                    <a:ext uri="{A12FA001-AC4F-418D-AE19-62706E023703}">
-                      <ahyp:hlinkClr xmlns:ahyp="http://schemas.microsoft.com/office/drawing/2018/hyperlinkcolor" val="tx"/>
-                    </a:ext>
-                  </a:extLst>
-                </a:hlinkClick>
-              </a:rPr>
-              <a:t>Polymorphism</a:t>
-            </a:r>
-            <a:endParaRPr lang="en-US" sz="2400" dirty="0"/>
-          </a:p>
-          <a:p>
-            <a:pPr marL="457200" indent="-457200">
-              <a:buFont typeface="+mj-lt"/>
-              <a:buAutoNum type="arabicPeriod"/>
-            </a:pPr>
-            <a:r>
-              <a:rPr lang="en-US" sz="2400" dirty="0">
-                <a:hlinkClick r:id="rId5">
-                  <a:extLst>
-                    <a:ext uri="{A12FA001-AC4F-418D-AE19-62706E023703}">
-                      <ahyp:hlinkClr xmlns:ahyp="http://schemas.microsoft.com/office/drawing/2018/hyperlinkcolor" val="tx"/>
-                    </a:ext>
-                  </a:extLst>
-                </a:hlinkClick>
-              </a:rPr>
-              <a:t>Abstraction</a:t>
-            </a:r>
-            <a:endParaRPr lang="en-US" sz="2400" dirty="0"/>
-          </a:p>
-          <a:p>
-            <a:pPr marL="457200" indent="-457200">
-              <a:buFont typeface="+mj-lt"/>
-              <a:buAutoNum type="arabicPeriod"/>
-            </a:pPr>
-            <a:r>
-              <a:rPr lang="en-US" sz="2400" dirty="0">
-                <a:hlinkClick r:id="rId6">
-                  <a:extLst>
-                    <a:ext uri="{A12FA001-AC4F-418D-AE19-62706E023703}">
-                      <ahyp:hlinkClr xmlns:ahyp="http://schemas.microsoft.com/office/drawing/2018/hyperlinkcolor" val="tx"/>
-                    </a:ext>
-                  </a:extLst>
-                </a:hlinkClick>
-              </a:rPr>
-              <a:t>Encapsulation</a:t>
-            </a:r>
-            <a:endParaRPr lang="en-US" sz="2400" dirty="0"/>
-          </a:p>
-        </p:txBody>
-      </p:sp>
-    </p:spTree>
-    <p:extLst>
-      <p:ext uri="{BB962C8B-B14F-4D97-AF65-F5344CB8AC3E}">
-        <p14:creationId xmlns:p14="http://schemas.microsoft.com/office/powerpoint/2010/main" val="1534813979"/>
-      </p:ext>
-    </p:extLst>
-  </p:cSld>
-  <p:clrMapOvr>
-    <a:masterClrMapping/>
-  </p:clrMapOvr>
-</p:sld>
-</file>
-
-<file path=ppt/slides/slide60.xml><?xml version="1.0" encoding="utf-8"?>
+<file path=ppt/slides/slide62.xml><?xml version="1.0" encoding="utf-8"?>
 <p:sld xmlns:a="http://schemas.openxmlformats.org/drawingml/2006/main" xmlns:r="http://schemas.openxmlformats.org/officeDocument/2006/relationships" xmlns:p="http://schemas.openxmlformats.org/presentationml/2006/main">
   <p:cSld>
     <p:spTree>
@@ -26724,7 +26877,7 @@
 </p:sld>
 </file>
 
-<file path=ppt/slides/slide61.xml><?xml version="1.0" encoding="utf-8"?>
+<file path=ppt/slides/slide63.xml><?xml version="1.0" encoding="utf-8"?>
 <p:sld xmlns:a="http://schemas.openxmlformats.org/drawingml/2006/main" xmlns:r="http://schemas.openxmlformats.org/officeDocument/2006/relationships" xmlns:p="http://schemas.openxmlformats.org/presentationml/2006/main">
   <p:cSld>
     <p:spTree>
@@ -27203,7 +27356,7 @@
 </p:sld>
 </file>
 
-<file path=ppt/slides/slide62.xml><?xml version="1.0" encoding="utf-8"?>
+<file path=ppt/slides/slide64.xml><?xml version="1.0" encoding="utf-8"?>
 <p:sld xmlns:a="http://schemas.openxmlformats.org/drawingml/2006/main" xmlns:r="http://schemas.openxmlformats.org/officeDocument/2006/relationships" xmlns:p="http://schemas.openxmlformats.org/presentationml/2006/main">
   <p:cSld>
     <p:spTree>
@@ -27711,7 +27864,7 @@
 </p:sld>
 </file>
 
-<file path=ppt/slides/slide63.xml><?xml version="1.0" encoding="utf-8"?>
+<file path=ppt/slides/slide65.xml><?xml version="1.0" encoding="utf-8"?>
 <p:sld xmlns:a="http://schemas.openxmlformats.org/drawingml/2006/main" xmlns:r="http://schemas.openxmlformats.org/officeDocument/2006/relationships" xmlns:p="http://schemas.openxmlformats.org/presentationml/2006/main">
   <p:cSld>
     <p:spTree>
@@ -28245,7 +28398,7 @@
 </p:sld>
 </file>
 
-<file path=ppt/slides/slide64.xml><?xml version="1.0" encoding="utf-8"?>
+<file path=ppt/slides/slide66.xml><?xml version="1.0" encoding="utf-8"?>
 <p:sld xmlns:a="http://schemas.openxmlformats.org/drawingml/2006/main" xmlns:r="http://schemas.openxmlformats.org/officeDocument/2006/relationships" xmlns:p="http://schemas.openxmlformats.org/presentationml/2006/main">
   <p:cSld>
     <p:spTree>
@@ -28811,7 +28964,7 @@
 </p:sld>
 </file>
 
-<file path=ppt/slides/slide65.xml><?xml version="1.0" encoding="utf-8"?>
+<file path=ppt/slides/slide67.xml><?xml version="1.0" encoding="utf-8"?>
 <p:sld xmlns:a="http://schemas.openxmlformats.org/drawingml/2006/main" xmlns:r="http://schemas.openxmlformats.org/officeDocument/2006/relationships" xmlns:p="http://schemas.openxmlformats.org/presentationml/2006/main">
   <p:cSld>
     <p:spTree>
@@ -29147,7 +29300,7 @@
 </p:sld>
 </file>
 
-<file path=ppt/slides/slide66.xml><?xml version="1.0" encoding="utf-8"?>
+<file path=ppt/slides/slide68.xml><?xml version="1.0" encoding="utf-8"?>
 <p:sld xmlns:a="http://schemas.openxmlformats.org/drawingml/2006/main" xmlns:r="http://schemas.openxmlformats.org/officeDocument/2006/relationships" xmlns:p="http://schemas.openxmlformats.org/presentationml/2006/main">
   <p:cSld>
     <p:spTree>
@@ -29613,7 +29766,7 @@
 </p:sld>
 </file>
 
-<file path=ppt/slides/slide67.xml><?xml version="1.0" encoding="utf-8"?>
+<file path=ppt/slides/slide69.xml><?xml version="1.0" encoding="utf-8"?>
 <p:sld xmlns:a="http://schemas.openxmlformats.org/drawingml/2006/main" xmlns:r="http://schemas.openxmlformats.org/officeDocument/2006/relationships" xmlns:p="http://schemas.openxmlformats.org/presentationml/2006/main">
   <p:cSld>
     <p:spTree>
@@ -29897,7 +30050,161 @@
 </p:sld>
 </file>
 
-<file path=ppt/slides/slide68.xml><?xml version="1.0" encoding="utf-8"?>
+<file path=ppt/slides/slide7.xml><?xml version="1.0" encoding="utf-8"?>
+<p:sld xmlns:a="http://schemas.openxmlformats.org/drawingml/2006/main" xmlns:r="http://schemas.openxmlformats.org/officeDocument/2006/relationships" xmlns:p="http://schemas.openxmlformats.org/presentationml/2006/main">
+  <p:cSld>
+    <p:spTree>
+      <p:nvGrpSpPr>
+        <p:cNvPr id="1" name=""/>
+        <p:cNvGrpSpPr/>
+        <p:nvPr/>
+      </p:nvGrpSpPr>
+      <p:grpSpPr>
+        <a:xfrm>
+          <a:off x="0" y="0"/>
+          <a:ext cx="0" cy="0"/>
+          <a:chOff x="0" y="0"/>
+          <a:chExt cx="0" cy="0"/>
+        </a:xfrm>
+      </p:grpSpPr>
+      <p:pic>
+        <p:nvPicPr>
+          <p:cNvPr id="3" name="Picture 2">
+            <a:extLst>
+              <a:ext uri="{FF2B5EF4-FFF2-40B4-BE49-F238E27FC236}">
+                <a16:creationId xmlns:a16="http://schemas.microsoft.com/office/drawing/2014/main" id="{AB1987DE-E82F-5750-12EC-BCC3F2502EBC}"/>
+              </a:ext>
+            </a:extLst>
+          </p:cNvPr>
+          <p:cNvPicPr>
+            <a:picLocks noChangeAspect="1"/>
+          </p:cNvPicPr>
+          <p:nvPr/>
+        </p:nvPicPr>
+        <p:blipFill>
+          <a:blip r:embed="rId2"/>
+          <a:stretch>
+            <a:fillRect/>
+          </a:stretch>
+        </p:blipFill>
+        <p:spPr>
+          <a:xfrm>
+            <a:off x="1487055" y="1330036"/>
+            <a:ext cx="9107054" cy="5527964"/>
+          </a:xfrm>
+          <a:prstGeom prst="rect">
+            <a:avLst/>
+          </a:prstGeom>
+        </p:spPr>
+      </p:pic>
+      <p:sp>
+        <p:nvSpPr>
+          <p:cNvPr id="4" name="Rectangle 3">
+            <a:extLst>
+              <a:ext uri="{FF2B5EF4-FFF2-40B4-BE49-F238E27FC236}">
+                <a16:creationId xmlns:a16="http://schemas.microsoft.com/office/drawing/2014/main" id="{4DFB7665-C147-28C0-9A58-CD41024A0EAC}"/>
+              </a:ext>
+            </a:extLst>
+          </p:cNvPr>
+          <p:cNvSpPr/>
+          <p:nvPr/>
+        </p:nvSpPr>
+        <p:spPr>
+          <a:xfrm>
+            <a:off x="443345" y="563418"/>
+            <a:ext cx="11296073" cy="766618"/>
+          </a:xfrm>
+          <a:prstGeom prst="rect">
+            <a:avLst/>
+          </a:prstGeom>
+        </p:spPr>
+        <p:style>
+          <a:lnRef idx="2">
+            <a:schemeClr val="accent1">
+              <a:shade val="50000"/>
+            </a:schemeClr>
+          </a:lnRef>
+          <a:fillRef idx="1">
+            <a:schemeClr val="accent1"/>
+          </a:fillRef>
+          <a:effectRef idx="0">
+            <a:schemeClr val="accent1"/>
+          </a:effectRef>
+          <a:fontRef idx="minor">
+            <a:schemeClr val="lt1"/>
+          </a:fontRef>
+        </p:style>
+        <p:txBody>
+          <a:bodyPr rtlCol="0" anchor="ctr"/>
+          <a:lstStyle/>
+          <a:p>
+            <a:pPr algn="ctr"/>
+            <a:endParaRPr lang="en-IN"/>
+          </a:p>
+        </p:txBody>
+      </p:sp>
+      <p:sp>
+        <p:nvSpPr>
+          <p:cNvPr id="5" name="TextBox 4">
+            <a:extLst>
+              <a:ext uri="{FF2B5EF4-FFF2-40B4-BE49-F238E27FC236}">
+                <a16:creationId xmlns:a16="http://schemas.microsoft.com/office/drawing/2014/main" id="{B6E7448C-B4AC-89C4-5022-F2C8754D91D7}"/>
+              </a:ext>
+            </a:extLst>
+          </p:cNvPr>
+          <p:cNvSpPr txBox="1"/>
+          <p:nvPr/>
+        </p:nvSpPr>
+        <p:spPr>
+          <a:xfrm>
+            <a:off x="508000" y="563418"/>
+            <a:ext cx="11157527" cy="707886"/>
+          </a:xfrm>
+          <a:prstGeom prst="rect">
+            <a:avLst/>
+          </a:prstGeom>
+          <a:noFill/>
+        </p:spPr>
+        <p:txBody>
+          <a:bodyPr wrap="square" rtlCol="0">
+            <a:spAutoFit/>
+          </a:bodyPr>
+          <a:lstStyle/>
+          <a:p>
+            <a:pPr algn="ctr"/>
+            <a:r>
+              <a:rPr lang="en-US" sz="4000" b="1" dirty="0">
+                <a:solidFill>
+                  <a:schemeClr val="bg1"/>
+                </a:solidFill>
+              </a:rPr>
+              <a:t>Career in Java</a:t>
+            </a:r>
+            <a:endParaRPr lang="en-IN" sz="4000" b="1" dirty="0">
+              <a:solidFill>
+                <a:schemeClr val="bg1"/>
+              </a:solidFill>
+            </a:endParaRPr>
+          </a:p>
+        </p:txBody>
+      </p:sp>
+    </p:spTree>
+    <p:extLst>
+      <p:ext uri="{BB962C8B-B14F-4D97-AF65-F5344CB8AC3E}">
+        <p14:creationId xmlns:p14="http://schemas.microsoft.com/office/powerpoint/2010/main" val="950646925"/>
+      </p:ext>
+    </p:extLst>
+  </p:cSld>
+  <p:clrMapOvr>
+    <a:masterClrMapping/>
+  </p:clrMapOvr>
+  <p:transition spd="slow">
+    <p:wipe/>
+  </p:transition>
+</p:sld>
+</file>
+
+<file path=ppt/slides/slide70.xml><?xml version="1.0" encoding="utf-8"?>
 <p:sld xmlns:a="http://schemas.openxmlformats.org/drawingml/2006/main" xmlns:r="http://schemas.openxmlformats.org/officeDocument/2006/relationships" xmlns:p="http://schemas.openxmlformats.org/presentationml/2006/main">
   <p:cSld>
     <p:spTree>
@@ -30403,7 +30710,7 @@
 </p:sld>
 </file>
 
-<file path=ppt/slides/slide69.xml><?xml version="1.0" encoding="utf-8"?>
+<file path=ppt/slides/slide71.xml><?xml version="1.0" encoding="utf-8"?>
 <p:sld xmlns:a="http://schemas.openxmlformats.org/drawingml/2006/main" xmlns:r="http://schemas.openxmlformats.org/officeDocument/2006/relationships" xmlns:p="http://schemas.openxmlformats.org/presentationml/2006/main">
   <p:cSld>
     <p:spTree>
@@ -30433,174 +30740,7 @@
 </p:sld>
 </file>
 
-<file path=ppt/slides/slide7.xml><?xml version="1.0" encoding="utf-8"?>
-<p:sld xmlns:a="http://schemas.openxmlformats.org/drawingml/2006/main" xmlns:r="http://schemas.openxmlformats.org/officeDocument/2006/relationships" xmlns:p="http://schemas.openxmlformats.org/presentationml/2006/main">
-  <p:cSld>
-    <p:spTree>
-      <p:nvGrpSpPr>
-        <p:cNvPr id="1" name=""/>
-        <p:cNvGrpSpPr/>
-        <p:nvPr/>
-      </p:nvGrpSpPr>
-      <p:grpSpPr>
-        <a:xfrm>
-          <a:off x="0" y="0"/>
-          <a:ext cx="0" cy="0"/>
-          <a:chOff x="0" y="0"/>
-          <a:chExt cx="0" cy="0"/>
-        </a:xfrm>
-      </p:grpSpPr>
-      <p:sp>
-        <p:nvSpPr>
-          <p:cNvPr id="2" name="TextBox 1">
-            <a:extLst>
-              <a:ext uri="{FF2B5EF4-FFF2-40B4-BE49-F238E27FC236}">
-                <a16:creationId xmlns:a16="http://schemas.microsoft.com/office/drawing/2014/main" id="{1FBAB53B-7433-6149-F0D2-B9626DACFEEE}"/>
-              </a:ext>
-            </a:extLst>
-          </p:cNvPr>
-          <p:cNvSpPr txBox="1"/>
-          <p:nvPr/>
-        </p:nvSpPr>
-        <p:spPr>
-          <a:xfrm>
-            <a:off x="471055" y="951345"/>
-            <a:ext cx="11249890" cy="5632311"/>
-          </a:xfrm>
-          <a:prstGeom prst="rect">
-            <a:avLst/>
-          </a:prstGeom>
-          <a:noFill/>
-        </p:spPr>
-        <p:txBody>
-          <a:bodyPr wrap="square" rtlCol="0">
-            <a:spAutoFit/>
-          </a:bodyPr>
-          <a:lstStyle/>
-          <a:p>
-            <a:r>
-              <a:rPr lang="en-US" dirty="0"/>
-              <a:t>A Java program requires a Java development kit (JDK) for library support and development tools. </a:t>
-            </a:r>
-          </a:p>
-          <a:p>
-            <a:r>
-              <a:rPr lang="en-IN" b="1" dirty="0"/>
-              <a:t>Java compiler (javac.exe): </a:t>
-            </a:r>
-            <a:r>
-              <a:rPr lang="en-IN" dirty="0"/>
-              <a:t>A Java compiler is a program that converts source files into the respective byte code. The byte code is platform-independent. </a:t>
-            </a:r>
-          </a:p>
-          <a:p>
-            <a:r>
-              <a:rPr lang="en-IN" b="1" dirty="0"/>
-              <a:t>Java launcher (java.exe): </a:t>
-            </a:r>
-            <a:r>
-              <a:rPr lang="en-IN" dirty="0"/>
-              <a:t>Java launcher launches the Java application.</a:t>
-            </a:r>
-          </a:p>
-          <a:p>
-            <a:r>
-              <a:rPr lang="en-IN" dirty="0"/>
-              <a:t>Java standard packages and runtime libraries contain the necessary code for executing Java applications.</a:t>
-            </a:r>
-          </a:p>
-          <a:p>
-            <a:endParaRPr lang="en-IN" dirty="0"/>
-          </a:p>
-          <a:p>
-            <a:endParaRPr lang="en-IN" dirty="0"/>
-          </a:p>
-          <a:p>
-            <a:endParaRPr lang="en-IN" dirty="0"/>
-          </a:p>
-          <a:p>
-            <a:endParaRPr lang="en-IN" dirty="0"/>
-          </a:p>
-          <a:p>
-            <a:endParaRPr lang="en-IN" dirty="0"/>
-          </a:p>
-          <a:p>
-            <a:endParaRPr lang="en-IN" dirty="0"/>
-          </a:p>
-          <a:p>
-            <a:endParaRPr lang="en-IN" dirty="0"/>
-          </a:p>
-          <a:p>
-            <a:endParaRPr lang="en-IN" dirty="0"/>
-          </a:p>
-          <a:p>
-            <a:endParaRPr lang="en-IN" dirty="0"/>
-          </a:p>
-          <a:p>
-            <a:endParaRPr lang="en-IN" dirty="0"/>
-          </a:p>
-          <a:p>
-            <a:endParaRPr lang="en-IN" dirty="0"/>
-          </a:p>
-          <a:p>
-            <a:r>
-              <a:rPr lang="en-IN" b="1" dirty="0"/>
-              <a:t>Note:</a:t>
-            </a:r>
-            <a:r>
-              <a:rPr lang="en-IN" dirty="0"/>
-              <a:t> Previously, JDK came with a separate implementation for JRE (Java Runtime Environment). Now, starting from Java 11, Adopt OpenJDK does not come with separate JRE implementation; JDK will include JRE implementation. We will be using Adopt OpenJDK in this course.</a:t>
-            </a:r>
-          </a:p>
-          <a:p>
-            <a:endParaRPr lang="en-IN" dirty="0"/>
-          </a:p>
-        </p:txBody>
-      </p:sp>
-      <p:pic>
-        <p:nvPicPr>
-          <p:cNvPr id="6" name="Picture 5">
-            <a:extLst>
-              <a:ext uri="{FF2B5EF4-FFF2-40B4-BE49-F238E27FC236}">
-                <a16:creationId xmlns:a16="http://schemas.microsoft.com/office/drawing/2014/main" id="{745025F3-9E9D-FEBF-9EDF-1A9F07049464}"/>
-              </a:ext>
-            </a:extLst>
-          </p:cNvPr>
-          <p:cNvPicPr>
-            <a:picLocks noChangeAspect="1"/>
-          </p:cNvPicPr>
-          <p:nvPr/>
-        </p:nvPicPr>
-        <p:blipFill>
-          <a:blip r:embed="rId2"/>
-          <a:stretch>
-            <a:fillRect/>
-          </a:stretch>
-        </p:blipFill>
-        <p:spPr>
-          <a:xfrm>
-            <a:off x="637801" y="2462922"/>
-            <a:ext cx="9937341" cy="2774096"/>
-          </a:xfrm>
-          <a:prstGeom prst="rect">
-            <a:avLst/>
-          </a:prstGeom>
-        </p:spPr>
-      </p:pic>
-    </p:spTree>
-    <p:extLst>
-      <p:ext uri="{BB962C8B-B14F-4D97-AF65-F5344CB8AC3E}">
-        <p14:creationId xmlns:p14="http://schemas.microsoft.com/office/powerpoint/2010/main" val="833599378"/>
-      </p:ext>
-    </p:extLst>
-  </p:cSld>
-  <p:clrMapOvr>
-    <a:masterClrMapping/>
-  </p:clrMapOvr>
-</p:sld>
-</file>
-
-<file path=ppt/slides/slide70.xml><?xml version="1.0" encoding="utf-8"?>
+<file path=ppt/slides/slide72.xml><?xml version="1.0" encoding="utf-8"?>
 <p:sld xmlns:a="http://schemas.openxmlformats.org/drawingml/2006/main" xmlns:r="http://schemas.openxmlformats.org/officeDocument/2006/relationships" xmlns:p="http://schemas.openxmlformats.org/presentationml/2006/main">
   <p:cSld>
     <p:spTree>
@@ -30630,7 +30770,7 @@
 </p:sld>
 </file>
 
-<file path=ppt/slides/slide71.xml><?xml version="1.0" encoding="utf-8"?>
+<file path=ppt/slides/slide73.xml><?xml version="1.0" encoding="utf-8"?>
 <p:sld xmlns:a="http://schemas.openxmlformats.org/drawingml/2006/main" xmlns:r="http://schemas.openxmlformats.org/officeDocument/2006/relationships" xmlns:p="http://schemas.openxmlformats.org/presentationml/2006/main">
   <p:cSld>
     <p:bg>
@@ -31116,66 +31256,182 @@
       </p:grpSpPr>
       <p:sp>
         <p:nvSpPr>
-          <p:cNvPr id="2" name="Title 1">
+          <p:cNvPr id="3" name="TextBox 2">
             <a:extLst>
               <a:ext uri="{FF2B5EF4-FFF2-40B4-BE49-F238E27FC236}">
-                <a16:creationId xmlns:a16="http://schemas.microsoft.com/office/drawing/2014/main" id="{B7CA2F40-D9D0-8D97-1E8D-860121D575A4}"/>
+                <a16:creationId xmlns:a16="http://schemas.microsoft.com/office/drawing/2014/main" id="{4A2704EB-FEF1-AC2D-85A1-6F194E413B6B}"/>
               </a:ext>
             </a:extLst>
           </p:cNvPr>
-          <p:cNvSpPr>
-            <a:spLocks noGrp="1"/>
-          </p:cNvSpPr>
-          <p:nvPr>
-            <p:ph type="title"/>
-          </p:nvPr>
+          <p:cNvSpPr txBox="1"/>
+          <p:nvPr/>
         </p:nvSpPr>
-        <p:spPr/>
+        <p:spPr>
+          <a:xfrm>
+            <a:off x="498764" y="822036"/>
+            <a:ext cx="11194471" cy="5262979"/>
+          </a:xfrm>
+          <a:prstGeom prst="rect">
+            <a:avLst/>
+          </a:prstGeom>
+          <a:noFill/>
+        </p:spPr>
         <p:txBody>
-          <a:bodyPr/>
+          <a:bodyPr wrap="square">
+            <a:spAutoFit/>
+          </a:bodyPr>
           <a:lstStyle/>
           <a:p>
             <a:r>
-              <a:rPr lang="en-US" dirty="0"/>
-              <a:t>JAVA  Architecture</a:t>
-            </a:r>
-            <a:endParaRPr lang="en-IN" dirty="0"/>
+              <a:rPr lang="en-US" sz="2400" b="1" dirty="0"/>
+              <a:t>Object-oriented</a:t>
+            </a:r>
+          </a:p>
+          <a:p>
+            <a:pPr marL="0" indent="0">
+              <a:buNone/>
+            </a:pPr>
+            <a:r>
+              <a:rPr lang="en-US" sz="2400" dirty="0"/>
+              <a:t>Java is an </a:t>
+            </a:r>
+            <a:r>
+              <a:rPr lang="en-US" sz="2400" dirty="0">
+                <a:hlinkClick r:id="rId2">
+                  <a:extLst>
+                    <a:ext uri="{A12FA001-AC4F-418D-AE19-62706E023703}">
+                      <ahyp:hlinkClr xmlns:ahyp="http://schemas.microsoft.com/office/drawing/2018/hyperlinkcolor" val="tx"/>
+                    </a:ext>
+                  </a:extLst>
+                </a:hlinkClick>
+              </a:rPr>
+              <a:t>object-oriented</a:t>
+            </a:r>
+            <a:r>
+              <a:rPr lang="en-US" sz="2400" dirty="0"/>
+              <a:t> programming language. Everything in Java is an object. Object-oriented means we organize our software as a combination of different types of objects that incorporates both data and behavior.</a:t>
+            </a:r>
+          </a:p>
+          <a:p>
+            <a:pPr marL="0" indent="0">
+              <a:buNone/>
+            </a:pPr>
+            <a:r>
+              <a:rPr lang="en-US" sz="2400" dirty="0"/>
+              <a:t>Object-oriented programming (OOPs) is a methodology that simplifies software development and maintenance by providing some rules.</a:t>
+            </a:r>
+          </a:p>
+          <a:p>
+            <a:endParaRPr lang="en-US" sz="2400" dirty="0"/>
+          </a:p>
+          <a:p>
+            <a:r>
+              <a:rPr lang="en-US" sz="2400" dirty="0"/>
+              <a:t>Basic concepts of OOPs are:</a:t>
+            </a:r>
+          </a:p>
+          <a:p>
+            <a:pPr marL="457200" indent="-457200">
+              <a:buFont typeface="+mj-lt"/>
+              <a:buAutoNum type="arabicPeriod"/>
+            </a:pPr>
+            <a:r>
+              <a:rPr lang="en-US" sz="2400" dirty="0"/>
+              <a:t>Class</a:t>
+            </a:r>
+          </a:p>
+          <a:p>
+            <a:pPr marL="457200" indent="-457200">
+              <a:buFont typeface="+mj-lt"/>
+              <a:buAutoNum type="arabicPeriod"/>
+            </a:pPr>
+            <a:r>
+              <a:rPr lang="en-US" sz="2400" dirty="0"/>
+              <a:t>Object</a:t>
+            </a:r>
+          </a:p>
+          <a:p>
+            <a:pPr marL="457200" indent="-457200">
+              <a:buFont typeface="+mj-lt"/>
+              <a:buAutoNum type="arabicPeriod"/>
+            </a:pPr>
+            <a:r>
+              <a:rPr lang="en-US" sz="2400" dirty="0">
+                <a:hlinkClick r:id="rId3">
+                  <a:extLst>
+                    <a:ext uri="{A12FA001-AC4F-418D-AE19-62706E023703}">
+                      <ahyp:hlinkClr xmlns:ahyp="http://schemas.microsoft.com/office/drawing/2018/hyperlinkcolor" val="tx"/>
+                    </a:ext>
+                  </a:extLst>
+                </a:hlinkClick>
+              </a:rPr>
+              <a:t>Inheritance</a:t>
+            </a:r>
+            <a:endParaRPr lang="en-US" sz="2400" dirty="0"/>
+          </a:p>
+          <a:p>
+            <a:pPr marL="457200" indent="-457200">
+              <a:buFont typeface="+mj-lt"/>
+              <a:buAutoNum type="arabicPeriod"/>
+            </a:pPr>
+            <a:r>
+              <a:rPr lang="en-US" sz="2400" dirty="0">
+                <a:hlinkClick r:id="rId4">
+                  <a:extLst>
+                    <a:ext uri="{A12FA001-AC4F-418D-AE19-62706E023703}">
+                      <ahyp:hlinkClr xmlns:ahyp="http://schemas.microsoft.com/office/drawing/2018/hyperlinkcolor" val="tx"/>
+                    </a:ext>
+                  </a:extLst>
+                </a:hlinkClick>
+              </a:rPr>
+              <a:t>Polymorphism</a:t>
+            </a:r>
+            <a:endParaRPr lang="en-US" sz="2400" dirty="0"/>
+          </a:p>
+          <a:p>
+            <a:pPr marL="457200" indent="-457200">
+              <a:buFont typeface="+mj-lt"/>
+              <a:buAutoNum type="arabicPeriod"/>
+            </a:pPr>
+            <a:r>
+              <a:rPr lang="en-US" sz="2400" dirty="0">
+                <a:hlinkClick r:id="rId5">
+                  <a:extLst>
+                    <a:ext uri="{A12FA001-AC4F-418D-AE19-62706E023703}">
+                      <ahyp:hlinkClr xmlns:ahyp="http://schemas.microsoft.com/office/drawing/2018/hyperlinkcolor" val="tx"/>
+                    </a:ext>
+                  </a:extLst>
+                </a:hlinkClick>
+              </a:rPr>
+              <a:t>Abstraction</a:t>
+            </a:r>
+            <a:endParaRPr lang="en-US" sz="2400" dirty="0"/>
+          </a:p>
+          <a:p>
+            <a:pPr marL="457200" indent="-457200">
+              <a:buFont typeface="+mj-lt"/>
+              <a:buAutoNum type="arabicPeriod"/>
+            </a:pPr>
+            <a:r>
+              <a:rPr lang="en-US" sz="2400" dirty="0">
+                <a:hlinkClick r:id="rId6">
+                  <a:extLst>
+                    <a:ext uri="{A12FA001-AC4F-418D-AE19-62706E023703}">
+                      <ahyp:hlinkClr xmlns:ahyp="http://schemas.microsoft.com/office/drawing/2018/hyperlinkcolor" val="tx"/>
+                    </a:ext>
+                  </a:extLst>
+                </a:hlinkClick>
+              </a:rPr>
+              <a:t>Encapsulation</a:t>
+            </a:r>
+            <a:endParaRPr lang="en-US" sz="2400" dirty="0"/>
           </a:p>
         </p:txBody>
       </p:sp>
-      <p:pic>
-        <p:nvPicPr>
-          <p:cNvPr id="7" name="Content Placeholder 6">
-            <a:extLst>
-              <a:ext uri="{FF2B5EF4-FFF2-40B4-BE49-F238E27FC236}">
-                <a16:creationId xmlns:a16="http://schemas.microsoft.com/office/drawing/2014/main" id="{F1ABC91C-0F9B-DC2A-2B05-8CE9E4209947}"/>
-              </a:ext>
-            </a:extLst>
-          </p:cNvPr>
-          <p:cNvPicPr>
-            <a:picLocks noGrp="1" noChangeAspect="1"/>
-          </p:cNvPicPr>
-          <p:nvPr>
-            <p:ph idx="1"/>
-          </p:nvPr>
-        </p:nvPicPr>
-        <p:blipFill>
-          <a:blip r:embed="rId2"/>
-          <a:stretch>
-            <a:fillRect/>
-          </a:stretch>
-        </p:blipFill>
-        <p:spPr>
-          <a:xfrm>
-            <a:off x="1219200" y="1948874"/>
-            <a:ext cx="9531928" cy="4768042"/>
-          </a:xfrm>
-        </p:spPr>
-      </p:pic>
     </p:spTree>
     <p:extLst>
       <p:ext uri="{BB962C8B-B14F-4D97-AF65-F5344CB8AC3E}">
-        <p14:creationId xmlns:p14="http://schemas.microsoft.com/office/powerpoint/2010/main" val="2403973156"/>
+        <p14:creationId xmlns:p14="http://schemas.microsoft.com/office/powerpoint/2010/main" val="1534813979"/>
       </p:ext>
     </p:extLst>
   </p:cSld>
@@ -31207,7 +31463,7 @@
           <p:cNvPr id="2" name="TextBox 1">
             <a:extLst>
               <a:ext uri="{FF2B5EF4-FFF2-40B4-BE49-F238E27FC236}">
-                <a16:creationId xmlns:a16="http://schemas.microsoft.com/office/drawing/2014/main" id="{ACC9DF1F-2E39-5872-C1B5-2E3681488B04}"/>
+                <a16:creationId xmlns:a16="http://schemas.microsoft.com/office/drawing/2014/main" id="{1FBAB53B-7433-6149-F0D2-B9626DACFEEE}"/>
               </a:ext>
             </a:extLst>
           </p:cNvPr>
@@ -31216,8 +31472,8 @@
         </p:nvSpPr>
         <p:spPr>
           <a:xfrm>
-            <a:off x="517236" y="1136073"/>
-            <a:ext cx="11194473" cy="4459234"/>
+            <a:off x="471055" y="951345"/>
+            <a:ext cx="11249890" cy="5632311"/>
           </a:xfrm>
           <a:prstGeom prst="rect">
             <a:avLst/>
@@ -31230,135 +31486,191 @@
           </a:bodyPr>
           <a:lstStyle/>
           <a:p>
-            <a:pPr>
-              <a:lnSpc>
-                <a:spcPct val="150000"/>
-              </a:lnSpc>
-            </a:pPr>
-            <a:r>
-              <a:rPr lang="en-US" sz="2400" b="1" dirty="0"/>
-              <a:t>Source code: </a:t>
-            </a:r>
-            <a:r>
-              <a:rPr lang="en-US" sz="2400" dirty="0"/>
-              <a:t>Program written in Java language</a:t>
-            </a:r>
-          </a:p>
-          <a:p>
-            <a:pPr>
-              <a:lnSpc>
-                <a:spcPct val="150000"/>
-              </a:lnSpc>
-            </a:pPr>
-            <a:r>
-              <a:rPr lang="en-US" sz="2400" b="1" dirty="0"/>
-              <a:t>Byte code:</a:t>
-            </a:r>
-            <a:r>
-              <a:rPr lang="en-US" sz="2400" dirty="0"/>
-              <a:t> A .class file is generated after the Java code is compiled</a:t>
-            </a:r>
-          </a:p>
-          <a:p>
-            <a:pPr>
-              <a:lnSpc>
-                <a:spcPct val="150000"/>
-              </a:lnSpc>
-            </a:pPr>
-            <a:r>
-              <a:rPr lang="en-US" sz="2400" b="1" dirty="0" err="1"/>
-              <a:t>ClassLoader</a:t>
-            </a:r>
-            <a:r>
-              <a:rPr lang="en-US" sz="2400" b="1" dirty="0"/>
-              <a:t>: </a:t>
-            </a:r>
-            <a:r>
-              <a:rPr lang="en-US" sz="2400" dirty="0"/>
-              <a:t>Loads all the class files needed for execution</a:t>
-            </a:r>
-          </a:p>
-          <a:p>
-            <a:pPr>
-              <a:lnSpc>
-                <a:spcPct val="150000"/>
-              </a:lnSpc>
-            </a:pPr>
-            <a:r>
-              <a:rPr lang="en-US" sz="2400" b="1" dirty="0"/>
-              <a:t>Byte code verifier:</a:t>
-            </a:r>
-            <a:r>
-              <a:rPr lang="en-US" sz="2400" dirty="0"/>
-              <a:t> Checks code for fragments for  illegal code</a:t>
-            </a:r>
-          </a:p>
-          <a:p>
-            <a:pPr>
-              <a:lnSpc>
-                <a:spcPct val="150000"/>
-              </a:lnSpc>
-            </a:pPr>
-            <a:r>
-              <a:rPr lang="en-US" sz="2400" b="1" dirty="0"/>
-              <a:t>Interpreter: </a:t>
-            </a:r>
-            <a:r>
-              <a:rPr lang="en-US" sz="2400" dirty="0"/>
-              <a:t>Converts byte code instruction to machine code</a:t>
-            </a:r>
-          </a:p>
-          <a:p>
-            <a:pPr>
-              <a:lnSpc>
-                <a:spcPct val="150000"/>
-              </a:lnSpc>
-            </a:pPr>
-            <a:r>
-              <a:rPr lang="en-US" sz="2400" b="1" dirty="0"/>
-              <a:t>Compiler: </a:t>
-            </a:r>
-            <a:r>
-              <a:rPr lang="en-US" sz="2400" dirty="0"/>
-              <a:t>Compiles reusable byte code instructions to machine code</a:t>
-            </a:r>
-          </a:p>
-          <a:p>
-            <a:pPr>
-              <a:lnSpc>
-                <a:spcPct val="150000"/>
-              </a:lnSpc>
-            </a:pPr>
-            <a:r>
-              <a:rPr lang="en-US" sz="2400" b="1" dirty="0"/>
-              <a:t>Runtime: </a:t>
-            </a:r>
-            <a:r>
-              <a:rPr lang="en-US" sz="2400" dirty="0"/>
-              <a:t>The overall execution of the program is assisted by Runtime.</a:t>
-            </a:r>
-          </a:p>
-          <a:p>
-            <a:pPr>
-              <a:lnSpc>
-                <a:spcPct val="150000"/>
-              </a:lnSpc>
-            </a:pPr>
-            <a:r>
-              <a:rPr lang="en-IN" sz="2400" b="1" dirty="0"/>
-              <a:t>JIT : </a:t>
-            </a:r>
-            <a:r>
-              <a:rPr lang="en-IN" sz="2400" dirty="0"/>
-              <a:t>just in time compilation</a:t>
-            </a:r>
+            <a:r>
+              <a:rPr lang="en-US" dirty="0"/>
+              <a:t>A Java program requires a Java development kit (JDK) for library support and development tools. </a:t>
+            </a:r>
+          </a:p>
+          <a:p>
+            <a:r>
+              <a:rPr lang="en-IN" b="1" dirty="0"/>
+              <a:t>Java compiler (javac.exe): </a:t>
+            </a:r>
+            <a:r>
+              <a:rPr lang="en-IN" dirty="0"/>
+              <a:t>A Java compiler is a program that converts source files into the respective byte code. The byte code is platform-independent. </a:t>
+            </a:r>
+          </a:p>
+          <a:p>
+            <a:r>
+              <a:rPr lang="en-IN" b="1" dirty="0"/>
+              <a:t>Java launcher (java.exe): </a:t>
+            </a:r>
+            <a:r>
+              <a:rPr lang="en-IN" dirty="0"/>
+              <a:t>Java launcher launches the Java application.</a:t>
+            </a:r>
+          </a:p>
+          <a:p>
+            <a:r>
+              <a:rPr lang="en-IN" dirty="0"/>
+              <a:t>Java standard packages and runtime libraries contain the necessary code for executing Java applications.</a:t>
+            </a:r>
+          </a:p>
+          <a:p>
+            <a:endParaRPr lang="en-IN" dirty="0"/>
+          </a:p>
+          <a:p>
+            <a:endParaRPr lang="en-IN" dirty="0"/>
+          </a:p>
+          <a:p>
+            <a:endParaRPr lang="en-IN" dirty="0"/>
+          </a:p>
+          <a:p>
+            <a:endParaRPr lang="en-IN" dirty="0"/>
+          </a:p>
+          <a:p>
+            <a:endParaRPr lang="en-IN" dirty="0"/>
+          </a:p>
+          <a:p>
+            <a:endParaRPr lang="en-IN" dirty="0"/>
+          </a:p>
+          <a:p>
+            <a:endParaRPr lang="en-IN" dirty="0"/>
+          </a:p>
+          <a:p>
+            <a:endParaRPr lang="en-IN" dirty="0"/>
+          </a:p>
+          <a:p>
+            <a:endParaRPr lang="en-IN" dirty="0"/>
+          </a:p>
+          <a:p>
+            <a:endParaRPr lang="en-IN" dirty="0"/>
+          </a:p>
+          <a:p>
+            <a:endParaRPr lang="en-IN" dirty="0"/>
+          </a:p>
+          <a:p>
+            <a:r>
+              <a:rPr lang="en-IN" b="1" dirty="0"/>
+              <a:t>Note:</a:t>
+            </a:r>
+            <a:r>
+              <a:rPr lang="en-IN" dirty="0"/>
+              <a:t> Previously, JDK came with a separate implementation for JRE (Java Runtime Environment). Now, starting from Java 11, Adopt OpenJDK does not come with separate JRE implementation; JDK will include JRE implementation. We will be using Adopt OpenJDK in this course.</a:t>
+            </a:r>
+          </a:p>
+          <a:p>
+            <a:endParaRPr lang="en-IN" dirty="0"/>
+          </a:p>
+        </p:txBody>
+      </p:sp>
+      <p:pic>
+        <p:nvPicPr>
+          <p:cNvPr id="6" name="Picture 5">
+            <a:extLst>
+              <a:ext uri="{FF2B5EF4-FFF2-40B4-BE49-F238E27FC236}">
+                <a16:creationId xmlns:a16="http://schemas.microsoft.com/office/drawing/2014/main" id="{745025F3-9E9D-FEBF-9EDF-1A9F07049464}"/>
+              </a:ext>
+            </a:extLst>
+          </p:cNvPr>
+          <p:cNvPicPr>
+            <a:picLocks noChangeAspect="1"/>
+          </p:cNvPicPr>
+          <p:nvPr/>
+        </p:nvPicPr>
+        <p:blipFill>
+          <a:blip r:embed="rId2"/>
+          <a:stretch>
+            <a:fillRect/>
+          </a:stretch>
+        </p:blipFill>
+        <p:spPr>
+          <a:xfrm>
+            <a:off x="965692" y="2465987"/>
+            <a:ext cx="9937341" cy="2774096"/>
+          </a:xfrm>
+          <a:prstGeom prst="rect">
+            <a:avLst/>
+          </a:prstGeom>
+        </p:spPr>
+      </p:pic>
+      <p:sp>
+        <p:nvSpPr>
+          <p:cNvPr id="4" name="TextBox 3">
+            <a:extLst>
+              <a:ext uri="{FF2B5EF4-FFF2-40B4-BE49-F238E27FC236}">
+                <a16:creationId xmlns:a16="http://schemas.microsoft.com/office/drawing/2014/main" id="{5EFE7189-5207-22DA-05DC-80C9742BAB71}"/>
+              </a:ext>
+            </a:extLst>
+          </p:cNvPr>
+          <p:cNvSpPr txBox="1"/>
+          <p:nvPr/>
+        </p:nvSpPr>
+        <p:spPr>
+          <a:xfrm>
+            <a:off x="9988633" y="2535382"/>
+            <a:ext cx="914400" cy="369332"/>
+          </a:xfrm>
+          <a:prstGeom prst="rect">
+            <a:avLst/>
+          </a:prstGeom>
+          <a:noFill/>
+        </p:spPr>
+        <p:txBody>
+          <a:bodyPr wrap="square" rtlCol="0">
+            <a:spAutoFit/>
+          </a:bodyPr>
+          <a:lstStyle/>
+          <a:p>
+            <a:r>
+              <a:rPr lang="en-US" dirty="0"/>
+              <a:t>JDK</a:t>
+            </a:r>
+            <a:endParaRPr lang="en-IN" dirty="0"/>
+          </a:p>
+        </p:txBody>
+      </p:sp>
+      <p:sp>
+        <p:nvSpPr>
+          <p:cNvPr id="5" name="TextBox 4">
+            <a:extLst>
+              <a:ext uri="{FF2B5EF4-FFF2-40B4-BE49-F238E27FC236}">
+                <a16:creationId xmlns:a16="http://schemas.microsoft.com/office/drawing/2014/main" id="{F167CFFE-2ABE-CE4A-BABC-8498CE2B42B0}"/>
+              </a:ext>
+            </a:extLst>
+          </p:cNvPr>
+          <p:cNvSpPr txBox="1"/>
+          <p:nvPr/>
+        </p:nvSpPr>
+        <p:spPr>
+          <a:xfrm>
+            <a:off x="10189277" y="4144005"/>
+            <a:ext cx="513112" cy="369332"/>
+          </a:xfrm>
+          <a:prstGeom prst="rect">
+            <a:avLst/>
+          </a:prstGeom>
+          <a:noFill/>
+        </p:spPr>
+        <p:txBody>
+          <a:bodyPr wrap="square" rtlCol="0">
+            <a:spAutoFit/>
+          </a:bodyPr>
+          <a:lstStyle/>
+          <a:p>
+            <a:r>
+              <a:rPr lang="en-US" dirty="0"/>
+              <a:t>JRE</a:t>
+            </a:r>
+            <a:endParaRPr lang="en-IN" dirty="0"/>
           </a:p>
         </p:txBody>
       </p:sp>
     </p:spTree>
     <p:extLst>
       <p:ext uri="{BB962C8B-B14F-4D97-AF65-F5344CB8AC3E}">
-        <p14:creationId xmlns:p14="http://schemas.microsoft.com/office/powerpoint/2010/main" val="3749124275"/>
+        <p14:creationId xmlns:p14="http://schemas.microsoft.com/office/powerpoint/2010/main" val="833599378"/>
       </p:ext>
     </p:extLst>
   </p:cSld>

--- a/javaSlides/Java Slides part 1.pptx
+++ b/javaSlides/Java Slides part 1.pptx
@@ -14,9 +14,9 @@
     <p:sldId id="256" r:id="rId2"/>
     <p:sldId id="262" r:id="rId3"/>
     <p:sldId id="263" r:id="rId4"/>
-    <p:sldId id="265" r:id="rId5"/>
-    <p:sldId id="261" r:id="rId6"/>
-    <p:sldId id="333" r:id="rId7"/>
+    <p:sldId id="333" r:id="rId5"/>
+    <p:sldId id="265" r:id="rId6"/>
+    <p:sldId id="261" r:id="rId7"/>
     <p:sldId id="334" r:id="rId8"/>
     <p:sldId id="271" r:id="rId9"/>
     <p:sldId id="268" r:id="rId10"/>
@@ -287,7 +287,7 @@
           <a:p>
             <a:fld id="{AF869721-F543-4A6C-BF9D-65D7CC540427}" type="datetimeFigureOut">
               <a:rPr lang="en-US" smtClean="0"/>
-              <a:t>7/16/2024</a:t>
+              <a:t>5/13/2025</a:t>
             </a:fld>
             <a:endParaRPr lang="en-US" dirty="0"/>
           </a:p>
@@ -464,7 +464,7 @@
           <a:p>
             <a:fld id="{C732326A-4C88-4AFB-AA5B-5919D81DFF5B}" type="datetimeFigureOut">
               <a:rPr lang="en-US" smtClean="0"/>
-              <a:t>7/16/2024</a:t>
+              <a:t>5/13/2025</a:t>
             </a:fld>
             <a:endParaRPr lang="en-US" dirty="0"/>
           </a:p>
@@ -1145,7 +1145,7 @@
             <a:fld id="{B61BEF0D-F0BB-DE4B-95CE-6DB70DBA9567}" type="datetimeFigureOut">
               <a:rPr lang="en-US" smtClean="0"/>
               <a:pPr/>
-              <a:t>7/16/2024</a:t>
+              <a:t>5/13/2025</a:t>
             </a:fld>
             <a:endParaRPr lang="en-US" dirty="0"/>
           </a:p>
@@ -1409,7 +1409,7 @@
             <a:fld id="{B61BEF0D-F0BB-DE4B-95CE-6DB70DBA9567}" type="datetimeFigureOut">
               <a:rPr lang="en-US" smtClean="0"/>
               <a:pPr/>
-              <a:t>7/16/2024</a:t>
+              <a:t>5/13/2025</a:t>
             </a:fld>
             <a:endParaRPr lang="en-US" dirty="0"/>
           </a:p>
@@ -1646,7 +1646,7 @@
             <a:fld id="{B61BEF0D-F0BB-DE4B-95CE-6DB70DBA9567}" type="datetimeFigureOut">
               <a:rPr lang="en-US" smtClean="0"/>
               <a:pPr/>
-              <a:t>7/16/2024</a:t>
+              <a:t>5/13/2025</a:t>
             </a:fld>
             <a:endParaRPr lang="en-US" dirty="0"/>
           </a:p>
@@ -1888,7 +1888,7 @@
             <a:fld id="{B61BEF0D-F0BB-DE4B-95CE-6DB70DBA9567}" type="datetimeFigureOut">
               <a:rPr lang="en-US" smtClean="0"/>
               <a:pPr/>
-              <a:t>7/16/2024</a:t>
+              <a:t>5/13/2025</a:t>
             </a:fld>
             <a:endParaRPr lang="en-US" dirty="0"/>
           </a:p>
@@ -2197,7 +2197,7 @@
             <a:fld id="{B61BEF0D-F0BB-DE4B-95CE-6DB70DBA9567}" type="datetimeFigureOut">
               <a:rPr lang="en-US" smtClean="0"/>
               <a:pPr/>
-              <a:t>7/16/2024</a:t>
+              <a:t>5/13/2025</a:t>
             </a:fld>
             <a:endParaRPr lang="en-US" dirty="0"/>
           </a:p>
@@ -2501,7 +2501,7 @@
             <a:fld id="{B61BEF0D-F0BB-DE4B-95CE-6DB70DBA9567}" type="datetimeFigureOut">
               <a:rPr lang="en-US" smtClean="0"/>
               <a:pPr/>
-              <a:t>7/16/2024</a:t>
+              <a:t>5/13/2025</a:t>
             </a:fld>
             <a:endParaRPr lang="en-US" dirty="0"/>
           </a:p>
@@ -2925,7 +2925,7 @@
             <a:fld id="{B61BEF0D-F0BB-DE4B-95CE-6DB70DBA9567}" type="datetimeFigureOut">
               <a:rPr lang="en-US" smtClean="0"/>
               <a:pPr/>
-              <a:t>7/16/2024</a:t>
+              <a:t>5/13/2025</a:t>
             </a:fld>
             <a:endParaRPr lang="en-US" dirty="0"/>
           </a:p>
@@ -3022,7 +3022,7 @@
             <a:fld id="{B61BEF0D-F0BB-DE4B-95CE-6DB70DBA9567}" type="datetimeFigureOut">
               <a:rPr lang="en-US" smtClean="0"/>
               <a:pPr/>
-              <a:t>7/16/2024</a:t>
+              <a:t>5/13/2025</a:t>
             </a:fld>
             <a:endParaRPr lang="en-US" dirty="0"/>
           </a:p>
@@ -3186,7 +3186,7 @@
             <a:fld id="{B61BEF0D-F0BB-DE4B-95CE-6DB70DBA9567}" type="datetimeFigureOut">
               <a:rPr lang="en-US" smtClean="0"/>
               <a:pPr/>
-              <a:t>7/16/2024</a:t>
+              <a:t>5/13/2025</a:t>
             </a:fld>
             <a:endParaRPr lang="en-US" dirty="0"/>
           </a:p>
@@ -3566,7 +3566,7 @@
             <a:fld id="{B61BEF0D-F0BB-DE4B-95CE-6DB70DBA9567}" type="datetimeFigureOut">
               <a:rPr lang="en-US" smtClean="0"/>
               <a:pPr/>
-              <a:t>7/16/2024</a:t>
+              <a:t>5/13/2025</a:t>
             </a:fld>
             <a:endParaRPr lang="en-US" dirty="0"/>
           </a:p>
@@ -3856,7 +3856,7 @@
             <a:fld id="{B61BEF0D-F0BB-DE4B-95CE-6DB70DBA9567}" type="datetimeFigureOut">
               <a:rPr lang="en-US" smtClean="0"/>
               <a:pPr/>
-              <a:t>7/16/2024</a:t>
+              <a:t>5/13/2025</a:t>
             </a:fld>
             <a:endParaRPr lang="en-US" dirty="0"/>
           </a:p>
@@ -4069,7 +4069,7 @@
             <a:fld id="{B61BEF0D-F0BB-DE4B-95CE-6DB70DBA9567}" type="datetimeFigureOut">
               <a:rPr lang="en-US" smtClean="0"/>
               <a:pPr/>
-              <a:t>7/16/2024</a:t>
+              <a:t>5/13/2025</a:t>
             </a:fld>
             <a:endParaRPr lang="en-US" dirty="0"/>
           </a:p>
@@ -5155,7 +5155,12 @@
             <p:ph type="title"/>
           </p:nvPr>
         </p:nvSpPr>
-        <p:spPr/>
+        <p:spPr>
+          <a:xfrm>
+            <a:off x="581192" y="702156"/>
+            <a:ext cx="11029616" cy="731789"/>
+          </a:xfrm>
+        </p:spPr>
         <p:txBody>
           <a:bodyPr/>
           <a:lstStyle/>
@@ -5192,7 +5197,7 @@
         </p:blipFill>
         <p:spPr>
           <a:xfrm>
-            <a:off x="1219200" y="1948874"/>
+            <a:off x="1219200" y="1896920"/>
             <a:ext cx="9531928" cy="4768042"/>
           </a:xfrm>
         </p:spPr>
@@ -7721,7 +7726,7 @@
           <a:p>
             <a:r>
               <a:rPr lang="en-US" dirty="0"/>
-              <a:t>Java is a widely-used high level programming language for coding. It has been a popular choice among developers for over two decades, with millions of Java applications in use today. Java is a multi-platform, object-oriented, and network-centric language that can be used as a platform in itself. It is a fast, secure, reliable programming language for coding everything from mobile apps and enterprise software to big data applications and server-side technologies.</a:t>
+              <a:t>Java is a widely-used high level programming language for coding. It has been a popular choice among developers for over three decades, with millions of Java applications in use today. Java is a multi-platform, object-oriented, and network-centric language that can be used as a platform in itself. It is a fast, secure, reliable programming language for coding everything from mobile apps and enterprise software to big data applications and server-side technologies.</a:t>
             </a:r>
           </a:p>
           <a:p>
@@ -14047,7 +14052,7 @@
         <p:spPr/>
         <p:txBody>
           <a:bodyPr>
-            <a:normAutofit fontScale="92500" lnSpcReduction="10000"/>
+            <a:normAutofit fontScale="85000" lnSpcReduction="10000"/>
           </a:bodyPr>
           <a:lstStyle/>
           <a:p>
@@ -14124,6 +14129,26 @@
             <a:r>
               <a:rPr lang="en-US" dirty="0"/>
               <a:t>Robotics</a:t>
+            </a:r>
+          </a:p>
+          <a:p>
+            <a:pPr marL="514350" indent="-514350">
+              <a:buFont typeface="+mj-lt"/>
+              <a:buAutoNum type="arabicPeriod"/>
+            </a:pPr>
+            <a:r>
+              <a:rPr lang="en-US" dirty="0"/>
+              <a:t>Testing</a:t>
+            </a:r>
+          </a:p>
+          <a:p>
+            <a:pPr marL="514350" indent="-514350">
+              <a:buFont typeface="+mj-lt"/>
+              <a:buAutoNum type="arabicPeriod"/>
+            </a:pPr>
+            <a:r>
+              <a:rPr lang="en-US" dirty="0"/>
+              <a:t>Big Data</a:t>
             </a:r>
           </a:p>
           <a:p>
@@ -17624,7 +17649,7 @@
           <p:cNvPr id="2" name="Title 1">
             <a:extLst>
               <a:ext uri="{FF2B5EF4-FFF2-40B4-BE49-F238E27FC236}">
-                <a16:creationId xmlns:a16="http://schemas.microsoft.com/office/drawing/2014/main" id="{B7CA2F40-D9D0-8D97-1E8D-860121D575A4}"/>
+                <a16:creationId xmlns:a16="http://schemas.microsoft.com/office/drawing/2014/main" id="{DE6FF8BA-58A4-F484-52F5-5E5F75F9EF72}"/>
               </a:ext>
             </a:extLst>
           </p:cNvPr>
@@ -17648,62 +17673,12 @@
           </a:p>
         </p:txBody>
       </p:sp>
-      <p:sp>
-        <p:nvSpPr>
-          <p:cNvPr id="3" name="Content Placeholder 2">
+      <p:pic>
+        <p:nvPicPr>
+          <p:cNvPr id="4" name="Picture 3">
             <a:extLst>
               <a:ext uri="{FF2B5EF4-FFF2-40B4-BE49-F238E27FC236}">
-                <a16:creationId xmlns:a16="http://schemas.microsoft.com/office/drawing/2014/main" id="{4CCC1381-536E-74C5-9E48-5953191BE702}"/>
-              </a:ext>
-            </a:extLst>
-          </p:cNvPr>
-          <p:cNvSpPr>
-            <a:spLocks noGrp="1"/>
-          </p:cNvSpPr>
-          <p:nvPr>
-            <p:ph idx="1"/>
-          </p:nvPr>
-        </p:nvSpPr>
-        <p:spPr>
-          <a:xfrm>
-            <a:off x="406400" y="1715956"/>
-            <a:ext cx="11333018" cy="2191963"/>
-          </a:xfrm>
-        </p:spPr>
-        <p:txBody>
-          <a:bodyPr/>
-          <a:lstStyle/>
-          <a:p>
-            <a:pPr marL="0" indent="0">
-              <a:buNone/>
-            </a:pPr>
-            <a:r>
-              <a:rPr lang="en-US" dirty="0"/>
-              <a:t>If a program written on a particular platform can run on other platforms without any recompilation, it is known as platform independence .Since Java is platform-independent, any program written using Java on Windows will execute without any recompilation on any other </a:t>
-            </a:r>
-            <a:r>
-              <a:rPr lang="en-US" dirty="0" err="1"/>
-              <a:t>platform.To</a:t>
-            </a:r>
-            <a:r>
-              <a:rPr lang="en-US" dirty="0"/>
-              <a:t> see what platform independence actually is and how it matters, let us compare Java to a platform-dependent language like C.   </a:t>
-            </a:r>
-          </a:p>
-          <a:p>
-            <a:pPr marL="0" indent="0">
-              <a:buNone/>
-            </a:pPr>
-            <a:endParaRPr lang="en-IN" dirty="0"/>
-          </a:p>
-        </p:txBody>
-      </p:sp>
-      <p:pic>
-        <p:nvPicPr>
-          <p:cNvPr id="5" name="Picture 4">
-            <a:extLst>
-              <a:ext uri="{FF2B5EF4-FFF2-40B4-BE49-F238E27FC236}">
-                <a16:creationId xmlns:a16="http://schemas.microsoft.com/office/drawing/2014/main" id="{AA87E9BD-CF86-A269-2C19-14459C451633}"/>
+                <a16:creationId xmlns:a16="http://schemas.microsoft.com/office/drawing/2014/main" id="{C70801D5-5026-9886-DFD8-4E1BE12DB6C4}"/>
               </a:ext>
             </a:extLst>
           </p:cNvPr>
@@ -17720,8 +17695,8 @@
         </p:blipFill>
         <p:spPr>
           <a:xfrm>
-            <a:off x="1442264" y="3343563"/>
-            <a:ext cx="9011908" cy="3061459"/>
+            <a:off x="1089892" y="1932511"/>
+            <a:ext cx="9794030" cy="4680726"/>
           </a:xfrm>
           <a:prstGeom prst="rect">
             <a:avLst/>
@@ -17731,13 +17706,16 @@
     </p:spTree>
     <p:extLst>
       <p:ext uri="{BB962C8B-B14F-4D97-AF65-F5344CB8AC3E}">
-        <p14:creationId xmlns:p14="http://schemas.microsoft.com/office/powerpoint/2010/main" val="2617223547"/>
+        <p14:creationId xmlns:p14="http://schemas.microsoft.com/office/powerpoint/2010/main" val="3062372378"/>
       </p:ext>
     </p:extLst>
   </p:cSld>
   <p:clrMapOvr>
     <a:masterClrMapping/>
   </p:clrMapOvr>
+  <p:transition spd="slow">
+    <p:wipe/>
+  </p:transition>
 </p:sld>
 </file>
 
@@ -21594,36 +21572,79 @@
       </p:grpSpPr>
       <p:sp>
         <p:nvSpPr>
-          <p:cNvPr id="3" name="TextBox 2">
+          <p:cNvPr id="2" name="Title 1">
             <a:extLst>
               <a:ext uri="{FF2B5EF4-FFF2-40B4-BE49-F238E27FC236}">
-                <a16:creationId xmlns:a16="http://schemas.microsoft.com/office/drawing/2014/main" id="{D53280C6-4626-D37F-FC40-3998529883E2}"/>
+                <a16:creationId xmlns:a16="http://schemas.microsoft.com/office/drawing/2014/main" id="{B7CA2F40-D9D0-8D97-1E8D-860121D575A4}"/>
               </a:ext>
             </a:extLst>
           </p:cNvPr>
-          <p:cNvSpPr txBox="1"/>
-          <p:nvPr/>
+          <p:cNvSpPr>
+            <a:spLocks noGrp="1"/>
+          </p:cNvSpPr>
+          <p:nvPr>
+            <p:ph type="title"/>
+          </p:nvPr>
+        </p:nvSpPr>
+        <p:spPr/>
+        <p:txBody>
+          <a:bodyPr/>
+          <a:lstStyle/>
+          <a:p>
+            <a:r>
+              <a:rPr lang="en-US" dirty="0"/>
+              <a:t>Features of java</a:t>
+            </a:r>
+            <a:endParaRPr lang="en-IN" dirty="0"/>
+          </a:p>
+        </p:txBody>
+      </p:sp>
+      <p:sp>
+        <p:nvSpPr>
+          <p:cNvPr id="3" name="Content Placeholder 2">
+            <a:extLst>
+              <a:ext uri="{FF2B5EF4-FFF2-40B4-BE49-F238E27FC236}">
+                <a16:creationId xmlns:a16="http://schemas.microsoft.com/office/drawing/2014/main" id="{4CCC1381-536E-74C5-9E48-5953191BE702}"/>
+              </a:ext>
+            </a:extLst>
+          </p:cNvPr>
+          <p:cNvSpPr>
+            <a:spLocks noGrp="1"/>
+          </p:cNvSpPr>
+          <p:nvPr>
+            <p:ph idx="1"/>
+          </p:nvPr>
         </p:nvSpPr>
         <p:spPr>
           <a:xfrm>
-            <a:off x="655782" y="808335"/>
-            <a:ext cx="10520218" cy="646331"/>
+            <a:off x="406400" y="1715956"/>
+            <a:ext cx="11333018" cy="2191963"/>
           </a:xfrm>
-          <a:prstGeom prst="rect">
-            <a:avLst/>
-          </a:prstGeom>
-          <a:noFill/>
         </p:spPr>
         <p:txBody>
-          <a:bodyPr wrap="square">
-            <a:spAutoFit/>
-          </a:bodyPr>
+          <a:bodyPr/>
           <a:lstStyle/>
           <a:p>
-            <a:r>
-              <a:rPr lang="en-US" dirty="0"/>
-              <a:t>Java is platform-independent whereas JVM is platform dependent. Let us see how Java code executes in different platforms.</a:t>
-            </a:r>
+            <a:pPr marL="0" indent="0">
+              <a:buNone/>
+            </a:pPr>
+            <a:r>
+              <a:rPr lang="en-US" dirty="0"/>
+              <a:t>If a program written on a particular platform can run on other platforms without any recompilation, it is known as platform independence .Since Java is platform-independent, any program written using Java on Windows will execute without any recompilation on any other </a:t>
+            </a:r>
+            <a:r>
+              <a:rPr lang="en-US" dirty="0" err="1"/>
+              <a:t>platform.To</a:t>
+            </a:r>
+            <a:r>
+              <a:rPr lang="en-US" dirty="0"/>
+              <a:t> see what platform independence actually is and how it matters, let us compare Java to a platform-dependent language like C.   </a:t>
+            </a:r>
+          </a:p>
+          <a:p>
+            <a:pPr marL="0" indent="0">
+              <a:buNone/>
+            </a:pPr>
             <a:endParaRPr lang="en-IN" dirty="0"/>
           </a:p>
         </p:txBody>
@@ -21633,7 +21654,7 @@
           <p:cNvPr id="5" name="Picture 4">
             <a:extLst>
               <a:ext uri="{FF2B5EF4-FFF2-40B4-BE49-F238E27FC236}">
-                <a16:creationId xmlns:a16="http://schemas.microsoft.com/office/drawing/2014/main" id="{DB748824-6307-5B6D-6CAD-A09B3971B3AF}"/>
+                <a16:creationId xmlns:a16="http://schemas.microsoft.com/office/drawing/2014/main" id="{AA87E9BD-CF86-A269-2C19-14459C451633}"/>
               </a:ext>
             </a:extLst>
           </p:cNvPr>
@@ -21650,8 +21671,8 @@
         </p:blipFill>
         <p:spPr>
           <a:xfrm>
-            <a:off x="1880599" y="1454666"/>
-            <a:ext cx="8430802" cy="5163271"/>
+            <a:off x="1442264" y="3343563"/>
+            <a:ext cx="9011908" cy="3061459"/>
           </a:xfrm>
           <a:prstGeom prst="rect">
             <a:avLst/>
@@ -21661,7 +21682,7 @@
     </p:spTree>
     <p:extLst>
       <p:ext uri="{BB962C8B-B14F-4D97-AF65-F5344CB8AC3E}">
-        <p14:creationId xmlns:p14="http://schemas.microsoft.com/office/powerpoint/2010/main" val="2681141107"/>
+        <p14:creationId xmlns:p14="http://schemas.microsoft.com/office/powerpoint/2010/main" val="2617223547"/>
       </p:ext>
     </p:extLst>
   </p:cSld>
@@ -25763,28 +25784,35 @@
       </p:grpSpPr>
       <p:sp>
         <p:nvSpPr>
-          <p:cNvPr id="2" name="Title 1">
+          <p:cNvPr id="3" name="TextBox 2">
             <a:extLst>
               <a:ext uri="{FF2B5EF4-FFF2-40B4-BE49-F238E27FC236}">
-                <a16:creationId xmlns:a16="http://schemas.microsoft.com/office/drawing/2014/main" id="{DE6FF8BA-58A4-F484-52F5-5E5F75F9EF72}"/>
+                <a16:creationId xmlns:a16="http://schemas.microsoft.com/office/drawing/2014/main" id="{D53280C6-4626-D37F-FC40-3998529883E2}"/>
               </a:ext>
             </a:extLst>
           </p:cNvPr>
-          <p:cNvSpPr>
-            <a:spLocks noGrp="1"/>
-          </p:cNvSpPr>
-          <p:nvPr>
-            <p:ph type="title"/>
-          </p:nvPr>
+          <p:cNvSpPr txBox="1"/>
+          <p:nvPr/>
         </p:nvSpPr>
-        <p:spPr/>
+        <p:spPr>
+          <a:xfrm>
+            <a:off x="655782" y="808335"/>
+            <a:ext cx="10520218" cy="646331"/>
+          </a:xfrm>
+          <a:prstGeom prst="rect">
+            <a:avLst/>
+          </a:prstGeom>
+          <a:noFill/>
+        </p:spPr>
         <p:txBody>
-          <a:bodyPr/>
+          <a:bodyPr wrap="square">
+            <a:spAutoFit/>
+          </a:bodyPr>
           <a:lstStyle/>
           <a:p>
             <a:r>
               <a:rPr lang="en-US" dirty="0"/>
-              <a:t>Features of java</a:t>
+              <a:t>Java is platform-independent whereas JVM is platform dependent. Let us see how Java code executes in different platforms.</a:t>
             </a:r>
             <a:endParaRPr lang="en-IN" dirty="0"/>
           </a:p>
@@ -25792,10 +25820,10 @@
       </p:sp>
       <p:pic>
         <p:nvPicPr>
-          <p:cNvPr id="4" name="Picture 3">
+          <p:cNvPr id="5" name="Picture 4">
             <a:extLst>
               <a:ext uri="{FF2B5EF4-FFF2-40B4-BE49-F238E27FC236}">
-                <a16:creationId xmlns:a16="http://schemas.microsoft.com/office/drawing/2014/main" id="{C70801D5-5026-9886-DFD8-4E1BE12DB6C4}"/>
+                <a16:creationId xmlns:a16="http://schemas.microsoft.com/office/drawing/2014/main" id="{DB748824-6307-5B6D-6CAD-A09B3971B3AF}"/>
               </a:ext>
             </a:extLst>
           </p:cNvPr>
@@ -25812,27 +25840,60 @@
         </p:blipFill>
         <p:spPr>
           <a:xfrm>
-            <a:off x="1089892" y="1932511"/>
-            <a:ext cx="9794030" cy="4680726"/>
+            <a:off x="1880599" y="1454666"/>
+            <a:ext cx="8430802" cy="5163271"/>
           </a:xfrm>
           <a:prstGeom prst="rect">
             <a:avLst/>
           </a:prstGeom>
         </p:spPr>
       </p:pic>
+      <p:sp>
+        <p:nvSpPr>
+          <p:cNvPr id="2" name="TextBox 1">
+            <a:extLst>
+              <a:ext uri="{FF2B5EF4-FFF2-40B4-BE49-F238E27FC236}">
+                <a16:creationId xmlns:a16="http://schemas.microsoft.com/office/drawing/2014/main" id="{EB6B3A5A-D5CA-C6D7-EB64-4AE6EBE268A2}"/>
+              </a:ext>
+            </a:extLst>
+          </p:cNvPr>
+          <p:cNvSpPr txBox="1"/>
+          <p:nvPr/>
+        </p:nvSpPr>
+        <p:spPr>
+          <a:xfrm>
+            <a:off x="7740869" y="4784834"/>
+            <a:ext cx="528145" cy="369332"/>
+          </a:xfrm>
+          <a:prstGeom prst="rect">
+            <a:avLst/>
+          </a:prstGeom>
+          <a:noFill/>
+        </p:spPr>
+        <p:txBody>
+          <a:bodyPr wrap="square" rtlCol="0">
+            <a:spAutoFit/>
+          </a:bodyPr>
+          <a:lstStyle/>
+          <a:p>
+            <a:r>
+              <a:rPr lang="en-US" dirty="0"/>
+              <a:t>JRE</a:t>
+            </a:r>
+            <a:endParaRPr lang="en-IN" dirty="0"/>
+          </a:p>
+        </p:txBody>
+      </p:sp>
     </p:spTree>
     <p:extLst>
       <p:ext uri="{BB962C8B-B14F-4D97-AF65-F5344CB8AC3E}">
-        <p14:creationId xmlns:p14="http://schemas.microsoft.com/office/powerpoint/2010/main" val="3062372378"/>
+        <p14:creationId xmlns:p14="http://schemas.microsoft.com/office/powerpoint/2010/main" val="2681141107"/>
       </p:ext>
     </p:extLst>
   </p:cSld>
   <p:clrMapOvr>
     <a:masterClrMapping/>
   </p:clrMapOvr>
-  <p:transition spd="slow">
-    <p:wipe/>
-  </p:transition>
 </p:sld>
 </file>
 
